--- a/k8s.pptx
+++ b/k8s.pptx
@@ -6,13 +6,17 @@
   </p:sldMasterIdLst>
   <p:sldIdLst>
     <p:sldId id="257" r:id="rId2"/>
-    <p:sldId id="264" r:id="rId3"/>
-    <p:sldId id="260" r:id="rId4"/>
-    <p:sldId id="261" r:id="rId5"/>
-    <p:sldId id="258" r:id="rId6"/>
-    <p:sldId id="259" r:id="rId7"/>
-    <p:sldId id="262" r:id="rId8"/>
-    <p:sldId id="263" r:id="rId9"/>
+    <p:sldId id="265" r:id="rId3"/>
+    <p:sldId id="264" r:id="rId4"/>
+    <p:sldId id="260" r:id="rId5"/>
+    <p:sldId id="266" r:id="rId6"/>
+    <p:sldId id="267" r:id="rId7"/>
+    <p:sldId id="268" r:id="rId8"/>
+    <p:sldId id="261" r:id="rId9"/>
+    <p:sldId id="258" r:id="rId10"/>
+    <p:sldId id="259" r:id="rId11"/>
+    <p:sldId id="262" r:id="rId12"/>
+    <p:sldId id="263" r:id="rId13"/>
   </p:sldIdLst>
   <p:sldSz cx="12192000" cy="6858000"/>
   <p:notesSz cx="6858000" cy="9144000"/>
@@ -111,6 +115,11 @@
       </a:defRPr>
     </a:lvl9pPr>
   </p:defaultTextStyle>
+  <p:extLst>
+    <p:ext uri="{EFAFB233-063F-42B5-8137-9DF3F51BA10A}">
+      <p15:sldGuideLst xmlns:p15="http://schemas.microsoft.com/office/powerpoint/2012/main"/>
+    </p:ext>
+  </p:extLst>
 </p:presentation>
 </file>
 
@@ -245,7 +254,7 @@
           <a:p>
             <a:fld id="{FD9B14EC-F5B3-48B6-86BF-6755A31641A9}" type="datetimeFigureOut">
               <a:rPr lang="zh-CN" altLang="en-US" smtClean="0"/>
-              <a:t>2018/10/30</a:t>
+              <a:t>2018/10/31</a:t>
             </a:fld>
             <a:endParaRPr lang="zh-CN" altLang="en-US"/>
           </a:p>
@@ -415,7 +424,7 @@
           <a:p>
             <a:fld id="{FD9B14EC-F5B3-48B6-86BF-6755A31641A9}" type="datetimeFigureOut">
               <a:rPr lang="zh-CN" altLang="en-US" smtClean="0"/>
-              <a:t>2018/10/30</a:t>
+              <a:t>2018/10/31</a:t>
             </a:fld>
             <a:endParaRPr lang="zh-CN" altLang="en-US"/>
           </a:p>
@@ -595,7 +604,7 @@
           <a:p>
             <a:fld id="{FD9B14EC-F5B3-48B6-86BF-6755A31641A9}" type="datetimeFigureOut">
               <a:rPr lang="zh-CN" altLang="en-US" smtClean="0"/>
-              <a:t>2018/10/30</a:t>
+              <a:t>2018/10/31</a:t>
             </a:fld>
             <a:endParaRPr lang="zh-CN" altLang="en-US"/>
           </a:p>
@@ -765,7 +774,7 @@
           <a:p>
             <a:fld id="{FD9B14EC-F5B3-48B6-86BF-6755A31641A9}" type="datetimeFigureOut">
               <a:rPr lang="zh-CN" altLang="en-US" smtClean="0"/>
-              <a:t>2018/10/30</a:t>
+              <a:t>2018/10/31</a:t>
             </a:fld>
             <a:endParaRPr lang="zh-CN" altLang="en-US"/>
           </a:p>
@@ -1011,7 +1020,7 @@
           <a:p>
             <a:fld id="{FD9B14EC-F5B3-48B6-86BF-6755A31641A9}" type="datetimeFigureOut">
               <a:rPr lang="zh-CN" altLang="en-US" smtClean="0"/>
-              <a:t>2018/10/30</a:t>
+              <a:t>2018/10/31</a:t>
             </a:fld>
             <a:endParaRPr lang="zh-CN" altLang="en-US"/>
           </a:p>
@@ -1243,7 +1252,7 @@
           <a:p>
             <a:fld id="{FD9B14EC-F5B3-48B6-86BF-6755A31641A9}" type="datetimeFigureOut">
               <a:rPr lang="zh-CN" altLang="en-US" smtClean="0"/>
-              <a:t>2018/10/30</a:t>
+              <a:t>2018/10/31</a:t>
             </a:fld>
             <a:endParaRPr lang="zh-CN" altLang="en-US"/>
           </a:p>
@@ -1610,7 +1619,7 @@
           <a:p>
             <a:fld id="{FD9B14EC-F5B3-48B6-86BF-6755A31641A9}" type="datetimeFigureOut">
               <a:rPr lang="zh-CN" altLang="en-US" smtClean="0"/>
-              <a:t>2018/10/30</a:t>
+              <a:t>2018/10/31</a:t>
             </a:fld>
             <a:endParaRPr lang="zh-CN" altLang="en-US"/>
           </a:p>
@@ -1728,7 +1737,7 @@
           <a:p>
             <a:fld id="{FD9B14EC-F5B3-48B6-86BF-6755A31641A9}" type="datetimeFigureOut">
               <a:rPr lang="zh-CN" altLang="en-US" smtClean="0"/>
-              <a:t>2018/10/30</a:t>
+              <a:t>2018/10/31</a:t>
             </a:fld>
             <a:endParaRPr lang="zh-CN" altLang="en-US"/>
           </a:p>
@@ -1823,7 +1832,7 @@
           <a:p>
             <a:fld id="{FD9B14EC-F5B3-48B6-86BF-6755A31641A9}" type="datetimeFigureOut">
               <a:rPr lang="zh-CN" altLang="en-US" smtClean="0"/>
-              <a:t>2018/10/30</a:t>
+              <a:t>2018/10/31</a:t>
             </a:fld>
             <a:endParaRPr lang="zh-CN" altLang="en-US"/>
           </a:p>
@@ -2100,7 +2109,7 @@
           <a:p>
             <a:fld id="{FD9B14EC-F5B3-48B6-86BF-6755A31641A9}" type="datetimeFigureOut">
               <a:rPr lang="zh-CN" altLang="en-US" smtClean="0"/>
-              <a:t>2018/10/30</a:t>
+              <a:t>2018/10/31</a:t>
             </a:fld>
             <a:endParaRPr lang="zh-CN" altLang="en-US"/>
           </a:p>
@@ -2353,7 +2362,7 @@
           <a:p>
             <a:fld id="{FD9B14EC-F5B3-48B6-86BF-6755A31641A9}" type="datetimeFigureOut">
               <a:rPr lang="zh-CN" altLang="en-US" smtClean="0"/>
-              <a:t>2018/10/30</a:t>
+              <a:t>2018/10/31</a:t>
             </a:fld>
             <a:endParaRPr lang="zh-CN" altLang="en-US"/>
           </a:p>
@@ -2566,7 +2575,7 @@
           <a:p>
             <a:fld id="{FD9B14EC-F5B3-48B6-86BF-6755A31641A9}" type="datetimeFigureOut">
               <a:rPr lang="zh-CN" altLang="en-US" smtClean="0"/>
-              <a:t>2018/10/30</a:t>
+              <a:t>2018/10/31</a:t>
             </a:fld>
             <a:endParaRPr lang="zh-CN" altLang="en-US"/>
           </a:p>
@@ -3272,6 +3281,1712 @@
 </p:sld>
 </file>
 
+<file path=ppt/slides/slide10.xml><?xml version="1.0" encoding="utf-8"?>
+<p:sld xmlns:a="http://schemas.openxmlformats.org/drawingml/2006/main" xmlns:r="http://schemas.openxmlformats.org/officeDocument/2006/relationships" xmlns:p="http://schemas.openxmlformats.org/presentationml/2006/main">
+  <p:cSld>
+    <p:spTree>
+      <p:nvGrpSpPr>
+        <p:cNvPr id="1" name=""/>
+        <p:cNvGrpSpPr/>
+        <p:nvPr/>
+      </p:nvGrpSpPr>
+      <p:grpSpPr>
+        <a:xfrm>
+          <a:off x="0" y="0"/>
+          <a:ext cx="0" cy="0"/>
+          <a:chOff x="0" y="0"/>
+          <a:chExt cx="0" cy="0"/>
+        </a:xfrm>
+      </p:grpSpPr>
+      <p:pic>
+        <p:nvPicPr>
+          <p:cNvPr id="2" name="图片 1"/>
+          <p:cNvPicPr>
+            <a:picLocks noChangeAspect="1"/>
+          </p:cNvPicPr>
+          <p:nvPr/>
+        </p:nvPicPr>
+        <p:blipFill>
+          <a:blip r:embed="rId2" cstate="print">
+            <a:extLst>
+              <a:ext uri="{28A0092B-C50C-407E-A947-70E740481C1C}">
+                <a14:useLocalDpi xmlns:a14="http://schemas.microsoft.com/office/drawing/2010/main" val="0"/>
+              </a:ext>
+            </a:extLst>
+          </a:blip>
+          <a:stretch>
+            <a:fillRect/>
+          </a:stretch>
+        </p:blipFill>
+        <p:spPr>
+          <a:xfrm>
+            <a:off x="10332227" y="6333564"/>
+            <a:ext cx="1684961" cy="430306"/>
+          </a:xfrm>
+          <a:prstGeom prst="rect">
+            <a:avLst/>
+          </a:prstGeom>
+        </p:spPr>
+      </p:pic>
+      <p:sp>
+        <p:nvSpPr>
+          <p:cNvPr id="4" name="文本占位符 1"/>
+          <p:cNvSpPr txBox="1"/>
+          <p:nvPr/>
+        </p:nvSpPr>
+        <p:spPr>
+          <a:xfrm>
+            <a:off x="488875" y="158339"/>
+            <a:ext cx="4124689" cy="615542"/>
+          </a:xfrm>
+          <a:prstGeom prst="rect">
+            <a:avLst/>
+          </a:prstGeom>
+          <a:noFill/>
+        </p:spPr>
+        <p:style>
+          <a:lnRef idx="0">
+            <a:scrgbClr r="0" g="0" b="0"/>
+          </a:lnRef>
+          <a:fillRef idx="0">
+            <a:scrgbClr r="0" g="0" b="0"/>
+          </a:fillRef>
+          <a:effectRef idx="0">
+            <a:scrgbClr r="0" g="0" b="0"/>
+          </a:effectRef>
+          <a:fontRef idx="major"/>
+        </p:style>
+        <p:txBody>
+          <a:bodyPr/>
+          <a:lstStyle>
+            <a:lvl1pPr>
+              <a:defRPr>
+                <a:latin typeface="+mj-lt"/>
+                <a:ea typeface="+mj-ea"/>
+                <a:cs typeface="+mj-cs"/>
+              </a:defRPr>
+            </a:lvl1pPr>
+            <a:lvl2pPr>
+              <a:defRPr>
+                <a:latin typeface="+mj-lt"/>
+                <a:ea typeface="+mj-ea"/>
+                <a:cs typeface="+mj-cs"/>
+              </a:defRPr>
+            </a:lvl2pPr>
+            <a:lvl3pPr>
+              <a:defRPr>
+                <a:latin typeface="+mj-lt"/>
+                <a:ea typeface="+mj-ea"/>
+                <a:cs typeface="+mj-cs"/>
+              </a:defRPr>
+            </a:lvl3pPr>
+            <a:lvl4pPr>
+              <a:defRPr>
+                <a:latin typeface="+mj-lt"/>
+                <a:ea typeface="+mj-ea"/>
+                <a:cs typeface="+mj-cs"/>
+              </a:defRPr>
+            </a:lvl4pPr>
+            <a:lvl5pPr>
+              <a:defRPr>
+                <a:latin typeface="+mj-lt"/>
+                <a:ea typeface="+mj-ea"/>
+                <a:cs typeface="+mj-cs"/>
+              </a:defRPr>
+            </a:lvl5pPr>
+            <a:lvl6pPr>
+              <a:defRPr>
+                <a:latin typeface="+mj-lt"/>
+                <a:ea typeface="+mj-ea"/>
+                <a:cs typeface="+mj-cs"/>
+              </a:defRPr>
+            </a:lvl6pPr>
+            <a:lvl7pPr>
+              <a:defRPr>
+                <a:latin typeface="+mj-lt"/>
+                <a:ea typeface="+mj-ea"/>
+                <a:cs typeface="+mj-cs"/>
+              </a:defRPr>
+            </a:lvl7pPr>
+            <a:lvl8pPr>
+              <a:defRPr>
+                <a:latin typeface="+mj-lt"/>
+                <a:ea typeface="+mj-ea"/>
+                <a:cs typeface="+mj-cs"/>
+              </a:defRPr>
+            </a:lvl8pPr>
+            <a:lvl9pPr>
+              <a:defRPr>
+                <a:latin typeface="+mj-lt"/>
+                <a:ea typeface="+mj-ea"/>
+                <a:cs typeface="+mj-cs"/>
+              </a:defRPr>
+            </a:lvl9pPr>
+          </a:lstStyle>
+          <a:p>
+            <a:pPr marL="0" indent="0">
+              <a:buNone/>
+            </a:pPr>
+            <a:r>
+              <a:rPr lang="en-US" altLang="zh-CN" sz="2800" b="1" dirty="0" smtClean="0">
+                <a:solidFill>
+                  <a:schemeClr val="tx1">
+                    <a:lumMod val="85000"/>
+                    <a:lumOff val="15000"/>
+                  </a:schemeClr>
+                </a:solidFill>
+                <a:latin typeface="微软雅黑" panose="020B0503020204020204" pitchFamily="34" charset="-122"/>
+                <a:ea typeface="微软雅黑" panose="020B0503020204020204" pitchFamily="34" charset="-122"/>
+              </a:rPr>
+              <a:t>Replication Controller</a:t>
+            </a:r>
+            <a:endParaRPr lang="zh-CN" altLang="en-US" sz="2800" b="1" kern="1200" dirty="0">
+              <a:solidFill>
+                <a:schemeClr val="tx1">
+                  <a:lumMod val="85000"/>
+                  <a:lumOff val="15000"/>
+                </a:schemeClr>
+              </a:solidFill>
+              <a:latin typeface="微软雅黑" panose="020B0503020204020204" pitchFamily="34" charset="-122"/>
+              <a:ea typeface="微软雅黑" panose="020B0503020204020204" pitchFamily="34" charset="-122"/>
+            </a:endParaRPr>
+          </a:p>
+        </p:txBody>
+      </p:sp>
+      <p:sp>
+        <p:nvSpPr>
+          <p:cNvPr id="5" name="矩形 4"/>
+          <p:cNvSpPr/>
+          <p:nvPr/>
+        </p:nvSpPr>
+        <p:spPr>
+          <a:xfrm>
+            <a:off x="0" y="438912"/>
+            <a:ext cx="347241" cy="151553"/>
+          </a:xfrm>
+          <a:prstGeom prst="rect">
+            <a:avLst/>
+          </a:prstGeom>
+          <a:solidFill>
+            <a:srgbClr val="0070C0"/>
+          </a:solidFill>
+          <a:ln>
+            <a:noFill/>
+          </a:ln>
+        </p:spPr>
+        <p:style>
+          <a:lnRef idx="2">
+            <a:schemeClr val="accent1">
+              <a:shade val="50000"/>
+            </a:schemeClr>
+          </a:lnRef>
+          <a:fillRef idx="1">
+            <a:schemeClr val="accent1"/>
+          </a:fillRef>
+          <a:effectRef idx="0">
+            <a:schemeClr val="accent1"/>
+          </a:effectRef>
+          <a:fontRef idx="minor">
+            <a:schemeClr val="lt1"/>
+          </a:fontRef>
+        </p:style>
+        <p:txBody>
+          <a:bodyPr rtlCol="0" anchor="ctr"/>
+          <a:lstStyle/>
+          <a:p>
+            <a:pPr algn="ctr"/>
+            <a:endParaRPr kumimoji="1" lang="zh-CN" altLang="en-US"/>
+          </a:p>
+        </p:txBody>
+      </p:sp>
+      <p:sp>
+        <p:nvSpPr>
+          <p:cNvPr id="6" name="矩形 5"/>
+          <p:cNvSpPr/>
+          <p:nvPr/>
+        </p:nvSpPr>
+        <p:spPr>
+          <a:xfrm>
+            <a:off x="396278" y="438912"/>
+            <a:ext cx="92598" cy="151553"/>
+          </a:xfrm>
+          <a:prstGeom prst="rect">
+            <a:avLst/>
+          </a:prstGeom>
+          <a:solidFill>
+            <a:srgbClr val="999999"/>
+          </a:solidFill>
+          <a:ln>
+            <a:noFill/>
+          </a:ln>
+        </p:spPr>
+        <p:style>
+          <a:lnRef idx="2">
+            <a:schemeClr val="accent1">
+              <a:shade val="50000"/>
+            </a:schemeClr>
+          </a:lnRef>
+          <a:fillRef idx="1">
+            <a:schemeClr val="accent1"/>
+          </a:fillRef>
+          <a:effectRef idx="0">
+            <a:schemeClr val="accent1"/>
+          </a:effectRef>
+          <a:fontRef idx="minor">
+            <a:schemeClr val="lt1"/>
+          </a:fontRef>
+        </p:style>
+        <p:txBody>
+          <a:bodyPr rtlCol="0" anchor="ctr"/>
+          <a:lstStyle/>
+          <a:p>
+            <a:pPr algn="ctr"/>
+            <a:endParaRPr kumimoji="1" lang="zh-CN" altLang="en-US">
+              <a:solidFill>
+                <a:srgbClr val="999999"/>
+              </a:solidFill>
+            </a:endParaRPr>
+          </a:p>
+        </p:txBody>
+      </p:sp>
+      <p:sp>
+        <p:nvSpPr>
+          <p:cNvPr id="7" name="文本框 6"/>
+          <p:cNvSpPr txBox="1"/>
+          <p:nvPr/>
+        </p:nvSpPr>
+        <p:spPr>
+          <a:xfrm>
+            <a:off x="488875" y="773881"/>
+            <a:ext cx="11528313" cy="5078313"/>
+          </a:xfrm>
+          <a:prstGeom prst="rect">
+            <a:avLst/>
+          </a:prstGeom>
+          <a:noFill/>
+        </p:spPr>
+        <p:txBody>
+          <a:bodyPr wrap="square" rtlCol="0">
+            <a:spAutoFit/>
+          </a:bodyPr>
+          <a:lstStyle/>
+          <a:p>
+            <a:r>
+              <a:rPr lang="zh-CN" altLang="en-US" dirty="0" smtClean="0"/>
+              <a:t>副本</a:t>
+            </a:r>
+            <a:r>
+              <a:rPr lang="zh-CN" altLang="en-US" dirty="0" smtClean="0"/>
+              <a:t>控制器</a:t>
+            </a:r>
+            <a:r>
+              <a:rPr lang="en-US" altLang="zh-CN" dirty="0" smtClean="0"/>
+              <a:t>RC</a:t>
+            </a:r>
+            <a:endParaRPr lang="en-US" altLang="zh-CN" dirty="0" smtClean="0"/>
+          </a:p>
+          <a:p>
+            <a:r>
+              <a:rPr lang="en-US" altLang="zh-CN" dirty="0" smtClean="0"/>
+              <a:t>1</a:t>
+            </a:r>
+            <a:r>
+              <a:rPr lang="zh-CN" altLang="en-US" dirty="0" smtClean="0"/>
+              <a:t>、确保集群中有且仅有</a:t>
+            </a:r>
+            <a:r>
+              <a:rPr lang="en-US" altLang="zh-CN" dirty="0" smtClean="0"/>
+              <a:t>N</a:t>
+            </a:r>
+            <a:r>
+              <a:rPr lang="zh-CN" altLang="en-US" dirty="0" smtClean="0"/>
+              <a:t>个</a:t>
+            </a:r>
+            <a:r>
+              <a:rPr lang="en-US" altLang="zh-CN" dirty="0" smtClean="0"/>
+              <a:t>Pod</a:t>
+            </a:r>
+            <a:r>
+              <a:rPr lang="zh-CN" altLang="en-US" dirty="0" smtClean="0"/>
+              <a:t>实例。</a:t>
+            </a:r>
+            <a:r>
+              <a:rPr lang="en-US" altLang="zh-CN" dirty="0" smtClean="0"/>
+              <a:t>N</a:t>
+            </a:r>
+            <a:r>
+              <a:rPr lang="zh-CN" altLang="en-US" dirty="0" smtClean="0"/>
+              <a:t>是设定的副本数量。</a:t>
+            </a:r>
+            <a:endParaRPr lang="en-US" altLang="zh-CN" dirty="0" smtClean="0"/>
+          </a:p>
+          <a:p>
+            <a:r>
+              <a:rPr lang="en-US" altLang="zh-CN" dirty="0" smtClean="0"/>
+              <a:t>2</a:t>
+            </a:r>
+            <a:r>
+              <a:rPr lang="zh-CN" altLang="en-US" dirty="0" smtClean="0"/>
+              <a:t>、通过</a:t>
+            </a:r>
+            <a:r>
+              <a:rPr lang="en-US" altLang="zh-CN" dirty="0" err="1" smtClean="0"/>
+              <a:t>spec.replicas</a:t>
+            </a:r>
+            <a:r>
+              <a:rPr lang="zh-CN" altLang="en-US" dirty="0" smtClean="0"/>
+              <a:t>属性值来实现系统扩容或缩容。</a:t>
+            </a:r>
+            <a:endParaRPr lang="en-US" altLang="zh-CN" dirty="0" smtClean="0"/>
+          </a:p>
+          <a:p>
+            <a:r>
+              <a:rPr lang="en-US" altLang="zh-CN" dirty="0" smtClean="0"/>
+              <a:t>3</a:t>
+            </a:r>
+            <a:r>
+              <a:rPr lang="zh-CN" altLang="en-US" dirty="0" smtClean="0"/>
+              <a:t>、通过改变</a:t>
+            </a:r>
+            <a:r>
+              <a:rPr lang="en-US" altLang="zh-CN" dirty="0" smtClean="0"/>
+              <a:t>Pod</a:t>
+            </a:r>
+            <a:r>
+              <a:rPr lang="zh-CN" altLang="en-US" dirty="0" smtClean="0"/>
+              <a:t>模板来实现系统的滚动升级</a:t>
+            </a:r>
+            <a:r>
+              <a:rPr lang="zh-CN" altLang="en-US" dirty="0" smtClean="0"/>
+              <a:t>。</a:t>
+            </a:r>
+            <a:endParaRPr lang="en-US" altLang="zh-CN" dirty="0" smtClean="0"/>
+          </a:p>
+          <a:p>
+            <a:endParaRPr lang="en-US" altLang="zh-CN" dirty="0" smtClean="0"/>
+          </a:p>
+          <a:p>
+            <a:r>
+              <a:rPr lang="en-US" altLang="zh-CN" dirty="0" smtClean="0"/>
+              <a:t>RC</a:t>
+            </a:r>
+            <a:r>
+              <a:rPr lang="zh-CN" altLang="en-US" dirty="0" smtClean="0"/>
+              <a:t>的定义中几个重要的内容：</a:t>
+            </a:r>
+            <a:endParaRPr lang="en-US" altLang="zh-CN" dirty="0" smtClean="0"/>
+          </a:p>
+          <a:p>
+            <a:r>
+              <a:rPr lang="en-US" altLang="zh-CN" dirty="0" smtClean="0"/>
+              <a:t>1</a:t>
+            </a:r>
+            <a:r>
+              <a:rPr lang="zh-CN" altLang="en-US" dirty="0" smtClean="0"/>
+              <a:t>、预期的</a:t>
+            </a:r>
+            <a:r>
+              <a:rPr lang="en-US" altLang="zh-CN" dirty="0" smtClean="0"/>
+              <a:t>Pod</a:t>
+            </a:r>
+            <a:r>
+              <a:rPr lang="zh-CN" altLang="en-US" dirty="0" smtClean="0"/>
+              <a:t>数量。</a:t>
+            </a:r>
+            <a:endParaRPr lang="en-US" altLang="zh-CN" dirty="0" smtClean="0"/>
+          </a:p>
+          <a:p>
+            <a:r>
+              <a:rPr lang="en-US" altLang="zh-CN" dirty="0" smtClean="0"/>
+              <a:t>2</a:t>
+            </a:r>
+            <a:r>
+              <a:rPr lang="zh-CN" altLang="en-US" dirty="0" smtClean="0"/>
+              <a:t>、用于查找</a:t>
+            </a:r>
+            <a:r>
+              <a:rPr lang="en-US" altLang="zh-CN" dirty="0" smtClean="0"/>
+              <a:t>Pod</a:t>
+            </a:r>
+            <a:r>
+              <a:rPr lang="zh-CN" altLang="en-US" dirty="0" smtClean="0"/>
+              <a:t>的</a:t>
+            </a:r>
+            <a:r>
+              <a:rPr lang="en-US" altLang="zh-CN" dirty="0" smtClean="0"/>
+              <a:t>Label Selector</a:t>
+            </a:r>
+            <a:r>
+              <a:rPr lang="zh-CN" altLang="en-US" dirty="0" smtClean="0"/>
+              <a:t>。</a:t>
+            </a:r>
+            <a:endParaRPr lang="en-US" altLang="zh-CN" dirty="0" smtClean="0"/>
+          </a:p>
+          <a:p>
+            <a:r>
+              <a:rPr lang="en-US" altLang="zh-CN" dirty="0" smtClean="0"/>
+              <a:t>3</a:t>
+            </a:r>
+            <a:r>
+              <a:rPr lang="zh-CN" altLang="en-US" dirty="0" smtClean="0"/>
+              <a:t>、当</a:t>
+            </a:r>
+            <a:r>
+              <a:rPr lang="en-US" altLang="zh-CN" dirty="0" smtClean="0"/>
+              <a:t>Pod</a:t>
+            </a:r>
+            <a:r>
+              <a:rPr lang="zh-CN" altLang="en-US" dirty="0" smtClean="0"/>
+              <a:t>数量小于预期数量时，用于创建</a:t>
+            </a:r>
+            <a:r>
+              <a:rPr lang="en-US" altLang="zh-CN" dirty="0" smtClean="0"/>
+              <a:t>Pod</a:t>
+            </a:r>
+            <a:r>
+              <a:rPr lang="zh-CN" altLang="en-US" dirty="0" smtClean="0"/>
+              <a:t>的模板。</a:t>
+            </a:r>
+            <a:endParaRPr lang="en-US" altLang="zh-CN" dirty="0" smtClean="0"/>
+          </a:p>
+          <a:p>
+            <a:endParaRPr lang="en-US" altLang="zh-CN" dirty="0"/>
+          </a:p>
+          <a:p>
+            <a:r>
+              <a:rPr lang="zh-CN" altLang="en-US" dirty="0" smtClean="0"/>
+              <a:t>在</a:t>
+            </a:r>
+            <a:r>
+              <a:rPr lang="en-US" altLang="zh-CN" dirty="0" smtClean="0"/>
+              <a:t>k8s 1.2</a:t>
+            </a:r>
+            <a:r>
+              <a:rPr lang="zh-CN" altLang="en-US" dirty="0" smtClean="0"/>
+              <a:t>版本之后</a:t>
+            </a:r>
+            <a:r>
+              <a:rPr lang="en-US" altLang="zh-CN" dirty="0" smtClean="0"/>
+              <a:t>RC</a:t>
+            </a:r>
+            <a:r>
+              <a:rPr lang="zh-CN" altLang="en-US" dirty="0" smtClean="0"/>
+              <a:t>升级为</a:t>
+            </a:r>
+            <a:r>
+              <a:rPr lang="en-US" altLang="zh-CN" dirty="0" smtClean="0"/>
+              <a:t>Replica Set</a:t>
+            </a:r>
+            <a:r>
+              <a:rPr lang="zh-CN" altLang="en-US" dirty="0" smtClean="0"/>
+              <a:t>，</a:t>
+            </a:r>
+            <a:r>
+              <a:rPr lang="en-US" altLang="zh-CN" dirty="0" smtClean="0"/>
+              <a:t>RS</a:t>
+            </a:r>
+            <a:r>
+              <a:rPr lang="zh-CN" altLang="en-US" dirty="0" smtClean="0"/>
+              <a:t>就支持了</a:t>
+            </a:r>
+            <a:r>
+              <a:rPr lang="en-US" altLang="zh-CN" dirty="0" err="1" smtClean="0"/>
+              <a:t>Lable</a:t>
+            </a:r>
+            <a:r>
+              <a:rPr lang="zh-CN" altLang="en-US" dirty="0" smtClean="0"/>
+              <a:t>章节里说的使用集合的形式查找</a:t>
+            </a:r>
+            <a:r>
+              <a:rPr lang="en-US" altLang="zh-CN" dirty="0" smtClean="0"/>
+              <a:t>Pod</a:t>
+            </a:r>
+            <a:r>
+              <a:rPr lang="zh-CN" altLang="en-US" dirty="0" smtClean="0"/>
+              <a:t>的功能。</a:t>
+            </a:r>
+            <a:endParaRPr lang="en-US" altLang="zh-CN" dirty="0" smtClean="0"/>
+          </a:p>
+          <a:p>
+            <a:endParaRPr lang="en-US" altLang="zh-CN" dirty="0"/>
+          </a:p>
+          <a:p>
+            <a:r>
+              <a:rPr lang="zh-CN" altLang="en-US" dirty="0" smtClean="0"/>
+              <a:t>需要注意的是：</a:t>
+            </a:r>
+            <a:endParaRPr lang="en-US" altLang="zh-CN" dirty="0" smtClean="0"/>
+          </a:p>
+          <a:p>
+            <a:r>
+              <a:rPr lang="en-US" altLang="zh-CN" dirty="0" smtClean="0"/>
+              <a:t>1</a:t>
+            </a:r>
+            <a:r>
+              <a:rPr lang="zh-CN" altLang="en-US" dirty="0" smtClean="0"/>
+              <a:t>、</a:t>
+            </a:r>
+            <a:r>
+              <a:rPr lang="en-US" altLang="zh-CN" dirty="0" smtClean="0"/>
+              <a:t>Pod</a:t>
+            </a:r>
+            <a:r>
+              <a:rPr lang="zh-CN" altLang="en-US" dirty="0" smtClean="0"/>
+              <a:t>实例和</a:t>
+            </a:r>
+            <a:r>
+              <a:rPr lang="en-US" altLang="zh-CN" dirty="0" smtClean="0"/>
+              <a:t>Pod</a:t>
+            </a:r>
+            <a:r>
+              <a:rPr lang="zh-CN" altLang="en-US" dirty="0" smtClean="0"/>
+              <a:t>模板无关。</a:t>
+            </a:r>
+            <a:r>
+              <a:rPr lang="en-US" altLang="zh-CN" dirty="0" smtClean="0"/>
+              <a:t>Pod</a:t>
+            </a:r>
+            <a:r>
+              <a:rPr lang="zh-CN" altLang="en-US" dirty="0" smtClean="0"/>
+              <a:t>实例一旦被创建就和模板没有关系，模板如果发生变化不会影响到已经创建的</a:t>
+            </a:r>
+            <a:r>
+              <a:rPr lang="en-US" altLang="zh-CN" dirty="0" smtClean="0"/>
+              <a:t>Pod</a:t>
+            </a:r>
+            <a:r>
+              <a:rPr lang="zh-CN" altLang="en-US" dirty="0" smtClean="0"/>
+              <a:t>实例。</a:t>
+            </a:r>
+            <a:endParaRPr lang="en-US" altLang="zh-CN" dirty="0" smtClean="0"/>
+          </a:p>
+          <a:p>
+            <a:r>
+              <a:rPr lang="en-US" altLang="zh-CN" dirty="0" smtClean="0"/>
+              <a:t>2</a:t>
+            </a:r>
+            <a:r>
+              <a:rPr lang="zh-CN" altLang="en-US" dirty="0" smtClean="0"/>
+              <a:t>、只有</a:t>
+            </a:r>
+            <a:r>
+              <a:rPr lang="en-US" altLang="zh-CN" dirty="0" smtClean="0"/>
+              <a:t>Pod</a:t>
+            </a:r>
+            <a:r>
+              <a:rPr lang="zh-CN" altLang="en-US" dirty="0" smtClean="0"/>
+              <a:t>重启策略是</a:t>
+            </a:r>
+            <a:r>
+              <a:rPr lang="en-US" altLang="zh-CN" dirty="0" smtClean="0"/>
+              <a:t>always</a:t>
+            </a:r>
+            <a:r>
+              <a:rPr lang="zh-CN" altLang="en-US" dirty="0" smtClean="0"/>
+              <a:t>，副本控制器才会管理该</a:t>
+            </a:r>
+            <a:r>
+              <a:rPr lang="en-US" altLang="zh-CN" dirty="0" smtClean="0"/>
+              <a:t>Pod</a:t>
+            </a:r>
+            <a:r>
+              <a:rPr lang="zh-CN" altLang="en-US" dirty="0" smtClean="0"/>
+              <a:t>的操作（创建、销毁、重启）。</a:t>
+            </a:r>
+            <a:endParaRPr lang="en-US" altLang="zh-CN" dirty="0" smtClean="0"/>
+          </a:p>
+          <a:p>
+            <a:r>
+              <a:rPr lang="en-US" altLang="zh-CN" dirty="0" smtClean="0"/>
+              <a:t>3</a:t>
+            </a:r>
+            <a:r>
+              <a:rPr lang="zh-CN" altLang="en-US" dirty="0" smtClean="0"/>
+              <a:t>、</a:t>
+            </a:r>
+            <a:r>
+              <a:rPr lang="en-US" altLang="zh-CN" dirty="0" smtClean="0"/>
+              <a:t>Pod</a:t>
+            </a:r>
+            <a:r>
+              <a:rPr lang="zh-CN" altLang="en-US" dirty="0" smtClean="0"/>
+              <a:t>可以通过</a:t>
+            </a:r>
+            <a:r>
+              <a:rPr lang="zh-CN" altLang="en-US" dirty="0" smtClean="0"/>
+              <a:t>修改</a:t>
+            </a:r>
+            <a:r>
+              <a:rPr lang="en-US" altLang="zh-CN" dirty="0"/>
+              <a:t>L</a:t>
+            </a:r>
+            <a:r>
+              <a:rPr lang="en-US" altLang="zh-CN" dirty="0" smtClean="0"/>
+              <a:t>abel</a:t>
+            </a:r>
+            <a:r>
+              <a:rPr lang="zh-CN" altLang="en-US" dirty="0" smtClean="0"/>
+              <a:t>来脱离副本控制器的管理，便于</a:t>
+            </a:r>
+            <a:r>
+              <a:rPr lang="en-US" altLang="zh-CN" dirty="0" smtClean="0"/>
+              <a:t>Pod</a:t>
+            </a:r>
+            <a:r>
+              <a:rPr lang="zh-CN" altLang="en-US" dirty="0" smtClean="0"/>
+              <a:t>的迁移和调试等</a:t>
+            </a:r>
+            <a:r>
+              <a:rPr lang="zh-CN" altLang="en-US" dirty="0" smtClean="0"/>
+              <a:t>。</a:t>
+            </a:r>
+            <a:endParaRPr lang="en-US" altLang="zh-CN" dirty="0" smtClean="0"/>
+          </a:p>
+          <a:p>
+            <a:r>
+              <a:rPr lang="en-US" altLang="zh-CN" dirty="0" smtClean="0"/>
+              <a:t>4</a:t>
+            </a:r>
+            <a:r>
+              <a:rPr lang="zh-CN" altLang="en-US" dirty="0" smtClean="0"/>
+              <a:t>、删除</a:t>
+            </a:r>
+            <a:r>
+              <a:rPr lang="en-US" altLang="zh-CN" dirty="0" smtClean="0"/>
+              <a:t>RC</a:t>
+            </a:r>
+            <a:r>
+              <a:rPr lang="zh-CN" altLang="en-US" dirty="0" smtClean="0"/>
+              <a:t>并不会删除</a:t>
+            </a:r>
+            <a:r>
+              <a:rPr lang="en-US" altLang="zh-CN" dirty="0" smtClean="0"/>
+              <a:t>RC</a:t>
+            </a:r>
+            <a:r>
+              <a:rPr lang="zh-CN" altLang="en-US" dirty="0" smtClean="0"/>
+              <a:t>所创建的</a:t>
+            </a:r>
+            <a:r>
+              <a:rPr lang="en-US" altLang="zh-CN" dirty="0" smtClean="0"/>
+              <a:t>Pod</a:t>
+            </a:r>
+            <a:r>
+              <a:rPr lang="zh-CN" altLang="en-US" dirty="0" smtClean="0"/>
+              <a:t>，如果需要删除</a:t>
+            </a:r>
+            <a:r>
+              <a:rPr lang="en-US" altLang="zh-CN" dirty="0" smtClean="0"/>
+              <a:t>RC</a:t>
+            </a:r>
+            <a:r>
+              <a:rPr lang="zh-CN" altLang="en-US" dirty="0" smtClean="0"/>
+              <a:t>的</a:t>
+            </a:r>
+            <a:r>
+              <a:rPr lang="en-US" altLang="zh-CN" dirty="0" smtClean="0"/>
+              <a:t>Pod</a:t>
+            </a:r>
+            <a:r>
+              <a:rPr lang="zh-CN" altLang="en-US" dirty="0" smtClean="0"/>
+              <a:t>，需要将预期</a:t>
+            </a:r>
+            <a:r>
+              <a:rPr lang="en-US" altLang="zh-CN" dirty="0" smtClean="0"/>
+              <a:t>Pod</a:t>
+            </a:r>
+            <a:r>
+              <a:rPr lang="zh-CN" altLang="en-US" dirty="0" smtClean="0"/>
+              <a:t>数量设置为</a:t>
+            </a:r>
+            <a:r>
+              <a:rPr lang="en-US" altLang="zh-CN" dirty="0" smtClean="0"/>
+              <a:t>0</a:t>
+            </a:r>
+            <a:r>
+              <a:rPr lang="zh-CN" altLang="en-US" dirty="0" smtClean="0"/>
+              <a:t>，然后更新</a:t>
+            </a:r>
+            <a:r>
+              <a:rPr lang="en-US" altLang="zh-CN" dirty="0" smtClean="0"/>
+              <a:t>RC</a:t>
+            </a:r>
+            <a:r>
+              <a:rPr lang="zh-CN" altLang="en-US" dirty="0" smtClean="0"/>
+              <a:t>。</a:t>
+            </a:r>
+            <a:endParaRPr lang="zh-CN" altLang="en-US" dirty="0"/>
+          </a:p>
+        </p:txBody>
+      </p:sp>
+    </p:spTree>
+    <p:extLst>
+      <p:ext uri="{BB962C8B-B14F-4D97-AF65-F5344CB8AC3E}">
+        <p14:creationId xmlns:p14="http://schemas.microsoft.com/office/powerpoint/2010/main" val="1958155242"/>
+      </p:ext>
+    </p:extLst>
+  </p:cSld>
+  <p:clrMapOvr>
+    <a:masterClrMapping/>
+  </p:clrMapOvr>
+</p:sld>
+</file>
+
+<file path=ppt/slides/slide11.xml><?xml version="1.0" encoding="utf-8"?>
+<p:sld xmlns:a="http://schemas.openxmlformats.org/drawingml/2006/main" xmlns:r="http://schemas.openxmlformats.org/officeDocument/2006/relationships" xmlns:p="http://schemas.openxmlformats.org/presentationml/2006/main">
+  <p:cSld>
+    <p:spTree>
+      <p:nvGrpSpPr>
+        <p:cNvPr id="1" name=""/>
+        <p:cNvGrpSpPr/>
+        <p:nvPr/>
+      </p:nvGrpSpPr>
+      <p:grpSpPr>
+        <a:xfrm>
+          <a:off x="0" y="0"/>
+          <a:ext cx="0" cy="0"/>
+          <a:chOff x="0" y="0"/>
+          <a:chExt cx="0" cy="0"/>
+        </a:xfrm>
+      </p:grpSpPr>
+      <p:pic>
+        <p:nvPicPr>
+          <p:cNvPr id="2" name="图片 1"/>
+          <p:cNvPicPr>
+            <a:picLocks noChangeAspect="1"/>
+          </p:cNvPicPr>
+          <p:nvPr/>
+        </p:nvPicPr>
+        <p:blipFill>
+          <a:blip r:embed="rId2" cstate="print">
+            <a:extLst>
+              <a:ext uri="{28A0092B-C50C-407E-A947-70E740481C1C}">
+                <a14:useLocalDpi xmlns:a14="http://schemas.microsoft.com/office/drawing/2010/main" val="0"/>
+              </a:ext>
+            </a:extLst>
+          </a:blip>
+          <a:stretch>
+            <a:fillRect/>
+          </a:stretch>
+        </p:blipFill>
+        <p:spPr>
+          <a:xfrm>
+            <a:off x="10332227" y="6333564"/>
+            <a:ext cx="1684961" cy="430306"/>
+          </a:xfrm>
+          <a:prstGeom prst="rect">
+            <a:avLst/>
+          </a:prstGeom>
+        </p:spPr>
+      </p:pic>
+      <p:sp>
+        <p:nvSpPr>
+          <p:cNvPr id="4" name="文本占位符 1"/>
+          <p:cNvSpPr txBox="1"/>
+          <p:nvPr/>
+        </p:nvSpPr>
+        <p:spPr>
+          <a:xfrm>
+            <a:off x="488875" y="158339"/>
+            <a:ext cx="3695197" cy="615542"/>
+          </a:xfrm>
+          <a:prstGeom prst="rect">
+            <a:avLst/>
+          </a:prstGeom>
+          <a:noFill/>
+        </p:spPr>
+        <p:style>
+          <a:lnRef idx="0">
+            <a:scrgbClr r="0" g="0" b="0"/>
+          </a:lnRef>
+          <a:fillRef idx="0">
+            <a:scrgbClr r="0" g="0" b="0"/>
+          </a:fillRef>
+          <a:effectRef idx="0">
+            <a:scrgbClr r="0" g="0" b="0"/>
+          </a:effectRef>
+          <a:fontRef idx="major"/>
+        </p:style>
+        <p:txBody>
+          <a:bodyPr/>
+          <a:lstStyle>
+            <a:lvl1pPr>
+              <a:defRPr>
+                <a:latin typeface="+mj-lt"/>
+                <a:ea typeface="+mj-ea"/>
+                <a:cs typeface="+mj-cs"/>
+              </a:defRPr>
+            </a:lvl1pPr>
+            <a:lvl2pPr>
+              <a:defRPr>
+                <a:latin typeface="+mj-lt"/>
+                <a:ea typeface="+mj-ea"/>
+                <a:cs typeface="+mj-cs"/>
+              </a:defRPr>
+            </a:lvl2pPr>
+            <a:lvl3pPr>
+              <a:defRPr>
+                <a:latin typeface="+mj-lt"/>
+                <a:ea typeface="+mj-ea"/>
+                <a:cs typeface="+mj-cs"/>
+              </a:defRPr>
+            </a:lvl3pPr>
+            <a:lvl4pPr>
+              <a:defRPr>
+                <a:latin typeface="+mj-lt"/>
+                <a:ea typeface="+mj-ea"/>
+                <a:cs typeface="+mj-cs"/>
+              </a:defRPr>
+            </a:lvl4pPr>
+            <a:lvl5pPr>
+              <a:defRPr>
+                <a:latin typeface="+mj-lt"/>
+                <a:ea typeface="+mj-ea"/>
+                <a:cs typeface="+mj-cs"/>
+              </a:defRPr>
+            </a:lvl5pPr>
+            <a:lvl6pPr>
+              <a:defRPr>
+                <a:latin typeface="+mj-lt"/>
+                <a:ea typeface="+mj-ea"/>
+                <a:cs typeface="+mj-cs"/>
+              </a:defRPr>
+            </a:lvl6pPr>
+            <a:lvl7pPr>
+              <a:defRPr>
+                <a:latin typeface="+mj-lt"/>
+                <a:ea typeface="+mj-ea"/>
+                <a:cs typeface="+mj-cs"/>
+              </a:defRPr>
+            </a:lvl7pPr>
+            <a:lvl8pPr>
+              <a:defRPr>
+                <a:latin typeface="+mj-lt"/>
+                <a:ea typeface="+mj-ea"/>
+                <a:cs typeface="+mj-cs"/>
+              </a:defRPr>
+            </a:lvl8pPr>
+            <a:lvl9pPr>
+              <a:defRPr>
+                <a:latin typeface="+mj-lt"/>
+                <a:ea typeface="+mj-ea"/>
+                <a:cs typeface="+mj-cs"/>
+              </a:defRPr>
+            </a:lvl9pPr>
+          </a:lstStyle>
+          <a:p>
+            <a:pPr marL="0" indent="0">
+              <a:buNone/>
+            </a:pPr>
+            <a:r>
+              <a:rPr lang="en-US" altLang="zh-CN" sz="2800" b="1" dirty="0">
+                <a:solidFill>
+                  <a:schemeClr val="tx1">
+                    <a:lumMod val="85000"/>
+                    <a:lumOff val="15000"/>
+                  </a:schemeClr>
+                </a:solidFill>
+                <a:latin typeface="微软雅黑" panose="020B0503020204020204" pitchFamily="34" charset="-122"/>
+                <a:ea typeface="微软雅黑" panose="020B0503020204020204" pitchFamily="34" charset="-122"/>
+              </a:rPr>
+              <a:t>Node</a:t>
+            </a:r>
+            <a:r>
+              <a:rPr lang="en-US" altLang="zh-CN" sz="2800" b="1" dirty="0" smtClean="0">
+                <a:solidFill>
+                  <a:schemeClr val="tx1">
+                    <a:lumMod val="85000"/>
+                    <a:lumOff val="15000"/>
+                  </a:schemeClr>
+                </a:solidFill>
+                <a:latin typeface="微软雅黑" panose="020B0503020204020204" pitchFamily="34" charset="-122"/>
+                <a:ea typeface="微软雅黑" panose="020B0503020204020204" pitchFamily="34" charset="-122"/>
+              </a:rPr>
+              <a:t> Controller</a:t>
+            </a:r>
+            <a:endParaRPr lang="zh-CN" altLang="en-US" sz="2800" b="1" kern="1200" dirty="0">
+              <a:solidFill>
+                <a:schemeClr val="tx1">
+                  <a:lumMod val="85000"/>
+                  <a:lumOff val="15000"/>
+                </a:schemeClr>
+              </a:solidFill>
+              <a:latin typeface="微软雅黑" panose="020B0503020204020204" pitchFamily="34" charset="-122"/>
+              <a:ea typeface="微软雅黑" panose="020B0503020204020204" pitchFamily="34" charset="-122"/>
+            </a:endParaRPr>
+          </a:p>
+        </p:txBody>
+      </p:sp>
+      <p:sp>
+        <p:nvSpPr>
+          <p:cNvPr id="5" name="矩形 4"/>
+          <p:cNvSpPr/>
+          <p:nvPr/>
+        </p:nvSpPr>
+        <p:spPr>
+          <a:xfrm>
+            <a:off x="0" y="438912"/>
+            <a:ext cx="347241" cy="151553"/>
+          </a:xfrm>
+          <a:prstGeom prst="rect">
+            <a:avLst/>
+          </a:prstGeom>
+          <a:solidFill>
+            <a:srgbClr val="0070C0"/>
+          </a:solidFill>
+          <a:ln>
+            <a:noFill/>
+          </a:ln>
+        </p:spPr>
+        <p:style>
+          <a:lnRef idx="2">
+            <a:schemeClr val="accent1">
+              <a:shade val="50000"/>
+            </a:schemeClr>
+          </a:lnRef>
+          <a:fillRef idx="1">
+            <a:schemeClr val="accent1"/>
+          </a:fillRef>
+          <a:effectRef idx="0">
+            <a:schemeClr val="accent1"/>
+          </a:effectRef>
+          <a:fontRef idx="minor">
+            <a:schemeClr val="lt1"/>
+          </a:fontRef>
+        </p:style>
+        <p:txBody>
+          <a:bodyPr rtlCol="0" anchor="ctr"/>
+          <a:lstStyle/>
+          <a:p>
+            <a:pPr algn="ctr"/>
+            <a:endParaRPr kumimoji="1" lang="zh-CN" altLang="en-US"/>
+          </a:p>
+        </p:txBody>
+      </p:sp>
+      <p:sp>
+        <p:nvSpPr>
+          <p:cNvPr id="6" name="矩形 5"/>
+          <p:cNvSpPr/>
+          <p:nvPr/>
+        </p:nvSpPr>
+        <p:spPr>
+          <a:xfrm>
+            <a:off x="396278" y="438912"/>
+            <a:ext cx="92598" cy="151553"/>
+          </a:xfrm>
+          <a:prstGeom prst="rect">
+            <a:avLst/>
+          </a:prstGeom>
+          <a:solidFill>
+            <a:srgbClr val="999999"/>
+          </a:solidFill>
+          <a:ln>
+            <a:noFill/>
+          </a:ln>
+        </p:spPr>
+        <p:style>
+          <a:lnRef idx="2">
+            <a:schemeClr val="accent1">
+              <a:shade val="50000"/>
+            </a:schemeClr>
+          </a:lnRef>
+          <a:fillRef idx="1">
+            <a:schemeClr val="accent1"/>
+          </a:fillRef>
+          <a:effectRef idx="0">
+            <a:schemeClr val="accent1"/>
+          </a:effectRef>
+          <a:fontRef idx="minor">
+            <a:schemeClr val="lt1"/>
+          </a:fontRef>
+        </p:style>
+        <p:txBody>
+          <a:bodyPr rtlCol="0" anchor="ctr"/>
+          <a:lstStyle/>
+          <a:p>
+            <a:pPr algn="ctr"/>
+            <a:endParaRPr kumimoji="1" lang="zh-CN" altLang="en-US">
+              <a:solidFill>
+                <a:srgbClr val="999999"/>
+              </a:solidFill>
+            </a:endParaRPr>
+          </a:p>
+        </p:txBody>
+      </p:sp>
+      <p:sp>
+        <p:nvSpPr>
+          <p:cNvPr id="3" name="文本框 2"/>
+          <p:cNvSpPr txBox="1"/>
+          <p:nvPr/>
+        </p:nvSpPr>
+        <p:spPr>
+          <a:xfrm>
+            <a:off x="488874" y="773881"/>
+            <a:ext cx="11528313" cy="369332"/>
+          </a:xfrm>
+          <a:prstGeom prst="rect">
+            <a:avLst/>
+          </a:prstGeom>
+          <a:noFill/>
+        </p:spPr>
+        <p:txBody>
+          <a:bodyPr wrap="square" rtlCol="0">
+            <a:spAutoFit/>
+          </a:bodyPr>
+          <a:lstStyle/>
+          <a:p>
+            <a:r>
+              <a:rPr lang="en-US" altLang="zh-CN" dirty="0" smtClean="0"/>
+              <a:t>Node controller</a:t>
+            </a:r>
+            <a:r>
+              <a:rPr lang="zh-CN" altLang="en-US" dirty="0" smtClean="0"/>
+              <a:t>通过</a:t>
+            </a:r>
+            <a:r>
+              <a:rPr lang="en-US" altLang="zh-CN" dirty="0" smtClean="0"/>
+              <a:t>API server</a:t>
+            </a:r>
+            <a:r>
+              <a:rPr lang="zh-CN" altLang="en-US" dirty="0" smtClean="0"/>
+              <a:t>从</a:t>
+            </a:r>
+            <a:r>
+              <a:rPr lang="en-US" altLang="zh-CN" dirty="0" err="1" smtClean="0"/>
+              <a:t>etcd</a:t>
+            </a:r>
+            <a:r>
+              <a:rPr lang="zh-CN" altLang="en-US" dirty="0" smtClean="0"/>
+              <a:t>中获取</a:t>
+            </a:r>
+            <a:r>
+              <a:rPr lang="en-US" altLang="zh-CN" dirty="0" smtClean="0"/>
+              <a:t>Node</a:t>
+            </a:r>
+            <a:r>
+              <a:rPr lang="zh-CN" altLang="en-US" dirty="0" smtClean="0"/>
+              <a:t>的相关信息，管理和监控集群中各个</a:t>
+            </a:r>
+            <a:r>
+              <a:rPr lang="en-US" altLang="zh-CN" dirty="0" smtClean="0"/>
+              <a:t>Node</a:t>
+            </a:r>
+            <a:r>
+              <a:rPr lang="zh-CN" altLang="en-US" dirty="0" smtClean="0"/>
+              <a:t>节点。</a:t>
+            </a:r>
+            <a:endParaRPr lang="zh-CN" altLang="en-US" dirty="0"/>
+          </a:p>
+        </p:txBody>
+      </p:sp>
+      <p:pic>
+        <p:nvPicPr>
+          <p:cNvPr id="7" name="图片 6"/>
+          <p:cNvPicPr>
+            <a:picLocks noChangeAspect="1"/>
+          </p:cNvPicPr>
+          <p:nvPr/>
+        </p:nvPicPr>
+        <p:blipFill>
+          <a:blip r:embed="rId3"/>
+          <a:stretch>
+            <a:fillRect/>
+          </a:stretch>
+        </p:blipFill>
+        <p:spPr>
+          <a:xfrm>
+            <a:off x="2681283" y="1143213"/>
+            <a:ext cx="6857143" cy="5209524"/>
+          </a:xfrm>
+          <a:prstGeom prst="rect">
+            <a:avLst/>
+          </a:prstGeom>
+        </p:spPr>
+      </p:pic>
+    </p:spTree>
+    <p:extLst>
+      <p:ext uri="{BB962C8B-B14F-4D97-AF65-F5344CB8AC3E}">
+        <p14:creationId xmlns:p14="http://schemas.microsoft.com/office/powerpoint/2010/main" val="1139656133"/>
+      </p:ext>
+    </p:extLst>
+  </p:cSld>
+  <p:clrMapOvr>
+    <a:masterClrMapping/>
+  </p:clrMapOvr>
+</p:sld>
+</file>
+
+<file path=ppt/slides/slide12.xml><?xml version="1.0" encoding="utf-8"?>
+<p:sld xmlns:a="http://schemas.openxmlformats.org/drawingml/2006/main" xmlns:r="http://schemas.openxmlformats.org/officeDocument/2006/relationships" xmlns:p="http://schemas.openxmlformats.org/presentationml/2006/main">
+  <p:cSld>
+    <p:spTree>
+      <p:nvGrpSpPr>
+        <p:cNvPr id="1" name=""/>
+        <p:cNvGrpSpPr/>
+        <p:nvPr/>
+      </p:nvGrpSpPr>
+      <p:grpSpPr>
+        <a:xfrm>
+          <a:off x="0" y="0"/>
+          <a:ext cx="0" cy="0"/>
+          <a:chOff x="0" y="0"/>
+          <a:chExt cx="0" cy="0"/>
+        </a:xfrm>
+      </p:grpSpPr>
+      <p:pic>
+        <p:nvPicPr>
+          <p:cNvPr id="2" name="图片 1"/>
+          <p:cNvPicPr>
+            <a:picLocks noChangeAspect="1"/>
+          </p:cNvPicPr>
+          <p:nvPr/>
+        </p:nvPicPr>
+        <p:blipFill>
+          <a:blip r:embed="rId2" cstate="print">
+            <a:extLst>
+              <a:ext uri="{28A0092B-C50C-407E-A947-70E740481C1C}">
+                <a14:useLocalDpi xmlns:a14="http://schemas.microsoft.com/office/drawing/2010/main" val="0"/>
+              </a:ext>
+            </a:extLst>
+          </a:blip>
+          <a:stretch>
+            <a:fillRect/>
+          </a:stretch>
+        </p:blipFill>
+        <p:spPr>
+          <a:xfrm>
+            <a:off x="10332227" y="6333564"/>
+            <a:ext cx="1684961" cy="430306"/>
+          </a:xfrm>
+          <a:prstGeom prst="rect">
+            <a:avLst/>
+          </a:prstGeom>
+        </p:spPr>
+      </p:pic>
+      <p:sp>
+        <p:nvSpPr>
+          <p:cNvPr id="4" name="文本占位符 1"/>
+          <p:cNvSpPr txBox="1"/>
+          <p:nvPr/>
+        </p:nvSpPr>
+        <p:spPr>
+          <a:xfrm>
+            <a:off x="488875" y="158339"/>
+            <a:ext cx="5011380" cy="615542"/>
+          </a:xfrm>
+          <a:prstGeom prst="rect">
+            <a:avLst/>
+          </a:prstGeom>
+          <a:noFill/>
+        </p:spPr>
+        <p:style>
+          <a:lnRef idx="0">
+            <a:scrgbClr r="0" g="0" b="0"/>
+          </a:lnRef>
+          <a:fillRef idx="0">
+            <a:scrgbClr r="0" g="0" b="0"/>
+          </a:fillRef>
+          <a:effectRef idx="0">
+            <a:scrgbClr r="0" g="0" b="0"/>
+          </a:effectRef>
+          <a:fontRef idx="major"/>
+        </p:style>
+        <p:txBody>
+          <a:bodyPr/>
+          <a:lstStyle>
+            <a:lvl1pPr>
+              <a:defRPr>
+                <a:latin typeface="+mj-lt"/>
+                <a:ea typeface="+mj-ea"/>
+                <a:cs typeface="+mj-cs"/>
+              </a:defRPr>
+            </a:lvl1pPr>
+            <a:lvl2pPr>
+              <a:defRPr>
+                <a:latin typeface="+mj-lt"/>
+                <a:ea typeface="+mj-ea"/>
+                <a:cs typeface="+mj-cs"/>
+              </a:defRPr>
+            </a:lvl2pPr>
+            <a:lvl3pPr>
+              <a:defRPr>
+                <a:latin typeface="+mj-lt"/>
+                <a:ea typeface="+mj-ea"/>
+                <a:cs typeface="+mj-cs"/>
+              </a:defRPr>
+            </a:lvl3pPr>
+            <a:lvl4pPr>
+              <a:defRPr>
+                <a:latin typeface="+mj-lt"/>
+                <a:ea typeface="+mj-ea"/>
+                <a:cs typeface="+mj-cs"/>
+              </a:defRPr>
+            </a:lvl4pPr>
+            <a:lvl5pPr>
+              <a:defRPr>
+                <a:latin typeface="+mj-lt"/>
+                <a:ea typeface="+mj-ea"/>
+                <a:cs typeface="+mj-cs"/>
+              </a:defRPr>
+            </a:lvl5pPr>
+            <a:lvl6pPr>
+              <a:defRPr>
+                <a:latin typeface="+mj-lt"/>
+                <a:ea typeface="+mj-ea"/>
+                <a:cs typeface="+mj-cs"/>
+              </a:defRPr>
+            </a:lvl6pPr>
+            <a:lvl7pPr>
+              <a:defRPr>
+                <a:latin typeface="+mj-lt"/>
+                <a:ea typeface="+mj-ea"/>
+                <a:cs typeface="+mj-cs"/>
+              </a:defRPr>
+            </a:lvl7pPr>
+            <a:lvl8pPr>
+              <a:defRPr>
+                <a:latin typeface="+mj-lt"/>
+                <a:ea typeface="+mj-ea"/>
+                <a:cs typeface="+mj-cs"/>
+              </a:defRPr>
+            </a:lvl8pPr>
+            <a:lvl9pPr>
+              <a:defRPr>
+                <a:latin typeface="+mj-lt"/>
+                <a:ea typeface="+mj-ea"/>
+                <a:cs typeface="+mj-cs"/>
+              </a:defRPr>
+            </a:lvl9pPr>
+          </a:lstStyle>
+          <a:p>
+            <a:pPr marL="0" indent="0">
+              <a:buNone/>
+            </a:pPr>
+            <a:r>
+              <a:rPr lang="en-US" altLang="zh-CN" sz="2800" b="1" dirty="0" err="1" smtClean="0">
+                <a:solidFill>
+                  <a:schemeClr val="tx1">
+                    <a:lumMod val="85000"/>
+                    <a:lumOff val="15000"/>
+                  </a:schemeClr>
+                </a:solidFill>
+                <a:latin typeface="微软雅黑" panose="020B0503020204020204" pitchFamily="34" charset="-122"/>
+                <a:ea typeface="微软雅黑" panose="020B0503020204020204" pitchFamily="34" charset="-122"/>
+              </a:rPr>
+              <a:t>ResourceQuota</a:t>
+            </a:r>
+            <a:r>
+              <a:rPr lang="en-US" altLang="zh-CN" sz="2800" b="1" dirty="0" smtClean="0">
+                <a:solidFill>
+                  <a:schemeClr val="tx1">
+                    <a:lumMod val="85000"/>
+                    <a:lumOff val="15000"/>
+                  </a:schemeClr>
+                </a:solidFill>
+                <a:latin typeface="微软雅黑" panose="020B0503020204020204" pitchFamily="34" charset="-122"/>
+                <a:ea typeface="微软雅黑" panose="020B0503020204020204" pitchFamily="34" charset="-122"/>
+              </a:rPr>
+              <a:t> Controller</a:t>
+            </a:r>
+            <a:endParaRPr lang="zh-CN" altLang="en-US" sz="2800" b="1" kern="1200" dirty="0">
+              <a:solidFill>
+                <a:schemeClr val="tx1">
+                  <a:lumMod val="85000"/>
+                  <a:lumOff val="15000"/>
+                </a:schemeClr>
+              </a:solidFill>
+              <a:latin typeface="微软雅黑" panose="020B0503020204020204" pitchFamily="34" charset="-122"/>
+              <a:ea typeface="微软雅黑" panose="020B0503020204020204" pitchFamily="34" charset="-122"/>
+            </a:endParaRPr>
+          </a:p>
+        </p:txBody>
+      </p:sp>
+      <p:sp>
+        <p:nvSpPr>
+          <p:cNvPr id="5" name="矩形 4"/>
+          <p:cNvSpPr/>
+          <p:nvPr/>
+        </p:nvSpPr>
+        <p:spPr>
+          <a:xfrm>
+            <a:off x="0" y="438912"/>
+            <a:ext cx="347241" cy="151553"/>
+          </a:xfrm>
+          <a:prstGeom prst="rect">
+            <a:avLst/>
+          </a:prstGeom>
+          <a:solidFill>
+            <a:srgbClr val="0070C0"/>
+          </a:solidFill>
+          <a:ln>
+            <a:noFill/>
+          </a:ln>
+        </p:spPr>
+        <p:style>
+          <a:lnRef idx="2">
+            <a:schemeClr val="accent1">
+              <a:shade val="50000"/>
+            </a:schemeClr>
+          </a:lnRef>
+          <a:fillRef idx="1">
+            <a:schemeClr val="accent1"/>
+          </a:fillRef>
+          <a:effectRef idx="0">
+            <a:schemeClr val="accent1"/>
+          </a:effectRef>
+          <a:fontRef idx="minor">
+            <a:schemeClr val="lt1"/>
+          </a:fontRef>
+        </p:style>
+        <p:txBody>
+          <a:bodyPr rtlCol="0" anchor="ctr"/>
+          <a:lstStyle/>
+          <a:p>
+            <a:pPr algn="ctr"/>
+            <a:endParaRPr kumimoji="1" lang="zh-CN" altLang="en-US"/>
+          </a:p>
+        </p:txBody>
+      </p:sp>
+      <p:sp>
+        <p:nvSpPr>
+          <p:cNvPr id="6" name="矩形 5"/>
+          <p:cNvSpPr/>
+          <p:nvPr/>
+        </p:nvSpPr>
+        <p:spPr>
+          <a:xfrm>
+            <a:off x="396278" y="438912"/>
+            <a:ext cx="92598" cy="151553"/>
+          </a:xfrm>
+          <a:prstGeom prst="rect">
+            <a:avLst/>
+          </a:prstGeom>
+          <a:solidFill>
+            <a:srgbClr val="999999"/>
+          </a:solidFill>
+          <a:ln>
+            <a:noFill/>
+          </a:ln>
+        </p:spPr>
+        <p:style>
+          <a:lnRef idx="2">
+            <a:schemeClr val="accent1">
+              <a:shade val="50000"/>
+            </a:schemeClr>
+          </a:lnRef>
+          <a:fillRef idx="1">
+            <a:schemeClr val="accent1"/>
+          </a:fillRef>
+          <a:effectRef idx="0">
+            <a:schemeClr val="accent1"/>
+          </a:effectRef>
+          <a:fontRef idx="minor">
+            <a:schemeClr val="lt1"/>
+          </a:fontRef>
+        </p:style>
+        <p:txBody>
+          <a:bodyPr rtlCol="0" anchor="ctr"/>
+          <a:lstStyle/>
+          <a:p>
+            <a:pPr algn="ctr"/>
+            <a:endParaRPr kumimoji="1" lang="zh-CN" altLang="en-US">
+              <a:solidFill>
+                <a:srgbClr val="999999"/>
+              </a:solidFill>
+            </a:endParaRPr>
+          </a:p>
+        </p:txBody>
+      </p:sp>
+      <p:sp>
+        <p:nvSpPr>
+          <p:cNvPr id="3" name="文本框 2"/>
+          <p:cNvSpPr txBox="1"/>
+          <p:nvPr/>
+        </p:nvSpPr>
+        <p:spPr>
+          <a:xfrm>
+            <a:off x="488874" y="773881"/>
+            <a:ext cx="11528313" cy="3139321"/>
+          </a:xfrm>
+          <a:prstGeom prst="rect">
+            <a:avLst/>
+          </a:prstGeom>
+          <a:noFill/>
+        </p:spPr>
+        <p:txBody>
+          <a:bodyPr wrap="square" rtlCol="0">
+            <a:spAutoFit/>
+          </a:bodyPr>
+          <a:lstStyle/>
+          <a:p>
+            <a:r>
+              <a:rPr lang="zh-CN" altLang="en-US" dirty="0" smtClean="0"/>
+              <a:t>资源配额管理，保证资源对象在任何情况下都不会超量占用系统资源。</a:t>
+            </a:r>
+            <a:endParaRPr lang="en-US" altLang="zh-CN" dirty="0" smtClean="0"/>
+          </a:p>
+          <a:p>
+            <a:endParaRPr lang="en-US" altLang="zh-CN" dirty="0"/>
+          </a:p>
+          <a:p>
+            <a:r>
+              <a:rPr lang="en-US" altLang="zh-CN" dirty="0" smtClean="0"/>
+              <a:t>1</a:t>
+            </a:r>
+            <a:r>
+              <a:rPr lang="zh-CN" altLang="en-US" dirty="0" smtClean="0"/>
+              <a:t>、容器级别：控制占用的</a:t>
+            </a:r>
+            <a:r>
+              <a:rPr lang="en-US" altLang="zh-CN" dirty="0" smtClean="0"/>
+              <a:t>CPU</a:t>
+            </a:r>
+            <a:r>
+              <a:rPr lang="zh-CN" altLang="en-US" dirty="0" smtClean="0"/>
+              <a:t>和内存。</a:t>
+            </a:r>
+            <a:endParaRPr lang="en-US" altLang="zh-CN" dirty="0" smtClean="0"/>
+          </a:p>
+          <a:p>
+            <a:r>
+              <a:rPr lang="en-US" altLang="zh-CN" dirty="0" smtClean="0"/>
+              <a:t>2</a:t>
+            </a:r>
+            <a:r>
+              <a:rPr lang="zh-CN" altLang="en-US" dirty="0" smtClean="0"/>
+              <a:t>、</a:t>
+            </a:r>
+            <a:r>
+              <a:rPr lang="en-US" altLang="zh-CN" dirty="0" smtClean="0"/>
+              <a:t>Pod</a:t>
+            </a:r>
+            <a:r>
+              <a:rPr lang="zh-CN" altLang="en-US" dirty="0" smtClean="0"/>
+              <a:t>级别：控制</a:t>
+            </a:r>
+            <a:r>
+              <a:rPr lang="en-US" altLang="zh-CN" dirty="0" smtClean="0"/>
+              <a:t>Pod</a:t>
+            </a:r>
+            <a:r>
+              <a:rPr lang="zh-CN" altLang="en-US" dirty="0" smtClean="0"/>
+              <a:t>内所有容器占用的系统资源。</a:t>
+            </a:r>
+            <a:endParaRPr lang="en-US" altLang="zh-CN" dirty="0" smtClean="0"/>
+          </a:p>
+          <a:p>
+            <a:r>
+              <a:rPr lang="en-US" altLang="zh-CN" dirty="0" smtClean="0"/>
+              <a:t>3</a:t>
+            </a:r>
+            <a:r>
+              <a:rPr lang="zh-CN" altLang="en-US" dirty="0" smtClean="0"/>
+              <a:t>、</a:t>
+            </a:r>
+            <a:r>
+              <a:rPr lang="en-US" altLang="zh-CN" dirty="0" smtClean="0"/>
+              <a:t>Namespace</a:t>
+            </a:r>
+            <a:r>
+              <a:rPr lang="zh-CN" altLang="en-US" dirty="0" smtClean="0"/>
+              <a:t>级别：</a:t>
+            </a:r>
+            <a:r>
+              <a:rPr lang="en-US" altLang="zh-CN" dirty="0" smtClean="0"/>
+              <a:t>Pod</a:t>
+            </a:r>
+            <a:r>
+              <a:rPr lang="zh-CN" altLang="en-US" dirty="0" smtClean="0"/>
+              <a:t>数量、</a:t>
+            </a:r>
+            <a:r>
+              <a:rPr lang="en-US" altLang="zh-CN" dirty="0" smtClean="0"/>
+              <a:t>Replication controller</a:t>
+            </a:r>
+            <a:r>
+              <a:rPr lang="zh-CN" altLang="en-US" dirty="0" smtClean="0"/>
+              <a:t>数量、</a:t>
+            </a:r>
+            <a:r>
+              <a:rPr lang="en-US" altLang="zh-CN" dirty="0"/>
+              <a:t>S</a:t>
+            </a:r>
+            <a:r>
+              <a:rPr lang="en-US" altLang="zh-CN" dirty="0" smtClean="0"/>
+              <a:t>ervice</a:t>
+            </a:r>
+            <a:r>
+              <a:rPr lang="zh-CN" altLang="en-US" dirty="0" smtClean="0"/>
+              <a:t>数量、</a:t>
+            </a:r>
+            <a:r>
+              <a:rPr lang="en-US" altLang="zh-CN" dirty="0" err="1" smtClean="0"/>
+              <a:t>ResouceQuota</a:t>
+            </a:r>
+            <a:r>
+              <a:rPr lang="zh-CN" altLang="en-US" dirty="0" smtClean="0"/>
+              <a:t>数量、</a:t>
+            </a:r>
+            <a:r>
+              <a:rPr lang="en-US" altLang="zh-CN" dirty="0" smtClean="0"/>
+              <a:t>Secret</a:t>
+            </a:r>
+            <a:r>
+              <a:rPr lang="zh-CN" altLang="en-US" dirty="0" smtClean="0"/>
+              <a:t>数量、</a:t>
+            </a:r>
+            <a:r>
+              <a:rPr lang="en-US" altLang="zh-CN" dirty="0" smtClean="0"/>
+              <a:t>Persistent Volume</a:t>
+            </a:r>
+            <a:r>
+              <a:rPr lang="zh-CN" altLang="en-US" dirty="0" smtClean="0"/>
+              <a:t>数量。</a:t>
+            </a:r>
+            <a:endParaRPr lang="en-US" altLang="zh-CN" dirty="0" smtClean="0"/>
+          </a:p>
+          <a:p>
+            <a:endParaRPr lang="en-US" altLang="zh-CN" dirty="0"/>
+          </a:p>
+          <a:p>
+            <a:r>
+              <a:rPr lang="en-US" altLang="zh-CN" dirty="0" smtClean="0"/>
+              <a:t>k8s</a:t>
+            </a:r>
+            <a:r>
+              <a:rPr lang="zh-CN" altLang="en-US" dirty="0" smtClean="0"/>
+              <a:t>配额管理是通过</a:t>
+            </a:r>
+            <a:r>
+              <a:rPr lang="en-US" altLang="zh-CN" dirty="0" smtClean="0"/>
+              <a:t>Admission Control</a:t>
+            </a:r>
+            <a:r>
+              <a:rPr lang="zh-CN" altLang="en-US" dirty="0" smtClean="0"/>
+              <a:t>（准入控制）来控制的。</a:t>
+            </a:r>
+            <a:endParaRPr lang="en-US" altLang="zh-CN" dirty="0" smtClean="0"/>
+          </a:p>
+          <a:p>
+            <a:r>
+              <a:rPr lang="en-US" altLang="zh-CN" dirty="0" smtClean="0"/>
+              <a:t>Admission Control</a:t>
+            </a:r>
+            <a:r>
+              <a:rPr lang="zh-CN" altLang="en-US" dirty="0" smtClean="0"/>
+              <a:t>提供两种配额约束方式：</a:t>
+            </a:r>
+            <a:r>
+              <a:rPr lang="en-US" altLang="zh-CN" dirty="0" err="1" smtClean="0"/>
+              <a:t>LimitRanger</a:t>
+            </a:r>
+            <a:r>
+              <a:rPr lang="zh-CN" altLang="en-US" dirty="0" smtClean="0"/>
+              <a:t>和</a:t>
+            </a:r>
+            <a:r>
+              <a:rPr lang="en-US" altLang="zh-CN" dirty="0" err="1" smtClean="0"/>
+              <a:t>ResourceQuota</a:t>
+            </a:r>
+            <a:r>
+              <a:rPr lang="zh-CN" altLang="en-US" dirty="0" smtClean="0"/>
+              <a:t>。</a:t>
+            </a:r>
+            <a:endParaRPr lang="en-US" altLang="zh-CN" dirty="0"/>
+          </a:p>
+          <a:p>
+            <a:r>
+              <a:rPr lang="en-US" altLang="zh-CN" dirty="0" err="1" smtClean="0"/>
+              <a:t>LimitRanger</a:t>
+            </a:r>
+            <a:r>
+              <a:rPr lang="zh-CN" altLang="en-US" dirty="0" smtClean="0"/>
+              <a:t>作用于</a:t>
+            </a:r>
+            <a:r>
+              <a:rPr lang="en-US" altLang="zh-CN" dirty="0" smtClean="0"/>
+              <a:t>Pod</a:t>
+            </a:r>
+            <a:r>
+              <a:rPr lang="zh-CN" altLang="en-US" dirty="0" smtClean="0"/>
+              <a:t>和</a:t>
+            </a:r>
+            <a:r>
+              <a:rPr lang="zh-CN" altLang="en-US" dirty="0"/>
+              <a:t>容器</a:t>
+            </a:r>
+            <a:r>
+              <a:rPr lang="zh-CN" altLang="en-US" dirty="0" smtClean="0"/>
+              <a:t>。</a:t>
+            </a:r>
+            <a:endParaRPr lang="en-US" altLang="zh-CN" dirty="0"/>
+          </a:p>
+          <a:p>
+            <a:r>
+              <a:rPr lang="en-US" altLang="zh-CN" dirty="0" err="1" smtClean="0"/>
+              <a:t>ResourceQuota</a:t>
+            </a:r>
+            <a:r>
+              <a:rPr lang="zh-CN" altLang="en-US" dirty="0" smtClean="0"/>
+              <a:t>作用于</a:t>
+            </a:r>
+            <a:r>
+              <a:rPr lang="en-US" altLang="zh-CN" dirty="0" smtClean="0"/>
+              <a:t>Namespace</a:t>
+            </a:r>
+            <a:r>
+              <a:rPr lang="zh-CN" altLang="en-US" dirty="0" smtClean="0"/>
+              <a:t>上，限定一个</a:t>
+            </a:r>
+            <a:r>
+              <a:rPr lang="en-US" altLang="zh-CN" dirty="0" smtClean="0"/>
+              <a:t>Namespace</a:t>
+            </a:r>
+            <a:r>
+              <a:rPr lang="zh-CN" altLang="en-US" dirty="0" smtClean="0"/>
+              <a:t>里的各类资源的使用总额。</a:t>
+            </a:r>
+            <a:endParaRPr lang="en-US" altLang="zh-CN" dirty="0" smtClean="0"/>
+          </a:p>
+        </p:txBody>
+      </p:sp>
+      <p:pic>
+        <p:nvPicPr>
+          <p:cNvPr id="8" name="图片 7"/>
+          <p:cNvPicPr>
+            <a:picLocks noChangeAspect="1"/>
+          </p:cNvPicPr>
+          <p:nvPr/>
+        </p:nvPicPr>
+        <p:blipFill>
+          <a:blip r:embed="rId3"/>
+          <a:stretch>
+            <a:fillRect/>
+          </a:stretch>
+        </p:blipFill>
+        <p:spPr>
+          <a:xfrm>
+            <a:off x="2063923" y="3913202"/>
+            <a:ext cx="7371428" cy="5114286"/>
+          </a:xfrm>
+          <a:prstGeom prst="rect">
+            <a:avLst/>
+          </a:prstGeom>
+        </p:spPr>
+      </p:pic>
+    </p:spTree>
+    <p:extLst>
+      <p:ext uri="{BB962C8B-B14F-4D97-AF65-F5344CB8AC3E}">
+        <p14:creationId xmlns:p14="http://schemas.microsoft.com/office/powerpoint/2010/main" val="4287044217"/>
+      </p:ext>
+    </p:extLst>
+  </p:cSld>
+  <p:clrMapOvr>
+    <a:masterClrMapping/>
+  </p:clrMapOvr>
+</p:sld>
+</file>
+
 <file path=ppt/slides/slide2.xml><?xml version="1.0" encoding="utf-8"?>
 <p:sld xmlns:a="http://schemas.openxmlformats.org/drawingml/2006/main" xmlns:r="http://schemas.openxmlformats.org/officeDocument/2006/relationships" xmlns:p="http://schemas.openxmlformats.org/presentationml/2006/main">
   <p:cSld>
@@ -3429,7 +5144,7 @@
                 <a:latin typeface="微软雅黑" panose="020B0503020204020204" pitchFamily="34" charset="-122"/>
                 <a:ea typeface="微软雅黑" panose="020B0503020204020204" pitchFamily="34" charset="-122"/>
               </a:rPr>
-              <a:t>k8s-Node</a:t>
+              <a:t>k8s-Master</a:t>
             </a:r>
             <a:endParaRPr lang="zh-CN" altLang="en-US" sz="2800" b="1" kern="1200" dirty="0">
               <a:solidFill>
@@ -3549,7 +5264,7 @@
         <p:spPr>
           <a:xfrm>
             <a:off x="488874" y="773881"/>
-            <a:ext cx="11528314" cy="3693319"/>
+            <a:ext cx="11528314" cy="2031325"/>
           </a:xfrm>
           <a:prstGeom prst="rect">
             <a:avLst/>
@@ -3563,24 +5278,106 @@
           <a:lstStyle/>
           <a:p>
             <a:r>
+              <a:rPr lang="en-US" altLang="zh-CN" dirty="0" smtClean="0"/>
+              <a:t>Master</a:t>
+            </a:r>
+            <a:r>
+              <a:rPr lang="zh-CN" altLang="en-US" dirty="0" smtClean="0"/>
+              <a:t>节点是</a:t>
+            </a:r>
+            <a:r>
+              <a:rPr lang="en-US" altLang="zh-CN" dirty="0" smtClean="0"/>
+              <a:t>k8s</a:t>
+            </a:r>
+            <a:r>
+              <a:rPr lang="zh-CN" altLang="en-US" dirty="0" smtClean="0"/>
+              <a:t>集群的管理和控制中心。</a:t>
+            </a:r>
+            <a:endParaRPr lang="en-US" altLang="zh-CN" dirty="0" smtClean="0"/>
+          </a:p>
+          <a:p>
+            <a:endParaRPr lang="en-US" altLang="zh-CN" dirty="0"/>
+          </a:p>
+          <a:p>
+            <a:r>
               <a:rPr lang="en-US" altLang="zh-CN" dirty="0"/>
-              <a:t>k</a:t>
-            </a:r>
-            <a:r>
-              <a:rPr lang="en-US" altLang="zh-CN" dirty="0" smtClean="0"/>
-              <a:t>8s</a:t>
-            </a:r>
-            <a:r>
-              <a:rPr lang="zh-CN" altLang="en-US" dirty="0" smtClean="0"/>
-              <a:t>集群中</a:t>
-            </a:r>
-            <a:r>
-              <a:rPr lang="en-US" altLang="zh-CN" dirty="0" smtClean="0"/>
               <a:t>Master</a:t>
             </a:r>
             <a:r>
               <a:rPr lang="zh-CN" altLang="en-US" dirty="0" smtClean="0"/>
-              <a:t>以外的节点被称作</a:t>
+              <a:t>上</a:t>
+            </a:r>
+            <a:r>
+              <a:rPr lang="zh-CN" altLang="en-US" dirty="0" smtClean="0"/>
+              <a:t>运行的关键进程：</a:t>
+            </a:r>
+            <a:endParaRPr lang="en-US" altLang="zh-CN" dirty="0" smtClean="0"/>
+          </a:p>
+          <a:p>
+            <a:r>
+              <a:rPr lang="en-US" altLang="zh-CN" dirty="0" err="1" smtClean="0"/>
+              <a:t>kubernetes</a:t>
+            </a:r>
+            <a:r>
+              <a:rPr lang="en-US" altLang="zh-CN" dirty="0" smtClean="0"/>
+              <a:t> API Server</a:t>
+            </a:r>
+            <a:r>
+              <a:rPr lang="zh-CN" altLang="en-US" dirty="0" smtClean="0"/>
+              <a:t>：是外部操作集群的唯一入口，也是集群内部模块间数据交互的通道。</a:t>
+            </a:r>
+            <a:endParaRPr lang="en-US" altLang="zh-CN" dirty="0" smtClean="0"/>
+          </a:p>
+          <a:p>
+            <a:r>
+              <a:rPr lang="en-US" altLang="zh-CN" dirty="0" err="1" smtClean="0"/>
+              <a:t>kubernetes</a:t>
+            </a:r>
+            <a:r>
+              <a:rPr lang="en-US" altLang="zh-CN" dirty="0" smtClean="0"/>
+              <a:t> Controller Manager</a:t>
+            </a:r>
+            <a:r>
+              <a:rPr lang="zh-CN" altLang="en-US" dirty="0" smtClean="0"/>
+              <a:t>：</a:t>
+            </a:r>
+            <a:r>
+              <a:rPr lang="en-US" altLang="zh-CN" dirty="0" smtClean="0"/>
+              <a:t>k8s</a:t>
+            </a:r>
+            <a:r>
+              <a:rPr lang="zh-CN" altLang="en-US" dirty="0" smtClean="0"/>
+              <a:t>集群的控制中心。</a:t>
+            </a:r>
+            <a:endParaRPr lang="en-US" altLang="zh-CN" dirty="0" smtClean="0"/>
+          </a:p>
+          <a:p>
+            <a:r>
+              <a:rPr lang="en-US" altLang="zh-CN" dirty="0" err="1" smtClean="0"/>
+              <a:t>kubernetes</a:t>
+            </a:r>
+            <a:r>
+              <a:rPr lang="en-US" altLang="zh-CN" dirty="0"/>
+              <a:t> S</a:t>
+            </a:r>
+            <a:r>
+              <a:rPr lang="en-US" altLang="zh-CN" dirty="0" smtClean="0"/>
+              <a:t>cheduler</a:t>
+            </a:r>
+            <a:r>
+              <a:rPr lang="zh-CN" altLang="en-US" dirty="0" smtClean="0"/>
+              <a:t>：负责集群内资源调度。</a:t>
+            </a:r>
+            <a:endParaRPr lang="en-US" altLang="zh-CN" dirty="0" smtClean="0"/>
+          </a:p>
+          <a:p>
+            <a:r>
+              <a:rPr lang="en-US" altLang="zh-CN" dirty="0" err="1" smtClean="0"/>
+              <a:t>Etcd</a:t>
+            </a:r>
+            <a:r>
+              <a:rPr lang="zh-CN" altLang="en-US" dirty="0" smtClean="0"/>
+              <a:t>：保存集群内各类信息，包括集群负载、</a:t>
             </a:r>
             <a:r>
               <a:rPr lang="en-US" altLang="zh-CN" dirty="0" smtClean="0"/>
@@ -3588,112 +5385,7 @@
             </a:r>
             <a:r>
               <a:rPr lang="zh-CN" altLang="en-US" dirty="0" smtClean="0"/>
-              <a:t>节点。</a:t>
-            </a:r>
-            <a:r>
-              <a:rPr lang="en-US" altLang="zh-CN" dirty="0" smtClean="0"/>
-              <a:t>Node</a:t>
-            </a:r>
-            <a:r>
-              <a:rPr lang="zh-CN" altLang="en-US" dirty="0" smtClean="0"/>
-              <a:t>节点可以是物理机也可以是虚拟机。</a:t>
-            </a:r>
-            <a:endParaRPr lang="en-US" altLang="zh-CN" dirty="0" smtClean="0"/>
-          </a:p>
-          <a:p>
-            <a:endParaRPr lang="en-US" altLang="zh-CN" dirty="0"/>
-          </a:p>
-          <a:p>
-            <a:r>
-              <a:rPr lang="en-US" altLang="zh-CN" dirty="0" smtClean="0"/>
-              <a:t>Node</a:t>
-            </a:r>
-            <a:r>
-              <a:rPr lang="zh-CN" altLang="en-US" dirty="0" smtClean="0"/>
-              <a:t>上运行的关键进程：</a:t>
-            </a:r>
-            <a:endParaRPr lang="en-US" altLang="zh-CN" dirty="0" smtClean="0"/>
-          </a:p>
-          <a:p>
-            <a:r>
-              <a:rPr lang="en-US" altLang="zh-CN" dirty="0" err="1" smtClean="0"/>
-              <a:t>kubelete</a:t>
-            </a:r>
-            <a:r>
-              <a:rPr lang="zh-CN" altLang="en-US" dirty="0" smtClean="0"/>
-              <a:t>：负责容器的创建、启停任务。</a:t>
-            </a:r>
-            <a:endParaRPr lang="en-US" altLang="zh-CN" dirty="0" smtClean="0"/>
-          </a:p>
-          <a:p>
-            <a:r>
-              <a:rPr lang="en-US" altLang="zh-CN" dirty="0" err="1" smtClean="0"/>
-              <a:t>kube</a:t>
-            </a:r>
-            <a:r>
-              <a:rPr lang="en-US" altLang="zh-CN" dirty="0" smtClean="0"/>
-              <a:t>-proxy</a:t>
-            </a:r>
-            <a:r>
-              <a:rPr lang="zh-CN" altLang="en-US" dirty="0" smtClean="0"/>
-              <a:t>：负责</a:t>
-            </a:r>
-            <a:r>
-              <a:rPr lang="en-US" altLang="zh-CN" dirty="0" smtClean="0"/>
-              <a:t>service</a:t>
-            </a:r>
-            <a:r>
-              <a:rPr lang="zh-CN" altLang="en-US" dirty="0" smtClean="0"/>
-              <a:t>的通信与负载均衡机制。</a:t>
-            </a:r>
-            <a:endParaRPr lang="en-US" altLang="zh-CN" dirty="0" smtClean="0"/>
-          </a:p>
-          <a:p>
-            <a:r>
-              <a:rPr lang="en-US" altLang="zh-CN" dirty="0" err="1" smtClean="0"/>
-              <a:t>docker</a:t>
-            </a:r>
-            <a:r>
-              <a:rPr lang="zh-CN" altLang="en-US" dirty="0" smtClean="0"/>
-              <a:t>：负责容器的创建和管理。</a:t>
-            </a:r>
-            <a:endParaRPr lang="en-US" altLang="zh-CN" dirty="0" smtClean="0"/>
-          </a:p>
-          <a:p>
-            <a:endParaRPr lang="en-US" altLang="zh-CN" dirty="0"/>
-          </a:p>
-          <a:p>
-            <a:r>
-              <a:rPr lang="en-US" altLang="zh-CN" dirty="0" smtClean="0"/>
-              <a:t>Node</a:t>
-            </a:r>
-            <a:r>
-              <a:rPr lang="zh-CN" altLang="en-US" dirty="0" smtClean="0"/>
-              <a:t>会定时向</a:t>
-            </a:r>
-            <a:r>
-              <a:rPr lang="en-US" altLang="zh-CN" dirty="0" smtClean="0"/>
-              <a:t>Master</a:t>
-            </a:r>
-            <a:r>
-              <a:rPr lang="zh-CN" altLang="en-US" dirty="0" smtClean="0"/>
-              <a:t>节点上报自身情况，包括版本，</a:t>
-            </a:r>
-            <a:r>
-              <a:rPr lang="en-US" altLang="zh-CN" dirty="0" smtClean="0"/>
-              <a:t>CPU</a:t>
-            </a:r>
-            <a:r>
-              <a:rPr lang="zh-CN" altLang="en-US" dirty="0" smtClean="0"/>
-              <a:t>、内存、</a:t>
-            </a:r>
-            <a:r>
-              <a:rPr lang="en-US" altLang="zh-CN" dirty="0" smtClean="0"/>
-              <a:t>Node</a:t>
-            </a:r>
-            <a:r>
-              <a:rPr lang="zh-CN" altLang="en-US" dirty="0" smtClean="0"/>
-              <a:t>内的</a:t>
+              <a:t>信息、</a:t>
             </a:r>
             <a:r>
               <a:rPr lang="en-US" altLang="zh-CN" dirty="0" smtClean="0"/>
@@ -3701,103 +5393,7 @@
             </a:r>
             <a:r>
               <a:rPr lang="zh-CN" altLang="en-US" dirty="0" smtClean="0"/>
-              <a:t>等信息。</a:t>
-            </a:r>
-            <a:endParaRPr lang="en-US" altLang="zh-CN" dirty="0" smtClean="0"/>
-          </a:p>
-          <a:p>
-            <a:r>
-              <a:rPr lang="zh-CN" altLang="en-US" dirty="0" smtClean="0"/>
-              <a:t>如果某个</a:t>
-            </a:r>
-            <a:r>
-              <a:rPr lang="en-US" altLang="zh-CN" dirty="0" smtClean="0"/>
-              <a:t>Node</a:t>
-            </a:r>
-            <a:r>
-              <a:rPr lang="zh-CN" altLang="en-US" dirty="0" smtClean="0"/>
-              <a:t>超过一定时间没有向</a:t>
-            </a:r>
-            <a:r>
-              <a:rPr lang="en-US" altLang="zh-CN" dirty="0" smtClean="0"/>
-              <a:t>Master</a:t>
-            </a:r>
-            <a:r>
-              <a:rPr lang="zh-CN" altLang="en-US" dirty="0" smtClean="0"/>
-              <a:t>节点上报自身情况，</a:t>
-            </a:r>
-            <a:r>
-              <a:rPr lang="en-US" altLang="zh-CN" dirty="0" smtClean="0"/>
-              <a:t>Master</a:t>
-            </a:r>
-            <a:r>
-              <a:rPr lang="zh-CN" altLang="en-US" dirty="0" smtClean="0"/>
-              <a:t>会判定其故障，并开始迁移该</a:t>
-            </a:r>
-            <a:r>
-              <a:rPr lang="en-US" altLang="zh-CN" dirty="0" smtClean="0"/>
-              <a:t>Node</a:t>
-            </a:r>
-            <a:r>
-              <a:rPr lang="zh-CN" altLang="en-US" dirty="0" smtClean="0"/>
-              <a:t>上运行的服务。</a:t>
-            </a:r>
-            <a:endParaRPr lang="en-US" altLang="zh-CN" dirty="0" smtClean="0"/>
-          </a:p>
-          <a:p>
-            <a:endParaRPr lang="en-US" altLang="zh-CN" dirty="0"/>
-          </a:p>
-          <a:p>
-            <a:r>
-              <a:rPr lang="en-US" altLang="zh-CN" dirty="0" err="1" smtClean="0"/>
-              <a:t>kubectl</a:t>
-            </a:r>
-            <a:r>
-              <a:rPr lang="en-US" altLang="zh-CN" dirty="0" smtClean="0"/>
-              <a:t> get nodes –</a:t>
-            </a:r>
-            <a:r>
-              <a:rPr lang="zh-CN" altLang="en-US" dirty="0" smtClean="0"/>
-              <a:t>获取</a:t>
-            </a:r>
-            <a:r>
-              <a:rPr lang="en-US" altLang="zh-CN" dirty="0" smtClean="0"/>
-              <a:t>k8s</a:t>
-            </a:r>
-            <a:r>
-              <a:rPr lang="zh-CN" altLang="en-US" dirty="0" smtClean="0"/>
-              <a:t>集群的</a:t>
-            </a:r>
-            <a:r>
-              <a:rPr lang="en-US" altLang="zh-CN" dirty="0" smtClean="0"/>
-              <a:t>Node</a:t>
-            </a:r>
-            <a:r>
-              <a:rPr lang="zh-CN" altLang="en-US" dirty="0" smtClean="0"/>
-              <a:t>信息。</a:t>
-            </a:r>
-            <a:endParaRPr lang="en-US" altLang="zh-CN" dirty="0" smtClean="0"/>
-          </a:p>
-          <a:p>
-            <a:r>
-              <a:rPr lang="en-US" altLang="zh-CN" dirty="0" err="1" smtClean="0"/>
-              <a:t>kubectl</a:t>
-            </a:r>
-            <a:r>
-              <a:rPr lang="en-US" altLang="zh-CN" dirty="0" smtClean="0"/>
-              <a:t> describe node [node-name] –</a:t>
-            </a:r>
-            <a:r>
-              <a:rPr lang="zh-CN" altLang="en-US" dirty="0" smtClean="0"/>
-              <a:t>查看</a:t>
-            </a:r>
-            <a:r>
-              <a:rPr lang="en-US" altLang="zh-CN" dirty="0" smtClean="0"/>
-              <a:t>node</a:t>
-            </a:r>
-            <a:r>
-              <a:rPr lang="zh-CN" altLang="en-US" smtClean="0"/>
-              <a:t>的相信信息。</a:t>
+              <a:t>信息等等。</a:t>
             </a:r>
             <a:endParaRPr lang="en-US" altLang="zh-CN" dirty="0" smtClean="0"/>
           </a:p>
@@ -3806,7 +5402,7 @@
     </p:spTree>
     <p:extLst>
       <p:ext uri="{BB962C8B-B14F-4D97-AF65-F5344CB8AC3E}">
-        <p14:creationId xmlns:p14="http://schemas.microsoft.com/office/powerpoint/2010/main" val="25519951"/>
+        <p14:creationId xmlns:p14="http://schemas.microsoft.com/office/powerpoint/2010/main" val="4102943510"/>
       </p:ext>
     </p:extLst>
   </p:cSld>
@@ -3871,8 +5467,8 @@
         </p:nvSpPr>
         <p:spPr>
           <a:xfrm>
-            <a:off x="488875" y="158339"/>
-            <a:ext cx="4221670" cy="615542"/>
+            <a:off x="488874" y="158339"/>
+            <a:ext cx="4436413" cy="615542"/>
           </a:xfrm>
           <a:prstGeom prst="rect">
             <a:avLst/>
@@ -3973,7 +5569,7 @@
                 <a:latin typeface="微软雅黑" panose="020B0503020204020204" pitchFamily="34" charset="-122"/>
                 <a:ea typeface="微软雅黑" panose="020B0503020204020204" pitchFamily="34" charset="-122"/>
               </a:rPr>
-              <a:t>k8s-Pod</a:t>
+              <a:t>k8s-Node</a:t>
             </a:r>
             <a:endParaRPr lang="zh-CN" altLang="en-US" sz="2800" b="1" kern="1200" dirty="0">
               <a:solidFill>
@@ -4093,7 +5689,7 @@
         <p:spPr>
           <a:xfrm>
             <a:off x="488874" y="773881"/>
-            <a:ext cx="6497781" cy="646331"/>
+            <a:ext cx="11528314" cy="3693319"/>
           </a:xfrm>
           <a:prstGeom prst="rect">
             <a:avLst/>
@@ -4107,12 +5703,152 @@
           <a:lstStyle/>
           <a:p>
             <a:r>
+              <a:rPr lang="en-US" altLang="zh-CN" dirty="0"/>
+              <a:t>k</a:t>
+            </a:r>
+            <a:r>
+              <a:rPr lang="en-US" altLang="zh-CN" dirty="0" smtClean="0"/>
+              <a:t>8s</a:t>
+            </a:r>
+            <a:r>
+              <a:rPr lang="zh-CN" altLang="en-US" dirty="0" smtClean="0"/>
+              <a:t>集群中</a:t>
+            </a:r>
+            <a:r>
+              <a:rPr lang="en-US" altLang="zh-CN" dirty="0" smtClean="0"/>
+              <a:t>Master</a:t>
+            </a:r>
+            <a:r>
+              <a:rPr lang="zh-CN" altLang="en-US" dirty="0" smtClean="0"/>
+              <a:t>以外的节点被称作</a:t>
+            </a:r>
+            <a:r>
+              <a:rPr lang="en-US" altLang="zh-CN" dirty="0" smtClean="0"/>
+              <a:t>Node</a:t>
+            </a:r>
+            <a:r>
+              <a:rPr lang="zh-CN" altLang="en-US" dirty="0" smtClean="0"/>
+              <a:t>节点。</a:t>
+            </a:r>
+            <a:r>
+              <a:rPr lang="en-US" altLang="zh-CN" dirty="0" smtClean="0"/>
+              <a:t>Node</a:t>
+            </a:r>
+            <a:r>
+              <a:rPr lang="zh-CN" altLang="en-US" dirty="0" smtClean="0"/>
+              <a:t>节点可以是物理机也可以是虚拟机。</a:t>
+            </a:r>
+            <a:endParaRPr lang="en-US" altLang="zh-CN" dirty="0" smtClean="0"/>
+          </a:p>
+          <a:p>
+            <a:endParaRPr lang="en-US" altLang="zh-CN" dirty="0"/>
+          </a:p>
+          <a:p>
+            <a:r>
+              <a:rPr lang="en-US" altLang="zh-CN" dirty="0" smtClean="0"/>
+              <a:t>Node</a:t>
+            </a:r>
+            <a:r>
+              <a:rPr lang="zh-CN" altLang="en-US" dirty="0" smtClean="0"/>
+              <a:t>上运行的关键进程：</a:t>
+            </a:r>
+            <a:endParaRPr lang="en-US" altLang="zh-CN" dirty="0" smtClean="0"/>
+          </a:p>
+          <a:p>
+            <a:r>
+              <a:rPr lang="en-US" altLang="zh-CN" dirty="0" err="1" smtClean="0"/>
+              <a:t>kubelete</a:t>
+            </a:r>
+            <a:r>
+              <a:rPr lang="zh-CN" altLang="en-US" dirty="0" smtClean="0"/>
+              <a:t>：负责容器的创建、启停任务。</a:t>
+            </a:r>
+            <a:endParaRPr lang="en-US" altLang="zh-CN" dirty="0" smtClean="0"/>
+          </a:p>
+          <a:p>
+            <a:r>
+              <a:rPr lang="en-US" altLang="zh-CN" dirty="0" err="1" smtClean="0"/>
+              <a:t>kube</a:t>
+            </a:r>
+            <a:r>
+              <a:rPr lang="en-US" altLang="zh-CN" dirty="0" smtClean="0"/>
+              <a:t>-proxy</a:t>
+            </a:r>
+            <a:r>
+              <a:rPr lang="zh-CN" altLang="en-US" dirty="0" smtClean="0"/>
+              <a:t>：负责</a:t>
+            </a:r>
+            <a:r>
+              <a:rPr lang="en-US" altLang="zh-CN" dirty="0" smtClean="0"/>
+              <a:t>service</a:t>
+            </a:r>
+            <a:r>
+              <a:rPr lang="zh-CN" altLang="en-US" dirty="0" smtClean="0"/>
+              <a:t>的通信与负载均衡机制。</a:t>
+            </a:r>
+            <a:endParaRPr lang="en-US" altLang="zh-CN" dirty="0" smtClean="0"/>
+          </a:p>
+          <a:p>
+            <a:r>
+              <a:rPr lang="en-US" altLang="zh-CN" dirty="0" err="1" smtClean="0"/>
+              <a:t>docker</a:t>
+            </a:r>
+            <a:r>
+              <a:rPr lang="zh-CN" altLang="en-US" dirty="0" smtClean="0"/>
+              <a:t>：负责容器的创建和管理。</a:t>
+            </a:r>
+            <a:endParaRPr lang="en-US" altLang="zh-CN" dirty="0" smtClean="0"/>
+          </a:p>
+          <a:p>
+            <a:endParaRPr lang="en-US" altLang="zh-CN" dirty="0"/>
+          </a:p>
+          <a:p>
+            <a:r>
+              <a:rPr lang="en-US" altLang="zh-CN" dirty="0" smtClean="0"/>
+              <a:t>Node</a:t>
+            </a:r>
+            <a:r>
+              <a:rPr lang="zh-CN" altLang="en-US" dirty="0" smtClean="0"/>
+              <a:t>会定时向</a:t>
+            </a:r>
+            <a:r>
+              <a:rPr lang="en-US" altLang="zh-CN" dirty="0" smtClean="0"/>
+              <a:t>Master</a:t>
+            </a:r>
+            <a:r>
+              <a:rPr lang="zh-CN" altLang="en-US" dirty="0" smtClean="0"/>
+              <a:t>节点上报自身情况，包括版本，</a:t>
+            </a:r>
+            <a:r>
+              <a:rPr lang="en-US" altLang="zh-CN" dirty="0" smtClean="0"/>
+              <a:t>CPU</a:t>
+            </a:r>
+            <a:r>
+              <a:rPr lang="zh-CN" altLang="en-US" dirty="0" smtClean="0"/>
+              <a:t>、内存、</a:t>
+            </a:r>
+            <a:r>
+              <a:rPr lang="en-US" altLang="zh-CN" dirty="0" smtClean="0"/>
+              <a:t>Node</a:t>
+            </a:r>
+            <a:r>
+              <a:rPr lang="zh-CN" altLang="en-US" dirty="0" smtClean="0"/>
+              <a:t>内的</a:t>
+            </a:r>
+            <a:r>
               <a:rPr lang="en-US" altLang="zh-CN" dirty="0" smtClean="0"/>
               <a:t>Pod</a:t>
             </a:r>
             <a:r>
               <a:rPr lang="zh-CN" altLang="en-US" dirty="0" smtClean="0"/>
-              <a:t>、</a:t>
+              <a:t>等信息。</a:t>
+            </a:r>
+            <a:endParaRPr lang="en-US" altLang="zh-CN" dirty="0" smtClean="0"/>
+          </a:p>
+          <a:p>
+            <a:r>
+              <a:rPr lang="zh-CN" altLang="en-US" dirty="0" smtClean="0"/>
+              <a:t>如果某个</a:t>
             </a:r>
             <a:r>
               <a:rPr lang="en-US" altLang="zh-CN" dirty="0" smtClean="0"/>
@@ -4120,37 +5856,49 @@
             </a:r>
             <a:r>
               <a:rPr lang="zh-CN" altLang="en-US" dirty="0" smtClean="0"/>
-              <a:t>、</a:t>
-            </a:r>
-            <a:r>
-              <a:rPr lang="en-US" altLang="zh-CN" dirty="0" smtClean="0"/>
-              <a:t>Namespace</a:t>
-            </a:r>
-            <a:r>
-              <a:rPr lang="zh-CN" altLang="en-US" dirty="0" smtClean="0"/>
-              <a:t>、</a:t>
-            </a:r>
-            <a:r>
-              <a:rPr lang="en-US" altLang="zh-CN" dirty="0" smtClean="0"/>
-              <a:t>Service</a:t>
-            </a:r>
-            <a:r>
-              <a:rPr lang="zh-CN" altLang="en-US" dirty="0" smtClean="0"/>
-              <a:t>、</a:t>
-            </a:r>
-            <a:r>
-              <a:rPr lang="en-US" altLang="zh-CN" dirty="0" smtClean="0"/>
-              <a:t>Endpoint</a:t>
-            </a:r>
-          </a:p>
-          <a:p>
-            <a:r>
-              <a:rPr lang="en-US" altLang="zh-CN" dirty="0" smtClean="0"/>
-              <a:t>Pod</a:t>
-            </a:r>
-            <a:r>
-              <a:rPr lang="zh-CN" altLang="en-US" dirty="0" smtClean="0"/>
-              <a:t>是</a:t>
+              <a:t>超过一定时间没有向</a:t>
+            </a:r>
+            <a:r>
+              <a:rPr lang="en-US" altLang="zh-CN" dirty="0" smtClean="0"/>
+              <a:t>Master</a:t>
+            </a:r>
+            <a:r>
+              <a:rPr lang="zh-CN" altLang="en-US" dirty="0" smtClean="0"/>
+              <a:t>节点上报自身情况，</a:t>
+            </a:r>
+            <a:r>
+              <a:rPr lang="en-US" altLang="zh-CN" dirty="0" smtClean="0"/>
+              <a:t>Master</a:t>
+            </a:r>
+            <a:r>
+              <a:rPr lang="zh-CN" altLang="en-US" dirty="0" smtClean="0"/>
+              <a:t>会判定其故障，并开始迁移该</a:t>
+            </a:r>
+            <a:r>
+              <a:rPr lang="en-US" altLang="zh-CN" dirty="0" smtClean="0"/>
+              <a:t>Node</a:t>
+            </a:r>
+            <a:r>
+              <a:rPr lang="zh-CN" altLang="en-US" dirty="0" smtClean="0"/>
+              <a:t>上运行的服务。</a:t>
+            </a:r>
+            <a:endParaRPr lang="en-US" altLang="zh-CN" dirty="0" smtClean="0"/>
+          </a:p>
+          <a:p>
+            <a:endParaRPr lang="en-US" altLang="zh-CN" dirty="0"/>
+          </a:p>
+          <a:p>
+            <a:r>
+              <a:rPr lang="en-US" altLang="zh-CN" dirty="0" err="1" smtClean="0"/>
+              <a:t>kubectl</a:t>
+            </a:r>
+            <a:r>
+              <a:rPr lang="en-US" altLang="zh-CN" dirty="0" smtClean="0"/>
+              <a:t> get nodes –</a:t>
+            </a:r>
+            <a:r>
+              <a:rPr lang="zh-CN" altLang="en-US" dirty="0" smtClean="0"/>
+              <a:t>获取</a:t>
             </a:r>
             <a:r>
               <a:rPr lang="en-US" altLang="zh-CN" dirty="0" smtClean="0"/>
@@ -4158,594 +5906,47 @@
             </a:r>
             <a:r>
               <a:rPr lang="zh-CN" altLang="en-US" dirty="0" smtClean="0"/>
-              <a:t>的基本操作单元，里面包含一个或者多个容器。</a:t>
-            </a:r>
-            <a:endParaRPr lang="en-US" altLang="zh-CN" dirty="0"/>
-          </a:p>
-        </p:txBody>
-      </p:sp>
-      <p:sp>
-        <p:nvSpPr>
-          <p:cNvPr id="7" name="圆角矩形 6"/>
-          <p:cNvSpPr/>
-          <p:nvPr/>
-        </p:nvSpPr>
-        <p:spPr>
-          <a:xfrm>
-            <a:off x="845127" y="1731818"/>
-            <a:ext cx="4364182" cy="3449782"/>
-          </a:xfrm>
-          <a:prstGeom prst="roundRect">
-            <a:avLst/>
-          </a:prstGeom>
-          <a:noFill/>
-        </p:spPr>
-        <p:style>
-          <a:lnRef idx="2">
-            <a:schemeClr val="accent1">
-              <a:shade val="50000"/>
-            </a:schemeClr>
-          </a:lnRef>
-          <a:fillRef idx="1">
-            <a:schemeClr val="accent1"/>
-          </a:fillRef>
-          <a:effectRef idx="0">
-            <a:schemeClr val="accent1"/>
-          </a:effectRef>
-          <a:fontRef idx="minor">
-            <a:schemeClr val="lt1"/>
-          </a:fontRef>
-        </p:style>
-        <p:txBody>
-          <a:bodyPr rtlCol="0" anchor="ctr"/>
-          <a:lstStyle/>
-          <a:p>
-            <a:pPr algn="ctr"/>
-            <a:endParaRPr lang="zh-CN" altLang="en-US"/>
-          </a:p>
-        </p:txBody>
-      </p:sp>
-      <p:sp>
-        <p:nvSpPr>
-          <p:cNvPr id="9" name="文本框 8"/>
-          <p:cNvSpPr txBox="1"/>
-          <p:nvPr/>
-        </p:nvSpPr>
-        <p:spPr>
-          <a:xfrm>
-            <a:off x="2750127" y="1851088"/>
-            <a:ext cx="554182" cy="369332"/>
-          </a:xfrm>
-          <a:prstGeom prst="rect">
-            <a:avLst/>
-          </a:prstGeom>
-          <a:noFill/>
-        </p:spPr>
-        <p:txBody>
-          <a:bodyPr wrap="square" rtlCol="0">
-            <a:spAutoFit/>
-          </a:bodyPr>
-          <a:lstStyle/>
-          <a:p>
-            <a:r>
-              <a:rPr lang="en-US" altLang="zh-CN" dirty="0" smtClean="0"/>
-              <a:t>Pod</a:t>
-            </a:r>
-            <a:endParaRPr lang="zh-CN" altLang="en-US" dirty="0"/>
-          </a:p>
-        </p:txBody>
-      </p:sp>
-      <p:sp>
-        <p:nvSpPr>
-          <p:cNvPr id="10" name="矩形 9"/>
-          <p:cNvSpPr/>
-          <p:nvPr/>
-        </p:nvSpPr>
-        <p:spPr>
-          <a:xfrm>
-            <a:off x="1129145" y="2220420"/>
-            <a:ext cx="3796145" cy="522780"/>
-          </a:xfrm>
-          <a:prstGeom prst="rect">
-            <a:avLst/>
-          </a:prstGeom>
-          <a:noFill/>
-        </p:spPr>
-        <p:style>
-          <a:lnRef idx="2">
-            <a:schemeClr val="accent1">
-              <a:shade val="50000"/>
-            </a:schemeClr>
-          </a:lnRef>
-          <a:fillRef idx="1">
-            <a:schemeClr val="accent1"/>
-          </a:fillRef>
-          <a:effectRef idx="0">
-            <a:schemeClr val="accent1"/>
-          </a:effectRef>
-          <a:fontRef idx="minor">
-            <a:schemeClr val="lt1"/>
-          </a:fontRef>
-        </p:style>
-        <p:txBody>
-          <a:bodyPr rtlCol="0" anchor="ctr"/>
-          <a:lstStyle/>
-          <a:p>
-            <a:pPr algn="ctr"/>
-            <a:r>
-              <a:rPr lang="en-US" altLang="zh-CN" dirty="0" smtClean="0">
-                <a:solidFill>
-                  <a:schemeClr val="tx1"/>
-                </a:solidFill>
-              </a:rPr>
-              <a:t>Pause</a:t>
-            </a:r>
-            <a:endParaRPr lang="zh-CN" altLang="en-US" dirty="0">
-              <a:solidFill>
-                <a:schemeClr val="tx1"/>
-              </a:solidFill>
-            </a:endParaRPr>
-          </a:p>
-        </p:txBody>
-      </p:sp>
-      <p:sp>
-        <p:nvSpPr>
-          <p:cNvPr id="11" name="矩形 10"/>
-          <p:cNvSpPr/>
-          <p:nvPr/>
-        </p:nvSpPr>
-        <p:spPr>
-          <a:xfrm>
-            <a:off x="1129144" y="2942824"/>
-            <a:ext cx="3796145" cy="522780"/>
-          </a:xfrm>
-          <a:prstGeom prst="rect">
-            <a:avLst/>
-          </a:prstGeom>
-          <a:noFill/>
-        </p:spPr>
-        <p:style>
-          <a:lnRef idx="2">
-            <a:schemeClr val="accent1">
-              <a:shade val="50000"/>
-            </a:schemeClr>
-          </a:lnRef>
-          <a:fillRef idx="1">
-            <a:schemeClr val="accent1"/>
-          </a:fillRef>
-          <a:effectRef idx="0">
-            <a:schemeClr val="accent1"/>
-          </a:effectRef>
-          <a:fontRef idx="minor">
-            <a:schemeClr val="lt1"/>
-          </a:fontRef>
-        </p:style>
-        <p:txBody>
-          <a:bodyPr rtlCol="0" anchor="ctr"/>
-          <a:lstStyle/>
-          <a:p>
-            <a:pPr algn="ctr"/>
-            <a:r>
-              <a:rPr lang="en-US" altLang="zh-CN" dirty="0" smtClean="0">
-                <a:solidFill>
-                  <a:schemeClr val="tx1"/>
-                </a:solidFill>
-              </a:rPr>
-              <a:t>User container1</a:t>
-            </a:r>
-            <a:endParaRPr lang="zh-CN" altLang="en-US" dirty="0">
-              <a:solidFill>
-                <a:schemeClr val="tx1"/>
-              </a:solidFill>
-            </a:endParaRPr>
-          </a:p>
-        </p:txBody>
-      </p:sp>
-      <p:sp>
-        <p:nvSpPr>
-          <p:cNvPr id="12" name="矩形 11"/>
-          <p:cNvSpPr/>
-          <p:nvPr/>
-        </p:nvSpPr>
-        <p:spPr>
-          <a:xfrm>
-            <a:off x="1129144" y="3665228"/>
-            <a:ext cx="3796145" cy="522780"/>
-          </a:xfrm>
-          <a:prstGeom prst="rect">
-            <a:avLst/>
-          </a:prstGeom>
-          <a:noFill/>
-        </p:spPr>
-        <p:style>
-          <a:lnRef idx="2">
-            <a:schemeClr val="accent1">
-              <a:shade val="50000"/>
-            </a:schemeClr>
-          </a:lnRef>
-          <a:fillRef idx="1">
-            <a:schemeClr val="accent1"/>
-          </a:fillRef>
-          <a:effectRef idx="0">
-            <a:schemeClr val="accent1"/>
-          </a:effectRef>
-          <a:fontRef idx="minor">
-            <a:schemeClr val="lt1"/>
-          </a:fontRef>
-        </p:style>
-        <p:txBody>
-          <a:bodyPr rtlCol="0" anchor="ctr"/>
-          <a:lstStyle/>
-          <a:p>
-            <a:pPr algn="ctr"/>
-            <a:r>
-              <a:rPr lang="en-US" altLang="zh-CN" dirty="0" smtClean="0">
-                <a:solidFill>
-                  <a:schemeClr val="tx1"/>
-                </a:solidFill>
-              </a:rPr>
-              <a:t>User container2</a:t>
-            </a:r>
-            <a:endParaRPr lang="zh-CN" altLang="en-US" dirty="0">
-              <a:solidFill>
-                <a:schemeClr val="tx1"/>
-              </a:solidFill>
-            </a:endParaRPr>
-          </a:p>
-        </p:txBody>
-      </p:sp>
-      <p:sp>
-        <p:nvSpPr>
-          <p:cNvPr id="13" name="矩形 12"/>
-          <p:cNvSpPr/>
-          <p:nvPr/>
-        </p:nvSpPr>
-        <p:spPr>
-          <a:xfrm>
-            <a:off x="1129143" y="4349060"/>
-            <a:ext cx="3796145" cy="522780"/>
-          </a:xfrm>
-          <a:prstGeom prst="rect">
-            <a:avLst/>
-          </a:prstGeom>
-          <a:noFill/>
-        </p:spPr>
-        <p:style>
-          <a:lnRef idx="2">
-            <a:schemeClr val="accent1">
-              <a:shade val="50000"/>
-            </a:schemeClr>
-          </a:lnRef>
-          <a:fillRef idx="1">
-            <a:schemeClr val="accent1"/>
-          </a:fillRef>
-          <a:effectRef idx="0">
-            <a:schemeClr val="accent1"/>
-          </a:effectRef>
-          <a:fontRef idx="minor">
-            <a:schemeClr val="lt1"/>
-          </a:fontRef>
-        </p:style>
-        <p:txBody>
-          <a:bodyPr rtlCol="0" anchor="ctr"/>
-          <a:lstStyle/>
-          <a:p>
-            <a:pPr algn="ctr"/>
-            <a:r>
-              <a:rPr lang="en-US" altLang="zh-CN" dirty="0" smtClean="0">
-                <a:solidFill>
-                  <a:schemeClr val="tx1"/>
-                </a:solidFill>
-              </a:rPr>
-              <a:t>User container3</a:t>
-            </a:r>
-            <a:endParaRPr lang="zh-CN" altLang="en-US" dirty="0">
-              <a:solidFill>
-                <a:schemeClr val="tx1"/>
-              </a:solidFill>
-            </a:endParaRPr>
-          </a:p>
-        </p:txBody>
-      </p:sp>
-      <p:sp>
-        <p:nvSpPr>
-          <p:cNvPr id="14" name="文本框 13"/>
-          <p:cNvSpPr txBox="1"/>
-          <p:nvPr/>
-        </p:nvSpPr>
-        <p:spPr>
-          <a:xfrm>
-            <a:off x="5493327" y="1731818"/>
-            <a:ext cx="6523862" cy="3970318"/>
-          </a:xfrm>
-          <a:prstGeom prst="rect">
-            <a:avLst/>
-          </a:prstGeom>
-          <a:noFill/>
-        </p:spPr>
-        <p:txBody>
-          <a:bodyPr wrap="square" rtlCol="0">
-            <a:spAutoFit/>
-          </a:bodyPr>
-          <a:lstStyle/>
-          <a:p>
-            <a:r>
-              <a:rPr lang="en-US" altLang="zh-CN" dirty="0" smtClean="0"/>
-              <a:t>Pause</a:t>
-            </a:r>
-            <a:r>
-              <a:rPr lang="zh-CN" altLang="en-US" dirty="0" smtClean="0"/>
-              <a:t>是每个</a:t>
-            </a:r>
-            <a:r>
-              <a:rPr lang="en-US" altLang="zh-CN" dirty="0" smtClean="0"/>
-              <a:t>Pod</a:t>
-            </a:r>
-            <a:r>
-              <a:rPr lang="zh-CN" altLang="en-US" dirty="0" smtClean="0"/>
-              <a:t>都有根容器。</a:t>
-            </a:r>
-            <a:r>
-              <a:rPr lang="en-US" altLang="zh-CN" dirty="0" smtClean="0"/>
-              <a:t>Pause</a:t>
-            </a:r>
-            <a:r>
-              <a:rPr lang="zh-CN" altLang="en-US" dirty="0" smtClean="0"/>
-              <a:t>的作用在于代表整个容器组的状态。</a:t>
+              <a:t>集群的</a:t>
+            </a:r>
+            <a:r>
+              <a:rPr lang="en-US" altLang="zh-CN" dirty="0" smtClean="0"/>
+              <a:t>Node</a:t>
+            </a:r>
+            <a:r>
+              <a:rPr lang="zh-CN" altLang="en-US" dirty="0" smtClean="0"/>
+              <a:t>信息。</a:t>
             </a:r>
             <a:endParaRPr lang="en-US" altLang="zh-CN" dirty="0" smtClean="0"/>
           </a:p>
           <a:p>
             <a:r>
-              <a:rPr lang="zh-CN" altLang="en-US" dirty="0" smtClean="0"/>
-              <a:t>同时容器组其他的容器共享</a:t>
-            </a:r>
-            <a:r>
-              <a:rPr lang="en-US" altLang="zh-CN" dirty="0" smtClean="0"/>
-              <a:t>Pause</a:t>
-            </a:r>
-            <a:r>
-              <a:rPr lang="zh-CN" altLang="en-US" dirty="0" smtClean="0"/>
-              <a:t>的</a:t>
-            </a:r>
-            <a:r>
-              <a:rPr lang="en-US" altLang="zh-CN" dirty="0" smtClean="0"/>
-              <a:t>IP</a:t>
-            </a:r>
-            <a:r>
-              <a:rPr lang="zh-CN" altLang="en-US" dirty="0" smtClean="0"/>
-              <a:t>和</a:t>
-            </a:r>
-            <a:r>
-              <a:rPr lang="en-US" altLang="zh-CN" dirty="0" smtClean="0"/>
-              <a:t>Volume</a:t>
-            </a:r>
-            <a:r>
-              <a:rPr lang="zh-CN" altLang="en-US" dirty="0" smtClean="0"/>
-              <a:t>存储空间。</a:t>
+              <a:rPr lang="en-US" altLang="zh-CN" dirty="0" err="1" smtClean="0"/>
+              <a:t>kubectl</a:t>
+            </a:r>
+            <a:r>
+              <a:rPr lang="en-US" altLang="zh-CN" dirty="0" smtClean="0"/>
+              <a:t> describe node [node-name] –</a:t>
+            </a:r>
+            <a:r>
+              <a:rPr lang="zh-CN" altLang="en-US" dirty="0" smtClean="0"/>
+              <a:t>查看</a:t>
+            </a:r>
+            <a:r>
+              <a:rPr lang="en-US" altLang="zh-CN" dirty="0" smtClean="0"/>
+              <a:t>node</a:t>
+            </a:r>
+            <a:r>
+              <a:rPr lang="zh-CN" altLang="en-US" smtClean="0"/>
+              <a:t>的相信信息。</a:t>
             </a:r>
             <a:endParaRPr lang="en-US" altLang="zh-CN" dirty="0" smtClean="0"/>
-          </a:p>
-          <a:p>
-            <a:endParaRPr lang="en-US" altLang="zh-CN" dirty="0"/>
-          </a:p>
-          <a:p>
-            <a:r>
-              <a:rPr lang="en-US" altLang="zh-CN" dirty="0" smtClean="0"/>
-              <a:t>Pod</a:t>
-            </a:r>
-            <a:r>
-              <a:rPr lang="zh-CN" altLang="en-US" dirty="0" smtClean="0"/>
-              <a:t>分普通</a:t>
-            </a:r>
-            <a:r>
-              <a:rPr lang="en-US" altLang="zh-CN" dirty="0" smtClean="0"/>
-              <a:t>Pod</a:t>
-            </a:r>
-            <a:r>
-              <a:rPr lang="zh-CN" altLang="en-US" dirty="0" smtClean="0"/>
-              <a:t>和静态</a:t>
-            </a:r>
-            <a:r>
-              <a:rPr lang="en-US" altLang="zh-CN" dirty="0" smtClean="0"/>
-              <a:t>Pod</a:t>
-            </a:r>
-            <a:r>
-              <a:rPr lang="zh-CN" altLang="en-US" dirty="0" smtClean="0"/>
-              <a:t>两种类型。</a:t>
-            </a:r>
-            <a:endParaRPr lang="en-US" altLang="zh-CN" dirty="0" smtClean="0"/>
-          </a:p>
-          <a:p>
-            <a:r>
-              <a:rPr lang="zh-CN" altLang="en-US" dirty="0" smtClean="0"/>
-              <a:t>普通</a:t>
-            </a:r>
-            <a:r>
-              <a:rPr lang="en-US" altLang="zh-CN" dirty="0" smtClean="0"/>
-              <a:t>Pod</a:t>
-            </a:r>
-            <a:r>
-              <a:rPr lang="zh-CN" altLang="en-US" dirty="0" smtClean="0"/>
-              <a:t>的信息会存放在</a:t>
-            </a:r>
-            <a:r>
-              <a:rPr lang="en-US" altLang="zh-CN" dirty="0" err="1" smtClean="0"/>
-              <a:t>etcd</a:t>
-            </a:r>
-            <a:r>
-              <a:rPr lang="zh-CN" altLang="en-US" dirty="0" smtClean="0"/>
-              <a:t>中，但静态</a:t>
-            </a:r>
-            <a:r>
-              <a:rPr lang="en-US" altLang="zh-CN" dirty="0" smtClean="0"/>
-              <a:t>Pod</a:t>
-            </a:r>
-            <a:r>
-              <a:rPr lang="zh-CN" altLang="en-US" dirty="0" smtClean="0"/>
-              <a:t>信息不会存入</a:t>
-            </a:r>
-            <a:r>
-              <a:rPr lang="en-US" altLang="zh-CN" dirty="0" err="1" smtClean="0"/>
-              <a:t>etcd</a:t>
-            </a:r>
-            <a:r>
-              <a:rPr lang="zh-CN" altLang="en-US" dirty="0" smtClean="0"/>
-              <a:t>，而是存放在某个具体</a:t>
-            </a:r>
-            <a:r>
-              <a:rPr lang="en-US" altLang="zh-CN" dirty="0" smtClean="0"/>
-              <a:t>Node</a:t>
-            </a:r>
-            <a:r>
-              <a:rPr lang="zh-CN" altLang="en-US" dirty="0" smtClean="0"/>
-              <a:t>的文件中。</a:t>
-            </a:r>
-            <a:endParaRPr lang="en-US" altLang="zh-CN" dirty="0" smtClean="0"/>
-          </a:p>
-          <a:p>
-            <a:endParaRPr lang="en-US" altLang="zh-CN" dirty="0"/>
-          </a:p>
-          <a:p>
-            <a:r>
-              <a:rPr lang="zh-CN" altLang="en-US" dirty="0" smtClean="0"/>
-              <a:t>普通</a:t>
-            </a:r>
-            <a:r>
-              <a:rPr lang="en-US" altLang="zh-CN" dirty="0" smtClean="0"/>
-              <a:t>Pod</a:t>
-            </a:r>
-            <a:r>
-              <a:rPr lang="zh-CN" altLang="en-US" dirty="0" smtClean="0"/>
-              <a:t>一旦被创建，就会放入</a:t>
-            </a:r>
-            <a:r>
-              <a:rPr lang="en-US" altLang="zh-CN" dirty="0" err="1" smtClean="0"/>
-              <a:t>etcd</a:t>
-            </a:r>
-            <a:r>
-              <a:rPr lang="zh-CN" altLang="en-US" dirty="0" smtClean="0"/>
-              <a:t>中存储，然后被</a:t>
-            </a:r>
-            <a:r>
-              <a:rPr lang="en-US" altLang="zh-CN" dirty="0" smtClean="0"/>
-              <a:t>k8smaster</a:t>
-            </a:r>
-            <a:r>
-              <a:rPr lang="zh-CN" altLang="en-US" dirty="0" smtClean="0"/>
-              <a:t>调度到某个</a:t>
-            </a:r>
-            <a:r>
-              <a:rPr lang="en-US" altLang="zh-CN" dirty="0" smtClean="0"/>
-              <a:t>Node</a:t>
-            </a:r>
-            <a:r>
-              <a:rPr lang="zh-CN" altLang="en-US" dirty="0" smtClean="0"/>
-              <a:t>上绑定。该</a:t>
-            </a:r>
-            <a:r>
-              <a:rPr lang="en-US" altLang="zh-CN" dirty="0" smtClean="0"/>
-              <a:t>Pod</a:t>
-            </a:r>
-            <a:r>
-              <a:rPr lang="zh-CN" altLang="en-US" dirty="0" smtClean="0"/>
-              <a:t>会被</a:t>
-            </a:r>
-            <a:r>
-              <a:rPr lang="en-US" altLang="zh-CN" dirty="0" smtClean="0"/>
-              <a:t>Node</a:t>
-            </a:r>
-            <a:r>
-              <a:rPr lang="zh-CN" altLang="en-US" dirty="0" smtClean="0"/>
-              <a:t>的</a:t>
-            </a:r>
-            <a:r>
-              <a:rPr lang="en-US" altLang="zh-CN" dirty="0" err="1" smtClean="0"/>
-              <a:t>kubelet</a:t>
-            </a:r>
-            <a:r>
-              <a:rPr lang="zh-CN" altLang="en-US" dirty="0" smtClean="0"/>
-              <a:t>进程启动，包括</a:t>
-            </a:r>
-            <a:r>
-              <a:rPr lang="en-US" altLang="zh-CN" dirty="0" smtClean="0"/>
-              <a:t>Pod</a:t>
-            </a:r>
-            <a:r>
-              <a:rPr lang="zh-CN" altLang="en-US" dirty="0" smtClean="0"/>
-              <a:t>内的容器。</a:t>
-            </a:r>
-            <a:endParaRPr lang="en-US" altLang="zh-CN" dirty="0" smtClean="0"/>
-          </a:p>
-          <a:p>
-            <a:r>
-              <a:rPr lang="zh-CN" altLang="en-US" dirty="0" smtClean="0"/>
-              <a:t>如果</a:t>
-            </a:r>
-            <a:r>
-              <a:rPr lang="en-US" altLang="zh-CN" dirty="0" smtClean="0"/>
-              <a:t>k8s</a:t>
-            </a:r>
-            <a:r>
-              <a:rPr lang="zh-CN" altLang="en-US" dirty="0" smtClean="0"/>
-              <a:t>检测到</a:t>
-            </a:r>
-            <a:r>
-              <a:rPr lang="en-US" altLang="zh-CN" dirty="0" smtClean="0"/>
-              <a:t>Pod</a:t>
-            </a:r>
-            <a:r>
-              <a:rPr lang="zh-CN" altLang="en-US" dirty="0" smtClean="0"/>
-              <a:t>中有某个容器停止了，会自动重启这个</a:t>
-            </a:r>
-            <a:r>
-              <a:rPr lang="en-US" altLang="zh-CN" dirty="0" smtClean="0"/>
-              <a:t>Pod</a:t>
-            </a:r>
-            <a:r>
-              <a:rPr lang="zh-CN" altLang="en-US" dirty="0" smtClean="0"/>
-              <a:t>里的所有容器。如果</a:t>
-            </a:r>
-            <a:r>
-              <a:rPr lang="en-US" altLang="zh-CN" dirty="0" smtClean="0"/>
-              <a:t>Pod</a:t>
-            </a:r>
-            <a:r>
-              <a:rPr lang="zh-CN" altLang="en-US" dirty="0" smtClean="0"/>
-              <a:t>所在的</a:t>
-            </a:r>
-            <a:r>
-              <a:rPr lang="en-US" altLang="zh-CN" dirty="0" smtClean="0"/>
-              <a:t>Node</a:t>
-            </a:r>
-            <a:r>
-              <a:rPr lang="zh-CN" altLang="en-US" dirty="0" smtClean="0"/>
-              <a:t>宕机，</a:t>
-            </a:r>
-            <a:r>
-              <a:rPr lang="en-US" altLang="zh-CN" dirty="0" smtClean="0"/>
-              <a:t>Pod</a:t>
-            </a:r>
-            <a:r>
-              <a:rPr lang="zh-CN" altLang="en-US" dirty="0" smtClean="0"/>
-              <a:t>会被自动调度到其他</a:t>
-            </a:r>
-            <a:r>
-              <a:rPr lang="en-US" altLang="zh-CN" dirty="0" smtClean="0"/>
-              <a:t>Node</a:t>
-            </a:r>
-            <a:r>
-              <a:rPr lang="zh-CN" altLang="en-US" dirty="0" smtClean="0"/>
-              <a:t>上。</a:t>
-            </a:r>
-            <a:endParaRPr lang="en-US" altLang="zh-CN" dirty="0"/>
           </a:p>
         </p:txBody>
       </p:sp>
     </p:spTree>
     <p:extLst>
       <p:ext uri="{BB962C8B-B14F-4D97-AF65-F5344CB8AC3E}">
-        <p14:creationId xmlns:p14="http://schemas.microsoft.com/office/powerpoint/2010/main" val="3557662953"/>
+        <p14:creationId xmlns:p14="http://schemas.microsoft.com/office/powerpoint/2010/main" val="25519951"/>
       </p:ext>
     </p:extLst>
   </p:cSld>
@@ -4811,7 +6012,7 @@
         <p:spPr>
           <a:xfrm>
             <a:off x="488875" y="158339"/>
-            <a:ext cx="3695197" cy="615542"/>
+            <a:ext cx="4221670" cy="615542"/>
           </a:xfrm>
           <a:prstGeom prst="rect">
             <a:avLst/>
@@ -4912,7 +6113,7 @@
                 <a:latin typeface="微软雅黑" panose="020B0503020204020204" pitchFamily="34" charset="-122"/>
                 <a:ea typeface="微软雅黑" panose="020B0503020204020204" pitchFamily="34" charset="-122"/>
               </a:rPr>
-              <a:t>API Server</a:t>
+              <a:t>k8s-Pod</a:t>
             </a:r>
             <a:endParaRPr lang="zh-CN" altLang="en-US" sz="2800" b="1" kern="1200" dirty="0">
               <a:solidFill>
@@ -5025,14 +6226,14 @@
       </p:sp>
       <p:sp>
         <p:nvSpPr>
-          <p:cNvPr id="7" name="文本框 6"/>
+          <p:cNvPr id="3" name="文本框 2"/>
           <p:cNvSpPr txBox="1"/>
           <p:nvPr/>
         </p:nvSpPr>
         <p:spPr>
           <a:xfrm>
-            <a:off x="637309" y="928255"/>
-            <a:ext cx="11208327" cy="3970318"/>
+            <a:off x="488874" y="773881"/>
+            <a:ext cx="6497781" cy="646331"/>
           </a:xfrm>
           <a:prstGeom prst="rect">
             <a:avLst/>
@@ -5047,38 +6248,466 @@
           <a:p>
             <a:r>
               <a:rPr lang="en-US" altLang="zh-CN" dirty="0" smtClean="0"/>
-              <a:t>1</a:t>
-            </a:r>
-            <a:r>
-              <a:rPr lang="zh-CN" altLang="en-US" dirty="0" smtClean="0"/>
-              <a:t>、提供了用户管理集群的</a:t>
-            </a:r>
-            <a:r>
-              <a:rPr lang="en-US" altLang="zh-CN" dirty="0" smtClean="0"/>
-              <a:t>API</a:t>
-            </a:r>
-            <a:r>
-              <a:rPr lang="zh-CN" altLang="en-US" dirty="0" smtClean="0"/>
-              <a:t>接口，包括认证、校验、状态变更等。</a:t>
+              <a:t>Pod</a:t>
+            </a:r>
+            <a:r>
+              <a:rPr lang="zh-CN" altLang="en-US" dirty="0" smtClean="0"/>
+              <a:t>、</a:t>
+            </a:r>
+            <a:r>
+              <a:rPr lang="en-US" altLang="zh-CN" dirty="0" smtClean="0"/>
+              <a:t>Node</a:t>
+            </a:r>
+            <a:r>
+              <a:rPr lang="zh-CN" altLang="en-US" dirty="0" smtClean="0"/>
+              <a:t>、</a:t>
+            </a:r>
+            <a:r>
+              <a:rPr lang="en-US" altLang="zh-CN" dirty="0" smtClean="0"/>
+              <a:t>Namespace</a:t>
+            </a:r>
+            <a:r>
+              <a:rPr lang="zh-CN" altLang="en-US" dirty="0" smtClean="0"/>
+              <a:t>、</a:t>
+            </a:r>
+            <a:r>
+              <a:rPr lang="en-US" altLang="zh-CN" dirty="0" smtClean="0"/>
+              <a:t>Service</a:t>
+            </a:r>
+            <a:r>
+              <a:rPr lang="zh-CN" altLang="en-US" dirty="0" smtClean="0"/>
+              <a:t>、</a:t>
+            </a:r>
+            <a:r>
+              <a:rPr lang="en-US" altLang="zh-CN" dirty="0" smtClean="0"/>
+              <a:t>Endpoint</a:t>
+            </a:r>
+          </a:p>
+          <a:p>
+            <a:r>
+              <a:rPr lang="en-US" altLang="zh-CN" dirty="0" smtClean="0"/>
+              <a:t>Pod</a:t>
+            </a:r>
+            <a:r>
+              <a:rPr lang="zh-CN" altLang="en-US" dirty="0" smtClean="0"/>
+              <a:t>是</a:t>
+            </a:r>
+            <a:r>
+              <a:rPr lang="en-US" altLang="zh-CN" dirty="0" smtClean="0"/>
+              <a:t>k8s</a:t>
+            </a:r>
+            <a:r>
+              <a:rPr lang="zh-CN" altLang="en-US" dirty="0" smtClean="0"/>
+              <a:t>的基本操作单元，里面包含一个或者多个容器。</a:t>
+            </a:r>
+            <a:endParaRPr lang="en-US" altLang="zh-CN" dirty="0"/>
+          </a:p>
+        </p:txBody>
+      </p:sp>
+      <p:sp>
+        <p:nvSpPr>
+          <p:cNvPr id="7" name="圆角矩形 6"/>
+          <p:cNvSpPr/>
+          <p:nvPr/>
+        </p:nvSpPr>
+        <p:spPr>
+          <a:xfrm>
+            <a:off x="845127" y="1731818"/>
+            <a:ext cx="4364182" cy="3449782"/>
+          </a:xfrm>
+          <a:prstGeom prst="roundRect">
+            <a:avLst/>
+          </a:prstGeom>
+          <a:noFill/>
+        </p:spPr>
+        <p:style>
+          <a:lnRef idx="2">
+            <a:schemeClr val="accent1">
+              <a:shade val="50000"/>
+            </a:schemeClr>
+          </a:lnRef>
+          <a:fillRef idx="1">
+            <a:schemeClr val="accent1"/>
+          </a:fillRef>
+          <a:effectRef idx="0">
+            <a:schemeClr val="accent1"/>
+          </a:effectRef>
+          <a:fontRef idx="minor">
+            <a:schemeClr val="lt1"/>
+          </a:fontRef>
+        </p:style>
+        <p:txBody>
+          <a:bodyPr rtlCol="0" anchor="ctr"/>
+          <a:lstStyle/>
+          <a:p>
+            <a:pPr algn="ctr"/>
+            <a:endParaRPr lang="zh-CN" altLang="en-US"/>
+          </a:p>
+        </p:txBody>
+      </p:sp>
+      <p:sp>
+        <p:nvSpPr>
+          <p:cNvPr id="9" name="文本框 8"/>
+          <p:cNvSpPr txBox="1"/>
+          <p:nvPr/>
+        </p:nvSpPr>
+        <p:spPr>
+          <a:xfrm>
+            <a:off x="2750127" y="1851088"/>
+            <a:ext cx="554182" cy="369332"/>
+          </a:xfrm>
+          <a:prstGeom prst="rect">
+            <a:avLst/>
+          </a:prstGeom>
+          <a:noFill/>
+        </p:spPr>
+        <p:txBody>
+          <a:bodyPr wrap="square" rtlCol="0">
+            <a:spAutoFit/>
+          </a:bodyPr>
+          <a:lstStyle/>
+          <a:p>
+            <a:r>
+              <a:rPr lang="en-US" altLang="zh-CN" dirty="0" smtClean="0"/>
+              <a:t>Pod</a:t>
+            </a:r>
+            <a:endParaRPr lang="zh-CN" altLang="en-US" dirty="0"/>
+          </a:p>
+        </p:txBody>
+      </p:sp>
+      <p:sp>
+        <p:nvSpPr>
+          <p:cNvPr id="10" name="矩形 9"/>
+          <p:cNvSpPr/>
+          <p:nvPr/>
+        </p:nvSpPr>
+        <p:spPr>
+          <a:xfrm>
+            <a:off x="1129145" y="2220420"/>
+            <a:ext cx="3796145" cy="522780"/>
+          </a:xfrm>
+          <a:prstGeom prst="rect">
+            <a:avLst/>
+          </a:prstGeom>
+          <a:noFill/>
+        </p:spPr>
+        <p:style>
+          <a:lnRef idx="2">
+            <a:schemeClr val="accent1">
+              <a:shade val="50000"/>
+            </a:schemeClr>
+          </a:lnRef>
+          <a:fillRef idx="1">
+            <a:schemeClr val="accent1"/>
+          </a:fillRef>
+          <a:effectRef idx="0">
+            <a:schemeClr val="accent1"/>
+          </a:effectRef>
+          <a:fontRef idx="minor">
+            <a:schemeClr val="lt1"/>
+          </a:fontRef>
+        </p:style>
+        <p:txBody>
+          <a:bodyPr rtlCol="0" anchor="ctr"/>
+          <a:lstStyle/>
+          <a:p>
+            <a:pPr algn="ctr"/>
+            <a:r>
+              <a:rPr lang="en-US" altLang="zh-CN" dirty="0" smtClean="0">
+                <a:solidFill>
+                  <a:schemeClr val="tx1"/>
+                </a:solidFill>
+              </a:rPr>
+              <a:t>Pause</a:t>
+            </a:r>
+            <a:endParaRPr lang="zh-CN" altLang="en-US" dirty="0">
+              <a:solidFill>
+                <a:schemeClr val="tx1"/>
+              </a:solidFill>
+            </a:endParaRPr>
+          </a:p>
+        </p:txBody>
+      </p:sp>
+      <p:sp>
+        <p:nvSpPr>
+          <p:cNvPr id="11" name="矩形 10"/>
+          <p:cNvSpPr/>
+          <p:nvPr/>
+        </p:nvSpPr>
+        <p:spPr>
+          <a:xfrm>
+            <a:off x="1129144" y="2942824"/>
+            <a:ext cx="3796145" cy="522780"/>
+          </a:xfrm>
+          <a:prstGeom prst="rect">
+            <a:avLst/>
+          </a:prstGeom>
+          <a:noFill/>
+        </p:spPr>
+        <p:style>
+          <a:lnRef idx="2">
+            <a:schemeClr val="accent1">
+              <a:shade val="50000"/>
+            </a:schemeClr>
+          </a:lnRef>
+          <a:fillRef idx="1">
+            <a:schemeClr val="accent1"/>
+          </a:fillRef>
+          <a:effectRef idx="0">
+            <a:schemeClr val="accent1"/>
+          </a:effectRef>
+          <a:fontRef idx="minor">
+            <a:schemeClr val="lt1"/>
+          </a:fontRef>
+        </p:style>
+        <p:txBody>
+          <a:bodyPr rtlCol="0" anchor="ctr"/>
+          <a:lstStyle/>
+          <a:p>
+            <a:pPr algn="ctr"/>
+            <a:r>
+              <a:rPr lang="en-US" altLang="zh-CN" dirty="0" smtClean="0">
+                <a:solidFill>
+                  <a:schemeClr val="tx1"/>
+                </a:solidFill>
+              </a:rPr>
+              <a:t>User container1</a:t>
+            </a:r>
+            <a:endParaRPr lang="zh-CN" altLang="en-US" dirty="0">
+              <a:solidFill>
+                <a:schemeClr val="tx1"/>
+              </a:solidFill>
+            </a:endParaRPr>
+          </a:p>
+        </p:txBody>
+      </p:sp>
+      <p:sp>
+        <p:nvSpPr>
+          <p:cNvPr id="12" name="矩形 11"/>
+          <p:cNvSpPr/>
+          <p:nvPr/>
+        </p:nvSpPr>
+        <p:spPr>
+          <a:xfrm>
+            <a:off x="1129144" y="3665228"/>
+            <a:ext cx="3796145" cy="522780"/>
+          </a:xfrm>
+          <a:prstGeom prst="rect">
+            <a:avLst/>
+          </a:prstGeom>
+          <a:noFill/>
+        </p:spPr>
+        <p:style>
+          <a:lnRef idx="2">
+            <a:schemeClr val="accent1">
+              <a:shade val="50000"/>
+            </a:schemeClr>
+          </a:lnRef>
+          <a:fillRef idx="1">
+            <a:schemeClr val="accent1"/>
+          </a:fillRef>
+          <a:effectRef idx="0">
+            <a:schemeClr val="accent1"/>
+          </a:effectRef>
+          <a:fontRef idx="minor">
+            <a:schemeClr val="lt1"/>
+          </a:fontRef>
+        </p:style>
+        <p:txBody>
+          <a:bodyPr rtlCol="0" anchor="ctr"/>
+          <a:lstStyle/>
+          <a:p>
+            <a:pPr algn="ctr"/>
+            <a:r>
+              <a:rPr lang="en-US" altLang="zh-CN" dirty="0" smtClean="0">
+                <a:solidFill>
+                  <a:schemeClr val="tx1"/>
+                </a:solidFill>
+              </a:rPr>
+              <a:t>User container2</a:t>
+            </a:r>
+            <a:endParaRPr lang="zh-CN" altLang="en-US" dirty="0">
+              <a:solidFill>
+                <a:schemeClr val="tx1"/>
+              </a:solidFill>
+            </a:endParaRPr>
+          </a:p>
+        </p:txBody>
+      </p:sp>
+      <p:sp>
+        <p:nvSpPr>
+          <p:cNvPr id="13" name="矩形 12"/>
+          <p:cNvSpPr/>
+          <p:nvPr/>
+        </p:nvSpPr>
+        <p:spPr>
+          <a:xfrm>
+            <a:off x="1129143" y="4349060"/>
+            <a:ext cx="3796145" cy="522780"/>
+          </a:xfrm>
+          <a:prstGeom prst="rect">
+            <a:avLst/>
+          </a:prstGeom>
+          <a:noFill/>
+        </p:spPr>
+        <p:style>
+          <a:lnRef idx="2">
+            <a:schemeClr val="accent1">
+              <a:shade val="50000"/>
+            </a:schemeClr>
+          </a:lnRef>
+          <a:fillRef idx="1">
+            <a:schemeClr val="accent1"/>
+          </a:fillRef>
+          <a:effectRef idx="0">
+            <a:schemeClr val="accent1"/>
+          </a:effectRef>
+          <a:fontRef idx="minor">
+            <a:schemeClr val="lt1"/>
+          </a:fontRef>
+        </p:style>
+        <p:txBody>
+          <a:bodyPr rtlCol="0" anchor="ctr"/>
+          <a:lstStyle/>
+          <a:p>
+            <a:pPr algn="ctr"/>
+            <a:r>
+              <a:rPr lang="en-US" altLang="zh-CN" dirty="0" smtClean="0">
+                <a:solidFill>
+                  <a:schemeClr val="tx1"/>
+                </a:solidFill>
+              </a:rPr>
+              <a:t>User container3</a:t>
+            </a:r>
+            <a:endParaRPr lang="zh-CN" altLang="en-US" dirty="0">
+              <a:solidFill>
+                <a:schemeClr val="tx1"/>
+              </a:solidFill>
+            </a:endParaRPr>
+          </a:p>
+        </p:txBody>
+      </p:sp>
+      <p:sp>
+        <p:nvSpPr>
+          <p:cNvPr id="14" name="文本框 13"/>
+          <p:cNvSpPr txBox="1"/>
+          <p:nvPr/>
+        </p:nvSpPr>
+        <p:spPr>
+          <a:xfrm>
+            <a:off x="5493327" y="1731818"/>
+            <a:ext cx="6523862" cy="3970318"/>
+          </a:xfrm>
+          <a:prstGeom prst="rect">
+            <a:avLst/>
+          </a:prstGeom>
+          <a:noFill/>
+        </p:spPr>
+        <p:txBody>
+          <a:bodyPr wrap="square" rtlCol="0">
+            <a:spAutoFit/>
+          </a:bodyPr>
+          <a:lstStyle/>
+          <a:p>
+            <a:r>
+              <a:rPr lang="en-US" altLang="zh-CN" dirty="0" smtClean="0"/>
+              <a:t>Pause</a:t>
+            </a:r>
+            <a:r>
+              <a:rPr lang="zh-CN" altLang="en-US" dirty="0" smtClean="0"/>
+              <a:t>是每个</a:t>
+            </a:r>
+            <a:r>
+              <a:rPr lang="en-US" altLang="zh-CN" dirty="0" smtClean="0"/>
+              <a:t>Pod</a:t>
+            </a:r>
+            <a:r>
+              <a:rPr lang="zh-CN" altLang="en-US" dirty="0" smtClean="0"/>
+              <a:t>都有根容器。</a:t>
+            </a:r>
+            <a:r>
+              <a:rPr lang="en-US" altLang="zh-CN" dirty="0" smtClean="0"/>
+              <a:t>Pause</a:t>
+            </a:r>
+            <a:r>
+              <a:rPr lang="zh-CN" altLang="en-US" dirty="0" smtClean="0"/>
+              <a:t>的作用在于代表整个容器组的状态。</a:t>
             </a:r>
             <a:endParaRPr lang="en-US" altLang="zh-CN" dirty="0" smtClean="0"/>
           </a:p>
           <a:p>
             <a:r>
-              <a:rPr lang="en-US" altLang="zh-CN" dirty="0" smtClean="0"/>
-              <a:t>2</a:t>
-            </a:r>
-            <a:r>
-              <a:rPr lang="zh-CN" altLang="en-US" dirty="0" smtClean="0"/>
-              <a:t>、提供了模块间数据交互的接口。只有</a:t>
-            </a:r>
-            <a:r>
-              <a:rPr lang="en-US" altLang="zh-CN" dirty="0" smtClean="0"/>
-              <a:t>API server</a:t>
-            </a:r>
-            <a:r>
-              <a:rPr lang="zh-CN" altLang="en-US" dirty="0" smtClean="0"/>
-              <a:t>才能直接操作</a:t>
+              <a:rPr lang="zh-CN" altLang="en-US" dirty="0" smtClean="0"/>
+              <a:t>同时容器组其他的容器共享</a:t>
+            </a:r>
+            <a:r>
+              <a:rPr lang="en-US" altLang="zh-CN" dirty="0" smtClean="0"/>
+              <a:t>Pause</a:t>
+            </a:r>
+            <a:r>
+              <a:rPr lang="zh-CN" altLang="en-US" dirty="0" smtClean="0"/>
+              <a:t>的</a:t>
+            </a:r>
+            <a:r>
+              <a:rPr lang="en-US" altLang="zh-CN" dirty="0" smtClean="0"/>
+              <a:t>IP</a:t>
+            </a:r>
+            <a:r>
+              <a:rPr lang="zh-CN" altLang="en-US" dirty="0" smtClean="0"/>
+              <a:t>和</a:t>
+            </a:r>
+            <a:r>
+              <a:rPr lang="en-US" altLang="zh-CN" dirty="0" smtClean="0"/>
+              <a:t>Volume</a:t>
+            </a:r>
+            <a:r>
+              <a:rPr lang="zh-CN" altLang="en-US" dirty="0" smtClean="0"/>
+              <a:t>存储空间。</a:t>
+            </a:r>
+            <a:endParaRPr lang="en-US" altLang="zh-CN" dirty="0" smtClean="0"/>
+          </a:p>
+          <a:p>
+            <a:endParaRPr lang="en-US" altLang="zh-CN" dirty="0"/>
+          </a:p>
+          <a:p>
+            <a:r>
+              <a:rPr lang="en-US" altLang="zh-CN" dirty="0" smtClean="0"/>
+              <a:t>Pod</a:t>
+            </a:r>
+            <a:r>
+              <a:rPr lang="zh-CN" altLang="en-US" dirty="0" smtClean="0"/>
+              <a:t>分普通</a:t>
+            </a:r>
+            <a:r>
+              <a:rPr lang="en-US" altLang="zh-CN" dirty="0" smtClean="0"/>
+              <a:t>Pod</a:t>
+            </a:r>
+            <a:r>
+              <a:rPr lang="zh-CN" altLang="en-US" dirty="0" smtClean="0"/>
+              <a:t>和静态</a:t>
+            </a:r>
+            <a:r>
+              <a:rPr lang="en-US" altLang="zh-CN" dirty="0" smtClean="0"/>
+              <a:t>Pod</a:t>
+            </a:r>
+            <a:r>
+              <a:rPr lang="zh-CN" altLang="en-US" dirty="0" smtClean="0"/>
+              <a:t>两种类型。</a:t>
+            </a:r>
+            <a:endParaRPr lang="en-US" altLang="zh-CN" dirty="0" smtClean="0"/>
+          </a:p>
+          <a:p>
+            <a:r>
+              <a:rPr lang="zh-CN" altLang="en-US" dirty="0" smtClean="0"/>
+              <a:t>普通</a:t>
+            </a:r>
+            <a:r>
+              <a:rPr lang="en-US" altLang="zh-CN" dirty="0" smtClean="0"/>
+              <a:t>Pod</a:t>
+            </a:r>
+            <a:r>
+              <a:rPr lang="zh-CN" altLang="en-US" dirty="0" smtClean="0"/>
+              <a:t>的信息会存放在</a:t>
             </a:r>
             <a:r>
               <a:rPr lang="en-US" altLang="zh-CN" dirty="0" err="1" smtClean="0"/>
@@ -5086,7 +6715,31 @@
             </a:r>
             <a:r>
               <a:rPr lang="zh-CN" altLang="en-US" dirty="0" smtClean="0"/>
-              <a:t>。</a:t>
+              <a:t>中，但静态</a:t>
+            </a:r>
+            <a:r>
+              <a:rPr lang="en-US" altLang="zh-CN" dirty="0" smtClean="0"/>
+              <a:t>Pod</a:t>
+            </a:r>
+            <a:r>
+              <a:rPr lang="zh-CN" altLang="en-US" dirty="0" smtClean="0"/>
+              <a:t>信息不会存入</a:t>
+            </a:r>
+            <a:r>
+              <a:rPr lang="en-US" altLang="zh-CN" dirty="0" err="1" smtClean="0"/>
+              <a:t>etcd</a:t>
+            </a:r>
+            <a:r>
+              <a:rPr lang="zh-CN" altLang="en-US" dirty="0" smtClean="0"/>
+              <a:t>，而是存放在某个具体</a:t>
+            </a:r>
+            <a:r>
+              <a:rPr lang="en-US" altLang="zh-CN" dirty="0" smtClean="0"/>
+              <a:t>Node</a:t>
+            </a:r>
+            <a:r>
+              <a:rPr lang="zh-CN" altLang="en-US" dirty="0" smtClean="0"/>
+              <a:t>的文件中。</a:t>
             </a:r>
             <a:endParaRPr lang="en-US" altLang="zh-CN" dirty="0" smtClean="0"/>
           </a:p>
@@ -5095,259 +6748,144 @@
           </a:p>
           <a:p>
             <a:r>
+              <a:rPr lang="zh-CN" altLang="en-US" dirty="0" smtClean="0"/>
+              <a:t>普通</a:t>
+            </a:r>
+            <a:r>
+              <a:rPr lang="en-US" altLang="zh-CN" dirty="0" smtClean="0"/>
+              <a:t>Pod</a:t>
+            </a:r>
+            <a:r>
+              <a:rPr lang="zh-CN" altLang="en-US" dirty="0" smtClean="0"/>
+              <a:t>一旦被创建，就会放入</a:t>
+            </a:r>
+            <a:r>
+              <a:rPr lang="en-US" altLang="zh-CN" dirty="0" err="1" smtClean="0"/>
+              <a:t>etcd</a:t>
+            </a:r>
+            <a:r>
+              <a:rPr lang="zh-CN" altLang="en-US" dirty="0" smtClean="0"/>
+              <a:t>中存储，然后被</a:t>
+            </a:r>
+            <a:r>
+              <a:rPr lang="en-US" altLang="zh-CN" dirty="0" smtClean="0"/>
+              <a:t>k8smaster</a:t>
+            </a:r>
+            <a:r>
+              <a:rPr lang="zh-CN" altLang="en-US" dirty="0" smtClean="0"/>
+              <a:t>调度到某个</a:t>
+            </a:r>
+            <a:r>
+              <a:rPr lang="en-US" altLang="zh-CN" dirty="0" smtClean="0"/>
+              <a:t>Node</a:t>
+            </a:r>
+            <a:r>
+              <a:rPr lang="zh-CN" altLang="en-US" dirty="0" smtClean="0"/>
+              <a:t>上绑定。该</a:t>
+            </a:r>
+            <a:r>
+              <a:rPr lang="en-US" altLang="zh-CN" dirty="0" smtClean="0"/>
+              <a:t>Pod</a:t>
+            </a:r>
+            <a:r>
+              <a:rPr lang="zh-CN" altLang="en-US" dirty="0" smtClean="0"/>
+              <a:t>会被</a:t>
+            </a:r>
+            <a:r>
+              <a:rPr lang="en-US" altLang="zh-CN" dirty="0" smtClean="0"/>
+              <a:t>Node</a:t>
+            </a:r>
+            <a:r>
+              <a:rPr lang="zh-CN" altLang="en-US" dirty="0" smtClean="0"/>
+              <a:t>的</a:t>
+            </a:r>
+            <a:r>
+              <a:rPr lang="en-US" altLang="zh-CN" dirty="0" err="1" smtClean="0"/>
+              <a:t>kubelet</a:t>
+            </a:r>
+            <a:r>
+              <a:rPr lang="zh-CN" altLang="en-US" dirty="0" smtClean="0"/>
+              <a:t>进程启动，包括</a:t>
+            </a:r>
+            <a:r>
+              <a:rPr lang="en-US" altLang="zh-CN" dirty="0" smtClean="0"/>
+              <a:t>Pod</a:t>
+            </a:r>
+            <a:r>
+              <a:rPr lang="zh-CN" altLang="en-US" dirty="0" smtClean="0"/>
+              <a:t>内的容器。</a:t>
+            </a:r>
+            <a:endParaRPr lang="en-US" altLang="zh-CN" dirty="0" smtClean="0"/>
+          </a:p>
+          <a:p>
+            <a:r>
+              <a:rPr lang="zh-CN" altLang="en-US" dirty="0" smtClean="0"/>
+              <a:t>如果</a:t>
+            </a:r>
+            <a:r>
               <a:rPr lang="en-US" altLang="zh-CN" dirty="0" smtClean="0"/>
               <a:t>k8s</a:t>
             </a:r>
             <a:r>
               <a:rPr lang="zh-CN" altLang="en-US" dirty="0" smtClean="0"/>
-              <a:t>通过</a:t>
-            </a:r>
-            <a:r>
-              <a:rPr lang="en-US" altLang="zh-CN" dirty="0" err="1" smtClean="0"/>
-              <a:t>kube-apiserver</a:t>
-            </a:r>
-            <a:r>
-              <a:rPr lang="zh-CN" altLang="en-US" dirty="0" smtClean="0"/>
-              <a:t>这个进程提供</a:t>
-            </a:r>
-            <a:r>
-              <a:rPr lang="en-US" altLang="zh-CN" dirty="0" smtClean="0"/>
-              <a:t>API</a:t>
-            </a:r>
-            <a:r>
-              <a:rPr lang="zh-CN" altLang="en-US" dirty="0" smtClean="0"/>
-              <a:t>服务，有两个服务端口。</a:t>
-            </a:r>
-            <a:endParaRPr lang="en-US" altLang="zh-CN" dirty="0" smtClean="0"/>
-          </a:p>
-          <a:p>
-            <a:r>
-              <a:rPr lang="zh-CN" altLang="en-US" dirty="0" smtClean="0"/>
-              <a:t>本地端口</a:t>
-            </a:r>
-            <a:endParaRPr lang="en-US" altLang="zh-CN" dirty="0" smtClean="0"/>
-          </a:p>
-          <a:p>
-            <a:r>
-              <a:rPr lang="en-US" altLang="zh-CN" dirty="0" smtClean="0"/>
-              <a:t>-</a:t>
-            </a:r>
-            <a:r>
-              <a:rPr lang="zh-CN" altLang="en-US" dirty="0" smtClean="0"/>
-              <a:t>默认</a:t>
-            </a:r>
-            <a:r>
-              <a:rPr lang="en-US" altLang="zh-CN" dirty="0" smtClean="0"/>
-              <a:t>8080</a:t>
-            </a:r>
-            <a:r>
-              <a:rPr lang="zh-CN" altLang="en-US" dirty="0" smtClean="0"/>
-              <a:t>，通过启动参数</a:t>
-            </a:r>
-            <a:r>
-              <a:rPr lang="en-US" altLang="zh-CN" dirty="0" smtClean="0"/>
-              <a:t>—insecure-port</a:t>
-            </a:r>
-            <a:r>
-              <a:rPr lang="zh-CN" altLang="en-US" dirty="0" smtClean="0"/>
-              <a:t>来修改默认端口。</a:t>
-            </a:r>
-            <a:endParaRPr lang="en-US" altLang="zh-CN" dirty="0" smtClean="0"/>
-          </a:p>
-          <a:p>
-            <a:r>
-              <a:rPr lang="en-US" altLang="zh-CN" dirty="0" smtClean="0"/>
-              <a:t>-</a:t>
-            </a:r>
-            <a:r>
-              <a:rPr lang="zh-CN" altLang="en-US" dirty="0" smtClean="0"/>
-              <a:t>默认</a:t>
-            </a:r>
-            <a:r>
-              <a:rPr lang="en-US" altLang="zh-CN" dirty="0" smtClean="0"/>
-              <a:t>IP</a:t>
-            </a:r>
-            <a:r>
-              <a:rPr lang="zh-CN" altLang="en-US" dirty="0" smtClean="0"/>
-              <a:t>地址为</a:t>
-            </a:r>
-            <a:r>
-              <a:rPr lang="en-US" altLang="zh-CN" dirty="0" smtClean="0"/>
-              <a:t>localhost</a:t>
-            </a:r>
-            <a:r>
-              <a:rPr lang="zh-CN" altLang="en-US" dirty="0" smtClean="0"/>
-              <a:t>，通过启动参数</a:t>
-            </a:r>
-            <a:r>
-              <a:rPr lang="en-US" altLang="zh-CN" dirty="0" smtClean="0"/>
-              <a:t>—insecure-bind-address</a:t>
-            </a:r>
-            <a:r>
-              <a:rPr lang="zh-CN" altLang="en-US" dirty="0" smtClean="0"/>
-              <a:t>来修改</a:t>
-            </a:r>
-            <a:r>
-              <a:rPr lang="en-US" altLang="zh-CN" dirty="0" smtClean="0"/>
-              <a:t>IP</a:t>
-            </a:r>
-            <a:r>
-              <a:rPr lang="zh-CN" altLang="en-US" dirty="0" smtClean="0"/>
-              <a:t>地址。</a:t>
-            </a:r>
-            <a:endParaRPr lang="en-US" altLang="zh-CN" dirty="0" smtClean="0"/>
-          </a:p>
-          <a:p>
-            <a:r>
-              <a:rPr lang="en-US" altLang="zh-CN" dirty="0" smtClean="0"/>
-              <a:t>-</a:t>
-            </a:r>
-            <a:r>
-              <a:rPr lang="zh-CN" altLang="en-US" dirty="0" smtClean="0"/>
-              <a:t>用于接收</a:t>
-            </a:r>
-            <a:r>
-              <a:rPr lang="en-US" altLang="zh-CN" dirty="0" smtClean="0"/>
-              <a:t>HTTP</a:t>
-            </a:r>
-            <a:r>
-              <a:rPr lang="zh-CN" altLang="en-US" dirty="0" smtClean="0"/>
-              <a:t>请求，不需要认证或授权通过该端口访问</a:t>
-            </a:r>
-            <a:r>
-              <a:rPr lang="en-US" altLang="zh-CN" dirty="0" smtClean="0"/>
-              <a:t>API server</a:t>
-            </a:r>
-            <a:r>
-              <a:rPr lang="zh-CN" altLang="en-US" dirty="0" smtClean="0"/>
-              <a:t>。</a:t>
-            </a:r>
-            <a:endParaRPr lang="en-US" altLang="zh-CN" dirty="0" smtClean="0"/>
-          </a:p>
-          <a:p>
+              <a:t>检测到</a:t>
+            </a:r>
+            <a:r>
+              <a:rPr lang="en-US" altLang="zh-CN" dirty="0" smtClean="0"/>
+              <a:t>Pod</a:t>
+            </a:r>
+            <a:r>
+              <a:rPr lang="zh-CN" altLang="en-US" dirty="0" smtClean="0"/>
+              <a:t>中有某个容器停止了，会自动重启这个</a:t>
+            </a:r>
+            <a:r>
+              <a:rPr lang="en-US" altLang="zh-CN" dirty="0" smtClean="0"/>
+              <a:t>Pod</a:t>
+            </a:r>
+            <a:r>
+              <a:rPr lang="zh-CN" altLang="en-US" dirty="0" smtClean="0"/>
+              <a:t>里的所有容器。如果</a:t>
+            </a:r>
+            <a:r>
+              <a:rPr lang="en-US" altLang="zh-CN" dirty="0" smtClean="0"/>
+              <a:t>Pod</a:t>
+            </a:r>
+            <a:r>
+              <a:rPr lang="zh-CN" altLang="en-US" dirty="0" smtClean="0"/>
+              <a:t>所在的</a:t>
+            </a:r>
+            <a:r>
+              <a:rPr lang="en-US" altLang="zh-CN" dirty="0" smtClean="0"/>
+              <a:t>Node</a:t>
+            </a:r>
+            <a:r>
+              <a:rPr lang="zh-CN" altLang="en-US" dirty="0" smtClean="0"/>
+              <a:t>宕机，</a:t>
+            </a:r>
+            <a:r>
+              <a:rPr lang="en-US" altLang="zh-CN" dirty="0" smtClean="0"/>
+              <a:t>Pod</a:t>
+            </a:r>
+            <a:r>
+              <a:rPr lang="zh-CN" altLang="en-US" dirty="0" smtClean="0"/>
+              <a:t>会被自动调度到其他</a:t>
+            </a:r>
+            <a:r>
+              <a:rPr lang="en-US" altLang="zh-CN" dirty="0" smtClean="0"/>
+              <a:t>Node</a:t>
+            </a:r>
+            <a:r>
+              <a:rPr lang="zh-CN" altLang="en-US" dirty="0" smtClean="0"/>
+              <a:t>上。</a:t>
+            </a:r>
             <a:endParaRPr lang="en-US" altLang="zh-CN" dirty="0"/>
-          </a:p>
-          <a:p>
-            <a:r>
-              <a:rPr lang="zh-CN" altLang="en-US" dirty="0" smtClean="0"/>
-              <a:t>安全端口</a:t>
-            </a:r>
-            <a:endParaRPr lang="en-US" altLang="zh-CN" dirty="0" smtClean="0"/>
-          </a:p>
-          <a:p>
-            <a:r>
-              <a:rPr lang="en-US" altLang="zh-CN" dirty="0" smtClean="0"/>
-              <a:t>-</a:t>
-            </a:r>
-            <a:r>
-              <a:rPr lang="zh-CN" altLang="en-US" dirty="0" smtClean="0"/>
-              <a:t>默认</a:t>
-            </a:r>
-            <a:r>
-              <a:rPr lang="en-US" altLang="zh-CN" dirty="0" smtClean="0"/>
-              <a:t>6443</a:t>
-            </a:r>
-            <a:r>
-              <a:rPr lang="zh-CN" altLang="en-US" dirty="0" smtClean="0"/>
-              <a:t>，通过启动参数</a:t>
-            </a:r>
-            <a:r>
-              <a:rPr lang="en-US" altLang="zh-CN" dirty="0" smtClean="0"/>
-              <a:t>—secure-port</a:t>
-            </a:r>
-            <a:r>
-              <a:rPr lang="zh-CN" altLang="en-US" dirty="0" smtClean="0"/>
-              <a:t>来修改默认端口。</a:t>
-            </a:r>
-            <a:endParaRPr lang="en-US" altLang="zh-CN" dirty="0" smtClean="0"/>
-          </a:p>
-          <a:p>
-            <a:r>
-              <a:rPr lang="en-US" altLang="zh-CN" dirty="0" smtClean="0"/>
-              <a:t>-</a:t>
-            </a:r>
-            <a:r>
-              <a:rPr lang="zh-CN" altLang="en-US" dirty="0" smtClean="0"/>
-              <a:t>默认</a:t>
-            </a:r>
-            <a:r>
-              <a:rPr lang="en-US" altLang="zh-CN" dirty="0" smtClean="0"/>
-              <a:t>IP</a:t>
-            </a:r>
-            <a:r>
-              <a:rPr lang="zh-CN" altLang="en-US" dirty="0" smtClean="0"/>
-              <a:t>地址为？？，通过启动参数</a:t>
-            </a:r>
-            <a:r>
-              <a:rPr lang="en-US" altLang="zh-CN" dirty="0" smtClean="0"/>
-              <a:t>—bind-address</a:t>
-            </a:r>
-            <a:r>
-              <a:rPr lang="zh-CN" altLang="en-US" dirty="0" smtClean="0"/>
-              <a:t>来修改</a:t>
-            </a:r>
-            <a:r>
-              <a:rPr lang="en-US" altLang="zh-CN" dirty="0" smtClean="0"/>
-              <a:t>IP</a:t>
-            </a:r>
-            <a:r>
-              <a:rPr lang="zh-CN" altLang="en-US" dirty="0" smtClean="0"/>
-              <a:t>地址。</a:t>
-            </a:r>
-            <a:endParaRPr lang="en-US" altLang="zh-CN" dirty="0" smtClean="0"/>
-          </a:p>
-          <a:p>
-            <a:r>
-              <a:rPr lang="en-US" altLang="zh-CN" dirty="0" smtClean="0"/>
-              <a:t>-</a:t>
-            </a:r>
-            <a:r>
-              <a:rPr lang="zh-CN" altLang="en-US" dirty="0" smtClean="0"/>
-              <a:t>用于接收</a:t>
-            </a:r>
-            <a:r>
-              <a:rPr lang="en-US" altLang="zh-CN" dirty="0" smtClean="0"/>
-              <a:t>HTTPS</a:t>
-            </a:r>
-            <a:r>
-              <a:rPr lang="zh-CN" altLang="en-US" dirty="0" smtClean="0"/>
-              <a:t>请求，基于</a:t>
-            </a:r>
-            <a:r>
-              <a:rPr lang="en-US" altLang="zh-CN" dirty="0" err="1" smtClean="0"/>
-              <a:t>tocken</a:t>
-            </a:r>
-            <a:r>
-              <a:rPr lang="zh-CN" altLang="en-US" dirty="0" smtClean="0"/>
-              <a:t>文件或者证书及</a:t>
-            </a:r>
-            <a:r>
-              <a:rPr lang="en-US" altLang="zh-CN" dirty="0" smtClean="0"/>
-              <a:t>HTTP Base</a:t>
-            </a:r>
-            <a:r>
-              <a:rPr lang="zh-CN" altLang="en-US" dirty="0" smtClean="0"/>
-              <a:t>的认证。</a:t>
-            </a:r>
-            <a:endParaRPr lang="en-US" altLang="zh-CN" dirty="0" smtClean="0"/>
-          </a:p>
-          <a:p>
-            <a:r>
-              <a:rPr lang="en-US" altLang="zh-CN" dirty="0" smtClean="0"/>
-              <a:t>-</a:t>
-            </a:r>
-            <a:r>
-              <a:rPr lang="zh-CN" altLang="en-US" dirty="0" smtClean="0"/>
-              <a:t>默认不启动访问控制策略。</a:t>
-            </a:r>
-            <a:endParaRPr lang="zh-CN" altLang="en-US" dirty="0"/>
           </a:p>
         </p:txBody>
       </p:sp>
     </p:spTree>
     <p:extLst>
       <p:ext uri="{BB962C8B-B14F-4D97-AF65-F5344CB8AC3E}">
-        <p14:creationId xmlns:p14="http://schemas.microsoft.com/office/powerpoint/2010/main" val="2149777916"/>
+        <p14:creationId xmlns:p14="http://schemas.microsoft.com/office/powerpoint/2010/main" val="3557662953"/>
       </p:ext>
     </p:extLst>
   </p:cSld>
@@ -5413,7 +6951,7 @@
         <p:spPr>
           <a:xfrm>
             <a:off x="488875" y="158339"/>
-            <a:ext cx="3695197" cy="615542"/>
+            <a:ext cx="4221670" cy="615542"/>
           </a:xfrm>
           <a:prstGeom prst="rect">
             <a:avLst/>
@@ -5514,7 +7052,7 @@
                 <a:latin typeface="微软雅黑" panose="020B0503020204020204" pitchFamily="34" charset="-122"/>
                 <a:ea typeface="微软雅黑" panose="020B0503020204020204" pitchFamily="34" charset="-122"/>
               </a:rPr>
-              <a:t>Controller Manager</a:t>
+              <a:t>k8s-Label</a:t>
             </a:r>
             <a:endParaRPr lang="zh-CN" altLang="en-US" sz="2800" b="1" kern="1200" dirty="0">
               <a:solidFill>
@@ -5633,8 +7171,8 @@
         </p:nvSpPr>
         <p:spPr>
           <a:xfrm>
-            <a:off x="488875" y="773881"/>
-            <a:ext cx="5828798" cy="2308324"/>
+            <a:off x="488874" y="773881"/>
+            <a:ext cx="11528314" cy="3139321"/>
           </a:xfrm>
           <a:prstGeom prst="rect">
             <a:avLst/>
@@ -5649,66 +7187,249 @@
           <a:p>
             <a:r>
               <a:rPr lang="en-US" altLang="zh-CN" dirty="0" smtClean="0"/>
-              <a:t>Replication controller</a:t>
-            </a:r>
-          </a:p>
-          <a:p>
-            <a:r>
-              <a:rPr lang="en-US" altLang="zh-CN" dirty="0" smtClean="0"/>
-              <a:t>Node controller</a:t>
-            </a:r>
-          </a:p>
-          <a:p>
+              <a:t>Label</a:t>
+            </a:r>
+            <a:r>
+              <a:rPr lang="zh-CN" altLang="en-US" dirty="0" smtClean="0"/>
+              <a:t>是一个</a:t>
+            </a:r>
+            <a:r>
+              <a:rPr lang="en-US" altLang="zh-CN" dirty="0" smtClean="0"/>
+              <a:t>key</a:t>
+            </a:r>
+            <a:r>
+              <a:rPr lang="zh-CN" altLang="en-US" dirty="0" smtClean="0"/>
+              <a:t>、</a:t>
+            </a:r>
+            <a:r>
+              <a:rPr lang="en-US" altLang="zh-CN" dirty="0" smtClean="0"/>
+              <a:t>value</a:t>
+            </a:r>
+            <a:r>
+              <a:rPr lang="zh-CN" altLang="en-US" dirty="0" smtClean="0"/>
+              <a:t>键值对</a:t>
+            </a:r>
+            <a:r>
+              <a:rPr lang="zh-CN" altLang="en-US" dirty="0" smtClean="0"/>
+              <a:t>。用来来描述集群内的各种资源。</a:t>
+            </a:r>
+            <a:endParaRPr lang="en-US" altLang="zh-CN" dirty="0" smtClean="0"/>
+          </a:p>
+          <a:p>
+            <a:r>
+              <a:rPr lang="zh-CN" altLang="en-US" dirty="0"/>
+              <a:t>一</a:t>
+            </a:r>
+            <a:r>
+              <a:rPr lang="zh-CN" altLang="en-US" dirty="0" smtClean="0"/>
+              <a:t>个资源可以定义任意数量的</a:t>
+            </a:r>
+            <a:r>
+              <a:rPr lang="en-US" altLang="zh-CN" dirty="0" smtClean="0"/>
+              <a:t>Label</a:t>
+            </a:r>
+            <a:r>
+              <a:rPr lang="zh-CN" altLang="en-US" dirty="0" smtClean="0"/>
+              <a:t>，通过</a:t>
+            </a:r>
+            <a:r>
+              <a:rPr lang="en-US" altLang="zh-CN" dirty="0" smtClean="0"/>
+              <a:t>Label</a:t>
+            </a:r>
+            <a:r>
+              <a:rPr lang="zh-CN" altLang="en-US" dirty="0" smtClean="0"/>
+              <a:t>对资源的分配、调度、配置等进行管理。资源的</a:t>
+            </a:r>
+            <a:r>
+              <a:rPr lang="en-US" altLang="zh-CN" dirty="0" smtClean="0"/>
+              <a:t>Label</a:t>
+            </a:r>
+            <a:r>
+              <a:rPr lang="zh-CN" altLang="en-US" dirty="0" smtClean="0"/>
+              <a:t>可以在资源定义的时候就指定，可以在资源创建后动态的增删。</a:t>
+            </a:r>
+            <a:endParaRPr lang="en-US" altLang="zh-CN" dirty="0" smtClean="0"/>
+          </a:p>
+          <a:p>
+            <a:endParaRPr lang="en-US" altLang="zh-CN" dirty="0"/>
+          </a:p>
+          <a:p>
+            <a:r>
+              <a:rPr lang="zh-CN" altLang="en-US" dirty="0" smtClean="0"/>
+              <a:t>用</a:t>
+            </a:r>
+            <a:r>
+              <a:rPr lang="en-US" altLang="zh-CN" dirty="0" smtClean="0"/>
+              <a:t>Label</a:t>
+            </a:r>
+            <a:r>
+              <a:rPr lang="zh-CN" altLang="en-US" dirty="0" smtClean="0"/>
+              <a:t>的好处就是可以通过</a:t>
+            </a:r>
+            <a:r>
+              <a:rPr lang="en-US" altLang="zh-CN" dirty="0" smtClean="0"/>
+              <a:t>Label Selector</a:t>
+            </a:r>
+            <a:r>
+              <a:rPr lang="zh-CN" altLang="en-US" dirty="0" smtClean="0"/>
+              <a:t>以</a:t>
+            </a:r>
+            <a:r>
+              <a:rPr lang="en-US" altLang="zh-CN" dirty="0" smtClean="0"/>
+              <a:t>Label</a:t>
+            </a:r>
+            <a:r>
+              <a:rPr lang="zh-CN" altLang="en-US" dirty="0" smtClean="0"/>
+              <a:t>为条件搜索对象。搜索语句类似于</a:t>
+            </a:r>
+            <a:r>
+              <a:rPr lang="en-US" altLang="zh-CN" dirty="0" smtClean="0"/>
+              <a:t>SQL</a:t>
+            </a:r>
+            <a:r>
+              <a:rPr lang="zh-CN" altLang="en-US" dirty="0" smtClean="0"/>
+              <a:t>语句。</a:t>
+            </a:r>
+            <a:endParaRPr lang="en-US" altLang="zh-CN" dirty="0" smtClean="0"/>
+          </a:p>
+          <a:p>
+            <a:r>
+              <a:rPr lang="en-US" altLang="zh-CN" dirty="0" smtClean="0"/>
+              <a:t>select * from pod where pod’s name = ‘</a:t>
+            </a:r>
             <a:r>
               <a:rPr lang="en-US" altLang="zh-CN" dirty="0" err="1" smtClean="0"/>
-              <a:t>ResourceQuota</a:t>
-            </a:r>
-            <a:r>
-              <a:rPr lang="en-US" altLang="zh-CN" dirty="0" smtClean="0"/>
-              <a:t> controller</a:t>
-            </a:r>
-          </a:p>
-          <a:p>
-            <a:r>
-              <a:rPr lang="en-US" altLang="zh-CN" dirty="0" smtClean="0"/>
-              <a:t>Namespace controller</a:t>
-            </a:r>
-          </a:p>
-          <a:p>
+              <a:t>redis</a:t>
+            </a:r>
+            <a:r>
+              <a:rPr lang="en-US" altLang="zh-CN" dirty="0" smtClean="0"/>
+              <a:t>’</a:t>
+            </a:r>
+          </a:p>
+          <a:p>
+            <a:r>
+              <a:rPr lang="zh-CN" altLang="en-US" dirty="0" smtClean="0"/>
+              <a:t>或者采用集合的写法</a:t>
+            </a:r>
+            <a:endParaRPr lang="en-US" altLang="zh-CN" dirty="0" smtClean="0"/>
+          </a:p>
+          <a:p>
+            <a:r>
+              <a:rPr lang="en-US" altLang="zh-CN" dirty="0" smtClean="0"/>
+              <a:t>select * from pod where pod’s name in (</a:t>
+            </a:r>
             <a:r>
               <a:rPr lang="en-US" altLang="zh-CN" dirty="0" err="1" smtClean="0"/>
-              <a:t>ServiceAccout</a:t>
-            </a:r>
-            <a:r>
-              <a:rPr lang="en-US" altLang="zh-CN" dirty="0" smtClean="0"/>
-              <a:t> controller</a:t>
-            </a:r>
-          </a:p>
-          <a:p>
-            <a:r>
-              <a:rPr lang="en-US" altLang="zh-CN" dirty="0" smtClean="0"/>
-              <a:t>Token controller</a:t>
-            </a:r>
-          </a:p>
-          <a:p>
-            <a:r>
-              <a:rPr lang="en-US" altLang="zh-CN" dirty="0" smtClean="0"/>
-              <a:t>Service controller</a:t>
-            </a:r>
-          </a:p>
-          <a:p>
-            <a:r>
-              <a:rPr lang="en-US" altLang="zh-CN" dirty="0" smtClean="0"/>
-              <a:t>Endpoint controller</a:t>
-            </a:r>
-            <a:endParaRPr lang="zh-CN" altLang="en-US" dirty="0"/>
+              <a:t>redis</a:t>
+            </a:r>
+            <a:r>
+              <a:rPr lang="en-US" altLang="zh-CN" dirty="0" smtClean="0"/>
+              <a:t>, </a:t>
+            </a:r>
+            <a:r>
+              <a:rPr lang="en-US" altLang="zh-CN" dirty="0" err="1" smtClean="0"/>
+              <a:t>mongodb</a:t>
+            </a:r>
+            <a:r>
+              <a:rPr lang="en-US" altLang="zh-CN" dirty="0" smtClean="0"/>
+              <a:t>, </a:t>
+            </a:r>
+            <a:r>
+              <a:rPr lang="en-US" altLang="zh-CN" dirty="0" err="1" smtClean="0"/>
+              <a:t>sqlite</a:t>
+            </a:r>
+            <a:r>
+              <a:rPr lang="en-US" altLang="zh-CN" dirty="0" smtClean="0"/>
+              <a:t>)</a:t>
+            </a:r>
+          </a:p>
+          <a:p>
+            <a:endParaRPr lang="en-US" altLang="zh-CN" dirty="0"/>
+          </a:p>
+          <a:p>
+            <a:r>
+              <a:rPr lang="en-US" altLang="zh-CN" dirty="0" smtClean="0"/>
+              <a:t>Master</a:t>
+            </a:r>
+            <a:r>
+              <a:rPr lang="zh-CN" altLang="en-US" dirty="0" smtClean="0"/>
+              <a:t>的</a:t>
+            </a:r>
+            <a:r>
+              <a:rPr lang="en-US" altLang="zh-CN" dirty="0" err="1" smtClean="0"/>
+              <a:t>kube</a:t>
+            </a:r>
+            <a:r>
+              <a:rPr lang="en-US" altLang="zh-CN" dirty="0" smtClean="0"/>
+              <a:t>-controller</a:t>
+            </a:r>
+            <a:r>
+              <a:rPr lang="zh-CN" altLang="en-US" dirty="0" smtClean="0"/>
+              <a:t>和</a:t>
+            </a:r>
+            <a:r>
+              <a:rPr lang="en-US" altLang="zh-CN" dirty="0" smtClean="0"/>
+              <a:t>Node</a:t>
+            </a:r>
+            <a:r>
+              <a:rPr lang="zh-CN" altLang="en-US" dirty="0" smtClean="0"/>
+              <a:t>的</a:t>
+            </a:r>
+            <a:r>
+              <a:rPr lang="en-US" altLang="zh-CN" dirty="0" err="1" smtClean="0"/>
+              <a:t>kube</a:t>
+            </a:r>
+            <a:r>
+              <a:rPr lang="en-US" altLang="zh-CN" dirty="0" smtClean="0"/>
+              <a:t>-proxy</a:t>
+            </a:r>
+            <a:r>
+              <a:rPr lang="zh-CN" altLang="en-US" dirty="0" smtClean="0"/>
+              <a:t>都会使用</a:t>
+            </a:r>
+            <a:r>
+              <a:rPr lang="en-US" altLang="zh-CN" dirty="0" smtClean="0"/>
+              <a:t>Label Selector</a:t>
+            </a:r>
+            <a:r>
+              <a:rPr lang="zh-CN" altLang="en-US" dirty="0" smtClean="0"/>
+              <a:t>来查找所需要的</a:t>
+            </a:r>
+            <a:r>
+              <a:rPr lang="en-US" altLang="zh-CN" dirty="0" smtClean="0"/>
+              <a:t>Pod</a:t>
+            </a:r>
+            <a:r>
+              <a:rPr lang="zh-CN" altLang="en-US" dirty="0" smtClean="0"/>
+              <a:t>。</a:t>
+            </a:r>
+            <a:endParaRPr lang="en-US" altLang="zh-CN" dirty="0" smtClean="0"/>
+          </a:p>
+          <a:p>
+            <a:r>
+              <a:rPr lang="en-US" altLang="zh-CN" dirty="0" smtClean="0"/>
+              <a:t>Label</a:t>
+            </a:r>
+            <a:r>
+              <a:rPr lang="zh-CN" altLang="en-US" dirty="0" smtClean="0"/>
+              <a:t>是</a:t>
+            </a:r>
+            <a:r>
+              <a:rPr lang="en-US" altLang="zh-CN" dirty="0" smtClean="0"/>
+              <a:t>k8s</a:t>
+            </a:r>
+            <a:r>
+              <a:rPr lang="zh-CN" altLang="en-US" dirty="0" smtClean="0"/>
+              <a:t>集群能够实现精细化管理的基础。</a:t>
+            </a:r>
+            <a:endParaRPr lang="en-US" altLang="zh-CN" dirty="0" smtClean="0"/>
           </a:p>
         </p:txBody>
       </p:sp>
     </p:spTree>
     <p:extLst>
       <p:ext uri="{BB962C8B-B14F-4D97-AF65-F5344CB8AC3E}">
-        <p14:creationId xmlns:p14="http://schemas.microsoft.com/office/powerpoint/2010/main" val="3693954857"/>
+        <p14:creationId xmlns:p14="http://schemas.microsoft.com/office/powerpoint/2010/main" val="165754610"/>
       </p:ext>
     </p:extLst>
   </p:cSld>
@@ -5774,7 +7495,7 @@
         <p:spPr>
           <a:xfrm>
             <a:off x="488875" y="158339"/>
-            <a:ext cx="4124689" cy="615542"/>
+            <a:ext cx="4221670" cy="615542"/>
           </a:xfrm>
           <a:prstGeom prst="rect">
             <a:avLst/>
@@ -5875,7 +7596,7 @@
                 <a:latin typeface="微软雅黑" panose="020B0503020204020204" pitchFamily="34" charset="-122"/>
                 <a:ea typeface="微软雅黑" panose="020B0503020204020204" pitchFamily="34" charset="-122"/>
               </a:rPr>
-              <a:t>Replication Controller</a:t>
+              <a:t>k8s-Service</a:t>
             </a:r>
             <a:endParaRPr lang="zh-CN" altLang="en-US" sz="2800" b="1" kern="1200" dirty="0">
               <a:solidFill>
@@ -5988,14 +7709,14 @@
       </p:sp>
       <p:sp>
         <p:nvSpPr>
-          <p:cNvPr id="7" name="文本框 6"/>
+          <p:cNvPr id="3" name="文本框 2"/>
           <p:cNvSpPr txBox="1"/>
           <p:nvPr/>
         </p:nvSpPr>
         <p:spPr>
           <a:xfrm>
-            <a:off x="637309" y="1080655"/>
-            <a:ext cx="11042073" cy="2862322"/>
+            <a:off x="488874" y="773881"/>
+            <a:ext cx="11528314" cy="3693319"/>
           </a:xfrm>
           <a:prstGeom prst="rect">
             <a:avLst/>
@@ -6010,26 +7731,165 @@
           <a:p>
             <a:r>
               <a:rPr lang="zh-CN" altLang="en-US" dirty="0" smtClean="0"/>
-              <a:t>副本控制器</a:t>
+              <a:t>在</a:t>
+            </a:r>
+            <a:r>
+              <a:rPr lang="en-US" altLang="zh-CN" dirty="0" smtClean="0"/>
+              <a:t>k8s</a:t>
+            </a:r>
+            <a:r>
+              <a:rPr lang="zh-CN" altLang="en-US" dirty="0" smtClean="0"/>
+              <a:t>的集群里，每个</a:t>
+            </a:r>
+            <a:r>
+              <a:rPr lang="en-US" altLang="zh-CN" dirty="0" smtClean="0"/>
+              <a:t>Pod</a:t>
+            </a:r>
+            <a:r>
+              <a:rPr lang="zh-CN" altLang="en-US" dirty="0" smtClean="0"/>
+              <a:t>会被分配一个单独的</a:t>
+            </a:r>
+            <a:r>
+              <a:rPr lang="en-US" altLang="zh-CN" dirty="0" smtClean="0"/>
+              <a:t>IP</a:t>
+            </a:r>
+            <a:r>
+              <a:rPr lang="zh-CN" altLang="en-US" dirty="0" smtClean="0"/>
+              <a:t>地址，且每个</a:t>
+            </a:r>
+            <a:r>
+              <a:rPr lang="en-US" altLang="zh-CN" dirty="0" smtClean="0"/>
+              <a:t>Pod</a:t>
+            </a:r>
+            <a:r>
+              <a:rPr lang="zh-CN" altLang="en-US" dirty="0" smtClean="0"/>
+              <a:t>都提供了独立的</a:t>
+            </a:r>
+            <a:r>
+              <a:rPr lang="en-US" altLang="zh-CN" dirty="0" smtClean="0"/>
+              <a:t>Endpoint(Pod IP + Container Port)</a:t>
+            </a:r>
+            <a:r>
+              <a:rPr lang="zh-CN" altLang="en-US" dirty="0" smtClean="0"/>
+              <a:t>以被客户端访问。但是</a:t>
+            </a:r>
+            <a:r>
+              <a:rPr lang="en-US" altLang="zh-CN" dirty="0" smtClean="0"/>
+              <a:t>Pod</a:t>
+            </a:r>
+            <a:r>
+              <a:rPr lang="zh-CN" altLang="en-US" dirty="0" smtClean="0"/>
+              <a:t>是会被销毁和重新创建的，新建的</a:t>
+            </a:r>
+            <a:r>
+              <a:rPr lang="en-US" altLang="zh-CN" dirty="0" smtClean="0"/>
+              <a:t>Pod</a:t>
+            </a:r>
+            <a:r>
+              <a:rPr lang="zh-CN" altLang="en-US" dirty="0" smtClean="0"/>
+              <a:t>拥有的</a:t>
+            </a:r>
+            <a:r>
+              <a:rPr lang="en-US" altLang="zh-CN" dirty="0" smtClean="0"/>
+              <a:t>IP</a:t>
+            </a:r>
+            <a:r>
+              <a:rPr lang="zh-CN" altLang="en-US" dirty="0" smtClean="0"/>
+              <a:t>地址与旧</a:t>
+            </a:r>
+            <a:r>
+              <a:rPr lang="en-US" altLang="zh-CN" dirty="0" smtClean="0"/>
+              <a:t>Pod</a:t>
+            </a:r>
+            <a:r>
+              <a:rPr lang="zh-CN" altLang="en-US" dirty="0" smtClean="0"/>
+              <a:t>的</a:t>
+            </a:r>
+            <a:r>
+              <a:rPr lang="en-US" altLang="zh-CN" dirty="0" smtClean="0"/>
+              <a:t>IP</a:t>
+            </a:r>
+            <a:r>
+              <a:rPr lang="zh-CN" altLang="en-US" dirty="0" smtClean="0"/>
+              <a:t>可能不同。这样的设定对于前端应用来访问</a:t>
+            </a:r>
+            <a:r>
+              <a:rPr lang="en-US" altLang="zh-CN" dirty="0" smtClean="0"/>
+              <a:t>Pod</a:t>
+            </a:r>
+            <a:r>
+              <a:rPr lang="zh-CN" altLang="en-US" dirty="0" smtClean="0"/>
+              <a:t>里面的容器是非常不友好的。</a:t>
             </a:r>
             <a:endParaRPr lang="en-US" altLang="zh-CN" dirty="0" smtClean="0"/>
           </a:p>
           <a:p>
-            <a:r>
-              <a:rPr lang="en-US" altLang="zh-CN" dirty="0" smtClean="0"/>
-              <a:t>1</a:t>
-            </a:r>
-            <a:r>
-              <a:rPr lang="zh-CN" altLang="en-US" dirty="0" smtClean="0"/>
-              <a:t>、确保集群中有且仅有</a:t>
-            </a:r>
-            <a:r>
-              <a:rPr lang="en-US" altLang="zh-CN" dirty="0" smtClean="0"/>
-              <a:t>N</a:t>
-            </a:r>
-            <a:r>
-              <a:rPr lang="zh-CN" altLang="en-US" dirty="0" smtClean="0"/>
-              <a:t>个</a:t>
+            <a:endParaRPr lang="en-US" altLang="zh-CN" dirty="0"/>
+          </a:p>
+          <a:p>
+            <a:r>
+              <a:rPr lang="en-US" altLang="zh-CN" dirty="0" smtClean="0"/>
+              <a:t>k8s</a:t>
+            </a:r>
+            <a:r>
+              <a:rPr lang="zh-CN" altLang="en-US" dirty="0" smtClean="0"/>
+              <a:t>为每个</a:t>
+            </a:r>
+            <a:r>
+              <a:rPr lang="en-US" altLang="zh-CN" dirty="0" smtClean="0"/>
+              <a:t>Service</a:t>
+            </a:r>
+            <a:r>
+              <a:rPr lang="zh-CN" altLang="en-US" dirty="0" smtClean="0"/>
+              <a:t>分配了全局唯一的虚拟</a:t>
+            </a:r>
+            <a:r>
+              <a:rPr lang="en-US" altLang="zh-CN" dirty="0" smtClean="0"/>
+              <a:t>IP(Cluster IP)</a:t>
+            </a:r>
+            <a:r>
+              <a:rPr lang="zh-CN" altLang="en-US" dirty="0" smtClean="0"/>
+              <a:t>。</a:t>
+            </a:r>
+            <a:r>
+              <a:rPr lang="en-US" altLang="zh-CN" dirty="0" smtClean="0"/>
+              <a:t>Service</a:t>
+            </a:r>
+            <a:r>
+              <a:rPr lang="zh-CN" altLang="en-US" dirty="0" smtClean="0"/>
+              <a:t>整个生命周期之内</a:t>
+            </a:r>
+            <a:r>
+              <a:rPr lang="en-US" altLang="zh-CN" dirty="0" smtClean="0"/>
+              <a:t>Cluster IP</a:t>
+            </a:r>
+            <a:r>
+              <a:rPr lang="zh-CN" altLang="en-US" dirty="0" smtClean="0"/>
+              <a:t>不会变。</a:t>
+            </a:r>
+            <a:r>
+              <a:rPr lang="en-US" altLang="zh-CN" dirty="0" smtClean="0"/>
+              <a:t>k8s</a:t>
+            </a:r>
+            <a:r>
+              <a:rPr lang="zh-CN" altLang="en-US" dirty="0" smtClean="0"/>
+              <a:t>通过</a:t>
+            </a:r>
+            <a:r>
+              <a:rPr lang="en-US" altLang="zh-CN" dirty="0" smtClean="0"/>
+              <a:t>Service</a:t>
+            </a:r>
+            <a:r>
+              <a:rPr lang="zh-CN" altLang="en-US" dirty="0" smtClean="0"/>
+              <a:t>把</a:t>
+            </a:r>
+            <a:r>
+              <a:rPr lang="en-US" altLang="zh-CN" dirty="0" smtClean="0"/>
+              <a:t>Node</a:t>
+            </a:r>
+            <a:r>
+              <a:rPr lang="zh-CN" altLang="en-US" dirty="0" smtClean="0"/>
+              <a:t>、</a:t>
             </a:r>
             <a:r>
               <a:rPr lang="en-US" altLang="zh-CN" dirty="0" smtClean="0"/>
@@ -6037,185 +7897,192 @@
             </a:r>
             <a:r>
               <a:rPr lang="zh-CN" altLang="en-US" dirty="0" smtClean="0"/>
-              <a:t>实例。</a:t>
-            </a:r>
-            <a:r>
-              <a:rPr lang="en-US" altLang="zh-CN" dirty="0" smtClean="0"/>
-              <a:t>N</a:t>
-            </a:r>
-            <a:r>
-              <a:rPr lang="zh-CN" altLang="en-US" dirty="0" smtClean="0"/>
-              <a:t>是设定的副本数量。</a:t>
+              <a:t>、</a:t>
+            </a:r>
+            <a:r>
+              <a:rPr lang="en-US" altLang="zh-CN" dirty="0" smtClean="0"/>
+              <a:t>Container</a:t>
+            </a:r>
+            <a:r>
+              <a:rPr lang="zh-CN" altLang="en-US" dirty="0" smtClean="0"/>
+              <a:t>在网络层面的变化给屏蔽了。</a:t>
             </a:r>
             <a:endParaRPr lang="en-US" altLang="zh-CN" dirty="0" smtClean="0"/>
           </a:p>
           <a:p>
-            <a:r>
-              <a:rPr lang="en-US" altLang="zh-CN" dirty="0" smtClean="0"/>
-              <a:t>2</a:t>
-            </a:r>
-            <a:r>
-              <a:rPr lang="zh-CN" altLang="en-US" dirty="0" smtClean="0"/>
-              <a:t>、通过</a:t>
+            <a:endParaRPr lang="en-US" altLang="zh-CN" dirty="0"/>
+          </a:p>
+          <a:p>
+            <a:r>
+              <a:rPr lang="zh-CN" altLang="en-US" dirty="0" smtClean="0"/>
+              <a:t>比如</a:t>
+            </a:r>
+            <a:r>
+              <a:rPr lang="en-US" altLang="zh-CN" dirty="0" smtClean="0"/>
+              <a:t>k8s</a:t>
+            </a:r>
+            <a:r>
+              <a:rPr lang="zh-CN" altLang="en-US" dirty="0" smtClean="0"/>
+              <a:t>的集群里有若干个</a:t>
+            </a:r>
+            <a:r>
+              <a:rPr lang="en-US" altLang="zh-CN" dirty="0" smtClean="0"/>
+              <a:t>Pod</a:t>
+            </a:r>
+            <a:r>
+              <a:rPr lang="zh-CN" altLang="en-US" dirty="0" smtClean="0"/>
+              <a:t>都部署了</a:t>
+            </a:r>
+            <a:r>
+              <a:rPr lang="en-US" altLang="zh-CN" dirty="0" smtClean="0"/>
+              <a:t>HTTP</a:t>
+            </a:r>
+            <a:r>
+              <a:rPr lang="zh-CN" altLang="en-US" dirty="0" smtClean="0"/>
+              <a:t>代理服务器，这时候就可以创建一个</a:t>
+            </a:r>
+            <a:r>
+              <a:rPr lang="en-US" altLang="zh-CN" dirty="0" smtClean="0"/>
+              <a:t>Service</a:t>
+            </a:r>
+            <a:r>
+              <a:rPr lang="zh-CN" altLang="en-US" dirty="0" smtClean="0"/>
+              <a:t>，通过</a:t>
             </a:r>
             <a:r>
               <a:rPr lang="en-US" altLang="zh-CN" dirty="0" err="1" smtClean="0"/>
-              <a:t>spec.replicas</a:t>
-            </a:r>
-            <a:r>
-              <a:rPr lang="zh-CN" altLang="en-US" dirty="0" smtClean="0"/>
-              <a:t>属性值来实现系统扩容或缩容。</a:t>
+              <a:t>Label:”HTTP</a:t>
+            </a:r>
+            <a:r>
+              <a:rPr lang="en-US" altLang="zh-CN" dirty="0" smtClean="0"/>
+              <a:t> Proxy”</a:t>
+            </a:r>
+            <a:r>
+              <a:rPr lang="zh-CN" altLang="en-US" dirty="0" smtClean="0"/>
+              <a:t>与所有部署了</a:t>
+            </a:r>
+            <a:r>
+              <a:rPr lang="en-US" altLang="zh-CN" dirty="0" smtClean="0"/>
+              <a:t>HTTP</a:t>
+            </a:r>
+            <a:r>
+              <a:rPr lang="zh-CN" altLang="en-US" dirty="0" smtClean="0"/>
+              <a:t>代理服务器的</a:t>
+            </a:r>
+            <a:r>
+              <a:rPr lang="en-US" altLang="zh-CN" dirty="0" smtClean="0"/>
+              <a:t>Pod</a:t>
+            </a:r>
+            <a:r>
+              <a:rPr lang="zh-CN" altLang="en-US" dirty="0" smtClean="0"/>
+              <a:t>关联起来。然后定义</a:t>
+            </a:r>
+            <a:r>
+              <a:rPr lang="en-US" altLang="zh-CN" dirty="0" smtClean="0"/>
+              <a:t>Service</a:t>
+            </a:r>
+            <a:r>
+              <a:rPr lang="zh-CN" altLang="en-US" dirty="0" smtClean="0"/>
+              <a:t>对外暴露</a:t>
+            </a:r>
+            <a:r>
+              <a:rPr lang="en-US" altLang="zh-CN" dirty="0" smtClean="0"/>
+              <a:t>80</a:t>
+            </a:r>
+            <a:r>
+              <a:rPr lang="zh-CN" altLang="en-US" dirty="0" smtClean="0"/>
+              <a:t>端口。这样前端应用通过</a:t>
+            </a:r>
+            <a:r>
+              <a:rPr lang="en-US" altLang="zh-CN" dirty="0" smtClean="0"/>
+              <a:t>Service</a:t>
+            </a:r>
+            <a:r>
+              <a:rPr lang="zh-CN" altLang="en-US" dirty="0" smtClean="0"/>
+              <a:t>的</a:t>
+            </a:r>
+            <a:r>
+              <a:rPr lang="en-US" altLang="zh-CN" dirty="0" smtClean="0"/>
+              <a:t>Cluster IP+80</a:t>
+            </a:r>
+            <a:r>
+              <a:rPr lang="zh-CN" altLang="en-US" dirty="0" smtClean="0"/>
+              <a:t>端口就可以访问</a:t>
+            </a:r>
+            <a:r>
+              <a:rPr lang="en-US" altLang="zh-CN" dirty="0" smtClean="0"/>
+              <a:t>k8s</a:t>
+            </a:r>
+            <a:r>
+              <a:rPr lang="zh-CN" altLang="en-US" dirty="0" smtClean="0"/>
+              <a:t>内的所有</a:t>
+            </a:r>
+            <a:r>
+              <a:rPr lang="en-US" altLang="zh-CN" dirty="0" smtClean="0"/>
+              <a:t>HTTP</a:t>
+            </a:r>
+            <a:r>
+              <a:rPr lang="zh-CN" altLang="en-US" dirty="0" smtClean="0"/>
+              <a:t>代理服务器，而不需要关心部署这些</a:t>
+            </a:r>
+            <a:r>
+              <a:rPr lang="en-US" altLang="zh-CN" dirty="0" smtClean="0"/>
+              <a:t>HTTP</a:t>
+            </a:r>
+            <a:r>
+              <a:rPr lang="zh-CN" altLang="en-US" dirty="0" smtClean="0"/>
+              <a:t>代理服务器的</a:t>
+            </a:r>
+            <a:r>
+              <a:rPr lang="en-US" altLang="zh-CN" dirty="0" smtClean="0"/>
+              <a:t>Pod</a:t>
+            </a:r>
+            <a:r>
+              <a:rPr lang="zh-CN" altLang="en-US" dirty="0" smtClean="0"/>
+              <a:t>是否发生了</a:t>
+            </a:r>
+            <a:r>
+              <a:rPr lang="en-US" altLang="zh-CN" dirty="0" smtClean="0"/>
+              <a:t>IP</a:t>
+            </a:r>
+            <a:r>
+              <a:rPr lang="zh-CN" altLang="en-US" dirty="0" smtClean="0"/>
+              <a:t>变化。</a:t>
             </a:r>
             <a:endParaRPr lang="en-US" altLang="zh-CN" dirty="0" smtClean="0"/>
           </a:p>
           <a:p>
-            <a:r>
-              <a:rPr lang="en-US" altLang="zh-CN" dirty="0" smtClean="0"/>
-              <a:t>3</a:t>
-            </a:r>
-            <a:r>
-              <a:rPr lang="zh-CN" altLang="en-US" dirty="0" smtClean="0"/>
-              <a:t>、通过改变</a:t>
-            </a:r>
-            <a:r>
-              <a:rPr lang="en-US" altLang="zh-CN" dirty="0" smtClean="0"/>
-              <a:t>Pod</a:t>
-            </a:r>
-            <a:r>
-              <a:rPr lang="zh-CN" altLang="en-US" dirty="0" smtClean="0"/>
-              <a:t>模板来实现系统的滚动升级。</a:t>
+            <a:endParaRPr lang="en-US" altLang="zh-CN" dirty="0"/>
+          </a:p>
+          <a:p>
+            <a:r>
+              <a:rPr lang="zh-CN" altLang="en-US" dirty="0" smtClean="0"/>
+              <a:t>如果某个</a:t>
+            </a:r>
+            <a:r>
+              <a:rPr lang="en-US" altLang="zh-CN" dirty="0" smtClean="0"/>
+              <a:t>Service</a:t>
+            </a:r>
+            <a:r>
+              <a:rPr lang="zh-CN" altLang="en-US" dirty="0" smtClean="0"/>
+              <a:t>需要用到多端口，只需要给不同端口设定</a:t>
+            </a:r>
+            <a:r>
+              <a:rPr lang="en-US" altLang="zh-CN" dirty="0" smtClean="0"/>
+              <a:t>”name”</a:t>
+            </a:r>
+            <a:r>
+              <a:rPr lang="zh-CN" altLang="en-US" dirty="0" smtClean="0"/>
+              <a:t>属性即可。</a:t>
             </a:r>
             <a:endParaRPr lang="en-US" altLang="zh-CN" dirty="0" smtClean="0"/>
-          </a:p>
-          <a:p>
-            <a:endParaRPr lang="en-US" altLang="zh-CN" dirty="0"/>
-          </a:p>
-          <a:p>
-            <a:r>
-              <a:rPr lang="zh-CN" altLang="en-US" dirty="0" smtClean="0"/>
-              <a:t>需要注意的是：</a:t>
-            </a:r>
-            <a:endParaRPr lang="en-US" altLang="zh-CN" dirty="0" smtClean="0"/>
-          </a:p>
-          <a:p>
-            <a:r>
-              <a:rPr lang="en-US" altLang="zh-CN" dirty="0" smtClean="0"/>
-              <a:t>1</a:t>
-            </a:r>
-            <a:r>
-              <a:rPr lang="zh-CN" altLang="en-US" dirty="0" smtClean="0"/>
-              <a:t>、</a:t>
-            </a:r>
-            <a:r>
-              <a:rPr lang="en-US" altLang="zh-CN" dirty="0" smtClean="0"/>
-              <a:t>Pod</a:t>
-            </a:r>
-            <a:r>
-              <a:rPr lang="zh-CN" altLang="en-US" dirty="0" smtClean="0"/>
-              <a:t>实例和</a:t>
-            </a:r>
-            <a:r>
-              <a:rPr lang="en-US" altLang="zh-CN" dirty="0" smtClean="0"/>
-              <a:t>Pod</a:t>
-            </a:r>
-            <a:r>
-              <a:rPr lang="zh-CN" altLang="en-US" dirty="0" smtClean="0"/>
-              <a:t>模板无关。</a:t>
-            </a:r>
-            <a:r>
-              <a:rPr lang="en-US" altLang="zh-CN" dirty="0" smtClean="0"/>
-              <a:t>Pod</a:t>
-            </a:r>
-            <a:r>
-              <a:rPr lang="zh-CN" altLang="en-US" dirty="0" smtClean="0"/>
-              <a:t>实例一旦被创建就和模板没有关系，模板如果发生变化不会影响到已经创建的</a:t>
-            </a:r>
-            <a:r>
-              <a:rPr lang="en-US" altLang="zh-CN" dirty="0" smtClean="0"/>
-              <a:t>Pod</a:t>
-            </a:r>
-            <a:r>
-              <a:rPr lang="zh-CN" altLang="en-US" dirty="0" smtClean="0"/>
-              <a:t>实例。</a:t>
-            </a:r>
-            <a:endParaRPr lang="en-US" altLang="zh-CN" dirty="0" smtClean="0"/>
-          </a:p>
-          <a:p>
-            <a:r>
-              <a:rPr lang="en-US" altLang="zh-CN" dirty="0" smtClean="0"/>
-              <a:t>2</a:t>
-            </a:r>
-            <a:r>
-              <a:rPr lang="zh-CN" altLang="en-US" dirty="0" smtClean="0"/>
-              <a:t>、只有</a:t>
-            </a:r>
-            <a:r>
-              <a:rPr lang="en-US" altLang="zh-CN" dirty="0" smtClean="0"/>
-              <a:t>Pod</a:t>
-            </a:r>
-            <a:r>
-              <a:rPr lang="zh-CN" altLang="en-US" dirty="0" smtClean="0"/>
-              <a:t>重启策略是</a:t>
-            </a:r>
-            <a:r>
-              <a:rPr lang="en-US" altLang="zh-CN" dirty="0" smtClean="0"/>
-              <a:t>always</a:t>
-            </a:r>
-            <a:r>
-              <a:rPr lang="zh-CN" altLang="en-US" dirty="0" smtClean="0"/>
-              <a:t>，副本控制器才会管理该</a:t>
-            </a:r>
-            <a:r>
-              <a:rPr lang="en-US" altLang="zh-CN" dirty="0" smtClean="0"/>
-              <a:t>Pod</a:t>
-            </a:r>
-            <a:r>
-              <a:rPr lang="zh-CN" altLang="en-US" dirty="0" smtClean="0"/>
-              <a:t>的操作（创建、销毁、重启）。</a:t>
-            </a:r>
-            <a:endParaRPr lang="en-US" altLang="zh-CN" dirty="0" smtClean="0"/>
-          </a:p>
-          <a:p>
-            <a:r>
-              <a:rPr lang="en-US" altLang="zh-CN" dirty="0" smtClean="0"/>
-              <a:t>3</a:t>
-            </a:r>
-            <a:r>
-              <a:rPr lang="zh-CN" altLang="en-US" dirty="0" smtClean="0"/>
-              <a:t>、</a:t>
-            </a:r>
-            <a:r>
-              <a:rPr lang="en-US" altLang="zh-CN" dirty="0" smtClean="0"/>
-              <a:t>Pod</a:t>
-            </a:r>
-            <a:r>
-              <a:rPr lang="zh-CN" altLang="en-US" dirty="0" smtClean="0"/>
-              <a:t>可以通过修改</a:t>
-            </a:r>
-            <a:r>
-              <a:rPr lang="en-US" altLang="zh-CN" dirty="0" smtClean="0"/>
-              <a:t>label</a:t>
-            </a:r>
-            <a:r>
-              <a:rPr lang="zh-CN" altLang="en-US" dirty="0" smtClean="0"/>
-              <a:t>来脱离副本控制器的管理，便于</a:t>
-            </a:r>
-            <a:r>
-              <a:rPr lang="en-US" altLang="zh-CN" dirty="0" smtClean="0"/>
-              <a:t>Pod</a:t>
-            </a:r>
-            <a:r>
-              <a:rPr lang="zh-CN" altLang="en-US" dirty="0" smtClean="0"/>
-              <a:t>的迁移和调试等。</a:t>
-            </a:r>
-            <a:endParaRPr lang="zh-CN" altLang="en-US" dirty="0"/>
           </a:p>
         </p:txBody>
       </p:sp>
     </p:spTree>
     <p:extLst>
       <p:ext uri="{BB962C8B-B14F-4D97-AF65-F5344CB8AC3E}">
-        <p14:creationId xmlns:p14="http://schemas.microsoft.com/office/powerpoint/2010/main" val="1958155242"/>
+        <p14:creationId xmlns:p14="http://schemas.microsoft.com/office/powerpoint/2010/main" val="4258255548"/>
       </p:ext>
     </p:extLst>
   </p:cSld>
@@ -6281,7 +8148,7 @@
         <p:spPr>
           <a:xfrm>
             <a:off x="488875" y="158339"/>
-            <a:ext cx="3695197" cy="615542"/>
+            <a:ext cx="4221670" cy="615542"/>
           </a:xfrm>
           <a:prstGeom prst="rect">
             <a:avLst/>
@@ -6372,19 +8239,6 @@
               <a:buNone/>
             </a:pPr>
             <a:r>
-              <a:rPr lang="en-US" altLang="zh-CN" sz="2800" b="1" dirty="0">
-                <a:solidFill>
-                  <a:schemeClr val="tx1">
-                    <a:lumMod val="85000"/>
-                    <a:lumOff val="15000"/>
-                  </a:schemeClr>
-                </a:solidFill>
-                <a:latin typeface="微软雅黑" panose="020B0503020204020204" pitchFamily="34" charset="-122"/>
-                <a:ea typeface="微软雅黑" panose="020B0503020204020204" pitchFamily="34" charset="-122"/>
-              </a:rPr>
-              <a:t>Node</a:t>
-            </a:r>
-            <a:r>
               <a:rPr lang="en-US" altLang="zh-CN" sz="2800" b="1" dirty="0" smtClean="0">
                 <a:solidFill>
                   <a:schemeClr val="tx1">
@@ -6395,7 +8249,33 @@
                 <a:latin typeface="微软雅黑" panose="020B0503020204020204" pitchFamily="34" charset="-122"/>
                 <a:ea typeface="微软雅黑" panose="020B0503020204020204" pitchFamily="34" charset="-122"/>
               </a:rPr>
-              <a:t> Controller</a:t>
+              <a:t>k8s-</a:t>
+            </a:r>
+            <a:r>
+              <a:rPr lang="zh-CN" altLang="en-US" sz="2800" b="1" dirty="0" smtClean="0">
+                <a:solidFill>
+                  <a:schemeClr val="tx1">
+                    <a:lumMod val="85000"/>
+                    <a:lumOff val="15000"/>
+                  </a:schemeClr>
+                </a:solidFill>
+                <a:latin typeface="微软雅黑" panose="020B0503020204020204" pitchFamily="34" charset="-122"/>
+                <a:ea typeface="微软雅黑" panose="020B0503020204020204" pitchFamily="34" charset="-122"/>
+              </a:rPr>
+              <a:t>外部访问</a:t>
+            </a:r>
+            <a:r>
+              <a:rPr lang="en-US" altLang="zh-CN" sz="2800" b="1" dirty="0" smtClean="0">
+                <a:solidFill>
+                  <a:schemeClr val="tx1">
+                    <a:lumMod val="85000"/>
+                    <a:lumOff val="15000"/>
+                  </a:schemeClr>
+                </a:solidFill>
+                <a:latin typeface="微软雅黑" panose="020B0503020204020204" pitchFamily="34" charset="-122"/>
+                <a:ea typeface="微软雅黑" panose="020B0503020204020204" pitchFamily="34" charset="-122"/>
+              </a:rPr>
+              <a:t>Service</a:t>
             </a:r>
             <a:endParaRPr lang="zh-CN" altLang="en-US" sz="2800" b="1" kern="1200" dirty="0">
               <a:solidFill>
@@ -6515,7 +8395,7 @@
         <p:spPr>
           <a:xfrm>
             <a:off x="488874" y="773881"/>
-            <a:ext cx="11528313" cy="369332"/>
+            <a:ext cx="11528314" cy="369332"/>
           </a:xfrm>
           <a:prstGeom prst="rect">
             <a:avLst/>
@@ -6529,77 +8409,17 @@
           <a:lstStyle/>
           <a:p>
             <a:r>
-              <a:rPr lang="en-US" altLang="zh-CN" dirty="0" smtClean="0"/>
-              <a:t>Node controller</a:t>
-            </a:r>
-            <a:r>
-              <a:rPr lang="zh-CN" altLang="en-US" dirty="0" smtClean="0"/>
-              <a:t>通过</a:t>
-            </a:r>
-            <a:r>
-              <a:rPr lang="en-US" altLang="zh-CN" dirty="0" smtClean="0"/>
-              <a:t>API server</a:t>
-            </a:r>
-            <a:r>
-              <a:rPr lang="zh-CN" altLang="en-US" dirty="0" smtClean="0"/>
-              <a:t>从</a:t>
-            </a:r>
-            <a:r>
-              <a:rPr lang="en-US" altLang="zh-CN" dirty="0" err="1" smtClean="0"/>
-              <a:t>etcd</a:t>
-            </a:r>
-            <a:r>
-              <a:rPr lang="zh-CN" altLang="en-US" dirty="0" smtClean="0"/>
-              <a:t>中获取</a:t>
-            </a:r>
-            <a:r>
-              <a:rPr lang="en-US" altLang="zh-CN" dirty="0" smtClean="0"/>
-              <a:t>Node</a:t>
-            </a:r>
-            <a:r>
-              <a:rPr lang="zh-CN" altLang="en-US" dirty="0" smtClean="0"/>
-              <a:t>的相关信息，管理和监控集群中各个</a:t>
-            </a:r>
-            <a:r>
-              <a:rPr lang="en-US" altLang="zh-CN" dirty="0" smtClean="0"/>
-              <a:t>Node</a:t>
-            </a:r>
-            <a:r>
-              <a:rPr lang="zh-CN" altLang="en-US" dirty="0" smtClean="0"/>
-              <a:t>节点。</a:t>
-            </a:r>
-            <a:endParaRPr lang="zh-CN" altLang="en-US" dirty="0"/>
-          </a:p>
-        </p:txBody>
-      </p:sp>
-      <p:pic>
-        <p:nvPicPr>
-          <p:cNvPr id="7" name="图片 6"/>
-          <p:cNvPicPr>
-            <a:picLocks noChangeAspect="1"/>
-          </p:cNvPicPr>
-          <p:nvPr/>
-        </p:nvPicPr>
-        <p:blipFill>
-          <a:blip r:embed="rId3"/>
-          <a:stretch>
-            <a:fillRect/>
-          </a:stretch>
-        </p:blipFill>
-        <p:spPr>
-          <a:xfrm>
-            <a:off x="2681283" y="1143213"/>
-            <a:ext cx="6857143" cy="5209524"/>
-          </a:xfrm>
-          <a:prstGeom prst="rect">
-            <a:avLst/>
-          </a:prstGeom>
-        </p:spPr>
-      </p:pic>
+              <a:rPr lang="zh-CN" altLang="en-US" dirty="0" smtClean="0"/>
+              <a:t>。</a:t>
+            </a:r>
+            <a:endParaRPr lang="en-US" altLang="zh-CN" dirty="0" smtClean="0"/>
+          </a:p>
+        </p:txBody>
+      </p:sp>
     </p:spTree>
     <p:extLst>
       <p:ext uri="{BB962C8B-B14F-4D97-AF65-F5344CB8AC3E}">
-        <p14:creationId xmlns:p14="http://schemas.microsoft.com/office/powerpoint/2010/main" val="1139656133"/>
+        <p14:creationId xmlns:p14="http://schemas.microsoft.com/office/powerpoint/2010/main" val="3988430441"/>
       </p:ext>
     </p:extLst>
   </p:cSld>
@@ -6665,7 +8485,7 @@
         <p:spPr>
           <a:xfrm>
             <a:off x="488875" y="158339"/>
-            <a:ext cx="5011380" cy="615542"/>
+            <a:ext cx="3695197" cy="615542"/>
           </a:xfrm>
           <a:prstGeom prst="rect">
             <a:avLst/>
@@ -6756,19 +8576,6 @@
               <a:buNone/>
             </a:pPr>
             <a:r>
-              <a:rPr lang="en-US" altLang="zh-CN" sz="2800" b="1" dirty="0" err="1" smtClean="0">
-                <a:solidFill>
-                  <a:schemeClr val="tx1">
-                    <a:lumMod val="85000"/>
-                    <a:lumOff val="15000"/>
-                  </a:schemeClr>
-                </a:solidFill>
-                <a:latin typeface="微软雅黑" panose="020B0503020204020204" pitchFamily="34" charset="-122"/>
-                <a:ea typeface="微软雅黑" panose="020B0503020204020204" pitchFamily="34" charset="-122"/>
-              </a:rPr>
-              <a:t>ResourceQuota</a:t>
-            </a:r>
-            <a:r>
               <a:rPr lang="en-US" altLang="zh-CN" sz="2800" b="1" dirty="0" smtClean="0">
                 <a:solidFill>
                   <a:schemeClr val="tx1">
@@ -6779,7 +8586,7 @@
                 <a:latin typeface="微软雅黑" panose="020B0503020204020204" pitchFamily="34" charset="-122"/>
                 <a:ea typeface="微软雅黑" panose="020B0503020204020204" pitchFamily="34" charset="-122"/>
               </a:rPr>
-              <a:t> Controller</a:t>
+              <a:t>API Server</a:t>
             </a:r>
             <a:endParaRPr lang="zh-CN" altLang="en-US" sz="2800" b="1" kern="1200" dirty="0">
               <a:solidFill>
@@ -6892,14 +8699,14 @@
       </p:sp>
       <p:sp>
         <p:nvSpPr>
-          <p:cNvPr id="3" name="文本框 2"/>
+          <p:cNvPr id="7" name="文本框 6"/>
           <p:cNvSpPr txBox="1"/>
           <p:nvPr/>
         </p:nvSpPr>
         <p:spPr>
           <a:xfrm>
-            <a:off x="488874" y="773881"/>
-            <a:ext cx="11528313" cy="3139321"/>
+            <a:off x="637309" y="928255"/>
+            <a:ext cx="11208327" cy="3970318"/>
           </a:xfrm>
           <a:prstGeom prst="rect">
             <a:avLst/>
@@ -6913,264 +8720,669 @@
           <a:lstStyle/>
           <a:p>
             <a:r>
-              <a:rPr lang="zh-CN" altLang="en-US" dirty="0" smtClean="0"/>
-              <a:t>资源配额管理，保证资源对象在任何情况下都不会超量占用系统资源。</a:t>
+              <a:rPr lang="en-US" altLang="zh-CN" dirty="0" smtClean="0"/>
+              <a:t>1</a:t>
+            </a:r>
+            <a:r>
+              <a:rPr lang="zh-CN" altLang="en-US" dirty="0" smtClean="0"/>
+              <a:t>、提供了用户管理集群的</a:t>
+            </a:r>
+            <a:r>
+              <a:rPr lang="en-US" altLang="zh-CN" dirty="0" smtClean="0"/>
+              <a:t>API</a:t>
+            </a:r>
+            <a:r>
+              <a:rPr lang="zh-CN" altLang="en-US" dirty="0" smtClean="0"/>
+              <a:t>接口，包括认证、校验、状态变更等。</a:t>
             </a:r>
             <a:endParaRPr lang="en-US" altLang="zh-CN" dirty="0" smtClean="0"/>
           </a:p>
           <a:p>
+            <a:r>
+              <a:rPr lang="en-US" altLang="zh-CN" dirty="0" smtClean="0"/>
+              <a:t>2</a:t>
+            </a:r>
+            <a:r>
+              <a:rPr lang="zh-CN" altLang="en-US" dirty="0" smtClean="0"/>
+              <a:t>、提供了模块间数据交互的接口。只有</a:t>
+            </a:r>
+            <a:r>
+              <a:rPr lang="en-US" altLang="zh-CN" dirty="0" smtClean="0"/>
+              <a:t>API server</a:t>
+            </a:r>
+            <a:r>
+              <a:rPr lang="zh-CN" altLang="en-US" dirty="0" smtClean="0"/>
+              <a:t>才能直接操作</a:t>
+            </a:r>
+            <a:r>
+              <a:rPr lang="en-US" altLang="zh-CN" dirty="0" err="1" smtClean="0"/>
+              <a:t>etcd</a:t>
+            </a:r>
+            <a:r>
+              <a:rPr lang="zh-CN" altLang="en-US" dirty="0" smtClean="0"/>
+              <a:t>。</a:t>
+            </a:r>
+            <a:endParaRPr lang="en-US" altLang="zh-CN" dirty="0" smtClean="0"/>
+          </a:p>
+          <a:p>
             <a:endParaRPr lang="en-US" altLang="zh-CN" dirty="0"/>
           </a:p>
           <a:p>
             <a:r>
               <a:rPr lang="en-US" altLang="zh-CN" dirty="0" smtClean="0"/>
-              <a:t>1</a:t>
-            </a:r>
-            <a:r>
-              <a:rPr lang="zh-CN" altLang="en-US" dirty="0" smtClean="0"/>
-              <a:t>、容器级别：控制占用的</a:t>
-            </a:r>
-            <a:r>
-              <a:rPr lang="en-US" altLang="zh-CN" dirty="0" smtClean="0"/>
-              <a:t>CPU</a:t>
-            </a:r>
-            <a:r>
-              <a:rPr lang="zh-CN" altLang="en-US" dirty="0" smtClean="0"/>
-              <a:t>和内存。</a:t>
+              <a:t>k8s</a:t>
+            </a:r>
+            <a:r>
+              <a:rPr lang="zh-CN" altLang="en-US" dirty="0" smtClean="0"/>
+              <a:t>通过</a:t>
+            </a:r>
+            <a:r>
+              <a:rPr lang="en-US" altLang="zh-CN" dirty="0" err="1" smtClean="0"/>
+              <a:t>kube-apiserver</a:t>
+            </a:r>
+            <a:r>
+              <a:rPr lang="zh-CN" altLang="en-US" dirty="0" smtClean="0"/>
+              <a:t>这个进程提供</a:t>
+            </a:r>
+            <a:r>
+              <a:rPr lang="en-US" altLang="zh-CN" dirty="0" smtClean="0"/>
+              <a:t>API</a:t>
+            </a:r>
+            <a:r>
+              <a:rPr lang="zh-CN" altLang="en-US" dirty="0" smtClean="0"/>
+              <a:t>服务，有两个服务端口。</a:t>
             </a:r>
             <a:endParaRPr lang="en-US" altLang="zh-CN" dirty="0" smtClean="0"/>
           </a:p>
           <a:p>
             <a:r>
-              <a:rPr lang="en-US" altLang="zh-CN" dirty="0" smtClean="0"/>
-              <a:t>2</a:t>
-            </a:r>
-            <a:r>
-              <a:rPr lang="zh-CN" altLang="en-US" dirty="0" smtClean="0"/>
-              <a:t>、</a:t>
-            </a:r>
-            <a:r>
-              <a:rPr lang="en-US" altLang="zh-CN" dirty="0" smtClean="0"/>
-              <a:t>Pod</a:t>
-            </a:r>
-            <a:r>
-              <a:rPr lang="zh-CN" altLang="en-US" dirty="0" smtClean="0"/>
-              <a:t>级别：控制</a:t>
-            </a:r>
-            <a:r>
-              <a:rPr lang="en-US" altLang="zh-CN" dirty="0" smtClean="0"/>
-              <a:t>Pod</a:t>
-            </a:r>
-            <a:r>
-              <a:rPr lang="zh-CN" altLang="en-US" dirty="0" smtClean="0"/>
-              <a:t>内所有容器占用的系统资源。</a:t>
+              <a:rPr lang="zh-CN" altLang="en-US" dirty="0" smtClean="0"/>
+              <a:t>本地端口</a:t>
             </a:r>
             <a:endParaRPr lang="en-US" altLang="zh-CN" dirty="0" smtClean="0"/>
           </a:p>
           <a:p>
             <a:r>
               <a:rPr lang="en-US" altLang="zh-CN" dirty="0" smtClean="0"/>
-              <a:t>3</a:t>
-            </a:r>
-            <a:r>
-              <a:rPr lang="zh-CN" altLang="en-US" dirty="0" smtClean="0"/>
-              <a:t>、</a:t>
-            </a:r>
-            <a:r>
-              <a:rPr lang="en-US" altLang="zh-CN" dirty="0" smtClean="0"/>
-              <a:t>Namespace</a:t>
-            </a:r>
-            <a:r>
-              <a:rPr lang="zh-CN" altLang="en-US" dirty="0" smtClean="0"/>
-              <a:t>级别：</a:t>
-            </a:r>
-            <a:r>
-              <a:rPr lang="en-US" altLang="zh-CN" dirty="0" smtClean="0"/>
-              <a:t>Pod</a:t>
-            </a:r>
-            <a:r>
-              <a:rPr lang="zh-CN" altLang="en-US" dirty="0" smtClean="0"/>
-              <a:t>数量、</a:t>
-            </a:r>
-            <a:r>
-              <a:rPr lang="en-US" altLang="zh-CN" dirty="0" smtClean="0"/>
-              <a:t>Replication controller</a:t>
-            </a:r>
-            <a:r>
-              <a:rPr lang="zh-CN" altLang="en-US" dirty="0" smtClean="0"/>
-              <a:t>数量、</a:t>
-            </a:r>
-            <a:r>
-              <a:rPr lang="en-US" altLang="zh-CN" dirty="0"/>
-              <a:t>S</a:t>
-            </a:r>
-            <a:r>
-              <a:rPr lang="en-US" altLang="zh-CN" dirty="0" smtClean="0"/>
-              <a:t>ervice</a:t>
-            </a:r>
-            <a:r>
-              <a:rPr lang="zh-CN" altLang="en-US" dirty="0" smtClean="0"/>
-              <a:t>数量、</a:t>
+              <a:t>-</a:t>
+            </a:r>
+            <a:r>
+              <a:rPr lang="zh-CN" altLang="en-US" dirty="0" smtClean="0"/>
+              <a:t>默认</a:t>
+            </a:r>
+            <a:r>
+              <a:rPr lang="en-US" altLang="zh-CN" dirty="0" smtClean="0"/>
+              <a:t>8080</a:t>
+            </a:r>
+            <a:r>
+              <a:rPr lang="zh-CN" altLang="en-US" dirty="0" smtClean="0"/>
+              <a:t>，通过启动参数</a:t>
+            </a:r>
+            <a:r>
+              <a:rPr lang="en-US" altLang="zh-CN" dirty="0" smtClean="0"/>
+              <a:t>—insecure-port</a:t>
+            </a:r>
+            <a:r>
+              <a:rPr lang="zh-CN" altLang="en-US" dirty="0" smtClean="0"/>
+              <a:t>来修改默认端口。</a:t>
+            </a:r>
+            <a:endParaRPr lang="en-US" altLang="zh-CN" dirty="0" smtClean="0"/>
+          </a:p>
+          <a:p>
+            <a:r>
+              <a:rPr lang="en-US" altLang="zh-CN" dirty="0" smtClean="0"/>
+              <a:t>-</a:t>
+            </a:r>
+            <a:r>
+              <a:rPr lang="zh-CN" altLang="en-US" dirty="0" smtClean="0"/>
+              <a:t>默认</a:t>
+            </a:r>
+            <a:r>
+              <a:rPr lang="en-US" altLang="zh-CN" dirty="0" smtClean="0"/>
+              <a:t>IP</a:t>
+            </a:r>
+            <a:r>
+              <a:rPr lang="zh-CN" altLang="en-US" dirty="0" smtClean="0"/>
+              <a:t>地址为</a:t>
+            </a:r>
+            <a:r>
+              <a:rPr lang="en-US" altLang="zh-CN" dirty="0" smtClean="0"/>
+              <a:t>localhost</a:t>
+            </a:r>
+            <a:r>
+              <a:rPr lang="zh-CN" altLang="en-US" dirty="0" smtClean="0"/>
+              <a:t>，通过启动参数</a:t>
+            </a:r>
+            <a:r>
+              <a:rPr lang="en-US" altLang="zh-CN" dirty="0" smtClean="0"/>
+              <a:t>—insecure-bind-address</a:t>
+            </a:r>
+            <a:r>
+              <a:rPr lang="zh-CN" altLang="en-US" dirty="0" smtClean="0"/>
+              <a:t>来修改</a:t>
+            </a:r>
+            <a:r>
+              <a:rPr lang="en-US" altLang="zh-CN" dirty="0" smtClean="0"/>
+              <a:t>IP</a:t>
+            </a:r>
+            <a:r>
+              <a:rPr lang="zh-CN" altLang="en-US" dirty="0" smtClean="0"/>
+              <a:t>地址。</a:t>
+            </a:r>
+            <a:endParaRPr lang="en-US" altLang="zh-CN" dirty="0" smtClean="0"/>
+          </a:p>
+          <a:p>
+            <a:r>
+              <a:rPr lang="en-US" altLang="zh-CN" dirty="0" smtClean="0"/>
+              <a:t>-</a:t>
+            </a:r>
+            <a:r>
+              <a:rPr lang="zh-CN" altLang="en-US" dirty="0" smtClean="0"/>
+              <a:t>用于接收</a:t>
+            </a:r>
+            <a:r>
+              <a:rPr lang="en-US" altLang="zh-CN" dirty="0" smtClean="0"/>
+              <a:t>HTTP</a:t>
+            </a:r>
+            <a:r>
+              <a:rPr lang="zh-CN" altLang="en-US" dirty="0" smtClean="0"/>
+              <a:t>请求，不需要认证或授权通过该端口访问</a:t>
+            </a:r>
+            <a:r>
+              <a:rPr lang="en-US" altLang="zh-CN" dirty="0" smtClean="0"/>
+              <a:t>API server</a:t>
+            </a:r>
+            <a:r>
+              <a:rPr lang="zh-CN" altLang="en-US" dirty="0" smtClean="0"/>
+              <a:t>。</a:t>
+            </a:r>
+            <a:endParaRPr lang="en-US" altLang="zh-CN" dirty="0" smtClean="0"/>
+          </a:p>
+          <a:p>
+            <a:endParaRPr lang="en-US" altLang="zh-CN" dirty="0"/>
+          </a:p>
+          <a:p>
+            <a:r>
+              <a:rPr lang="zh-CN" altLang="en-US" dirty="0" smtClean="0"/>
+              <a:t>安全端口</a:t>
+            </a:r>
+            <a:endParaRPr lang="en-US" altLang="zh-CN" dirty="0" smtClean="0"/>
+          </a:p>
+          <a:p>
+            <a:r>
+              <a:rPr lang="en-US" altLang="zh-CN" dirty="0" smtClean="0"/>
+              <a:t>-</a:t>
+            </a:r>
+            <a:r>
+              <a:rPr lang="zh-CN" altLang="en-US" dirty="0" smtClean="0"/>
+              <a:t>默认</a:t>
+            </a:r>
+            <a:r>
+              <a:rPr lang="en-US" altLang="zh-CN" dirty="0" smtClean="0"/>
+              <a:t>6443</a:t>
+            </a:r>
+            <a:r>
+              <a:rPr lang="zh-CN" altLang="en-US" dirty="0" smtClean="0"/>
+              <a:t>，通过启动参数</a:t>
+            </a:r>
+            <a:r>
+              <a:rPr lang="en-US" altLang="zh-CN" dirty="0" smtClean="0"/>
+              <a:t>—secure-port</a:t>
+            </a:r>
+            <a:r>
+              <a:rPr lang="zh-CN" altLang="en-US" dirty="0" smtClean="0"/>
+              <a:t>来修改默认端口。</a:t>
+            </a:r>
+            <a:endParaRPr lang="en-US" altLang="zh-CN" dirty="0" smtClean="0"/>
+          </a:p>
+          <a:p>
+            <a:r>
+              <a:rPr lang="en-US" altLang="zh-CN" dirty="0" smtClean="0"/>
+              <a:t>-</a:t>
+            </a:r>
+            <a:r>
+              <a:rPr lang="zh-CN" altLang="en-US" dirty="0" smtClean="0"/>
+              <a:t>默认</a:t>
+            </a:r>
+            <a:r>
+              <a:rPr lang="en-US" altLang="zh-CN" dirty="0" smtClean="0"/>
+              <a:t>IP</a:t>
+            </a:r>
+            <a:r>
+              <a:rPr lang="zh-CN" altLang="en-US" dirty="0" smtClean="0"/>
+              <a:t>地址为？？，通过启动参数</a:t>
+            </a:r>
+            <a:r>
+              <a:rPr lang="en-US" altLang="zh-CN" dirty="0" smtClean="0"/>
+              <a:t>—bind-address</a:t>
+            </a:r>
+            <a:r>
+              <a:rPr lang="zh-CN" altLang="en-US" dirty="0" smtClean="0"/>
+              <a:t>来修改</a:t>
+            </a:r>
+            <a:r>
+              <a:rPr lang="en-US" altLang="zh-CN" dirty="0" smtClean="0"/>
+              <a:t>IP</a:t>
+            </a:r>
+            <a:r>
+              <a:rPr lang="zh-CN" altLang="en-US" dirty="0" smtClean="0"/>
+              <a:t>地址。</a:t>
+            </a:r>
+            <a:endParaRPr lang="en-US" altLang="zh-CN" dirty="0" smtClean="0"/>
+          </a:p>
+          <a:p>
+            <a:r>
+              <a:rPr lang="en-US" altLang="zh-CN" dirty="0" smtClean="0"/>
+              <a:t>-</a:t>
+            </a:r>
+            <a:r>
+              <a:rPr lang="zh-CN" altLang="en-US" dirty="0" smtClean="0"/>
+              <a:t>用于接收</a:t>
+            </a:r>
+            <a:r>
+              <a:rPr lang="en-US" altLang="zh-CN" dirty="0" smtClean="0"/>
+              <a:t>HTTPS</a:t>
+            </a:r>
+            <a:r>
+              <a:rPr lang="zh-CN" altLang="en-US" dirty="0" smtClean="0"/>
+              <a:t>请求，基于</a:t>
             </a:r>
             <a:r>
               <a:rPr lang="en-US" altLang="zh-CN" dirty="0" err="1" smtClean="0"/>
-              <a:t>ResouceQuota</a:t>
-            </a:r>
-            <a:r>
-              <a:rPr lang="zh-CN" altLang="en-US" dirty="0" smtClean="0"/>
-              <a:t>数量、</a:t>
-            </a:r>
-            <a:r>
-              <a:rPr lang="en-US" altLang="zh-CN" dirty="0" smtClean="0"/>
-              <a:t>Secret</a:t>
-            </a:r>
-            <a:r>
-              <a:rPr lang="zh-CN" altLang="en-US" dirty="0" smtClean="0"/>
-              <a:t>数量、</a:t>
-            </a:r>
-            <a:r>
-              <a:rPr lang="en-US" altLang="zh-CN" dirty="0" smtClean="0"/>
-              <a:t>Persistent Volume</a:t>
-            </a:r>
-            <a:r>
-              <a:rPr lang="zh-CN" altLang="en-US" dirty="0" smtClean="0"/>
-              <a:t>数量。</a:t>
+              <a:t>tocken</a:t>
+            </a:r>
+            <a:r>
+              <a:rPr lang="zh-CN" altLang="en-US" dirty="0" smtClean="0"/>
+              <a:t>文件或者证书及</a:t>
+            </a:r>
+            <a:r>
+              <a:rPr lang="en-US" altLang="zh-CN" dirty="0" smtClean="0"/>
+              <a:t>HTTP Base</a:t>
+            </a:r>
+            <a:r>
+              <a:rPr lang="zh-CN" altLang="en-US" dirty="0" smtClean="0"/>
+              <a:t>的认证。</a:t>
             </a:r>
             <a:endParaRPr lang="en-US" altLang="zh-CN" dirty="0" smtClean="0"/>
           </a:p>
           <a:p>
-            <a:endParaRPr lang="en-US" altLang="zh-CN" dirty="0"/>
-          </a:p>
-          <a:p>
-            <a:r>
-              <a:rPr lang="en-US" altLang="zh-CN" dirty="0" smtClean="0"/>
-              <a:t>k8s</a:t>
-            </a:r>
-            <a:r>
-              <a:rPr lang="zh-CN" altLang="en-US" dirty="0" smtClean="0"/>
-              <a:t>配额管理是通过</a:t>
-            </a:r>
-            <a:r>
-              <a:rPr lang="en-US" altLang="zh-CN" dirty="0" smtClean="0"/>
-              <a:t>Admission Control</a:t>
-            </a:r>
-            <a:r>
-              <a:rPr lang="zh-CN" altLang="en-US" dirty="0" smtClean="0"/>
-              <a:t>（准入控制）来控制的。</a:t>
-            </a:r>
-            <a:endParaRPr lang="en-US" altLang="zh-CN" dirty="0" smtClean="0"/>
-          </a:p>
-          <a:p>
-            <a:r>
-              <a:rPr lang="en-US" altLang="zh-CN" dirty="0" smtClean="0"/>
-              <a:t>Admission Control</a:t>
-            </a:r>
-            <a:r>
-              <a:rPr lang="zh-CN" altLang="en-US" dirty="0" smtClean="0"/>
-              <a:t>提供两种配额约束方式：</a:t>
-            </a:r>
-            <a:r>
-              <a:rPr lang="en-US" altLang="zh-CN" dirty="0" err="1" smtClean="0"/>
-              <a:t>LimitRanger</a:t>
-            </a:r>
-            <a:r>
-              <a:rPr lang="zh-CN" altLang="en-US" dirty="0" smtClean="0"/>
-              <a:t>和</a:t>
-            </a:r>
-            <a:r>
-              <a:rPr lang="en-US" altLang="zh-CN" dirty="0" err="1" smtClean="0"/>
-              <a:t>ResourceQuota</a:t>
-            </a:r>
-            <a:r>
-              <a:rPr lang="zh-CN" altLang="en-US" dirty="0" smtClean="0"/>
-              <a:t>。</a:t>
-            </a:r>
-            <a:endParaRPr lang="en-US" altLang="zh-CN" dirty="0"/>
-          </a:p>
-          <a:p>
-            <a:r>
-              <a:rPr lang="en-US" altLang="zh-CN" dirty="0" err="1" smtClean="0"/>
-              <a:t>LimitRanger</a:t>
-            </a:r>
-            <a:r>
-              <a:rPr lang="zh-CN" altLang="en-US" dirty="0" smtClean="0"/>
-              <a:t>作用于</a:t>
-            </a:r>
-            <a:r>
-              <a:rPr lang="en-US" altLang="zh-CN" dirty="0" smtClean="0"/>
-              <a:t>Pod</a:t>
-            </a:r>
-            <a:r>
-              <a:rPr lang="zh-CN" altLang="en-US" dirty="0" smtClean="0"/>
-              <a:t>和</a:t>
-            </a:r>
-            <a:r>
-              <a:rPr lang="zh-CN" altLang="en-US" dirty="0"/>
-              <a:t>容器</a:t>
-            </a:r>
-            <a:r>
-              <a:rPr lang="zh-CN" altLang="en-US" dirty="0" smtClean="0"/>
-              <a:t>。</a:t>
-            </a:r>
-            <a:endParaRPr lang="en-US" altLang="zh-CN" dirty="0"/>
-          </a:p>
-          <a:p>
-            <a:r>
-              <a:rPr lang="en-US" altLang="zh-CN" dirty="0" err="1" smtClean="0"/>
-              <a:t>ResourceQuota</a:t>
-            </a:r>
-            <a:r>
-              <a:rPr lang="zh-CN" altLang="en-US" dirty="0" smtClean="0"/>
-              <a:t>作用于</a:t>
-            </a:r>
-            <a:r>
-              <a:rPr lang="en-US" altLang="zh-CN" dirty="0" smtClean="0"/>
-              <a:t>Namespace</a:t>
-            </a:r>
-            <a:r>
-              <a:rPr lang="zh-CN" altLang="en-US" dirty="0" smtClean="0"/>
-              <a:t>上，限定一个</a:t>
-            </a:r>
-            <a:r>
-              <a:rPr lang="en-US" altLang="zh-CN" dirty="0" smtClean="0"/>
-              <a:t>Namespace</a:t>
-            </a:r>
-            <a:r>
-              <a:rPr lang="zh-CN" altLang="en-US" dirty="0" smtClean="0"/>
-              <a:t>里的各类资源的使用总额。</a:t>
-            </a:r>
-            <a:endParaRPr lang="en-US" altLang="zh-CN" dirty="0" smtClean="0"/>
-          </a:p>
-        </p:txBody>
-      </p:sp>
+            <a:r>
+              <a:rPr lang="en-US" altLang="zh-CN" dirty="0" smtClean="0"/>
+              <a:t>-</a:t>
+            </a:r>
+            <a:r>
+              <a:rPr lang="zh-CN" altLang="en-US" dirty="0" smtClean="0"/>
+              <a:t>默认不启动访问控制策略。</a:t>
+            </a:r>
+            <a:endParaRPr lang="zh-CN" altLang="en-US" dirty="0"/>
+          </a:p>
+        </p:txBody>
+      </p:sp>
+    </p:spTree>
+    <p:extLst>
+      <p:ext uri="{BB962C8B-B14F-4D97-AF65-F5344CB8AC3E}">
+        <p14:creationId xmlns:p14="http://schemas.microsoft.com/office/powerpoint/2010/main" val="2149777916"/>
+      </p:ext>
+    </p:extLst>
+  </p:cSld>
+  <p:clrMapOvr>
+    <a:masterClrMapping/>
+  </p:clrMapOvr>
+</p:sld>
+</file>
+
+<file path=ppt/slides/slide9.xml><?xml version="1.0" encoding="utf-8"?>
+<p:sld xmlns:a="http://schemas.openxmlformats.org/drawingml/2006/main" xmlns:r="http://schemas.openxmlformats.org/officeDocument/2006/relationships" xmlns:p="http://schemas.openxmlformats.org/presentationml/2006/main">
+  <p:cSld>
+    <p:spTree>
+      <p:nvGrpSpPr>
+        <p:cNvPr id="1" name=""/>
+        <p:cNvGrpSpPr/>
+        <p:nvPr/>
+      </p:nvGrpSpPr>
+      <p:grpSpPr>
+        <a:xfrm>
+          <a:off x="0" y="0"/>
+          <a:ext cx="0" cy="0"/>
+          <a:chOff x="0" y="0"/>
+          <a:chExt cx="0" cy="0"/>
+        </a:xfrm>
+      </p:grpSpPr>
       <p:pic>
         <p:nvPicPr>
-          <p:cNvPr id="8" name="图片 7"/>
+          <p:cNvPr id="2" name="图片 1"/>
           <p:cNvPicPr>
             <a:picLocks noChangeAspect="1"/>
           </p:cNvPicPr>
           <p:nvPr/>
         </p:nvPicPr>
         <p:blipFill>
-          <a:blip r:embed="rId3"/>
+          <a:blip r:embed="rId2" cstate="print">
+            <a:extLst>
+              <a:ext uri="{28A0092B-C50C-407E-A947-70E740481C1C}">
+                <a14:useLocalDpi xmlns:a14="http://schemas.microsoft.com/office/drawing/2010/main" val="0"/>
+              </a:ext>
+            </a:extLst>
+          </a:blip>
           <a:stretch>
             <a:fillRect/>
           </a:stretch>
         </p:blipFill>
         <p:spPr>
           <a:xfrm>
-            <a:off x="2063923" y="3913202"/>
-            <a:ext cx="7371428" cy="5114286"/>
+            <a:off x="10332227" y="6333564"/>
+            <a:ext cx="1684961" cy="430306"/>
           </a:xfrm>
           <a:prstGeom prst="rect">
             <a:avLst/>
           </a:prstGeom>
         </p:spPr>
       </p:pic>
+      <p:sp>
+        <p:nvSpPr>
+          <p:cNvPr id="4" name="文本占位符 1"/>
+          <p:cNvSpPr txBox="1"/>
+          <p:nvPr/>
+        </p:nvSpPr>
+        <p:spPr>
+          <a:xfrm>
+            <a:off x="488875" y="158339"/>
+            <a:ext cx="3695197" cy="615542"/>
+          </a:xfrm>
+          <a:prstGeom prst="rect">
+            <a:avLst/>
+          </a:prstGeom>
+          <a:noFill/>
+        </p:spPr>
+        <p:style>
+          <a:lnRef idx="0">
+            <a:scrgbClr r="0" g="0" b="0"/>
+          </a:lnRef>
+          <a:fillRef idx="0">
+            <a:scrgbClr r="0" g="0" b="0"/>
+          </a:fillRef>
+          <a:effectRef idx="0">
+            <a:scrgbClr r="0" g="0" b="0"/>
+          </a:effectRef>
+          <a:fontRef idx="major"/>
+        </p:style>
+        <p:txBody>
+          <a:bodyPr/>
+          <a:lstStyle>
+            <a:lvl1pPr>
+              <a:defRPr>
+                <a:latin typeface="+mj-lt"/>
+                <a:ea typeface="+mj-ea"/>
+                <a:cs typeface="+mj-cs"/>
+              </a:defRPr>
+            </a:lvl1pPr>
+            <a:lvl2pPr>
+              <a:defRPr>
+                <a:latin typeface="+mj-lt"/>
+                <a:ea typeface="+mj-ea"/>
+                <a:cs typeface="+mj-cs"/>
+              </a:defRPr>
+            </a:lvl2pPr>
+            <a:lvl3pPr>
+              <a:defRPr>
+                <a:latin typeface="+mj-lt"/>
+                <a:ea typeface="+mj-ea"/>
+                <a:cs typeface="+mj-cs"/>
+              </a:defRPr>
+            </a:lvl3pPr>
+            <a:lvl4pPr>
+              <a:defRPr>
+                <a:latin typeface="+mj-lt"/>
+                <a:ea typeface="+mj-ea"/>
+                <a:cs typeface="+mj-cs"/>
+              </a:defRPr>
+            </a:lvl4pPr>
+            <a:lvl5pPr>
+              <a:defRPr>
+                <a:latin typeface="+mj-lt"/>
+                <a:ea typeface="+mj-ea"/>
+                <a:cs typeface="+mj-cs"/>
+              </a:defRPr>
+            </a:lvl5pPr>
+            <a:lvl6pPr>
+              <a:defRPr>
+                <a:latin typeface="+mj-lt"/>
+                <a:ea typeface="+mj-ea"/>
+                <a:cs typeface="+mj-cs"/>
+              </a:defRPr>
+            </a:lvl6pPr>
+            <a:lvl7pPr>
+              <a:defRPr>
+                <a:latin typeface="+mj-lt"/>
+                <a:ea typeface="+mj-ea"/>
+                <a:cs typeface="+mj-cs"/>
+              </a:defRPr>
+            </a:lvl7pPr>
+            <a:lvl8pPr>
+              <a:defRPr>
+                <a:latin typeface="+mj-lt"/>
+                <a:ea typeface="+mj-ea"/>
+                <a:cs typeface="+mj-cs"/>
+              </a:defRPr>
+            </a:lvl8pPr>
+            <a:lvl9pPr>
+              <a:defRPr>
+                <a:latin typeface="+mj-lt"/>
+                <a:ea typeface="+mj-ea"/>
+                <a:cs typeface="+mj-cs"/>
+              </a:defRPr>
+            </a:lvl9pPr>
+          </a:lstStyle>
+          <a:p>
+            <a:pPr marL="0" indent="0">
+              <a:buNone/>
+            </a:pPr>
+            <a:r>
+              <a:rPr lang="en-US" altLang="zh-CN" sz="2800" b="1" dirty="0" smtClean="0">
+                <a:solidFill>
+                  <a:schemeClr val="tx1">
+                    <a:lumMod val="85000"/>
+                    <a:lumOff val="15000"/>
+                  </a:schemeClr>
+                </a:solidFill>
+                <a:latin typeface="微软雅黑" panose="020B0503020204020204" pitchFamily="34" charset="-122"/>
+                <a:ea typeface="微软雅黑" panose="020B0503020204020204" pitchFamily="34" charset="-122"/>
+              </a:rPr>
+              <a:t>Controller Manager</a:t>
+            </a:r>
+            <a:endParaRPr lang="zh-CN" altLang="en-US" sz="2800" b="1" kern="1200" dirty="0">
+              <a:solidFill>
+                <a:schemeClr val="tx1">
+                  <a:lumMod val="85000"/>
+                  <a:lumOff val="15000"/>
+                </a:schemeClr>
+              </a:solidFill>
+              <a:latin typeface="微软雅黑" panose="020B0503020204020204" pitchFamily="34" charset="-122"/>
+              <a:ea typeface="微软雅黑" panose="020B0503020204020204" pitchFamily="34" charset="-122"/>
+            </a:endParaRPr>
+          </a:p>
+        </p:txBody>
+      </p:sp>
+      <p:sp>
+        <p:nvSpPr>
+          <p:cNvPr id="5" name="矩形 4"/>
+          <p:cNvSpPr/>
+          <p:nvPr/>
+        </p:nvSpPr>
+        <p:spPr>
+          <a:xfrm>
+            <a:off x="0" y="438912"/>
+            <a:ext cx="347241" cy="151553"/>
+          </a:xfrm>
+          <a:prstGeom prst="rect">
+            <a:avLst/>
+          </a:prstGeom>
+          <a:solidFill>
+            <a:srgbClr val="0070C0"/>
+          </a:solidFill>
+          <a:ln>
+            <a:noFill/>
+          </a:ln>
+        </p:spPr>
+        <p:style>
+          <a:lnRef idx="2">
+            <a:schemeClr val="accent1">
+              <a:shade val="50000"/>
+            </a:schemeClr>
+          </a:lnRef>
+          <a:fillRef idx="1">
+            <a:schemeClr val="accent1"/>
+          </a:fillRef>
+          <a:effectRef idx="0">
+            <a:schemeClr val="accent1"/>
+          </a:effectRef>
+          <a:fontRef idx="minor">
+            <a:schemeClr val="lt1"/>
+          </a:fontRef>
+        </p:style>
+        <p:txBody>
+          <a:bodyPr rtlCol="0" anchor="ctr"/>
+          <a:lstStyle/>
+          <a:p>
+            <a:pPr algn="ctr"/>
+            <a:endParaRPr kumimoji="1" lang="zh-CN" altLang="en-US"/>
+          </a:p>
+        </p:txBody>
+      </p:sp>
+      <p:sp>
+        <p:nvSpPr>
+          <p:cNvPr id="6" name="矩形 5"/>
+          <p:cNvSpPr/>
+          <p:nvPr/>
+        </p:nvSpPr>
+        <p:spPr>
+          <a:xfrm>
+            <a:off x="396278" y="438912"/>
+            <a:ext cx="92598" cy="151553"/>
+          </a:xfrm>
+          <a:prstGeom prst="rect">
+            <a:avLst/>
+          </a:prstGeom>
+          <a:solidFill>
+            <a:srgbClr val="999999"/>
+          </a:solidFill>
+          <a:ln>
+            <a:noFill/>
+          </a:ln>
+        </p:spPr>
+        <p:style>
+          <a:lnRef idx="2">
+            <a:schemeClr val="accent1">
+              <a:shade val="50000"/>
+            </a:schemeClr>
+          </a:lnRef>
+          <a:fillRef idx="1">
+            <a:schemeClr val="accent1"/>
+          </a:fillRef>
+          <a:effectRef idx="0">
+            <a:schemeClr val="accent1"/>
+          </a:effectRef>
+          <a:fontRef idx="minor">
+            <a:schemeClr val="lt1"/>
+          </a:fontRef>
+        </p:style>
+        <p:txBody>
+          <a:bodyPr rtlCol="0" anchor="ctr"/>
+          <a:lstStyle/>
+          <a:p>
+            <a:pPr algn="ctr"/>
+            <a:endParaRPr kumimoji="1" lang="zh-CN" altLang="en-US">
+              <a:solidFill>
+                <a:srgbClr val="999999"/>
+              </a:solidFill>
+            </a:endParaRPr>
+          </a:p>
+        </p:txBody>
+      </p:sp>
+      <p:sp>
+        <p:nvSpPr>
+          <p:cNvPr id="3" name="文本框 2"/>
+          <p:cNvSpPr txBox="1"/>
+          <p:nvPr/>
+        </p:nvSpPr>
+        <p:spPr>
+          <a:xfrm>
+            <a:off x="488875" y="773881"/>
+            <a:ext cx="5828798" cy="2308324"/>
+          </a:xfrm>
+          <a:prstGeom prst="rect">
+            <a:avLst/>
+          </a:prstGeom>
+          <a:noFill/>
+        </p:spPr>
+        <p:txBody>
+          <a:bodyPr wrap="square" rtlCol="0">
+            <a:spAutoFit/>
+          </a:bodyPr>
+          <a:lstStyle/>
+          <a:p>
+            <a:r>
+              <a:rPr lang="en-US" altLang="zh-CN" dirty="0" smtClean="0"/>
+              <a:t>Replication controller</a:t>
+            </a:r>
+          </a:p>
+          <a:p>
+            <a:r>
+              <a:rPr lang="en-US" altLang="zh-CN" dirty="0" smtClean="0"/>
+              <a:t>Node controller</a:t>
+            </a:r>
+          </a:p>
+          <a:p>
+            <a:r>
+              <a:rPr lang="en-US" altLang="zh-CN" dirty="0" err="1" smtClean="0"/>
+              <a:t>ResourceQuota</a:t>
+            </a:r>
+            <a:r>
+              <a:rPr lang="en-US" altLang="zh-CN" dirty="0" smtClean="0"/>
+              <a:t> controller</a:t>
+            </a:r>
+          </a:p>
+          <a:p>
+            <a:r>
+              <a:rPr lang="en-US" altLang="zh-CN" dirty="0" smtClean="0"/>
+              <a:t>Namespace controller</a:t>
+            </a:r>
+          </a:p>
+          <a:p>
+            <a:r>
+              <a:rPr lang="en-US" altLang="zh-CN" dirty="0" err="1" smtClean="0"/>
+              <a:t>ServiceAccout</a:t>
+            </a:r>
+            <a:r>
+              <a:rPr lang="en-US" altLang="zh-CN" dirty="0" smtClean="0"/>
+              <a:t> controller</a:t>
+            </a:r>
+          </a:p>
+          <a:p>
+            <a:r>
+              <a:rPr lang="en-US" altLang="zh-CN" dirty="0" smtClean="0"/>
+              <a:t>Token controller</a:t>
+            </a:r>
+          </a:p>
+          <a:p>
+            <a:r>
+              <a:rPr lang="en-US" altLang="zh-CN" dirty="0" smtClean="0"/>
+              <a:t>Service controller</a:t>
+            </a:r>
+          </a:p>
+          <a:p>
+            <a:r>
+              <a:rPr lang="en-US" altLang="zh-CN" dirty="0" smtClean="0"/>
+              <a:t>Endpoint controller</a:t>
+            </a:r>
+            <a:endParaRPr lang="zh-CN" altLang="en-US" dirty="0"/>
+          </a:p>
+        </p:txBody>
+      </p:sp>
     </p:spTree>
     <p:extLst>
       <p:ext uri="{BB962C8B-B14F-4D97-AF65-F5344CB8AC3E}">
-        <p14:creationId xmlns:p14="http://schemas.microsoft.com/office/powerpoint/2010/main" val="4287044217"/>
+        <p14:creationId xmlns:p14="http://schemas.microsoft.com/office/powerpoint/2010/main" val="3693954857"/>
       </p:ext>
     </p:extLst>
   </p:cSld>

--- a/k8s.pptx
+++ b/k8s.pptx
@@ -1,22 +1,23 @@
 
 <file path=ppt/presentation.xml><?xml version="1.0" encoding="utf-8"?>
-<p:presentation xmlns:a="http://schemas.openxmlformats.org/drawingml/2006/main" xmlns:r="http://schemas.openxmlformats.org/officeDocument/2006/relationships" xmlns:p="http://schemas.openxmlformats.org/presentationml/2006/main" saveSubsetFonts="1">
+<p:presentation xmlns:a="http://schemas.openxmlformats.org/drawingml/2006/main" xmlns:r="http://schemas.openxmlformats.org/officeDocument/2006/relationships" xmlns:p="http://schemas.openxmlformats.org/presentationml/2006/main">
   <p:sldMasterIdLst>
     <p:sldMasterId id="2147483648" r:id="rId1"/>
   </p:sldMasterIdLst>
   <p:sldIdLst>
-    <p:sldId id="257" r:id="rId2"/>
-    <p:sldId id="265" r:id="rId3"/>
-    <p:sldId id="264" r:id="rId4"/>
-    <p:sldId id="260" r:id="rId5"/>
-    <p:sldId id="266" r:id="rId6"/>
-    <p:sldId id="267" r:id="rId7"/>
-    <p:sldId id="268" r:id="rId8"/>
-    <p:sldId id="261" r:id="rId9"/>
-    <p:sldId id="258" r:id="rId10"/>
-    <p:sldId id="259" r:id="rId11"/>
-    <p:sldId id="262" r:id="rId12"/>
-    <p:sldId id="263" r:id="rId13"/>
+    <p:sldId id="257" r:id="rId3"/>
+    <p:sldId id="265" r:id="rId4"/>
+    <p:sldId id="264" r:id="rId5"/>
+    <p:sldId id="260" r:id="rId6"/>
+    <p:sldId id="266" r:id="rId7"/>
+    <p:sldId id="267" r:id="rId8"/>
+    <p:sldId id="268" r:id="rId9"/>
+    <p:sldId id="276" r:id="rId10"/>
+    <p:sldId id="261" r:id="rId11"/>
+    <p:sldId id="258" r:id="rId12"/>
+    <p:sldId id="259" r:id="rId13"/>
+    <p:sldId id="262" r:id="rId14"/>
+    <p:sldId id="263" r:id="rId15"/>
   </p:sldIdLst>
   <p:sldSz cx="12192000" cy="6858000"/>
   <p:notesSz cx="6858000" cy="9144000"/>
@@ -115,11 +116,6 @@
       </a:defRPr>
     </a:lvl9pPr>
   </p:defaultTextStyle>
-  <p:extLst>
-    <p:ext uri="{EFAFB233-063F-42B5-8137-9DF3F51BA10A}">
-      <p15:sldGuideLst xmlns:p15="http://schemas.microsoft.com/office/powerpoint/2012/main"/>
-    </p:ext>
-  </p:extLst>
 </p:presentation>
 </file>
 
@@ -254,7 +250,6 @@
           <a:p>
             <a:fld id="{FD9B14EC-F5B3-48B6-86BF-6755A31641A9}" type="datetimeFigureOut">
               <a:rPr lang="zh-CN" altLang="en-US" smtClean="0"/>
-              <a:t>2018/10/31</a:t>
             </a:fld>
             <a:endParaRPr lang="zh-CN" altLang="en-US"/>
           </a:p>
@@ -296,18 +291,12 @@
           <a:p>
             <a:fld id="{53BE55FF-2867-422F-ABF1-B4888670FC19}" type="slidenum">
               <a:rPr lang="zh-CN" altLang="en-US" smtClean="0"/>
-              <a:t>‹#›</a:t>
             </a:fld>
             <a:endParaRPr lang="zh-CN" altLang="en-US"/>
           </a:p>
         </p:txBody>
       </p:sp>
     </p:spTree>
-    <p:extLst>
-      <p:ext uri="{BB962C8B-B14F-4D97-AF65-F5344CB8AC3E}">
-        <p14:creationId xmlns:p14="http://schemas.microsoft.com/office/powerpoint/2010/main" val="2465702191"/>
-      </p:ext>
-    </p:extLst>
   </p:cSld>
   <p:clrMapOvr>
     <a:masterClrMapping/>
@@ -375,6 +364,7 @@
               <a:rPr lang="zh-CN" altLang="en-US" smtClean="0"/>
               <a:t>单击此处编辑母版文本样式</a:t>
             </a:r>
+            <a:endParaRPr lang="zh-CN" altLang="en-US" smtClean="0"/>
           </a:p>
           <a:p>
             <a:pPr lvl="1"/>
@@ -382,6 +372,7 @@
               <a:rPr lang="zh-CN" altLang="en-US" smtClean="0"/>
               <a:t>第二级</a:t>
             </a:r>
+            <a:endParaRPr lang="zh-CN" altLang="en-US" smtClean="0"/>
           </a:p>
           <a:p>
             <a:pPr lvl="2"/>
@@ -389,6 +380,7 @@
               <a:rPr lang="zh-CN" altLang="en-US" smtClean="0"/>
               <a:t>第三级</a:t>
             </a:r>
+            <a:endParaRPr lang="zh-CN" altLang="en-US" smtClean="0"/>
           </a:p>
           <a:p>
             <a:pPr lvl="3"/>
@@ -396,6 +388,7 @@
               <a:rPr lang="zh-CN" altLang="en-US" smtClean="0"/>
               <a:t>第四级</a:t>
             </a:r>
+            <a:endParaRPr lang="zh-CN" altLang="en-US" smtClean="0"/>
           </a:p>
           <a:p>
             <a:pPr lvl="4"/>
@@ -424,7 +417,6 @@
           <a:p>
             <a:fld id="{FD9B14EC-F5B3-48B6-86BF-6755A31641A9}" type="datetimeFigureOut">
               <a:rPr lang="zh-CN" altLang="en-US" smtClean="0"/>
-              <a:t>2018/10/31</a:t>
             </a:fld>
             <a:endParaRPr lang="zh-CN" altLang="en-US"/>
           </a:p>
@@ -466,18 +458,12 @@
           <a:p>
             <a:fld id="{53BE55FF-2867-422F-ABF1-B4888670FC19}" type="slidenum">
               <a:rPr lang="zh-CN" altLang="en-US" smtClean="0"/>
-              <a:t>‹#›</a:t>
             </a:fld>
             <a:endParaRPr lang="zh-CN" altLang="en-US"/>
           </a:p>
         </p:txBody>
       </p:sp>
     </p:spTree>
-    <p:extLst>
-      <p:ext uri="{BB962C8B-B14F-4D97-AF65-F5344CB8AC3E}">
-        <p14:creationId xmlns:p14="http://schemas.microsoft.com/office/powerpoint/2010/main" val="1639441840"/>
-      </p:ext>
-    </p:extLst>
   </p:cSld>
   <p:clrMapOvr>
     <a:masterClrMapping/>
@@ -555,6 +541,7 @@
               <a:rPr lang="zh-CN" altLang="en-US" smtClean="0"/>
               <a:t>单击此处编辑母版文本样式</a:t>
             </a:r>
+            <a:endParaRPr lang="zh-CN" altLang="en-US" smtClean="0"/>
           </a:p>
           <a:p>
             <a:pPr lvl="1"/>
@@ -562,6 +549,7 @@
               <a:rPr lang="zh-CN" altLang="en-US" smtClean="0"/>
               <a:t>第二级</a:t>
             </a:r>
+            <a:endParaRPr lang="zh-CN" altLang="en-US" smtClean="0"/>
           </a:p>
           <a:p>
             <a:pPr lvl="2"/>
@@ -569,6 +557,7 @@
               <a:rPr lang="zh-CN" altLang="en-US" smtClean="0"/>
               <a:t>第三级</a:t>
             </a:r>
+            <a:endParaRPr lang="zh-CN" altLang="en-US" smtClean="0"/>
           </a:p>
           <a:p>
             <a:pPr lvl="3"/>
@@ -576,6 +565,7 @@
               <a:rPr lang="zh-CN" altLang="en-US" smtClean="0"/>
               <a:t>第四级</a:t>
             </a:r>
+            <a:endParaRPr lang="zh-CN" altLang="en-US" smtClean="0"/>
           </a:p>
           <a:p>
             <a:pPr lvl="4"/>
@@ -604,7 +594,6 @@
           <a:p>
             <a:fld id="{FD9B14EC-F5B3-48B6-86BF-6755A31641A9}" type="datetimeFigureOut">
               <a:rPr lang="zh-CN" altLang="en-US" smtClean="0"/>
-              <a:t>2018/10/31</a:t>
             </a:fld>
             <a:endParaRPr lang="zh-CN" altLang="en-US"/>
           </a:p>
@@ -646,18 +635,12 @@
           <a:p>
             <a:fld id="{53BE55FF-2867-422F-ABF1-B4888670FC19}" type="slidenum">
               <a:rPr lang="zh-CN" altLang="en-US" smtClean="0"/>
-              <a:t>‹#›</a:t>
             </a:fld>
             <a:endParaRPr lang="zh-CN" altLang="en-US"/>
           </a:p>
         </p:txBody>
       </p:sp>
     </p:spTree>
-    <p:extLst>
-      <p:ext uri="{BB962C8B-B14F-4D97-AF65-F5344CB8AC3E}">
-        <p14:creationId xmlns:p14="http://schemas.microsoft.com/office/powerpoint/2010/main" val="1615794310"/>
-      </p:ext>
-    </p:extLst>
   </p:cSld>
   <p:clrMapOvr>
     <a:masterClrMapping/>
@@ -725,6 +708,7 @@
               <a:rPr lang="zh-CN" altLang="en-US" smtClean="0"/>
               <a:t>单击此处编辑母版文本样式</a:t>
             </a:r>
+            <a:endParaRPr lang="zh-CN" altLang="en-US" smtClean="0"/>
           </a:p>
           <a:p>
             <a:pPr lvl="1"/>
@@ -732,6 +716,7 @@
               <a:rPr lang="zh-CN" altLang="en-US" smtClean="0"/>
               <a:t>第二级</a:t>
             </a:r>
+            <a:endParaRPr lang="zh-CN" altLang="en-US" smtClean="0"/>
           </a:p>
           <a:p>
             <a:pPr lvl="2"/>
@@ -739,6 +724,7 @@
               <a:rPr lang="zh-CN" altLang="en-US" smtClean="0"/>
               <a:t>第三级</a:t>
             </a:r>
+            <a:endParaRPr lang="zh-CN" altLang="en-US" smtClean="0"/>
           </a:p>
           <a:p>
             <a:pPr lvl="3"/>
@@ -746,6 +732,7 @@
               <a:rPr lang="zh-CN" altLang="en-US" smtClean="0"/>
               <a:t>第四级</a:t>
             </a:r>
+            <a:endParaRPr lang="zh-CN" altLang="en-US" smtClean="0"/>
           </a:p>
           <a:p>
             <a:pPr lvl="4"/>
@@ -774,7 +761,6 @@
           <a:p>
             <a:fld id="{FD9B14EC-F5B3-48B6-86BF-6755A31641A9}" type="datetimeFigureOut">
               <a:rPr lang="zh-CN" altLang="en-US" smtClean="0"/>
-              <a:t>2018/10/31</a:t>
             </a:fld>
             <a:endParaRPr lang="zh-CN" altLang="en-US"/>
           </a:p>
@@ -816,18 +802,12 @@
           <a:p>
             <a:fld id="{53BE55FF-2867-422F-ABF1-B4888670FC19}" type="slidenum">
               <a:rPr lang="zh-CN" altLang="en-US" smtClean="0"/>
-              <a:t>‹#›</a:t>
             </a:fld>
             <a:endParaRPr lang="zh-CN" altLang="en-US"/>
           </a:p>
         </p:txBody>
       </p:sp>
     </p:spTree>
-    <p:extLst>
-      <p:ext uri="{BB962C8B-B14F-4D97-AF65-F5344CB8AC3E}">
-        <p14:creationId xmlns:p14="http://schemas.microsoft.com/office/powerpoint/2010/main" val="3220901265"/>
-      </p:ext>
-    </p:extLst>
   </p:cSld>
   <p:clrMapOvr>
     <a:masterClrMapping/>
@@ -1000,6 +980,7 @@
               <a:rPr lang="zh-CN" altLang="en-US" smtClean="0"/>
               <a:t>单击此处编辑母版文本样式</a:t>
             </a:r>
+            <a:endParaRPr lang="zh-CN" altLang="en-US" smtClean="0"/>
           </a:p>
         </p:txBody>
       </p:sp>
@@ -1020,7 +1001,6 @@
           <a:p>
             <a:fld id="{FD9B14EC-F5B3-48B6-86BF-6755A31641A9}" type="datetimeFigureOut">
               <a:rPr lang="zh-CN" altLang="en-US" smtClean="0"/>
-              <a:t>2018/10/31</a:t>
             </a:fld>
             <a:endParaRPr lang="zh-CN" altLang="en-US"/>
           </a:p>
@@ -1062,18 +1042,12 @@
           <a:p>
             <a:fld id="{53BE55FF-2867-422F-ABF1-B4888670FC19}" type="slidenum">
               <a:rPr lang="zh-CN" altLang="en-US" smtClean="0"/>
-              <a:t>‹#›</a:t>
             </a:fld>
             <a:endParaRPr lang="zh-CN" altLang="en-US"/>
           </a:p>
         </p:txBody>
       </p:sp>
     </p:spTree>
-    <p:extLst>
-      <p:ext uri="{BB962C8B-B14F-4D97-AF65-F5344CB8AC3E}">
-        <p14:creationId xmlns:p14="http://schemas.microsoft.com/office/powerpoint/2010/main" val="2102824663"/>
-      </p:ext>
-    </p:extLst>
   </p:cSld>
   <p:clrMapOvr>
     <a:masterClrMapping/>
@@ -1146,6 +1120,7 @@
               <a:rPr lang="zh-CN" altLang="en-US" smtClean="0"/>
               <a:t>单击此处编辑母版文本样式</a:t>
             </a:r>
+            <a:endParaRPr lang="zh-CN" altLang="en-US" smtClean="0"/>
           </a:p>
           <a:p>
             <a:pPr lvl="1"/>
@@ -1153,6 +1128,7 @@
               <a:rPr lang="zh-CN" altLang="en-US" smtClean="0"/>
               <a:t>第二级</a:t>
             </a:r>
+            <a:endParaRPr lang="zh-CN" altLang="en-US" smtClean="0"/>
           </a:p>
           <a:p>
             <a:pPr lvl="2"/>
@@ -1160,6 +1136,7 @@
               <a:rPr lang="zh-CN" altLang="en-US" smtClean="0"/>
               <a:t>第三级</a:t>
             </a:r>
+            <a:endParaRPr lang="zh-CN" altLang="en-US" smtClean="0"/>
           </a:p>
           <a:p>
             <a:pPr lvl="3"/>
@@ -1167,6 +1144,7 @@
               <a:rPr lang="zh-CN" altLang="en-US" smtClean="0"/>
               <a:t>第四级</a:t>
             </a:r>
+            <a:endParaRPr lang="zh-CN" altLang="en-US" smtClean="0"/>
           </a:p>
           <a:p>
             <a:pPr lvl="4"/>
@@ -1203,6 +1181,7 @@
               <a:rPr lang="zh-CN" altLang="en-US" smtClean="0"/>
               <a:t>单击此处编辑母版文本样式</a:t>
             </a:r>
+            <a:endParaRPr lang="zh-CN" altLang="en-US" smtClean="0"/>
           </a:p>
           <a:p>
             <a:pPr lvl="1"/>
@@ -1210,6 +1189,7 @@
               <a:rPr lang="zh-CN" altLang="en-US" smtClean="0"/>
               <a:t>第二级</a:t>
             </a:r>
+            <a:endParaRPr lang="zh-CN" altLang="en-US" smtClean="0"/>
           </a:p>
           <a:p>
             <a:pPr lvl="2"/>
@@ -1217,6 +1197,7 @@
               <a:rPr lang="zh-CN" altLang="en-US" smtClean="0"/>
               <a:t>第三级</a:t>
             </a:r>
+            <a:endParaRPr lang="zh-CN" altLang="en-US" smtClean="0"/>
           </a:p>
           <a:p>
             <a:pPr lvl="3"/>
@@ -1224,6 +1205,7 @@
               <a:rPr lang="zh-CN" altLang="en-US" smtClean="0"/>
               <a:t>第四级</a:t>
             </a:r>
+            <a:endParaRPr lang="zh-CN" altLang="en-US" smtClean="0"/>
           </a:p>
           <a:p>
             <a:pPr lvl="4"/>
@@ -1252,7 +1234,6 @@
           <a:p>
             <a:fld id="{FD9B14EC-F5B3-48B6-86BF-6755A31641A9}" type="datetimeFigureOut">
               <a:rPr lang="zh-CN" altLang="en-US" smtClean="0"/>
-              <a:t>2018/10/31</a:t>
             </a:fld>
             <a:endParaRPr lang="zh-CN" altLang="en-US"/>
           </a:p>
@@ -1294,18 +1275,12 @@
           <a:p>
             <a:fld id="{53BE55FF-2867-422F-ABF1-B4888670FC19}" type="slidenum">
               <a:rPr lang="zh-CN" altLang="en-US" smtClean="0"/>
-              <a:t>‹#›</a:t>
             </a:fld>
             <a:endParaRPr lang="zh-CN" altLang="en-US"/>
           </a:p>
         </p:txBody>
       </p:sp>
     </p:spTree>
-    <p:extLst>
-      <p:ext uri="{BB962C8B-B14F-4D97-AF65-F5344CB8AC3E}">
-        <p14:creationId xmlns:p14="http://schemas.microsoft.com/office/powerpoint/2010/main" val="3327425388"/>
-      </p:ext>
-    </p:extLst>
   </p:cSld>
   <p:clrMapOvr>
     <a:masterClrMapping/>
@@ -1420,6 +1395,7 @@
               <a:rPr lang="zh-CN" altLang="en-US" smtClean="0"/>
               <a:t>单击此处编辑母版文本样式</a:t>
             </a:r>
+            <a:endParaRPr lang="zh-CN" altLang="en-US" smtClean="0"/>
           </a:p>
         </p:txBody>
       </p:sp>
@@ -1448,6 +1424,7 @@
               <a:rPr lang="zh-CN" altLang="en-US" smtClean="0"/>
               <a:t>单击此处编辑母版文本样式</a:t>
             </a:r>
+            <a:endParaRPr lang="zh-CN" altLang="en-US" smtClean="0"/>
           </a:p>
           <a:p>
             <a:pPr lvl="1"/>
@@ -1455,6 +1432,7 @@
               <a:rPr lang="zh-CN" altLang="en-US" smtClean="0"/>
               <a:t>第二级</a:t>
             </a:r>
+            <a:endParaRPr lang="zh-CN" altLang="en-US" smtClean="0"/>
           </a:p>
           <a:p>
             <a:pPr lvl="2"/>
@@ -1462,6 +1440,7 @@
               <a:rPr lang="zh-CN" altLang="en-US" smtClean="0"/>
               <a:t>第三级</a:t>
             </a:r>
+            <a:endParaRPr lang="zh-CN" altLang="en-US" smtClean="0"/>
           </a:p>
           <a:p>
             <a:pPr lvl="3"/>
@@ -1469,6 +1448,7 @@
               <a:rPr lang="zh-CN" altLang="en-US" smtClean="0"/>
               <a:t>第四级</a:t>
             </a:r>
+            <a:endParaRPr lang="zh-CN" altLang="en-US" smtClean="0"/>
           </a:p>
           <a:p>
             <a:pPr lvl="4"/>
@@ -1542,6 +1522,7 @@
               <a:rPr lang="zh-CN" altLang="en-US" smtClean="0"/>
               <a:t>单击此处编辑母版文本样式</a:t>
             </a:r>
+            <a:endParaRPr lang="zh-CN" altLang="en-US" smtClean="0"/>
           </a:p>
         </p:txBody>
       </p:sp>
@@ -1570,6 +1551,7 @@
               <a:rPr lang="zh-CN" altLang="en-US" smtClean="0"/>
               <a:t>单击此处编辑母版文本样式</a:t>
             </a:r>
+            <a:endParaRPr lang="zh-CN" altLang="en-US" smtClean="0"/>
           </a:p>
           <a:p>
             <a:pPr lvl="1"/>
@@ -1577,6 +1559,7 @@
               <a:rPr lang="zh-CN" altLang="en-US" smtClean="0"/>
               <a:t>第二级</a:t>
             </a:r>
+            <a:endParaRPr lang="zh-CN" altLang="en-US" smtClean="0"/>
           </a:p>
           <a:p>
             <a:pPr lvl="2"/>
@@ -1584,6 +1567,7 @@
               <a:rPr lang="zh-CN" altLang="en-US" smtClean="0"/>
               <a:t>第三级</a:t>
             </a:r>
+            <a:endParaRPr lang="zh-CN" altLang="en-US" smtClean="0"/>
           </a:p>
           <a:p>
             <a:pPr lvl="3"/>
@@ -1591,6 +1575,7 @@
               <a:rPr lang="zh-CN" altLang="en-US" smtClean="0"/>
               <a:t>第四级</a:t>
             </a:r>
+            <a:endParaRPr lang="zh-CN" altLang="en-US" smtClean="0"/>
           </a:p>
           <a:p>
             <a:pPr lvl="4"/>
@@ -1619,7 +1604,6 @@
           <a:p>
             <a:fld id="{FD9B14EC-F5B3-48B6-86BF-6755A31641A9}" type="datetimeFigureOut">
               <a:rPr lang="zh-CN" altLang="en-US" smtClean="0"/>
-              <a:t>2018/10/31</a:t>
             </a:fld>
             <a:endParaRPr lang="zh-CN" altLang="en-US"/>
           </a:p>
@@ -1661,18 +1645,12 @@
           <a:p>
             <a:fld id="{53BE55FF-2867-422F-ABF1-B4888670FC19}" type="slidenum">
               <a:rPr lang="zh-CN" altLang="en-US" smtClean="0"/>
-              <a:t>‹#›</a:t>
             </a:fld>
             <a:endParaRPr lang="zh-CN" altLang="en-US"/>
           </a:p>
         </p:txBody>
       </p:sp>
     </p:spTree>
-    <p:extLst>
-      <p:ext uri="{BB962C8B-B14F-4D97-AF65-F5344CB8AC3E}">
-        <p14:creationId xmlns:p14="http://schemas.microsoft.com/office/powerpoint/2010/main" val="1659152677"/>
-      </p:ext>
-    </p:extLst>
   </p:cSld>
   <p:clrMapOvr>
     <a:masterClrMapping/>
@@ -1737,7 +1715,6 @@
           <a:p>
             <a:fld id="{FD9B14EC-F5B3-48B6-86BF-6755A31641A9}" type="datetimeFigureOut">
               <a:rPr lang="zh-CN" altLang="en-US" smtClean="0"/>
-              <a:t>2018/10/31</a:t>
             </a:fld>
             <a:endParaRPr lang="zh-CN" altLang="en-US"/>
           </a:p>
@@ -1779,18 +1756,12 @@
           <a:p>
             <a:fld id="{53BE55FF-2867-422F-ABF1-B4888670FC19}" type="slidenum">
               <a:rPr lang="zh-CN" altLang="en-US" smtClean="0"/>
-              <a:t>‹#›</a:t>
             </a:fld>
             <a:endParaRPr lang="zh-CN" altLang="en-US"/>
           </a:p>
         </p:txBody>
       </p:sp>
     </p:spTree>
-    <p:extLst>
-      <p:ext uri="{BB962C8B-B14F-4D97-AF65-F5344CB8AC3E}">
-        <p14:creationId xmlns:p14="http://schemas.microsoft.com/office/powerpoint/2010/main" val="1289533260"/>
-      </p:ext>
-    </p:extLst>
   </p:cSld>
   <p:clrMapOvr>
     <a:masterClrMapping/>
@@ -1832,7 +1803,6 @@
           <a:p>
             <a:fld id="{FD9B14EC-F5B3-48B6-86BF-6755A31641A9}" type="datetimeFigureOut">
               <a:rPr lang="zh-CN" altLang="en-US" smtClean="0"/>
-              <a:t>2018/10/31</a:t>
             </a:fld>
             <a:endParaRPr lang="zh-CN" altLang="en-US"/>
           </a:p>
@@ -1874,18 +1844,12 @@
           <a:p>
             <a:fld id="{53BE55FF-2867-422F-ABF1-B4888670FC19}" type="slidenum">
               <a:rPr lang="zh-CN" altLang="en-US" smtClean="0"/>
-              <a:t>‹#›</a:t>
             </a:fld>
             <a:endParaRPr lang="zh-CN" altLang="en-US"/>
           </a:p>
         </p:txBody>
       </p:sp>
     </p:spTree>
-    <p:extLst>
-      <p:ext uri="{BB962C8B-B14F-4D97-AF65-F5344CB8AC3E}">
-        <p14:creationId xmlns:p14="http://schemas.microsoft.com/office/powerpoint/2010/main" val="751561899"/>
-      </p:ext>
-    </p:extLst>
   </p:cSld>
   <p:clrMapOvr>
     <a:masterClrMapping/>
@@ -1995,6 +1959,7 @@
               <a:rPr lang="zh-CN" altLang="en-US" smtClean="0"/>
               <a:t>单击此处编辑母版文本样式</a:t>
             </a:r>
+            <a:endParaRPr lang="zh-CN" altLang="en-US" smtClean="0"/>
           </a:p>
           <a:p>
             <a:pPr lvl="1"/>
@@ -2002,6 +1967,7 @@
               <a:rPr lang="zh-CN" altLang="en-US" smtClean="0"/>
               <a:t>第二级</a:t>
             </a:r>
+            <a:endParaRPr lang="zh-CN" altLang="en-US" smtClean="0"/>
           </a:p>
           <a:p>
             <a:pPr lvl="2"/>
@@ -2009,6 +1975,7 @@
               <a:rPr lang="zh-CN" altLang="en-US" smtClean="0"/>
               <a:t>第三级</a:t>
             </a:r>
+            <a:endParaRPr lang="zh-CN" altLang="en-US" smtClean="0"/>
           </a:p>
           <a:p>
             <a:pPr lvl="3"/>
@@ -2016,6 +1983,7 @@
               <a:rPr lang="zh-CN" altLang="en-US" smtClean="0"/>
               <a:t>第四级</a:t>
             </a:r>
+            <a:endParaRPr lang="zh-CN" altLang="en-US" smtClean="0"/>
           </a:p>
           <a:p>
             <a:pPr lvl="4"/>
@@ -2089,6 +2057,7 @@
               <a:rPr lang="zh-CN" altLang="en-US" smtClean="0"/>
               <a:t>单击此处编辑母版文本样式</a:t>
             </a:r>
+            <a:endParaRPr lang="zh-CN" altLang="en-US" smtClean="0"/>
           </a:p>
         </p:txBody>
       </p:sp>
@@ -2109,7 +2078,6 @@
           <a:p>
             <a:fld id="{FD9B14EC-F5B3-48B6-86BF-6755A31641A9}" type="datetimeFigureOut">
               <a:rPr lang="zh-CN" altLang="en-US" smtClean="0"/>
-              <a:t>2018/10/31</a:t>
             </a:fld>
             <a:endParaRPr lang="zh-CN" altLang="en-US"/>
           </a:p>
@@ -2151,18 +2119,12 @@
           <a:p>
             <a:fld id="{53BE55FF-2867-422F-ABF1-B4888670FC19}" type="slidenum">
               <a:rPr lang="zh-CN" altLang="en-US" smtClean="0"/>
-              <a:t>‹#›</a:t>
             </a:fld>
             <a:endParaRPr lang="zh-CN" altLang="en-US"/>
           </a:p>
         </p:txBody>
       </p:sp>
     </p:spTree>
-    <p:extLst>
-      <p:ext uri="{BB962C8B-B14F-4D97-AF65-F5344CB8AC3E}">
-        <p14:creationId xmlns:p14="http://schemas.microsoft.com/office/powerpoint/2010/main" val="3775587686"/>
-      </p:ext>
-    </p:extLst>
   </p:cSld>
   <p:clrMapOvr>
     <a:masterClrMapping/>
@@ -2342,6 +2304,7 @@
               <a:rPr lang="zh-CN" altLang="en-US" smtClean="0"/>
               <a:t>单击此处编辑母版文本样式</a:t>
             </a:r>
+            <a:endParaRPr lang="zh-CN" altLang="en-US" smtClean="0"/>
           </a:p>
         </p:txBody>
       </p:sp>
@@ -2362,7 +2325,6 @@
           <a:p>
             <a:fld id="{FD9B14EC-F5B3-48B6-86BF-6755A31641A9}" type="datetimeFigureOut">
               <a:rPr lang="zh-CN" altLang="en-US" smtClean="0"/>
-              <a:t>2018/10/31</a:t>
             </a:fld>
             <a:endParaRPr lang="zh-CN" altLang="en-US"/>
           </a:p>
@@ -2404,18 +2366,12 @@
           <a:p>
             <a:fld id="{53BE55FF-2867-422F-ABF1-B4888670FC19}" type="slidenum">
               <a:rPr lang="zh-CN" altLang="en-US" smtClean="0"/>
-              <a:t>‹#›</a:t>
             </a:fld>
             <a:endParaRPr lang="zh-CN" altLang="en-US"/>
           </a:p>
         </p:txBody>
       </p:sp>
     </p:spTree>
-    <p:extLst>
-      <p:ext uri="{BB962C8B-B14F-4D97-AF65-F5344CB8AC3E}">
-        <p14:creationId xmlns:p14="http://schemas.microsoft.com/office/powerpoint/2010/main" val="3355915043"/>
-      </p:ext>
-    </p:extLst>
   </p:cSld>
   <p:clrMapOvr>
     <a:masterClrMapping/>
@@ -2508,6 +2464,7 @@
               <a:rPr lang="zh-CN" altLang="en-US" smtClean="0"/>
               <a:t>单击此处编辑母版文本样式</a:t>
             </a:r>
+            <a:endParaRPr lang="zh-CN" altLang="en-US" smtClean="0"/>
           </a:p>
           <a:p>
             <a:pPr lvl="1"/>
@@ -2515,6 +2472,7 @@
               <a:rPr lang="zh-CN" altLang="en-US" smtClean="0"/>
               <a:t>第二级</a:t>
             </a:r>
+            <a:endParaRPr lang="zh-CN" altLang="en-US" smtClean="0"/>
           </a:p>
           <a:p>
             <a:pPr lvl="2"/>
@@ -2522,6 +2480,7 @@
               <a:rPr lang="zh-CN" altLang="en-US" smtClean="0"/>
               <a:t>第三级</a:t>
             </a:r>
+            <a:endParaRPr lang="zh-CN" altLang="en-US" smtClean="0"/>
           </a:p>
           <a:p>
             <a:pPr lvl="3"/>
@@ -2529,6 +2488,7 @@
               <a:rPr lang="zh-CN" altLang="en-US" smtClean="0"/>
               <a:t>第四级</a:t>
             </a:r>
+            <a:endParaRPr lang="zh-CN" altLang="en-US" smtClean="0"/>
           </a:p>
           <a:p>
             <a:pPr lvl="4"/>
@@ -2575,7 +2535,6 @@
           <a:p>
             <a:fld id="{FD9B14EC-F5B3-48B6-86BF-6755A31641A9}" type="datetimeFigureOut">
               <a:rPr lang="zh-CN" altLang="en-US" smtClean="0"/>
-              <a:t>2018/10/31</a:t>
             </a:fld>
             <a:endParaRPr lang="zh-CN" altLang="en-US"/>
           </a:p>
@@ -2653,18 +2612,12 @@
           <a:p>
             <a:fld id="{53BE55FF-2867-422F-ABF1-B4888670FC19}" type="slidenum">
               <a:rPr lang="zh-CN" altLang="en-US" smtClean="0"/>
-              <a:t>‹#›</a:t>
             </a:fld>
             <a:endParaRPr lang="zh-CN" altLang="en-US"/>
           </a:p>
         </p:txBody>
       </p:sp>
     </p:spTree>
-    <p:extLst>
-      <p:ext uri="{BB962C8B-B14F-4D97-AF65-F5344CB8AC3E}">
-        <p14:creationId xmlns:p14="http://schemas.microsoft.com/office/powerpoint/2010/main" val="555144851"/>
-      </p:ext>
-    </p:extLst>
   </p:cSld>
   <p:clrMap bg1="lt1" tx1="dk1" bg2="lt2" tx2="dk2" accent1="accent1" accent2="accent2" accent3="accent3" accent4="accent4" accent5="accent5" accent6="accent6" hlink="hlink" folHlink="folHlink"/>
   <p:sldLayoutIdLst>
@@ -2989,7 +2942,7 @@
           <p:nvPr/>
         </p:nvPicPr>
         <p:blipFill>
-          <a:blip r:embed="rId2" cstate="print">
+          <a:blip r:embed="rId1" cstate="print">
             <a:extLst>
               <a:ext uri="{28A0092B-C50C-407E-A947-70E740481C1C}">
                 <a14:useLocalDpi xmlns:a14="http://schemas.microsoft.com/office/drawing/2010/main" val="0"/>
@@ -3253,7 +3206,7 @@
           <p:nvPr/>
         </p:nvPicPr>
         <p:blipFill>
-          <a:blip r:embed="rId3"/>
+          <a:blip r:embed="rId2"/>
           <a:stretch>
             <a:fillRect/>
           </a:stretch>
@@ -3269,11 +3222,6 @@
         </p:spPr>
       </p:pic>
     </p:spTree>
-    <p:extLst>
-      <p:ext uri="{BB962C8B-B14F-4D97-AF65-F5344CB8AC3E}">
-        <p14:creationId xmlns:p14="http://schemas.microsoft.com/office/powerpoint/2010/main" val="2954956065"/>
-      </p:ext>
-    </p:extLst>
   </p:cSld>
   <p:clrMapOvr>
     <a:masterClrMapping/>
@@ -3307,7 +3255,7 @@
           <p:nvPr/>
         </p:nvPicPr>
         <p:blipFill>
-          <a:blip r:embed="rId2" cstate="print">
+          <a:blip r:embed="rId1" cstate="print">
             <a:extLst>
               <a:ext uri="{28A0092B-C50C-407E-A947-70E740481C1C}">
                 <a14:useLocalDpi xmlns:a14="http://schemas.microsoft.com/office/drawing/2010/main" val="0"/>
@@ -3337,7 +3285,7 @@
         <p:spPr>
           <a:xfrm>
             <a:off x="488875" y="158339"/>
-            <a:ext cx="4124689" cy="615542"/>
+            <a:ext cx="3695197" cy="615542"/>
           </a:xfrm>
           <a:prstGeom prst="rect">
             <a:avLst/>
@@ -3438,7 +3386,7 @@
                 <a:latin typeface="微软雅黑" panose="020B0503020204020204" pitchFamily="34" charset="-122"/>
                 <a:ea typeface="微软雅黑" panose="020B0503020204020204" pitchFamily="34" charset="-122"/>
               </a:rPr>
-              <a:t>Replication Controller</a:t>
+              <a:t>Controller Manager</a:t>
             </a:r>
             <a:endParaRPr lang="zh-CN" altLang="en-US" sz="2800" b="1" kern="1200" dirty="0">
               <a:solidFill>
@@ -3551,14 +3499,14 @@
       </p:sp>
       <p:sp>
         <p:nvSpPr>
-          <p:cNvPr id="7" name="文本框 6"/>
+          <p:cNvPr id="3" name="文本框 2"/>
           <p:cNvSpPr txBox="1"/>
           <p:nvPr/>
         </p:nvSpPr>
         <p:spPr>
           <a:xfrm>
             <a:off x="488875" y="773881"/>
-            <a:ext cx="11528313" cy="5078313"/>
+            <a:ext cx="5828798" cy="2308324"/>
           </a:xfrm>
           <a:prstGeom prst="rect">
             <a:avLst/>
@@ -3572,459 +3520,71 @@
           <a:lstStyle/>
           <a:p>
             <a:r>
-              <a:rPr lang="zh-CN" altLang="en-US" dirty="0" smtClean="0"/>
-              <a:t>副本</a:t>
-            </a:r>
-            <a:r>
-              <a:rPr lang="zh-CN" altLang="en-US" dirty="0" smtClean="0"/>
-              <a:t>控制器</a:t>
-            </a:r>
-            <a:r>
-              <a:rPr lang="en-US" altLang="zh-CN" dirty="0" smtClean="0"/>
-              <a:t>RC</a:t>
+              <a:rPr lang="en-US" altLang="zh-CN" dirty="0" smtClean="0"/>
+              <a:t>Replication controller</a:t>
             </a:r>
             <a:endParaRPr lang="en-US" altLang="zh-CN" dirty="0" smtClean="0"/>
           </a:p>
           <a:p>
             <a:r>
               <a:rPr lang="en-US" altLang="zh-CN" dirty="0" smtClean="0"/>
-              <a:t>1</a:t>
-            </a:r>
-            <a:r>
-              <a:rPr lang="zh-CN" altLang="en-US" dirty="0" smtClean="0"/>
-              <a:t>、确保集群中有且仅有</a:t>
-            </a:r>
-            <a:r>
-              <a:rPr lang="en-US" altLang="zh-CN" dirty="0" smtClean="0"/>
-              <a:t>N</a:t>
-            </a:r>
-            <a:r>
-              <a:rPr lang="zh-CN" altLang="en-US" dirty="0" smtClean="0"/>
-              <a:t>个</a:t>
-            </a:r>
-            <a:r>
-              <a:rPr lang="en-US" altLang="zh-CN" dirty="0" smtClean="0"/>
-              <a:t>Pod</a:t>
-            </a:r>
-            <a:r>
-              <a:rPr lang="zh-CN" altLang="en-US" dirty="0" smtClean="0"/>
-              <a:t>实例。</a:t>
-            </a:r>
-            <a:r>
-              <a:rPr lang="en-US" altLang="zh-CN" dirty="0" smtClean="0"/>
-              <a:t>N</a:t>
-            </a:r>
-            <a:r>
-              <a:rPr lang="zh-CN" altLang="en-US" dirty="0" smtClean="0"/>
-              <a:t>是设定的副本数量。</a:t>
+              <a:t>Node controller</a:t>
             </a:r>
             <a:endParaRPr lang="en-US" altLang="zh-CN" dirty="0" smtClean="0"/>
           </a:p>
           <a:p>
             <a:r>
-              <a:rPr lang="en-US" altLang="zh-CN" dirty="0" smtClean="0"/>
-              <a:t>2</a:t>
-            </a:r>
-            <a:r>
-              <a:rPr lang="zh-CN" altLang="en-US" dirty="0" smtClean="0"/>
-              <a:t>、通过</a:t>
-            </a:r>
-            <a:r>
               <a:rPr lang="en-US" altLang="zh-CN" dirty="0" err="1" smtClean="0"/>
-              <a:t>spec.replicas</a:t>
-            </a:r>
-            <a:r>
-              <a:rPr lang="zh-CN" altLang="en-US" dirty="0" smtClean="0"/>
-              <a:t>属性值来实现系统扩容或缩容。</a:t>
+              <a:t>ResourceQuota</a:t>
+            </a:r>
+            <a:r>
+              <a:rPr lang="en-US" altLang="zh-CN" dirty="0" smtClean="0"/>
+              <a:t> controller</a:t>
             </a:r>
             <a:endParaRPr lang="en-US" altLang="zh-CN" dirty="0" smtClean="0"/>
           </a:p>
           <a:p>
             <a:r>
               <a:rPr lang="en-US" altLang="zh-CN" dirty="0" smtClean="0"/>
-              <a:t>3</a:t>
-            </a:r>
-            <a:r>
-              <a:rPr lang="zh-CN" altLang="en-US" dirty="0" smtClean="0"/>
-              <a:t>、通过改变</a:t>
-            </a:r>
-            <a:r>
-              <a:rPr lang="en-US" altLang="zh-CN" dirty="0" smtClean="0"/>
-              <a:t>Pod</a:t>
-            </a:r>
-            <a:r>
-              <a:rPr lang="zh-CN" altLang="en-US" dirty="0" smtClean="0"/>
-              <a:t>模板来实现系统的滚动升级</a:t>
-            </a:r>
-            <a:r>
-              <a:rPr lang="zh-CN" altLang="en-US" dirty="0" smtClean="0"/>
-              <a:t>。</a:t>
+              <a:t>Namespace controller</a:t>
             </a:r>
             <a:endParaRPr lang="en-US" altLang="zh-CN" dirty="0" smtClean="0"/>
           </a:p>
           <a:p>
+            <a:r>
+              <a:rPr lang="en-US" altLang="zh-CN" dirty="0" err="1" smtClean="0"/>
+              <a:t>ServiceAccout</a:t>
+            </a:r>
+            <a:r>
+              <a:rPr lang="en-US" altLang="zh-CN" dirty="0" smtClean="0"/>
+              <a:t> controller</a:t>
+            </a:r>
             <a:endParaRPr lang="en-US" altLang="zh-CN" dirty="0" smtClean="0"/>
           </a:p>
           <a:p>
             <a:r>
               <a:rPr lang="en-US" altLang="zh-CN" dirty="0" smtClean="0"/>
-              <a:t>RC</a:t>
-            </a:r>
-            <a:r>
-              <a:rPr lang="zh-CN" altLang="en-US" dirty="0" smtClean="0"/>
-              <a:t>的定义中几个重要的内容：</a:t>
+              <a:t>Token controller</a:t>
             </a:r>
             <a:endParaRPr lang="en-US" altLang="zh-CN" dirty="0" smtClean="0"/>
           </a:p>
           <a:p>
             <a:r>
               <a:rPr lang="en-US" altLang="zh-CN" dirty="0" smtClean="0"/>
-              <a:t>1</a:t>
-            </a:r>
-            <a:r>
-              <a:rPr lang="zh-CN" altLang="en-US" dirty="0" smtClean="0"/>
-              <a:t>、预期的</a:t>
-            </a:r>
-            <a:r>
-              <a:rPr lang="en-US" altLang="zh-CN" dirty="0" smtClean="0"/>
-              <a:t>Pod</a:t>
-            </a:r>
-            <a:r>
-              <a:rPr lang="zh-CN" altLang="en-US" dirty="0" smtClean="0"/>
-              <a:t>数量。</a:t>
+              <a:t>Service controller</a:t>
             </a:r>
             <a:endParaRPr lang="en-US" altLang="zh-CN" dirty="0" smtClean="0"/>
           </a:p>
           <a:p>
             <a:r>
               <a:rPr lang="en-US" altLang="zh-CN" dirty="0" smtClean="0"/>
-              <a:t>2</a:t>
-            </a:r>
-            <a:r>
-              <a:rPr lang="zh-CN" altLang="en-US" dirty="0" smtClean="0"/>
-              <a:t>、用于查找</a:t>
-            </a:r>
-            <a:r>
-              <a:rPr lang="en-US" altLang="zh-CN" dirty="0" smtClean="0"/>
-              <a:t>Pod</a:t>
-            </a:r>
-            <a:r>
-              <a:rPr lang="zh-CN" altLang="en-US" dirty="0" smtClean="0"/>
-              <a:t>的</a:t>
-            </a:r>
-            <a:r>
-              <a:rPr lang="en-US" altLang="zh-CN" dirty="0" smtClean="0"/>
-              <a:t>Label Selector</a:t>
-            </a:r>
-            <a:r>
-              <a:rPr lang="zh-CN" altLang="en-US" dirty="0" smtClean="0"/>
-              <a:t>。</a:t>
-            </a:r>
-            <a:endParaRPr lang="en-US" altLang="zh-CN" dirty="0" smtClean="0"/>
-          </a:p>
-          <a:p>
-            <a:r>
-              <a:rPr lang="en-US" altLang="zh-CN" dirty="0" smtClean="0"/>
-              <a:t>3</a:t>
-            </a:r>
-            <a:r>
-              <a:rPr lang="zh-CN" altLang="en-US" dirty="0" smtClean="0"/>
-              <a:t>、当</a:t>
-            </a:r>
-            <a:r>
-              <a:rPr lang="en-US" altLang="zh-CN" dirty="0" smtClean="0"/>
-              <a:t>Pod</a:t>
-            </a:r>
-            <a:r>
-              <a:rPr lang="zh-CN" altLang="en-US" dirty="0" smtClean="0"/>
-              <a:t>数量小于预期数量时，用于创建</a:t>
-            </a:r>
-            <a:r>
-              <a:rPr lang="en-US" altLang="zh-CN" dirty="0" smtClean="0"/>
-              <a:t>Pod</a:t>
-            </a:r>
-            <a:r>
-              <a:rPr lang="zh-CN" altLang="en-US" dirty="0" smtClean="0"/>
-              <a:t>的模板。</a:t>
-            </a:r>
-            <a:endParaRPr lang="en-US" altLang="zh-CN" dirty="0" smtClean="0"/>
-          </a:p>
-          <a:p>
-            <a:endParaRPr lang="en-US" altLang="zh-CN" dirty="0"/>
-          </a:p>
-          <a:p>
-            <a:r>
-              <a:rPr lang="zh-CN" altLang="en-US" dirty="0" smtClean="0"/>
-              <a:t>在</a:t>
-            </a:r>
-            <a:r>
-              <a:rPr lang="en-US" altLang="zh-CN" dirty="0" smtClean="0"/>
-              <a:t>k8s 1.2</a:t>
-            </a:r>
-            <a:r>
-              <a:rPr lang="zh-CN" altLang="en-US" dirty="0" smtClean="0"/>
-              <a:t>版本之后</a:t>
-            </a:r>
-            <a:r>
-              <a:rPr lang="en-US" altLang="zh-CN" dirty="0" smtClean="0"/>
-              <a:t>RC</a:t>
-            </a:r>
-            <a:r>
-              <a:rPr lang="zh-CN" altLang="en-US" dirty="0" smtClean="0"/>
-              <a:t>升级为</a:t>
-            </a:r>
-            <a:r>
-              <a:rPr lang="en-US" altLang="zh-CN" dirty="0" smtClean="0"/>
-              <a:t>Replica Set</a:t>
-            </a:r>
-            <a:r>
-              <a:rPr lang="zh-CN" altLang="en-US" dirty="0" smtClean="0"/>
-              <a:t>，</a:t>
-            </a:r>
-            <a:r>
-              <a:rPr lang="en-US" altLang="zh-CN" dirty="0" smtClean="0"/>
-              <a:t>RS</a:t>
-            </a:r>
-            <a:r>
-              <a:rPr lang="zh-CN" altLang="en-US" dirty="0" smtClean="0"/>
-              <a:t>就支持了</a:t>
-            </a:r>
-            <a:r>
-              <a:rPr lang="en-US" altLang="zh-CN" dirty="0" err="1" smtClean="0"/>
-              <a:t>Lable</a:t>
-            </a:r>
-            <a:r>
-              <a:rPr lang="zh-CN" altLang="en-US" dirty="0" smtClean="0"/>
-              <a:t>章节里说的使用集合的形式查找</a:t>
-            </a:r>
-            <a:r>
-              <a:rPr lang="en-US" altLang="zh-CN" dirty="0" smtClean="0"/>
-              <a:t>Pod</a:t>
-            </a:r>
-            <a:r>
-              <a:rPr lang="zh-CN" altLang="en-US" dirty="0" smtClean="0"/>
-              <a:t>的功能。</a:t>
-            </a:r>
-            <a:endParaRPr lang="en-US" altLang="zh-CN" dirty="0" smtClean="0"/>
-          </a:p>
-          <a:p>
-            <a:endParaRPr lang="en-US" altLang="zh-CN" dirty="0"/>
-          </a:p>
-          <a:p>
-            <a:r>
-              <a:rPr lang="zh-CN" altLang="en-US" dirty="0" smtClean="0"/>
-              <a:t>需要注意的是：</a:t>
-            </a:r>
-            <a:endParaRPr lang="en-US" altLang="zh-CN" dirty="0" smtClean="0"/>
-          </a:p>
-          <a:p>
-            <a:r>
-              <a:rPr lang="en-US" altLang="zh-CN" dirty="0" smtClean="0"/>
-              <a:t>1</a:t>
-            </a:r>
-            <a:r>
-              <a:rPr lang="zh-CN" altLang="en-US" dirty="0" smtClean="0"/>
-              <a:t>、</a:t>
-            </a:r>
-            <a:r>
-              <a:rPr lang="en-US" altLang="zh-CN" dirty="0" smtClean="0"/>
-              <a:t>Pod</a:t>
-            </a:r>
-            <a:r>
-              <a:rPr lang="zh-CN" altLang="en-US" dirty="0" smtClean="0"/>
-              <a:t>实例和</a:t>
-            </a:r>
-            <a:r>
-              <a:rPr lang="en-US" altLang="zh-CN" dirty="0" smtClean="0"/>
-              <a:t>Pod</a:t>
-            </a:r>
-            <a:r>
-              <a:rPr lang="zh-CN" altLang="en-US" dirty="0" smtClean="0"/>
-              <a:t>模板无关。</a:t>
-            </a:r>
-            <a:r>
-              <a:rPr lang="en-US" altLang="zh-CN" dirty="0" smtClean="0"/>
-              <a:t>Pod</a:t>
-            </a:r>
-            <a:r>
-              <a:rPr lang="zh-CN" altLang="en-US" dirty="0" smtClean="0"/>
-              <a:t>实例一旦被创建就和模板没有关系，模板如果发生变化不会影响到已经创建的</a:t>
-            </a:r>
-            <a:r>
-              <a:rPr lang="en-US" altLang="zh-CN" dirty="0" smtClean="0"/>
-              <a:t>Pod</a:t>
-            </a:r>
-            <a:r>
-              <a:rPr lang="zh-CN" altLang="en-US" dirty="0" smtClean="0"/>
-              <a:t>实例。</a:t>
-            </a:r>
-            <a:endParaRPr lang="en-US" altLang="zh-CN" dirty="0" smtClean="0"/>
-          </a:p>
-          <a:p>
-            <a:r>
-              <a:rPr lang="en-US" altLang="zh-CN" dirty="0" smtClean="0"/>
-              <a:t>2</a:t>
-            </a:r>
-            <a:r>
-              <a:rPr lang="zh-CN" altLang="en-US" dirty="0" smtClean="0"/>
-              <a:t>、只有</a:t>
-            </a:r>
-            <a:r>
-              <a:rPr lang="en-US" altLang="zh-CN" dirty="0" smtClean="0"/>
-              <a:t>Pod</a:t>
-            </a:r>
-            <a:r>
-              <a:rPr lang="zh-CN" altLang="en-US" dirty="0" smtClean="0"/>
-              <a:t>重启策略是</a:t>
-            </a:r>
-            <a:r>
-              <a:rPr lang="en-US" altLang="zh-CN" dirty="0" smtClean="0"/>
-              <a:t>always</a:t>
-            </a:r>
-            <a:r>
-              <a:rPr lang="zh-CN" altLang="en-US" dirty="0" smtClean="0"/>
-              <a:t>，副本控制器才会管理该</a:t>
-            </a:r>
-            <a:r>
-              <a:rPr lang="en-US" altLang="zh-CN" dirty="0" smtClean="0"/>
-              <a:t>Pod</a:t>
-            </a:r>
-            <a:r>
-              <a:rPr lang="zh-CN" altLang="en-US" dirty="0" smtClean="0"/>
-              <a:t>的操作（创建、销毁、重启）。</a:t>
-            </a:r>
-            <a:endParaRPr lang="en-US" altLang="zh-CN" dirty="0" smtClean="0"/>
-          </a:p>
-          <a:p>
-            <a:r>
-              <a:rPr lang="en-US" altLang="zh-CN" dirty="0" smtClean="0"/>
-              <a:t>3</a:t>
-            </a:r>
-            <a:r>
-              <a:rPr lang="zh-CN" altLang="en-US" dirty="0" smtClean="0"/>
-              <a:t>、</a:t>
-            </a:r>
-            <a:r>
-              <a:rPr lang="en-US" altLang="zh-CN" dirty="0" smtClean="0"/>
-              <a:t>Pod</a:t>
-            </a:r>
-            <a:r>
-              <a:rPr lang="zh-CN" altLang="en-US" dirty="0" smtClean="0"/>
-              <a:t>可以通过</a:t>
-            </a:r>
-            <a:r>
-              <a:rPr lang="zh-CN" altLang="en-US" dirty="0" smtClean="0"/>
-              <a:t>修改</a:t>
-            </a:r>
-            <a:r>
-              <a:rPr lang="en-US" altLang="zh-CN" dirty="0"/>
-              <a:t>L</a:t>
-            </a:r>
-            <a:r>
-              <a:rPr lang="en-US" altLang="zh-CN" dirty="0" smtClean="0"/>
-              <a:t>abel</a:t>
-            </a:r>
-            <a:r>
-              <a:rPr lang="zh-CN" altLang="en-US" dirty="0" smtClean="0"/>
-              <a:t>来脱离副本控制器的管理，便于</a:t>
-            </a:r>
-            <a:r>
-              <a:rPr lang="en-US" altLang="zh-CN" dirty="0" smtClean="0"/>
-              <a:t>Pod</a:t>
-            </a:r>
-            <a:r>
-              <a:rPr lang="zh-CN" altLang="en-US" dirty="0" smtClean="0"/>
-              <a:t>的迁移和调试等</a:t>
-            </a:r>
-            <a:r>
-              <a:rPr lang="zh-CN" altLang="en-US" dirty="0" smtClean="0"/>
-              <a:t>。</a:t>
-            </a:r>
-            <a:endParaRPr lang="en-US" altLang="zh-CN" dirty="0" smtClean="0"/>
-          </a:p>
-          <a:p>
-            <a:r>
-              <a:rPr lang="en-US" altLang="zh-CN" dirty="0" smtClean="0"/>
-              <a:t>4</a:t>
-            </a:r>
-            <a:r>
-              <a:rPr lang="zh-CN" altLang="en-US" dirty="0" smtClean="0"/>
-              <a:t>、删除</a:t>
-            </a:r>
-            <a:r>
-              <a:rPr lang="en-US" altLang="zh-CN" dirty="0" smtClean="0"/>
-              <a:t>RC</a:t>
-            </a:r>
-            <a:r>
-              <a:rPr lang="zh-CN" altLang="en-US" dirty="0" smtClean="0"/>
-              <a:t>并不会删除</a:t>
-            </a:r>
-            <a:r>
-              <a:rPr lang="en-US" altLang="zh-CN" dirty="0" smtClean="0"/>
-              <a:t>RC</a:t>
-            </a:r>
-            <a:r>
-              <a:rPr lang="zh-CN" altLang="en-US" dirty="0" smtClean="0"/>
-              <a:t>所创建的</a:t>
-            </a:r>
-            <a:r>
-              <a:rPr lang="en-US" altLang="zh-CN" dirty="0" smtClean="0"/>
-              <a:t>Pod</a:t>
-            </a:r>
-            <a:r>
-              <a:rPr lang="zh-CN" altLang="en-US" dirty="0" smtClean="0"/>
-              <a:t>，如果需要删除</a:t>
-            </a:r>
-            <a:r>
-              <a:rPr lang="en-US" altLang="zh-CN" dirty="0" smtClean="0"/>
-              <a:t>RC</a:t>
-            </a:r>
-            <a:r>
-              <a:rPr lang="zh-CN" altLang="en-US" dirty="0" smtClean="0"/>
-              <a:t>的</a:t>
-            </a:r>
-            <a:r>
-              <a:rPr lang="en-US" altLang="zh-CN" dirty="0" smtClean="0"/>
-              <a:t>Pod</a:t>
-            </a:r>
-            <a:r>
-              <a:rPr lang="zh-CN" altLang="en-US" dirty="0" smtClean="0"/>
-              <a:t>，需要将预期</a:t>
-            </a:r>
-            <a:r>
-              <a:rPr lang="en-US" altLang="zh-CN" dirty="0" smtClean="0"/>
-              <a:t>Pod</a:t>
-            </a:r>
-            <a:r>
-              <a:rPr lang="zh-CN" altLang="en-US" dirty="0" smtClean="0"/>
-              <a:t>数量设置为</a:t>
-            </a:r>
-            <a:r>
-              <a:rPr lang="en-US" altLang="zh-CN" dirty="0" smtClean="0"/>
-              <a:t>0</a:t>
-            </a:r>
-            <a:r>
-              <a:rPr lang="zh-CN" altLang="en-US" dirty="0" smtClean="0"/>
-              <a:t>，然后更新</a:t>
-            </a:r>
-            <a:r>
-              <a:rPr lang="en-US" altLang="zh-CN" dirty="0" smtClean="0"/>
-              <a:t>RC</a:t>
-            </a:r>
-            <a:r>
-              <a:rPr lang="zh-CN" altLang="en-US" dirty="0" smtClean="0"/>
-              <a:t>。</a:t>
+              <a:t>Endpoint controller</a:t>
             </a:r>
             <a:endParaRPr lang="zh-CN" altLang="en-US" dirty="0"/>
           </a:p>
         </p:txBody>
       </p:sp>
     </p:spTree>
-    <p:extLst>
-      <p:ext uri="{BB962C8B-B14F-4D97-AF65-F5344CB8AC3E}">
-        <p14:creationId xmlns:p14="http://schemas.microsoft.com/office/powerpoint/2010/main" val="1958155242"/>
-      </p:ext>
-    </p:extLst>
   </p:cSld>
   <p:clrMapOvr>
     <a:masterClrMapping/>
@@ -4058,7 +3618,7 @@
           <p:nvPr/>
         </p:nvPicPr>
         <p:blipFill>
-          <a:blip r:embed="rId2" cstate="print">
+          <a:blip r:embed="rId1" cstate="print">
             <a:extLst>
               <a:ext uri="{28A0092B-C50C-407E-A947-70E740481C1C}">
                 <a14:useLocalDpi xmlns:a14="http://schemas.microsoft.com/office/drawing/2010/main" val="0"/>
@@ -4088,7 +3648,7 @@
         <p:spPr>
           <a:xfrm>
             <a:off x="488875" y="158339"/>
-            <a:ext cx="3695197" cy="615542"/>
+            <a:ext cx="4124689" cy="615542"/>
           </a:xfrm>
           <a:prstGeom prst="rect">
             <a:avLst/>
@@ -4179,19 +3739,6 @@
               <a:buNone/>
             </a:pPr>
             <a:r>
-              <a:rPr lang="en-US" altLang="zh-CN" sz="2800" b="1" dirty="0">
-                <a:solidFill>
-                  <a:schemeClr val="tx1">
-                    <a:lumMod val="85000"/>
-                    <a:lumOff val="15000"/>
-                  </a:schemeClr>
-                </a:solidFill>
-                <a:latin typeface="微软雅黑" panose="020B0503020204020204" pitchFamily="34" charset="-122"/>
-                <a:ea typeface="微软雅黑" panose="020B0503020204020204" pitchFamily="34" charset="-122"/>
-              </a:rPr>
-              <a:t>Node</a:t>
-            </a:r>
-            <a:r>
               <a:rPr lang="en-US" altLang="zh-CN" sz="2800" b="1" dirty="0" smtClean="0">
                 <a:solidFill>
                   <a:schemeClr val="tx1">
@@ -4202,7 +3749,7 @@
                 <a:latin typeface="微软雅黑" panose="020B0503020204020204" pitchFamily="34" charset="-122"/>
                 <a:ea typeface="微软雅黑" panose="020B0503020204020204" pitchFamily="34" charset="-122"/>
               </a:rPr>
-              <a:t> Controller</a:t>
+              <a:t>Replication Controller</a:t>
             </a:r>
             <a:endParaRPr lang="zh-CN" altLang="en-US" sz="2800" b="1" kern="1200" dirty="0">
               <a:solidFill>
@@ -4315,14 +3862,14 @@
       </p:sp>
       <p:sp>
         <p:nvSpPr>
-          <p:cNvPr id="3" name="文本框 2"/>
+          <p:cNvPr id="7" name="文本框 6"/>
           <p:cNvSpPr txBox="1"/>
           <p:nvPr/>
         </p:nvSpPr>
         <p:spPr>
           <a:xfrm>
-            <a:off x="488874" y="773881"/>
-            <a:ext cx="11528313" cy="369332"/>
+            <a:off x="488875" y="773881"/>
+            <a:ext cx="11528313" cy="5078313"/>
           </a:xfrm>
           <a:prstGeom prst="rect">
             <a:avLst/>
@@ -4336,79 +3883,438 @@
           <a:lstStyle/>
           <a:p>
             <a:r>
-              <a:rPr lang="en-US" altLang="zh-CN" dirty="0" smtClean="0"/>
-              <a:t>Node controller</a:t>
-            </a:r>
-            <a:r>
-              <a:rPr lang="zh-CN" altLang="en-US" dirty="0" smtClean="0"/>
-              <a:t>通过</a:t>
-            </a:r>
-            <a:r>
-              <a:rPr lang="en-US" altLang="zh-CN" dirty="0" smtClean="0"/>
-              <a:t>API server</a:t>
-            </a:r>
-            <a:r>
-              <a:rPr lang="zh-CN" altLang="en-US" dirty="0" smtClean="0"/>
-              <a:t>从</a:t>
+              <a:rPr lang="zh-CN" altLang="en-US" dirty="0" smtClean="0"/>
+              <a:t>副本控制器</a:t>
+            </a:r>
+            <a:r>
+              <a:rPr lang="en-US" altLang="zh-CN" dirty="0" smtClean="0"/>
+              <a:t>RC</a:t>
+            </a:r>
+            <a:endParaRPr lang="en-US" altLang="zh-CN" dirty="0" smtClean="0"/>
+          </a:p>
+          <a:p>
+            <a:r>
+              <a:rPr lang="en-US" altLang="zh-CN" dirty="0" smtClean="0"/>
+              <a:t>1</a:t>
+            </a:r>
+            <a:r>
+              <a:rPr lang="zh-CN" altLang="en-US" dirty="0" smtClean="0"/>
+              <a:t>、确保集群中有且仅有</a:t>
+            </a:r>
+            <a:r>
+              <a:rPr lang="en-US" altLang="zh-CN" dirty="0" smtClean="0"/>
+              <a:t>N</a:t>
+            </a:r>
+            <a:r>
+              <a:rPr lang="zh-CN" altLang="en-US" dirty="0" smtClean="0"/>
+              <a:t>个</a:t>
+            </a:r>
+            <a:r>
+              <a:rPr lang="en-US" altLang="zh-CN" dirty="0" smtClean="0"/>
+              <a:t>Pod</a:t>
+            </a:r>
+            <a:r>
+              <a:rPr lang="zh-CN" altLang="en-US" dirty="0" smtClean="0"/>
+              <a:t>实例。</a:t>
+            </a:r>
+            <a:r>
+              <a:rPr lang="en-US" altLang="zh-CN" dirty="0" smtClean="0"/>
+              <a:t>N</a:t>
+            </a:r>
+            <a:r>
+              <a:rPr lang="zh-CN" altLang="en-US" dirty="0" smtClean="0"/>
+              <a:t>是设定的副本数量。</a:t>
+            </a:r>
+            <a:endParaRPr lang="en-US" altLang="zh-CN" dirty="0" smtClean="0"/>
+          </a:p>
+          <a:p>
+            <a:r>
+              <a:rPr lang="en-US" altLang="zh-CN" dirty="0" smtClean="0"/>
+              <a:t>2</a:t>
+            </a:r>
+            <a:r>
+              <a:rPr lang="zh-CN" altLang="en-US" dirty="0" smtClean="0"/>
+              <a:t>、通过</a:t>
             </a:r>
             <a:r>
               <a:rPr lang="en-US" altLang="zh-CN" dirty="0" err="1" smtClean="0"/>
-              <a:t>etcd</a:t>
-            </a:r>
-            <a:r>
-              <a:rPr lang="zh-CN" altLang="en-US" dirty="0" smtClean="0"/>
-              <a:t>中获取</a:t>
-            </a:r>
-            <a:r>
-              <a:rPr lang="en-US" altLang="zh-CN" dirty="0" smtClean="0"/>
-              <a:t>Node</a:t>
-            </a:r>
-            <a:r>
-              <a:rPr lang="zh-CN" altLang="en-US" dirty="0" smtClean="0"/>
-              <a:t>的相关信息，管理和监控集群中各个</a:t>
-            </a:r>
-            <a:r>
-              <a:rPr lang="en-US" altLang="zh-CN" dirty="0" smtClean="0"/>
-              <a:t>Node</a:t>
-            </a:r>
-            <a:r>
-              <a:rPr lang="zh-CN" altLang="en-US" dirty="0" smtClean="0"/>
-              <a:t>节点。</a:t>
+              <a:t>spec.replicas</a:t>
+            </a:r>
+            <a:r>
+              <a:rPr lang="zh-CN" altLang="en-US" dirty="0" smtClean="0"/>
+              <a:t>属性值来实现系统扩容或缩容。</a:t>
+            </a:r>
+            <a:endParaRPr lang="en-US" altLang="zh-CN" dirty="0" smtClean="0"/>
+          </a:p>
+          <a:p>
+            <a:r>
+              <a:rPr lang="en-US" altLang="zh-CN" dirty="0" smtClean="0"/>
+              <a:t>3</a:t>
+            </a:r>
+            <a:r>
+              <a:rPr lang="zh-CN" altLang="en-US" dirty="0" smtClean="0"/>
+              <a:t>、通过改变</a:t>
+            </a:r>
+            <a:r>
+              <a:rPr lang="en-US" altLang="zh-CN" dirty="0" smtClean="0"/>
+              <a:t>Pod</a:t>
+            </a:r>
+            <a:r>
+              <a:rPr lang="zh-CN" altLang="en-US" dirty="0" smtClean="0"/>
+              <a:t>模板来实现系统的滚动升级。</a:t>
+            </a:r>
+            <a:endParaRPr lang="en-US" altLang="zh-CN" dirty="0" smtClean="0"/>
+          </a:p>
+          <a:p>
+            <a:endParaRPr lang="en-US" altLang="zh-CN" dirty="0" smtClean="0"/>
+          </a:p>
+          <a:p>
+            <a:r>
+              <a:rPr lang="en-US" altLang="zh-CN" dirty="0" smtClean="0"/>
+              <a:t>RC</a:t>
+            </a:r>
+            <a:r>
+              <a:rPr lang="zh-CN" altLang="en-US" dirty="0" smtClean="0"/>
+              <a:t>的定义中几个重要的内容：</a:t>
+            </a:r>
+            <a:endParaRPr lang="en-US" altLang="zh-CN" dirty="0" smtClean="0"/>
+          </a:p>
+          <a:p>
+            <a:r>
+              <a:rPr lang="en-US" altLang="zh-CN" dirty="0" smtClean="0"/>
+              <a:t>1</a:t>
+            </a:r>
+            <a:r>
+              <a:rPr lang="zh-CN" altLang="en-US" dirty="0" smtClean="0"/>
+              <a:t>、预期的</a:t>
+            </a:r>
+            <a:r>
+              <a:rPr lang="en-US" altLang="zh-CN" dirty="0" smtClean="0"/>
+              <a:t>Pod</a:t>
+            </a:r>
+            <a:r>
+              <a:rPr lang="zh-CN" altLang="en-US" dirty="0" smtClean="0"/>
+              <a:t>数量。</a:t>
+            </a:r>
+            <a:endParaRPr lang="en-US" altLang="zh-CN" dirty="0" smtClean="0"/>
+          </a:p>
+          <a:p>
+            <a:r>
+              <a:rPr lang="en-US" altLang="zh-CN" dirty="0" smtClean="0"/>
+              <a:t>2</a:t>
+            </a:r>
+            <a:r>
+              <a:rPr lang="zh-CN" altLang="en-US" dirty="0" smtClean="0"/>
+              <a:t>、用于查找</a:t>
+            </a:r>
+            <a:r>
+              <a:rPr lang="en-US" altLang="zh-CN" dirty="0" smtClean="0"/>
+              <a:t>Pod</a:t>
+            </a:r>
+            <a:r>
+              <a:rPr lang="zh-CN" altLang="en-US" dirty="0" smtClean="0"/>
+              <a:t>的</a:t>
+            </a:r>
+            <a:r>
+              <a:rPr lang="en-US" altLang="zh-CN" dirty="0" smtClean="0"/>
+              <a:t>Label Selector</a:t>
+            </a:r>
+            <a:r>
+              <a:rPr lang="zh-CN" altLang="en-US" dirty="0" smtClean="0"/>
+              <a:t>。</a:t>
+            </a:r>
+            <a:endParaRPr lang="en-US" altLang="zh-CN" dirty="0" smtClean="0"/>
+          </a:p>
+          <a:p>
+            <a:r>
+              <a:rPr lang="en-US" altLang="zh-CN" dirty="0" smtClean="0"/>
+              <a:t>3</a:t>
+            </a:r>
+            <a:r>
+              <a:rPr lang="zh-CN" altLang="en-US" dirty="0" smtClean="0"/>
+              <a:t>、当</a:t>
+            </a:r>
+            <a:r>
+              <a:rPr lang="en-US" altLang="zh-CN" dirty="0" smtClean="0"/>
+              <a:t>Pod</a:t>
+            </a:r>
+            <a:r>
+              <a:rPr lang="zh-CN" altLang="en-US" dirty="0" smtClean="0"/>
+              <a:t>数量小于预期数量时，用于创建</a:t>
+            </a:r>
+            <a:r>
+              <a:rPr lang="en-US" altLang="zh-CN" dirty="0" smtClean="0"/>
+              <a:t>Pod</a:t>
+            </a:r>
+            <a:r>
+              <a:rPr lang="zh-CN" altLang="en-US" dirty="0" smtClean="0"/>
+              <a:t>的模板。</a:t>
+            </a:r>
+            <a:endParaRPr lang="en-US" altLang="zh-CN" dirty="0" smtClean="0"/>
+          </a:p>
+          <a:p>
+            <a:endParaRPr lang="en-US" altLang="zh-CN" dirty="0"/>
+          </a:p>
+          <a:p>
+            <a:r>
+              <a:rPr lang="zh-CN" altLang="en-US" dirty="0" smtClean="0"/>
+              <a:t>在</a:t>
+            </a:r>
+            <a:r>
+              <a:rPr lang="en-US" altLang="zh-CN" dirty="0" smtClean="0"/>
+              <a:t>k8s 1.2</a:t>
+            </a:r>
+            <a:r>
+              <a:rPr lang="zh-CN" altLang="en-US" dirty="0" smtClean="0"/>
+              <a:t>版本之后</a:t>
+            </a:r>
+            <a:r>
+              <a:rPr lang="en-US" altLang="zh-CN" dirty="0" smtClean="0"/>
+              <a:t>RC</a:t>
+            </a:r>
+            <a:r>
+              <a:rPr lang="zh-CN" altLang="en-US" dirty="0" smtClean="0"/>
+              <a:t>升级为</a:t>
+            </a:r>
+            <a:r>
+              <a:rPr lang="en-US" altLang="zh-CN" dirty="0" smtClean="0"/>
+              <a:t>Replica Set</a:t>
+            </a:r>
+            <a:r>
+              <a:rPr lang="zh-CN" altLang="en-US" dirty="0" smtClean="0"/>
+              <a:t>，</a:t>
+            </a:r>
+            <a:r>
+              <a:rPr lang="en-US" altLang="zh-CN" dirty="0" smtClean="0"/>
+              <a:t>RS</a:t>
+            </a:r>
+            <a:r>
+              <a:rPr lang="zh-CN" altLang="en-US" dirty="0" smtClean="0"/>
+              <a:t>就支持了</a:t>
+            </a:r>
+            <a:r>
+              <a:rPr lang="en-US" altLang="zh-CN" dirty="0" err="1" smtClean="0"/>
+              <a:t>Lable</a:t>
+            </a:r>
+            <a:r>
+              <a:rPr lang="zh-CN" altLang="en-US" dirty="0" smtClean="0"/>
+              <a:t>章节里说的使用集合的形式查找</a:t>
+            </a:r>
+            <a:r>
+              <a:rPr lang="en-US" altLang="zh-CN" dirty="0" smtClean="0"/>
+              <a:t>Pod</a:t>
+            </a:r>
+            <a:r>
+              <a:rPr lang="zh-CN" altLang="en-US" dirty="0" smtClean="0"/>
+              <a:t>的功能。</a:t>
+            </a:r>
+            <a:endParaRPr lang="en-US" altLang="zh-CN" dirty="0" smtClean="0"/>
+          </a:p>
+          <a:p>
+            <a:endParaRPr lang="en-US" altLang="zh-CN" dirty="0"/>
+          </a:p>
+          <a:p>
+            <a:r>
+              <a:rPr lang="zh-CN" altLang="en-US" dirty="0" smtClean="0"/>
+              <a:t>需要注意的是：</a:t>
+            </a:r>
+            <a:endParaRPr lang="en-US" altLang="zh-CN" dirty="0" smtClean="0"/>
+          </a:p>
+          <a:p>
+            <a:r>
+              <a:rPr lang="en-US" altLang="zh-CN" dirty="0" smtClean="0"/>
+              <a:t>1</a:t>
+            </a:r>
+            <a:r>
+              <a:rPr lang="zh-CN" altLang="en-US" dirty="0" smtClean="0"/>
+              <a:t>、</a:t>
+            </a:r>
+            <a:r>
+              <a:rPr lang="en-US" altLang="zh-CN" dirty="0" smtClean="0"/>
+              <a:t>Pod</a:t>
+            </a:r>
+            <a:r>
+              <a:rPr lang="zh-CN" altLang="en-US" dirty="0" smtClean="0"/>
+              <a:t>实例和</a:t>
+            </a:r>
+            <a:r>
+              <a:rPr lang="en-US" altLang="zh-CN" dirty="0" smtClean="0"/>
+              <a:t>Pod</a:t>
+            </a:r>
+            <a:r>
+              <a:rPr lang="zh-CN" altLang="en-US" dirty="0" smtClean="0"/>
+              <a:t>模板无关。</a:t>
+            </a:r>
+            <a:r>
+              <a:rPr lang="en-US" altLang="zh-CN" dirty="0" smtClean="0"/>
+              <a:t>Pod</a:t>
+            </a:r>
+            <a:r>
+              <a:rPr lang="zh-CN" altLang="en-US" dirty="0" smtClean="0"/>
+              <a:t>实例一旦被创建就和模板没有关系，模板如果发生变化不会影响到已经创建的</a:t>
+            </a:r>
+            <a:r>
+              <a:rPr lang="en-US" altLang="zh-CN" dirty="0" smtClean="0"/>
+              <a:t>Pod</a:t>
+            </a:r>
+            <a:r>
+              <a:rPr lang="zh-CN" altLang="en-US" dirty="0" smtClean="0"/>
+              <a:t>实例。</a:t>
+            </a:r>
+            <a:endParaRPr lang="en-US" altLang="zh-CN" dirty="0" smtClean="0"/>
+          </a:p>
+          <a:p>
+            <a:r>
+              <a:rPr lang="en-US" altLang="zh-CN" dirty="0" smtClean="0"/>
+              <a:t>2</a:t>
+            </a:r>
+            <a:r>
+              <a:rPr lang="zh-CN" altLang="en-US" dirty="0" smtClean="0"/>
+              <a:t>、只有</a:t>
+            </a:r>
+            <a:r>
+              <a:rPr lang="en-US" altLang="zh-CN" dirty="0" smtClean="0"/>
+              <a:t>Pod</a:t>
+            </a:r>
+            <a:r>
+              <a:rPr lang="zh-CN" altLang="en-US" dirty="0" smtClean="0"/>
+              <a:t>重启策略是</a:t>
+            </a:r>
+            <a:r>
+              <a:rPr lang="en-US" altLang="zh-CN" dirty="0" smtClean="0"/>
+              <a:t>always</a:t>
+            </a:r>
+            <a:r>
+              <a:rPr lang="zh-CN" altLang="en-US" dirty="0" smtClean="0"/>
+              <a:t>，副本控制器才会管理该</a:t>
+            </a:r>
+            <a:r>
+              <a:rPr lang="en-US" altLang="zh-CN" dirty="0" smtClean="0"/>
+              <a:t>Pod</a:t>
+            </a:r>
+            <a:r>
+              <a:rPr lang="zh-CN" altLang="en-US" dirty="0" smtClean="0"/>
+              <a:t>的操作（创建、销毁、重启）。</a:t>
+            </a:r>
+            <a:endParaRPr lang="en-US" altLang="zh-CN" dirty="0" smtClean="0"/>
+          </a:p>
+          <a:p>
+            <a:r>
+              <a:rPr lang="en-US" altLang="zh-CN" dirty="0" smtClean="0"/>
+              <a:t>3</a:t>
+            </a:r>
+            <a:r>
+              <a:rPr lang="zh-CN" altLang="en-US" dirty="0" smtClean="0"/>
+              <a:t>、</a:t>
+            </a:r>
+            <a:r>
+              <a:rPr lang="en-US" altLang="zh-CN" dirty="0" smtClean="0"/>
+              <a:t>Pod</a:t>
+            </a:r>
+            <a:r>
+              <a:rPr lang="zh-CN" altLang="en-US" dirty="0" smtClean="0"/>
+              <a:t>可以通过修改</a:t>
+            </a:r>
+            <a:r>
+              <a:rPr lang="en-US" altLang="zh-CN" dirty="0"/>
+              <a:t>L</a:t>
+            </a:r>
+            <a:r>
+              <a:rPr lang="en-US" altLang="zh-CN" dirty="0" smtClean="0"/>
+              <a:t>abel</a:t>
+            </a:r>
+            <a:r>
+              <a:rPr lang="zh-CN" altLang="en-US" dirty="0" smtClean="0"/>
+              <a:t>来脱离副本控制器的管理，便于</a:t>
+            </a:r>
+            <a:r>
+              <a:rPr lang="en-US" altLang="zh-CN" dirty="0" smtClean="0"/>
+              <a:t>Pod</a:t>
+            </a:r>
+            <a:r>
+              <a:rPr lang="zh-CN" altLang="en-US" dirty="0" smtClean="0"/>
+              <a:t>的迁移和调试等。</a:t>
+            </a:r>
+            <a:endParaRPr lang="en-US" altLang="zh-CN" dirty="0" smtClean="0"/>
+          </a:p>
+          <a:p>
+            <a:r>
+              <a:rPr lang="en-US" altLang="zh-CN" dirty="0" smtClean="0"/>
+              <a:t>4</a:t>
+            </a:r>
+            <a:r>
+              <a:rPr lang="zh-CN" altLang="en-US" dirty="0" smtClean="0"/>
+              <a:t>、删除</a:t>
+            </a:r>
+            <a:r>
+              <a:rPr lang="en-US" altLang="zh-CN" dirty="0" smtClean="0"/>
+              <a:t>RC</a:t>
+            </a:r>
+            <a:r>
+              <a:rPr lang="zh-CN" altLang="en-US" dirty="0" smtClean="0"/>
+              <a:t>并不会删除</a:t>
+            </a:r>
+            <a:r>
+              <a:rPr lang="en-US" altLang="zh-CN" dirty="0" smtClean="0"/>
+              <a:t>RC</a:t>
+            </a:r>
+            <a:r>
+              <a:rPr lang="zh-CN" altLang="en-US" dirty="0" smtClean="0"/>
+              <a:t>所创建的</a:t>
+            </a:r>
+            <a:r>
+              <a:rPr lang="en-US" altLang="zh-CN" dirty="0" smtClean="0"/>
+              <a:t>Pod</a:t>
+            </a:r>
+            <a:r>
+              <a:rPr lang="zh-CN" altLang="en-US" dirty="0" smtClean="0"/>
+              <a:t>，如果需要删除</a:t>
+            </a:r>
+            <a:r>
+              <a:rPr lang="en-US" altLang="zh-CN" dirty="0" smtClean="0"/>
+              <a:t>RC</a:t>
+            </a:r>
+            <a:r>
+              <a:rPr lang="zh-CN" altLang="en-US" dirty="0" smtClean="0"/>
+              <a:t>的</a:t>
+            </a:r>
+            <a:r>
+              <a:rPr lang="en-US" altLang="zh-CN" dirty="0" smtClean="0"/>
+              <a:t>Pod</a:t>
+            </a:r>
+            <a:r>
+              <a:rPr lang="zh-CN" altLang="en-US" dirty="0" smtClean="0"/>
+              <a:t>，需要将预期</a:t>
+            </a:r>
+            <a:r>
+              <a:rPr lang="en-US" altLang="zh-CN" dirty="0" smtClean="0"/>
+              <a:t>Pod</a:t>
+            </a:r>
+            <a:r>
+              <a:rPr lang="zh-CN" altLang="en-US" dirty="0" smtClean="0"/>
+              <a:t>数量设置为</a:t>
+            </a:r>
+            <a:r>
+              <a:rPr lang="en-US" altLang="zh-CN" dirty="0" smtClean="0"/>
+              <a:t>0</a:t>
+            </a:r>
+            <a:r>
+              <a:rPr lang="zh-CN" altLang="en-US" dirty="0" smtClean="0"/>
+              <a:t>，然后更新</a:t>
+            </a:r>
+            <a:r>
+              <a:rPr lang="en-US" altLang="zh-CN" dirty="0" smtClean="0"/>
+              <a:t>RC</a:t>
+            </a:r>
+            <a:r>
+              <a:rPr lang="zh-CN" altLang="en-US" dirty="0" smtClean="0"/>
+              <a:t>。</a:t>
             </a:r>
             <a:endParaRPr lang="zh-CN" altLang="en-US" dirty="0"/>
           </a:p>
         </p:txBody>
       </p:sp>
-      <p:pic>
-        <p:nvPicPr>
-          <p:cNvPr id="7" name="图片 6"/>
-          <p:cNvPicPr>
-            <a:picLocks noChangeAspect="1"/>
-          </p:cNvPicPr>
-          <p:nvPr/>
-        </p:nvPicPr>
-        <p:blipFill>
-          <a:blip r:embed="rId3"/>
-          <a:stretch>
-            <a:fillRect/>
-          </a:stretch>
-        </p:blipFill>
-        <p:spPr>
-          <a:xfrm>
-            <a:off x="2681283" y="1143213"/>
-            <a:ext cx="6857143" cy="5209524"/>
-          </a:xfrm>
-          <a:prstGeom prst="rect">
-            <a:avLst/>
-          </a:prstGeom>
-        </p:spPr>
-      </p:pic>
     </p:spTree>
-    <p:extLst>
-      <p:ext uri="{BB962C8B-B14F-4D97-AF65-F5344CB8AC3E}">
-        <p14:creationId xmlns:p14="http://schemas.microsoft.com/office/powerpoint/2010/main" val="1139656133"/>
-      </p:ext>
-    </p:extLst>
   </p:cSld>
   <p:clrMapOvr>
     <a:masterClrMapping/>
@@ -4442,7 +4348,7 @@
           <p:nvPr/>
         </p:nvPicPr>
         <p:blipFill>
-          <a:blip r:embed="rId2" cstate="print">
+          <a:blip r:embed="rId1" cstate="print">
             <a:extLst>
               <a:ext uri="{28A0092B-C50C-407E-A947-70E740481C1C}">
                 <a14:useLocalDpi xmlns:a14="http://schemas.microsoft.com/office/drawing/2010/main" val="0"/>
@@ -4472,7 +4378,7 @@
         <p:spPr>
           <a:xfrm>
             <a:off x="488875" y="158339"/>
-            <a:ext cx="5011380" cy="615542"/>
+            <a:ext cx="3695197" cy="615542"/>
           </a:xfrm>
           <a:prstGeom prst="rect">
             <a:avLst/>
@@ -4563,7 +4469,7 @@
               <a:buNone/>
             </a:pPr>
             <a:r>
-              <a:rPr lang="en-US" altLang="zh-CN" sz="2800" b="1" dirty="0" err="1" smtClean="0">
+              <a:rPr lang="en-US" altLang="zh-CN" sz="2800" b="1" dirty="0">
                 <a:solidFill>
                   <a:schemeClr val="tx1">
                     <a:lumMod val="85000"/>
@@ -4573,7 +4479,7 @@
                 <a:latin typeface="微软雅黑" panose="020B0503020204020204" pitchFamily="34" charset="-122"/>
                 <a:ea typeface="微软雅黑" panose="020B0503020204020204" pitchFamily="34" charset="-122"/>
               </a:rPr>
-              <a:t>ResourceQuota</a:t>
+              <a:t>Node</a:t>
             </a:r>
             <a:r>
               <a:rPr lang="en-US" altLang="zh-CN" sz="2800" b="1" dirty="0" smtClean="0">
@@ -4706,6 +4612,385 @@
         <p:spPr>
           <a:xfrm>
             <a:off x="488874" y="773881"/>
+            <a:ext cx="11528313" cy="369332"/>
+          </a:xfrm>
+          <a:prstGeom prst="rect">
+            <a:avLst/>
+          </a:prstGeom>
+          <a:noFill/>
+        </p:spPr>
+        <p:txBody>
+          <a:bodyPr wrap="square" rtlCol="0">
+            <a:spAutoFit/>
+          </a:bodyPr>
+          <a:lstStyle/>
+          <a:p>
+            <a:r>
+              <a:rPr lang="en-US" altLang="zh-CN" dirty="0" smtClean="0"/>
+              <a:t>Node controller</a:t>
+            </a:r>
+            <a:r>
+              <a:rPr lang="zh-CN" altLang="en-US" dirty="0" smtClean="0"/>
+              <a:t>通过</a:t>
+            </a:r>
+            <a:r>
+              <a:rPr lang="en-US" altLang="zh-CN" dirty="0" smtClean="0"/>
+              <a:t>API server</a:t>
+            </a:r>
+            <a:r>
+              <a:rPr lang="zh-CN" altLang="en-US" dirty="0" smtClean="0"/>
+              <a:t>从</a:t>
+            </a:r>
+            <a:r>
+              <a:rPr lang="en-US" altLang="zh-CN" dirty="0" err="1" smtClean="0"/>
+              <a:t>etcd</a:t>
+            </a:r>
+            <a:r>
+              <a:rPr lang="zh-CN" altLang="en-US" dirty="0" smtClean="0"/>
+              <a:t>中获取</a:t>
+            </a:r>
+            <a:r>
+              <a:rPr lang="en-US" altLang="zh-CN" dirty="0" smtClean="0"/>
+              <a:t>Node</a:t>
+            </a:r>
+            <a:r>
+              <a:rPr lang="zh-CN" altLang="en-US" dirty="0" smtClean="0"/>
+              <a:t>的相关信息，管理和监控集群中各个</a:t>
+            </a:r>
+            <a:r>
+              <a:rPr lang="en-US" altLang="zh-CN" dirty="0" smtClean="0"/>
+              <a:t>Node</a:t>
+            </a:r>
+            <a:r>
+              <a:rPr lang="zh-CN" altLang="en-US" dirty="0" smtClean="0"/>
+              <a:t>节点。</a:t>
+            </a:r>
+            <a:endParaRPr lang="zh-CN" altLang="en-US" dirty="0"/>
+          </a:p>
+        </p:txBody>
+      </p:sp>
+      <p:pic>
+        <p:nvPicPr>
+          <p:cNvPr id="7" name="图片 6"/>
+          <p:cNvPicPr>
+            <a:picLocks noChangeAspect="1"/>
+          </p:cNvPicPr>
+          <p:nvPr/>
+        </p:nvPicPr>
+        <p:blipFill>
+          <a:blip r:embed="rId2"/>
+          <a:stretch>
+            <a:fillRect/>
+          </a:stretch>
+        </p:blipFill>
+        <p:spPr>
+          <a:xfrm>
+            <a:off x="2681283" y="1143213"/>
+            <a:ext cx="6857143" cy="5209524"/>
+          </a:xfrm>
+          <a:prstGeom prst="rect">
+            <a:avLst/>
+          </a:prstGeom>
+        </p:spPr>
+      </p:pic>
+    </p:spTree>
+  </p:cSld>
+  <p:clrMapOvr>
+    <a:masterClrMapping/>
+  </p:clrMapOvr>
+</p:sld>
+</file>
+
+<file path=ppt/slides/slide13.xml><?xml version="1.0" encoding="utf-8"?>
+<p:sld xmlns:a="http://schemas.openxmlformats.org/drawingml/2006/main" xmlns:r="http://schemas.openxmlformats.org/officeDocument/2006/relationships" xmlns:p="http://schemas.openxmlformats.org/presentationml/2006/main">
+  <p:cSld>
+    <p:spTree>
+      <p:nvGrpSpPr>
+        <p:cNvPr id="1" name=""/>
+        <p:cNvGrpSpPr/>
+        <p:nvPr/>
+      </p:nvGrpSpPr>
+      <p:grpSpPr>
+        <a:xfrm>
+          <a:off x="0" y="0"/>
+          <a:ext cx="0" cy="0"/>
+          <a:chOff x="0" y="0"/>
+          <a:chExt cx="0" cy="0"/>
+        </a:xfrm>
+      </p:grpSpPr>
+      <p:pic>
+        <p:nvPicPr>
+          <p:cNvPr id="2" name="图片 1"/>
+          <p:cNvPicPr>
+            <a:picLocks noChangeAspect="1"/>
+          </p:cNvPicPr>
+          <p:nvPr/>
+        </p:nvPicPr>
+        <p:blipFill>
+          <a:blip r:embed="rId1" cstate="print">
+            <a:extLst>
+              <a:ext uri="{28A0092B-C50C-407E-A947-70E740481C1C}">
+                <a14:useLocalDpi xmlns:a14="http://schemas.microsoft.com/office/drawing/2010/main" val="0"/>
+              </a:ext>
+            </a:extLst>
+          </a:blip>
+          <a:stretch>
+            <a:fillRect/>
+          </a:stretch>
+        </p:blipFill>
+        <p:spPr>
+          <a:xfrm>
+            <a:off x="10332227" y="6333564"/>
+            <a:ext cx="1684961" cy="430306"/>
+          </a:xfrm>
+          <a:prstGeom prst="rect">
+            <a:avLst/>
+          </a:prstGeom>
+        </p:spPr>
+      </p:pic>
+      <p:sp>
+        <p:nvSpPr>
+          <p:cNvPr id="4" name="文本占位符 1"/>
+          <p:cNvSpPr txBox="1"/>
+          <p:nvPr/>
+        </p:nvSpPr>
+        <p:spPr>
+          <a:xfrm>
+            <a:off x="488875" y="158339"/>
+            <a:ext cx="5011380" cy="615542"/>
+          </a:xfrm>
+          <a:prstGeom prst="rect">
+            <a:avLst/>
+          </a:prstGeom>
+          <a:noFill/>
+        </p:spPr>
+        <p:style>
+          <a:lnRef idx="0">
+            <a:scrgbClr r="0" g="0" b="0"/>
+          </a:lnRef>
+          <a:fillRef idx="0">
+            <a:scrgbClr r="0" g="0" b="0"/>
+          </a:fillRef>
+          <a:effectRef idx="0">
+            <a:scrgbClr r="0" g="0" b="0"/>
+          </a:effectRef>
+          <a:fontRef idx="major"/>
+        </p:style>
+        <p:txBody>
+          <a:bodyPr/>
+          <a:lstStyle>
+            <a:lvl1pPr>
+              <a:defRPr>
+                <a:latin typeface="+mj-lt"/>
+                <a:ea typeface="+mj-ea"/>
+                <a:cs typeface="+mj-cs"/>
+              </a:defRPr>
+            </a:lvl1pPr>
+            <a:lvl2pPr>
+              <a:defRPr>
+                <a:latin typeface="+mj-lt"/>
+                <a:ea typeface="+mj-ea"/>
+                <a:cs typeface="+mj-cs"/>
+              </a:defRPr>
+            </a:lvl2pPr>
+            <a:lvl3pPr>
+              <a:defRPr>
+                <a:latin typeface="+mj-lt"/>
+                <a:ea typeface="+mj-ea"/>
+                <a:cs typeface="+mj-cs"/>
+              </a:defRPr>
+            </a:lvl3pPr>
+            <a:lvl4pPr>
+              <a:defRPr>
+                <a:latin typeface="+mj-lt"/>
+                <a:ea typeface="+mj-ea"/>
+                <a:cs typeface="+mj-cs"/>
+              </a:defRPr>
+            </a:lvl4pPr>
+            <a:lvl5pPr>
+              <a:defRPr>
+                <a:latin typeface="+mj-lt"/>
+                <a:ea typeface="+mj-ea"/>
+                <a:cs typeface="+mj-cs"/>
+              </a:defRPr>
+            </a:lvl5pPr>
+            <a:lvl6pPr>
+              <a:defRPr>
+                <a:latin typeface="+mj-lt"/>
+                <a:ea typeface="+mj-ea"/>
+                <a:cs typeface="+mj-cs"/>
+              </a:defRPr>
+            </a:lvl6pPr>
+            <a:lvl7pPr>
+              <a:defRPr>
+                <a:latin typeface="+mj-lt"/>
+                <a:ea typeface="+mj-ea"/>
+                <a:cs typeface="+mj-cs"/>
+              </a:defRPr>
+            </a:lvl7pPr>
+            <a:lvl8pPr>
+              <a:defRPr>
+                <a:latin typeface="+mj-lt"/>
+                <a:ea typeface="+mj-ea"/>
+                <a:cs typeface="+mj-cs"/>
+              </a:defRPr>
+            </a:lvl8pPr>
+            <a:lvl9pPr>
+              <a:defRPr>
+                <a:latin typeface="+mj-lt"/>
+                <a:ea typeface="+mj-ea"/>
+                <a:cs typeface="+mj-cs"/>
+              </a:defRPr>
+            </a:lvl9pPr>
+          </a:lstStyle>
+          <a:p>
+            <a:pPr marL="0" indent="0">
+              <a:buNone/>
+            </a:pPr>
+            <a:r>
+              <a:rPr lang="en-US" altLang="zh-CN" sz="2800" b="1" dirty="0" err="1" smtClean="0">
+                <a:solidFill>
+                  <a:schemeClr val="tx1">
+                    <a:lumMod val="85000"/>
+                    <a:lumOff val="15000"/>
+                  </a:schemeClr>
+                </a:solidFill>
+                <a:latin typeface="微软雅黑" panose="020B0503020204020204" pitchFamily="34" charset="-122"/>
+                <a:ea typeface="微软雅黑" panose="020B0503020204020204" pitchFamily="34" charset="-122"/>
+              </a:rPr>
+              <a:t>ResourceQuota</a:t>
+            </a:r>
+            <a:r>
+              <a:rPr lang="en-US" altLang="zh-CN" sz="2800" b="1" dirty="0" smtClean="0">
+                <a:solidFill>
+                  <a:schemeClr val="tx1">
+                    <a:lumMod val="85000"/>
+                    <a:lumOff val="15000"/>
+                  </a:schemeClr>
+                </a:solidFill>
+                <a:latin typeface="微软雅黑" panose="020B0503020204020204" pitchFamily="34" charset="-122"/>
+                <a:ea typeface="微软雅黑" panose="020B0503020204020204" pitchFamily="34" charset="-122"/>
+              </a:rPr>
+              <a:t> Controller</a:t>
+            </a:r>
+            <a:endParaRPr lang="zh-CN" altLang="en-US" sz="2800" b="1" kern="1200" dirty="0">
+              <a:solidFill>
+                <a:schemeClr val="tx1">
+                  <a:lumMod val="85000"/>
+                  <a:lumOff val="15000"/>
+                </a:schemeClr>
+              </a:solidFill>
+              <a:latin typeface="微软雅黑" panose="020B0503020204020204" pitchFamily="34" charset="-122"/>
+              <a:ea typeface="微软雅黑" panose="020B0503020204020204" pitchFamily="34" charset="-122"/>
+            </a:endParaRPr>
+          </a:p>
+        </p:txBody>
+      </p:sp>
+      <p:sp>
+        <p:nvSpPr>
+          <p:cNvPr id="5" name="矩形 4"/>
+          <p:cNvSpPr/>
+          <p:nvPr/>
+        </p:nvSpPr>
+        <p:spPr>
+          <a:xfrm>
+            <a:off x="0" y="438912"/>
+            <a:ext cx="347241" cy="151553"/>
+          </a:xfrm>
+          <a:prstGeom prst="rect">
+            <a:avLst/>
+          </a:prstGeom>
+          <a:solidFill>
+            <a:srgbClr val="0070C0"/>
+          </a:solidFill>
+          <a:ln>
+            <a:noFill/>
+          </a:ln>
+        </p:spPr>
+        <p:style>
+          <a:lnRef idx="2">
+            <a:schemeClr val="accent1">
+              <a:shade val="50000"/>
+            </a:schemeClr>
+          </a:lnRef>
+          <a:fillRef idx="1">
+            <a:schemeClr val="accent1"/>
+          </a:fillRef>
+          <a:effectRef idx="0">
+            <a:schemeClr val="accent1"/>
+          </a:effectRef>
+          <a:fontRef idx="minor">
+            <a:schemeClr val="lt1"/>
+          </a:fontRef>
+        </p:style>
+        <p:txBody>
+          <a:bodyPr rtlCol="0" anchor="ctr"/>
+          <a:lstStyle/>
+          <a:p>
+            <a:pPr algn="ctr"/>
+            <a:endParaRPr kumimoji="1" lang="zh-CN" altLang="en-US"/>
+          </a:p>
+        </p:txBody>
+      </p:sp>
+      <p:sp>
+        <p:nvSpPr>
+          <p:cNvPr id="6" name="矩形 5"/>
+          <p:cNvSpPr/>
+          <p:nvPr/>
+        </p:nvSpPr>
+        <p:spPr>
+          <a:xfrm>
+            <a:off x="396278" y="438912"/>
+            <a:ext cx="92598" cy="151553"/>
+          </a:xfrm>
+          <a:prstGeom prst="rect">
+            <a:avLst/>
+          </a:prstGeom>
+          <a:solidFill>
+            <a:srgbClr val="999999"/>
+          </a:solidFill>
+          <a:ln>
+            <a:noFill/>
+          </a:ln>
+        </p:spPr>
+        <p:style>
+          <a:lnRef idx="2">
+            <a:schemeClr val="accent1">
+              <a:shade val="50000"/>
+            </a:schemeClr>
+          </a:lnRef>
+          <a:fillRef idx="1">
+            <a:schemeClr val="accent1"/>
+          </a:fillRef>
+          <a:effectRef idx="0">
+            <a:schemeClr val="accent1"/>
+          </a:effectRef>
+          <a:fontRef idx="minor">
+            <a:schemeClr val="lt1"/>
+          </a:fontRef>
+        </p:style>
+        <p:txBody>
+          <a:bodyPr rtlCol="0" anchor="ctr"/>
+          <a:lstStyle/>
+          <a:p>
+            <a:pPr algn="ctr"/>
+            <a:endParaRPr kumimoji="1" lang="zh-CN" altLang="en-US">
+              <a:solidFill>
+                <a:srgbClr val="999999"/>
+              </a:solidFill>
+            </a:endParaRPr>
+          </a:p>
+        </p:txBody>
+      </p:sp>
+      <p:sp>
+        <p:nvSpPr>
+          <p:cNvPr id="3" name="文本框 2"/>
+          <p:cNvSpPr txBox="1"/>
+          <p:nvPr/>
+        </p:nvSpPr>
+        <p:spPr>
+          <a:xfrm>
+            <a:off x="488874" y="773881"/>
             <a:ext cx="11528313" cy="3139321"/>
           </a:xfrm>
           <a:prstGeom prst="rect">
@@ -4959,7 +5244,7 @@
           <p:nvPr/>
         </p:nvPicPr>
         <p:blipFill>
-          <a:blip r:embed="rId3"/>
+          <a:blip r:embed="rId2"/>
           <a:stretch>
             <a:fillRect/>
           </a:stretch>
@@ -4975,11 +5260,6 @@
         </p:spPr>
       </p:pic>
     </p:spTree>
-    <p:extLst>
-      <p:ext uri="{BB962C8B-B14F-4D97-AF65-F5344CB8AC3E}">
-        <p14:creationId xmlns:p14="http://schemas.microsoft.com/office/powerpoint/2010/main" val="4287044217"/>
-      </p:ext>
-    </p:extLst>
   </p:cSld>
   <p:clrMapOvr>
     <a:masterClrMapping/>
@@ -5013,7 +5293,7 @@
           <p:nvPr/>
         </p:nvPicPr>
         <p:blipFill>
-          <a:blip r:embed="rId2" cstate="print">
+          <a:blip r:embed="rId1" cstate="print">
             <a:extLst>
               <a:ext uri="{28A0092B-C50C-407E-A947-70E740481C1C}">
                 <a14:useLocalDpi xmlns:a14="http://schemas.microsoft.com/office/drawing/2010/main" val="0"/>
@@ -5305,11 +5585,7 @@
             </a:r>
             <a:r>
               <a:rPr lang="zh-CN" altLang="en-US" dirty="0" smtClean="0"/>
-              <a:t>上</a:t>
-            </a:r>
-            <a:r>
-              <a:rPr lang="zh-CN" altLang="en-US" dirty="0" smtClean="0"/>
-              <a:t>运行的关键进程：</a:t>
+              <a:t>上运行的关键进程：</a:t>
             </a:r>
             <a:endParaRPr lang="en-US" altLang="zh-CN" dirty="0" smtClean="0"/>
           </a:p>
@@ -5400,11 +5676,6 @@
         </p:txBody>
       </p:sp>
     </p:spTree>
-    <p:extLst>
-      <p:ext uri="{BB962C8B-B14F-4D97-AF65-F5344CB8AC3E}">
-        <p14:creationId xmlns:p14="http://schemas.microsoft.com/office/powerpoint/2010/main" val="4102943510"/>
-      </p:ext>
-    </p:extLst>
   </p:cSld>
   <p:clrMapOvr>
     <a:masterClrMapping/>
@@ -5438,7 +5709,7 @@
           <p:nvPr/>
         </p:nvPicPr>
         <p:blipFill>
-          <a:blip r:embed="rId2" cstate="print">
+          <a:blip r:embed="rId1" cstate="print">
             <a:extLst>
               <a:ext uri="{28A0092B-C50C-407E-A947-70E740481C1C}">
                 <a14:useLocalDpi xmlns:a14="http://schemas.microsoft.com/office/drawing/2010/main" val="0"/>
@@ -5944,11 +6215,6 @@
         </p:txBody>
       </p:sp>
     </p:spTree>
-    <p:extLst>
-      <p:ext uri="{BB962C8B-B14F-4D97-AF65-F5344CB8AC3E}">
-        <p14:creationId xmlns:p14="http://schemas.microsoft.com/office/powerpoint/2010/main" val="25519951"/>
-      </p:ext>
-    </p:extLst>
   </p:cSld>
   <p:clrMapOvr>
     <a:masterClrMapping/>
@@ -5982,7 +6248,7 @@
           <p:nvPr/>
         </p:nvPicPr>
         <p:blipFill>
-          <a:blip r:embed="rId2" cstate="print">
+          <a:blip r:embed="rId1" cstate="print">
             <a:extLst>
               <a:ext uri="{28A0092B-C50C-407E-A947-70E740481C1C}">
                 <a14:useLocalDpi xmlns:a14="http://schemas.microsoft.com/office/drawing/2010/main" val="0"/>
@@ -6233,7 +6499,7 @@
         <p:spPr>
           <a:xfrm>
             <a:off x="488874" y="773881"/>
-            <a:ext cx="6497781" cy="646331"/>
+            <a:ext cx="6497781" cy="368300"/>
           </a:xfrm>
           <a:prstGeom prst="rect">
             <a:avLst/>
@@ -6245,44 +6511,6 @@
             <a:spAutoFit/>
           </a:bodyPr>
           <a:lstStyle/>
-          <a:p>
-            <a:r>
-              <a:rPr lang="en-US" altLang="zh-CN" dirty="0" smtClean="0"/>
-              <a:t>Pod</a:t>
-            </a:r>
-            <a:r>
-              <a:rPr lang="zh-CN" altLang="en-US" dirty="0" smtClean="0"/>
-              <a:t>、</a:t>
-            </a:r>
-            <a:r>
-              <a:rPr lang="en-US" altLang="zh-CN" dirty="0" smtClean="0"/>
-              <a:t>Node</a:t>
-            </a:r>
-            <a:r>
-              <a:rPr lang="zh-CN" altLang="en-US" dirty="0" smtClean="0"/>
-              <a:t>、</a:t>
-            </a:r>
-            <a:r>
-              <a:rPr lang="en-US" altLang="zh-CN" dirty="0" smtClean="0"/>
-              <a:t>Namespace</a:t>
-            </a:r>
-            <a:r>
-              <a:rPr lang="zh-CN" altLang="en-US" dirty="0" smtClean="0"/>
-              <a:t>、</a:t>
-            </a:r>
-            <a:r>
-              <a:rPr lang="en-US" altLang="zh-CN" dirty="0" smtClean="0"/>
-              <a:t>Service</a:t>
-            </a:r>
-            <a:r>
-              <a:rPr lang="zh-CN" altLang="en-US" dirty="0" smtClean="0"/>
-              <a:t>、</a:t>
-            </a:r>
-            <a:r>
-              <a:rPr lang="en-US" altLang="zh-CN" dirty="0" smtClean="0"/>
-              <a:t>Endpoint</a:t>
-            </a:r>
-          </a:p>
           <a:p>
             <a:r>
               <a:rPr lang="en-US" altLang="zh-CN" dirty="0" smtClean="0"/>
@@ -6883,11 +7111,6 @@
         </p:txBody>
       </p:sp>
     </p:spTree>
-    <p:extLst>
-      <p:ext uri="{BB962C8B-B14F-4D97-AF65-F5344CB8AC3E}">
-        <p14:creationId xmlns:p14="http://schemas.microsoft.com/office/powerpoint/2010/main" val="3557662953"/>
-      </p:ext>
-    </p:extLst>
   </p:cSld>
   <p:clrMapOvr>
     <a:masterClrMapping/>
@@ -6921,7 +7144,7 @@
           <p:nvPr/>
         </p:nvPicPr>
         <p:blipFill>
-          <a:blip r:embed="rId2" cstate="print">
+          <a:blip r:embed="rId1" cstate="print">
             <a:extLst>
               <a:ext uri="{28A0092B-C50C-407E-A947-70E740481C1C}">
                 <a14:useLocalDpi xmlns:a14="http://schemas.microsoft.com/office/drawing/2010/main" val="0"/>
@@ -7207,11 +7430,7 @@
             </a:r>
             <a:r>
               <a:rPr lang="zh-CN" altLang="en-US" dirty="0" smtClean="0"/>
-              <a:t>键值对</a:t>
-            </a:r>
-            <a:r>
-              <a:rPr lang="zh-CN" altLang="en-US" dirty="0" smtClean="0"/>
-              <a:t>。用来来描述集群内的各种资源。</a:t>
+              <a:t>键值对。用来来描述集群内的各种资源。</a:t>
             </a:r>
             <a:endParaRPr lang="en-US" altLang="zh-CN" dirty="0" smtClean="0"/>
           </a:p>
@@ -7305,6 +7524,7 @@
               <a:rPr lang="en-US" altLang="zh-CN" dirty="0" smtClean="0"/>
               <a:t>’</a:t>
             </a:r>
+            <a:endParaRPr lang="en-US" altLang="zh-CN" dirty="0" smtClean="0"/>
           </a:p>
           <a:p>
             <a:r>
@@ -7342,6 +7562,7 @@
               <a:rPr lang="en-US" altLang="zh-CN" dirty="0" smtClean="0"/>
               <a:t>)</a:t>
             </a:r>
+            <a:endParaRPr lang="en-US" altLang="zh-CN" dirty="0" smtClean="0"/>
           </a:p>
           <a:p>
             <a:endParaRPr lang="en-US" altLang="zh-CN" dirty="0"/>
@@ -7427,11 +7648,6 @@
         </p:txBody>
       </p:sp>
     </p:spTree>
-    <p:extLst>
-      <p:ext uri="{BB962C8B-B14F-4D97-AF65-F5344CB8AC3E}">
-        <p14:creationId xmlns:p14="http://schemas.microsoft.com/office/powerpoint/2010/main" val="165754610"/>
-      </p:ext>
-    </p:extLst>
   </p:cSld>
   <p:clrMapOvr>
     <a:masterClrMapping/>
@@ -7465,7 +7681,7 @@
           <p:nvPr/>
         </p:nvPicPr>
         <p:blipFill>
-          <a:blip r:embed="rId2" cstate="print">
+          <a:blip r:embed="rId1" cstate="print">
             <a:extLst>
               <a:ext uri="{28A0092B-C50C-407E-A947-70E740481C1C}">
                 <a14:useLocalDpi xmlns:a14="http://schemas.microsoft.com/office/drawing/2010/main" val="0"/>
@@ -7716,7 +7932,7 @@
         <p:spPr>
           <a:xfrm>
             <a:off x="488874" y="773881"/>
-            <a:ext cx="11528314" cy="3693319"/>
+            <a:ext cx="11528314" cy="3692525"/>
           </a:xfrm>
           <a:prstGeom prst="rect">
             <a:avLst/>
@@ -7983,7 +8199,7 @@
             </a:r>
             <a:r>
               <a:rPr lang="zh-CN" altLang="en-US" dirty="0" smtClean="0"/>
-              <a:t>对外暴露</a:t>
+              <a:t>服务端口为</a:t>
             </a:r>
             <a:r>
               <a:rPr lang="en-US" altLang="zh-CN" dirty="0" smtClean="0"/>
@@ -7991,7 +8207,23 @@
             </a:r>
             <a:r>
               <a:rPr lang="zh-CN" altLang="en-US" dirty="0" smtClean="0"/>
-              <a:t>端口。这样前端应用通过</a:t>
+              <a:t>。这样</a:t>
+            </a:r>
+            <a:r>
+              <a:rPr lang="en-US" altLang="zh-CN" dirty="0" smtClean="0"/>
+              <a:t>k8s</a:t>
+            </a:r>
+            <a:r>
+              <a:rPr lang="zh-CN" altLang="en-US" dirty="0" smtClean="0"/>
+              <a:t>集群内部其他</a:t>
+            </a:r>
+            <a:r>
+              <a:rPr lang="en-US" altLang="zh-CN" dirty="0" smtClean="0"/>
+              <a:t>Pod</a:t>
+            </a:r>
+            <a:r>
+              <a:rPr lang="zh-CN" altLang="en-US" dirty="0" smtClean="0"/>
+              <a:t>通过</a:t>
             </a:r>
             <a:r>
               <a:rPr lang="en-US" altLang="zh-CN" dirty="0" smtClean="0"/>
@@ -8080,11 +8312,6 @@
         </p:txBody>
       </p:sp>
     </p:spTree>
-    <p:extLst>
-      <p:ext uri="{BB962C8B-B14F-4D97-AF65-F5344CB8AC3E}">
-        <p14:creationId xmlns:p14="http://schemas.microsoft.com/office/powerpoint/2010/main" val="4258255548"/>
-      </p:ext>
-    </p:extLst>
   </p:cSld>
   <p:clrMapOvr>
     <a:masterClrMapping/>
@@ -8118,7 +8345,7 @@
           <p:nvPr/>
         </p:nvPicPr>
         <p:blipFill>
-          <a:blip r:embed="rId2" cstate="print">
+          <a:blip r:embed="rId1" cstate="print">
             <a:extLst>
               <a:ext uri="{28A0092B-C50C-407E-A947-70E740481C1C}">
                 <a14:useLocalDpi xmlns:a14="http://schemas.microsoft.com/office/drawing/2010/main" val="0"/>
@@ -8395,7 +8622,7 @@
         <p:spPr>
           <a:xfrm>
             <a:off x="488874" y="773881"/>
-            <a:ext cx="11528314" cy="369332"/>
+            <a:ext cx="11528314" cy="3415030"/>
           </a:xfrm>
           <a:prstGeom prst="rect">
             <a:avLst/>
@@ -8409,19 +8636,340 @@
           <a:lstStyle/>
           <a:p>
             <a:r>
+              <a:rPr lang="en-US" altLang="zh-CN" dirty="0" smtClean="0"/>
+              <a:t>k8s</a:t>
+            </a:r>
+            <a:r>
+              <a:rPr lang="zh-CN" altLang="en-US" dirty="0" smtClean="0"/>
+              <a:t>的三种</a:t>
+            </a:r>
+            <a:r>
+              <a:rPr lang="en-US" altLang="zh-CN" dirty="0" smtClean="0"/>
+              <a:t>IP</a:t>
+            </a:r>
+            <a:r>
+              <a:rPr lang="zh-CN" altLang="en-US" dirty="0" smtClean="0"/>
+              <a:t>：</a:t>
+            </a:r>
+            <a:endParaRPr lang="zh-CN" altLang="en-US" dirty="0" smtClean="0"/>
+          </a:p>
+          <a:p>
+            <a:r>
+              <a:rPr lang="en-US" altLang="zh-CN" dirty="0" smtClean="0"/>
+              <a:t>1</a:t>
+            </a:r>
+            <a:r>
+              <a:rPr lang="zh-CN" altLang="en-US" dirty="0" smtClean="0"/>
+              <a:t>、</a:t>
+            </a:r>
+            <a:r>
+              <a:rPr lang="en-US" altLang="zh-CN" dirty="0" smtClean="0"/>
+              <a:t>Node IP</a:t>
+            </a:r>
+            <a:r>
+              <a:rPr lang="zh-CN" altLang="en-US" dirty="0" smtClean="0"/>
+              <a:t>：每个节点物理网卡的</a:t>
+            </a:r>
+            <a:r>
+              <a:rPr lang="en-US" altLang="zh-CN" dirty="0" smtClean="0"/>
+              <a:t>IP</a:t>
+            </a:r>
+            <a:r>
               <a:rPr lang="zh-CN" altLang="en-US" dirty="0" smtClean="0"/>
               <a:t>。</a:t>
             </a:r>
             <a:endParaRPr lang="en-US" altLang="zh-CN" dirty="0" smtClean="0"/>
           </a:p>
+          <a:p>
+            <a:r>
+              <a:rPr lang="en-US" altLang="zh-CN" dirty="0" smtClean="0"/>
+              <a:t>2</a:t>
+            </a:r>
+            <a:r>
+              <a:rPr lang="zh-CN" altLang="en-US" dirty="0" smtClean="0"/>
+              <a:t>、</a:t>
+            </a:r>
+            <a:r>
+              <a:rPr lang="en-US" altLang="zh-CN" dirty="0" smtClean="0"/>
+              <a:t>Pod IP</a:t>
+            </a:r>
+            <a:r>
+              <a:rPr lang="zh-CN" altLang="en-US" dirty="0" smtClean="0"/>
+              <a:t>：</a:t>
+            </a:r>
+            <a:r>
+              <a:rPr lang="en-US" altLang="zh-CN" dirty="0" smtClean="0"/>
+              <a:t>docker engine</a:t>
+            </a:r>
+            <a:r>
+              <a:rPr lang="zh-CN" altLang="en-US" dirty="0" smtClean="0"/>
+              <a:t>根据</a:t>
+            </a:r>
+            <a:r>
+              <a:rPr lang="en-US" altLang="zh-CN" dirty="0" smtClean="0"/>
+              <a:t>docker0</a:t>
+            </a:r>
+            <a:r>
+              <a:rPr lang="zh-CN" altLang="en-US" dirty="0" smtClean="0"/>
+              <a:t>网桥</a:t>
+            </a:r>
+            <a:r>
+              <a:rPr lang="en-US" altLang="zh-CN" dirty="0" smtClean="0"/>
+              <a:t>IP</a:t>
+            </a:r>
+            <a:r>
+              <a:rPr lang="zh-CN" altLang="en-US" dirty="0" smtClean="0"/>
+              <a:t>段分配的</a:t>
+            </a:r>
+            <a:r>
+              <a:rPr lang="en-US" altLang="zh-CN" dirty="0" smtClean="0"/>
+              <a:t>IP</a:t>
+            </a:r>
+            <a:r>
+              <a:rPr lang="zh-CN" altLang="en-US" dirty="0" smtClean="0"/>
+              <a:t>，是一个虚拟的二层网络。</a:t>
+            </a:r>
+            <a:r>
+              <a:rPr lang="en-US" altLang="zh-CN" dirty="0" smtClean="0"/>
+              <a:t>k8s</a:t>
+            </a:r>
+            <a:r>
+              <a:rPr lang="zh-CN" altLang="en-US" dirty="0" smtClean="0"/>
+              <a:t>中</a:t>
+            </a:r>
+            <a:r>
+              <a:rPr lang="en-US" altLang="zh-CN" dirty="0" smtClean="0"/>
+              <a:t>Pod</a:t>
+            </a:r>
+            <a:r>
+              <a:rPr lang="zh-CN" altLang="en-US" dirty="0" smtClean="0"/>
+              <a:t>里的容器访问另一个</a:t>
+            </a:r>
+            <a:r>
+              <a:rPr lang="en-US" altLang="zh-CN" dirty="0" smtClean="0"/>
+              <a:t>Pod</a:t>
+            </a:r>
+            <a:r>
+              <a:rPr lang="zh-CN" altLang="en-US" dirty="0" smtClean="0"/>
+              <a:t>里的容器，就是通过</a:t>
+            </a:r>
+            <a:r>
+              <a:rPr lang="en-US" altLang="zh-CN" dirty="0" smtClean="0"/>
+              <a:t>Pod IP</a:t>
+            </a:r>
+            <a:r>
+              <a:rPr lang="zh-CN" altLang="en-US" dirty="0" smtClean="0"/>
+              <a:t>访问的。实际的网络数据是通过</a:t>
+            </a:r>
+            <a:r>
+              <a:rPr lang="en-US" altLang="zh-CN" dirty="0" smtClean="0"/>
+              <a:t>Node IP</a:t>
+            </a:r>
+            <a:r>
+              <a:rPr lang="zh-CN" altLang="en-US" dirty="0" smtClean="0"/>
+              <a:t>所在网卡发送的。</a:t>
+            </a:r>
+            <a:endParaRPr lang="zh-CN" altLang="en-US" dirty="0" smtClean="0"/>
+          </a:p>
+          <a:p>
+            <a:r>
+              <a:rPr lang="en-US" altLang="zh-CN" dirty="0" smtClean="0"/>
+              <a:t>3</a:t>
+            </a:r>
+            <a:r>
+              <a:rPr lang="zh-CN" altLang="en-US" dirty="0" smtClean="0"/>
+              <a:t>、</a:t>
+            </a:r>
+            <a:r>
+              <a:rPr lang="en-US" altLang="zh-CN" dirty="0" smtClean="0"/>
+              <a:t>Cluster IP</a:t>
+            </a:r>
+            <a:r>
+              <a:rPr lang="zh-CN" altLang="en-US" dirty="0" smtClean="0"/>
+              <a:t>：一个虚拟的</a:t>
+            </a:r>
+            <a:r>
+              <a:rPr lang="en-US" altLang="zh-CN" dirty="0" smtClean="0"/>
+              <a:t>IP</a:t>
+            </a:r>
+            <a:r>
+              <a:rPr lang="zh-CN" altLang="en-US" dirty="0" smtClean="0"/>
+              <a:t>，仅仅用来标识</a:t>
+            </a:r>
+            <a:r>
+              <a:rPr lang="en-US" altLang="zh-CN" dirty="0" smtClean="0"/>
+              <a:t>Service</a:t>
+            </a:r>
+            <a:r>
+              <a:rPr lang="zh-CN" altLang="en-US" dirty="0" smtClean="0"/>
+              <a:t>，由</a:t>
+            </a:r>
+            <a:r>
+              <a:rPr lang="en-US" altLang="zh-CN" dirty="0" smtClean="0"/>
+              <a:t>k8s</a:t>
+            </a:r>
+            <a:r>
+              <a:rPr lang="zh-CN" altLang="en-US" dirty="0" smtClean="0"/>
+              <a:t>进行分配和管理。</a:t>
+            </a:r>
+            <a:r>
+              <a:rPr lang="en-US" altLang="zh-CN" dirty="0" smtClean="0"/>
+              <a:t>Cluster IP</a:t>
+            </a:r>
+            <a:r>
+              <a:rPr lang="zh-CN" altLang="en-US" dirty="0" smtClean="0"/>
+              <a:t>本身没有什么网络意义，比如这个</a:t>
+            </a:r>
+            <a:r>
+              <a:rPr lang="en-US" altLang="zh-CN" dirty="0" smtClean="0"/>
+              <a:t>IP</a:t>
+            </a:r>
+            <a:r>
+              <a:rPr lang="zh-CN" altLang="en-US" dirty="0" smtClean="0"/>
+              <a:t>是无法被</a:t>
+            </a:r>
+            <a:r>
+              <a:rPr lang="en-US" altLang="zh-CN" dirty="0" smtClean="0"/>
+              <a:t>ping</a:t>
+            </a:r>
+            <a:r>
+              <a:rPr lang="zh-CN" altLang="en-US" dirty="0" smtClean="0"/>
+              <a:t>的。必须结合</a:t>
+            </a:r>
+            <a:r>
+              <a:rPr lang="en-US" altLang="zh-CN" dirty="0" smtClean="0"/>
+              <a:t>Service port</a:t>
+            </a:r>
+            <a:r>
+              <a:rPr lang="zh-CN" altLang="en-US" dirty="0" smtClean="0"/>
+              <a:t>组成一个通信端口，而且一般只服务于</a:t>
+            </a:r>
+            <a:r>
+              <a:rPr lang="en-US" altLang="zh-CN" dirty="0" smtClean="0"/>
+              <a:t>k8s</a:t>
+            </a:r>
+            <a:r>
+              <a:rPr lang="zh-CN" altLang="en-US" dirty="0" smtClean="0"/>
+              <a:t>内部，对于</a:t>
+            </a:r>
+            <a:r>
+              <a:rPr lang="en-US" altLang="zh-CN" dirty="0" smtClean="0"/>
+              <a:t>k8s</a:t>
+            </a:r>
+            <a:r>
+              <a:rPr lang="zh-CN" altLang="en-US" dirty="0" smtClean="0"/>
+              <a:t>集群之外的设备需要访问这个端口，需要做特殊配置。</a:t>
+            </a:r>
+            <a:endParaRPr lang="zh-CN" altLang="en-US" dirty="0" smtClean="0"/>
+          </a:p>
+          <a:p>
+            <a:endParaRPr lang="zh-CN" altLang="en-US" dirty="0" smtClean="0"/>
+          </a:p>
+          <a:p>
+            <a:r>
+              <a:rPr lang="zh-CN" altLang="en-US" dirty="0" smtClean="0"/>
+              <a:t>如果外部应用需要访问</a:t>
+            </a:r>
+            <a:r>
+              <a:rPr lang="en-US" altLang="zh-CN" dirty="0" smtClean="0"/>
+              <a:t>Service</a:t>
+            </a:r>
+            <a:r>
+              <a:rPr lang="zh-CN" altLang="en-US" dirty="0" smtClean="0"/>
+              <a:t>，可以在</a:t>
+            </a:r>
+            <a:r>
+              <a:rPr lang="en-US" altLang="zh-CN" dirty="0" smtClean="0"/>
+              <a:t>Service</a:t>
+            </a:r>
+            <a:r>
+              <a:rPr lang="zh-CN" altLang="en-US" dirty="0" smtClean="0"/>
+              <a:t>的</a:t>
+            </a:r>
+            <a:r>
+              <a:rPr lang="en-US" altLang="zh-CN" dirty="0" smtClean="0"/>
+              <a:t>Label</a:t>
+            </a:r>
+            <a:r>
+              <a:rPr lang="zh-CN" altLang="en-US" dirty="0" smtClean="0"/>
+              <a:t>里设置</a:t>
+            </a:r>
+            <a:r>
+              <a:rPr lang="en-US" altLang="zh-CN" dirty="0" smtClean="0"/>
+              <a:t>type:NodePort</a:t>
+            </a:r>
+            <a:r>
+              <a:rPr lang="zh-CN" altLang="en-US" dirty="0" smtClean="0"/>
+              <a:t>。用户可以指定对外服务的</a:t>
+            </a:r>
+            <a:r>
+              <a:rPr lang="en-US" altLang="zh-CN" dirty="0" smtClean="0"/>
+              <a:t>nodePort</a:t>
+            </a:r>
+            <a:r>
+              <a:rPr lang="zh-CN" altLang="en-US" dirty="0" smtClean="0"/>
+              <a:t>端口，也可以由</a:t>
+            </a:r>
+            <a:r>
+              <a:rPr lang="en-US" altLang="zh-CN" dirty="0" smtClean="0"/>
+              <a:t>k8s</a:t>
+            </a:r>
+            <a:r>
+              <a:rPr lang="zh-CN" altLang="en-US" dirty="0" smtClean="0"/>
+              <a:t>自动分配。</a:t>
+            </a:r>
+            <a:endParaRPr lang="zh-CN" altLang="en-US" dirty="0" smtClean="0"/>
+          </a:p>
+          <a:p>
+            <a:r>
+              <a:rPr lang="zh-CN" altLang="en-US" dirty="0" smtClean="0"/>
+              <a:t>这个设置的基本原理就是</a:t>
+            </a:r>
+            <a:r>
+              <a:rPr lang="en-US" altLang="zh-CN" dirty="0" smtClean="0"/>
+              <a:t>k8s</a:t>
+            </a:r>
+            <a:r>
+              <a:rPr lang="zh-CN" altLang="en-US" dirty="0" smtClean="0"/>
+              <a:t>在</a:t>
+            </a:r>
+            <a:r>
+              <a:rPr lang="en-US" altLang="zh-CN" dirty="0" smtClean="0"/>
+              <a:t>Service</a:t>
+            </a:r>
+            <a:r>
+              <a:rPr lang="zh-CN" altLang="en-US" dirty="0" smtClean="0"/>
+              <a:t>所对应的</a:t>
+            </a:r>
+            <a:r>
+              <a:rPr lang="en-US" altLang="zh-CN" dirty="0" smtClean="0"/>
+              <a:t>Node</a:t>
+            </a:r>
+            <a:r>
+              <a:rPr lang="zh-CN" altLang="en-US" dirty="0" smtClean="0"/>
+              <a:t>节点上开启一个监听端口。外部应用通过</a:t>
+            </a:r>
+            <a:r>
+              <a:rPr lang="en-US" altLang="zh-CN" dirty="0" smtClean="0"/>
+              <a:t>Node IP+nodePort</a:t>
+            </a:r>
+            <a:r>
+              <a:rPr lang="zh-CN" altLang="en-US" dirty="0" smtClean="0"/>
+              <a:t>就可以访问</a:t>
+            </a:r>
+            <a:r>
+              <a:rPr lang="en-US" altLang="zh-CN" dirty="0" smtClean="0"/>
+              <a:t>Service</a:t>
+            </a:r>
+            <a:r>
+              <a:rPr lang="zh-CN" altLang="en-US" dirty="0" smtClean="0"/>
+              <a:t>。</a:t>
+            </a:r>
+            <a:endParaRPr lang="zh-CN" altLang="en-US" dirty="0" smtClean="0"/>
+          </a:p>
         </p:txBody>
       </p:sp>
     </p:spTree>
-    <p:extLst>
-      <p:ext uri="{BB962C8B-B14F-4D97-AF65-F5344CB8AC3E}">
-        <p14:creationId xmlns:p14="http://schemas.microsoft.com/office/powerpoint/2010/main" val="3988430441"/>
-      </p:ext>
-    </p:extLst>
   </p:cSld>
   <p:clrMapOvr>
     <a:masterClrMapping/>
@@ -8455,7 +9003,7 @@
           <p:nvPr/>
         </p:nvPicPr>
         <p:blipFill>
-          <a:blip r:embed="rId2" cstate="print">
+          <a:blip r:embed="rId1" cstate="print">
             <a:extLst>
               <a:ext uri="{28A0092B-C50C-407E-A947-70E740481C1C}">
                 <a14:useLocalDpi xmlns:a14="http://schemas.microsoft.com/office/drawing/2010/main" val="0"/>
@@ -8484,8 +9032,8 @@
         </p:nvSpPr>
         <p:spPr>
           <a:xfrm>
-            <a:off x="488875" y="158339"/>
-            <a:ext cx="3695197" cy="615542"/>
+            <a:off x="488950" y="158115"/>
+            <a:ext cx="6327775" cy="615315"/>
           </a:xfrm>
           <a:prstGeom prst="rect">
             <a:avLst/>
@@ -8586,9 +9134,22 @@
                 <a:latin typeface="微软雅黑" panose="020B0503020204020204" pitchFamily="34" charset="-122"/>
                 <a:ea typeface="微软雅黑" panose="020B0503020204020204" pitchFamily="34" charset="-122"/>
               </a:rPr>
-              <a:t>API Server</a:t>
-            </a:r>
-            <a:endParaRPr lang="zh-CN" altLang="en-US" sz="2800" b="1" kern="1200" dirty="0">
+              <a:t>k8s-</a:t>
+            </a:r>
+            <a:r>
+              <a:rPr lang="en-US" sz="2800" b="1" dirty="0" smtClean="0">
+                <a:solidFill>
+                  <a:schemeClr val="tx1">
+                    <a:lumMod val="85000"/>
+                    <a:lumOff val="15000"/>
+                  </a:schemeClr>
+                </a:solidFill>
+                <a:latin typeface="微软雅黑" panose="020B0503020204020204" pitchFamily="34" charset="-122"/>
+                <a:ea typeface="微软雅黑" panose="020B0503020204020204" pitchFamily="34" charset="-122"/>
+              </a:rPr>
+              <a:t>Volume&amp;Persistent Volume</a:t>
+            </a:r>
+            <a:endParaRPr lang="en-US" sz="2800" b="1" kern="1200" dirty="0">
               <a:solidFill>
                 <a:schemeClr val="tx1">
                   <a:lumMod val="85000"/>
@@ -8699,14 +9260,14 @@
       </p:sp>
       <p:sp>
         <p:nvSpPr>
-          <p:cNvPr id="7" name="文本框 6"/>
+          <p:cNvPr id="3" name="文本框 2"/>
           <p:cNvSpPr txBox="1"/>
           <p:nvPr/>
         </p:nvSpPr>
         <p:spPr>
           <a:xfrm>
-            <a:off x="637309" y="928255"/>
-            <a:ext cx="11208327" cy="3970318"/>
+            <a:off x="488874" y="773881"/>
+            <a:ext cx="11528314" cy="2030095"/>
           </a:xfrm>
           <a:prstGeom prst="rect">
             <a:avLst/>
@@ -8721,21 +9282,125 @@
           <a:p>
             <a:r>
               <a:rPr lang="en-US" altLang="zh-CN" dirty="0" smtClean="0"/>
+              <a:t>k8s</a:t>
+            </a:r>
+            <a:r>
+              <a:rPr lang="zh-CN" altLang="en-US" dirty="0" smtClean="0"/>
+              <a:t>的</a:t>
+            </a:r>
+            <a:r>
+              <a:rPr lang="en-US" altLang="zh-CN" dirty="0" smtClean="0"/>
+              <a:t>Volume</a:t>
+            </a:r>
+            <a:r>
+              <a:rPr lang="zh-CN" altLang="en-US" dirty="0" smtClean="0"/>
+              <a:t>是</a:t>
+            </a:r>
+            <a:r>
+              <a:rPr lang="en-US" altLang="zh-CN" dirty="0" smtClean="0"/>
+              <a:t>Pod</a:t>
+            </a:r>
+            <a:r>
+              <a:rPr lang="zh-CN" altLang="en-US" dirty="0" smtClean="0"/>
+              <a:t>的存储空间，可以被</a:t>
+            </a:r>
+            <a:r>
+              <a:rPr lang="en-US" altLang="zh-CN" dirty="0" smtClean="0"/>
+              <a:t>Pod</a:t>
+            </a:r>
+            <a:r>
+              <a:rPr lang="zh-CN" altLang="en-US" dirty="0" smtClean="0"/>
+              <a:t>中的容器共享</a:t>
+            </a:r>
+            <a:r>
+              <a:rPr lang="zh-CN" altLang="en-US" dirty="0" smtClean="0"/>
+              <a:t>。</a:t>
+            </a:r>
+            <a:endParaRPr lang="zh-CN" altLang="en-US" dirty="0" smtClean="0"/>
+          </a:p>
+          <a:p>
+            <a:r>
+              <a:rPr lang="en-US" altLang="zh-CN" dirty="0" smtClean="0"/>
+              <a:t>Volume</a:t>
+            </a:r>
+            <a:r>
+              <a:rPr lang="zh-CN" altLang="en-US" dirty="0" smtClean="0"/>
+              <a:t>的生命周期和</a:t>
+            </a:r>
+            <a:r>
+              <a:rPr lang="en-US" altLang="zh-CN" dirty="0" smtClean="0"/>
+              <a:t>Pod</a:t>
+            </a:r>
+            <a:r>
+              <a:rPr lang="zh-CN" altLang="en-US" dirty="0" smtClean="0"/>
+              <a:t>相同，不受</a:t>
+            </a:r>
+            <a:r>
+              <a:rPr lang="en-US" altLang="zh-CN" dirty="0" smtClean="0"/>
+              <a:t>Pod</a:t>
+            </a:r>
+            <a:r>
+              <a:rPr lang="zh-CN" altLang="en-US" dirty="0" smtClean="0"/>
+              <a:t>中容器启动、停止、删除的影响。</a:t>
+            </a:r>
+            <a:endParaRPr lang="zh-CN" altLang="en-US" dirty="0" smtClean="0"/>
+          </a:p>
+          <a:p>
+            <a:endParaRPr lang="zh-CN" altLang="en-US" dirty="0" smtClean="0"/>
+          </a:p>
+          <a:p>
+            <a:r>
+              <a:rPr lang="en-US" altLang="zh-CN" dirty="0" smtClean="0"/>
+              <a:t>PV</a:t>
+            </a:r>
+            <a:r>
+              <a:rPr lang="zh-CN" altLang="en-US" dirty="0" smtClean="0"/>
+              <a:t>和普通</a:t>
+            </a:r>
+            <a:r>
+              <a:rPr lang="en-US" altLang="zh-CN" dirty="0" smtClean="0"/>
+              <a:t>Volume</a:t>
+            </a:r>
+            <a:r>
+              <a:rPr lang="zh-CN" altLang="en-US" dirty="0" smtClean="0"/>
+              <a:t>的区别在于：</a:t>
+            </a:r>
+            <a:endParaRPr lang="zh-CN" altLang="en-US" dirty="0" smtClean="0"/>
+          </a:p>
+          <a:p>
+            <a:r>
+              <a:rPr lang="en-US" altLang="zh-CN" dirty="0" smtClean="0"/>
               <a:t>1</a:t>
             </a:r>
             <a:r>
               <a:rPr lang="zh-CN" altLang="en-US" dirty="0" smtClean="0"/>
-              <a:t>、提供了用户管理集群的</a:t>
-            </a:r>
-            <a:r>
-              <a:rPr lang="en-US" altLang="zh-CN" dirty="0" smtClean="0"/>
-              <a:t>API</a:t>
-            </a:r>
-            <a:r>
-              <a:rPr lang="zh-CN" altLang="en-US" dirty="0" smtClean="0"/>
-              <a:t>接口，包括认证、校验、状态变更等。</a:t>
-            </a:r>
-            <a:endParaRPr lang="en-US" altLang="zh-CN" dirty="0" smtClean="0"/>
+              <a:t>、</a:t>
+            </a:r>
+            <a:r>
+              <a:rPr lang="en-US" altLang="zh-CN" dirty="0" smtClean="0"/>
+              <a:t>PV</a:t>
+            </a:r>
+            <a:r>
+              <a:rPr lang="zh-CN" altLang="en-US" dirty="0" smtClean="0"/>
+              <a:t>不属于任何</a:t>
+            </a:r>
+            <a:r>
+              <a:rPr lang="en-US" altLang="zh-CN" dirty="0" smtClean="0"/>
+              <a:t>Node</a:t>
+            </a:r>
+            <a:r>
+              <a:rPr lang="zh-CN" altLang="en-US" dirty="0" smtClean="0"/>
+              <a:t>，但是可以在每个</a:t>
+            </a:r>
+            <a:r>
+              <a:rPr lang="en-US" altLang="zh-CN" dirty="0" smtClean="0"/>
+              <a:t>Node</a:t>
+            </a:r>
+            <a:r>
+              <a:rPr lang="zh-CN" altLang="en-US" dirty="0" smtClean="0"/>
+              <a:t>上访问。</a:t>
+            </a:r>
+            <a:endParaRPr lang="zh-CN" altLang="en-US" dirty="0" smtClean="0"/>
           </a:p>
           <a:p>
             <a:r>
@@ -8744,286 +9409,64 @@
             </a:r>
             <a:r>
               <a:rPr lang="zh-CN" altLang="en-US" dirty="0" smtClean="0"/>
-              <a:t>、提供了模块间数据交互的接口。只有</a:t>
-            </a:r>
-            <a:r>
-              <a:rPr lang="en-US" altLang="zh-CN" dirty="0" smtClean="0"/>
-              <a:t>API server</a:t>
-            </a:r>
-            <a:r>
-              <a:rPr lang="zh-CN" altLang="en-US" dirty="0" smtClean="0"/>
-              <a:t>才能直接操作</a:t>
-            </a:r>
-            <a:r>
-              <a:rPr lang="en-US" altLang="zh-CN" dirty="0" err="1" smtClean="0"/>
-              <a:t>etcd</a:t>
-            </a:r>
-            <a:r>
-              <a:rPr lang="zh-CN" altLang="en-US" dirty="0" smtClean="0"/>
-              <a:t>。</a:t>
-            </a:r>
-            <a:endParaRPr lang="en-US" altLang="zh-CN" dirty="0" smtClean="0"/>
-          </a:p>
-          <a:p>
-            <a:endParaRPr lang="en-US" altLang="zh-CN" dirty="0"/>
-          </a:p>
-          <a:p>
-            <a:r>
-              <a:rPr lang="en-US" altLang="zh-CN" dirty="0" smtClean="0"/>
-              <a:t>k8s</a:t>
-            </a:r>
-            <a:r>
-              <a:rPr lang="zh-CN" altLang="en-US" dirty="0" smtClean="0"/>
-              <a:t>通过</a:t>
-            </a:r>
-            <a:r>
-              <a:rPr lang="en-US" altLang="zh-CN" dirty="0" err="1" smtClean="0"/>
-              <a:t>kube-apiserver</a:t>
-            </a:r>
-            <a:r>
-              <a:rPr lang="zh-CN" altLang="en-US" dirty="0" smtClean="0"/>
-              <a:t>这个进程提供</a:t>
-            </a:r>
-            <a:r>
-              <a:rPr lang="en-US" altLang="zh-CN" dirty="0" smtClean="0"/>
-              <a:t>API</a:t>
-            </a:r>
-            <a:r>
-              <a:rPr lang="zh-CN" altLang="en-US" dirty="0" smtClean="0"/>
-              <a:t>服务，有两个服务端口。</a:t>
-            </a:r>
-            <a:endParaRPr lang="en-US" altLang="zh-CN" dirty="0" smtClean="0"/>
-          </a:p>
-          <a:p>
-            <a:r>
-              <a:rPr lang="zh-CN" altLang="en-US" dirty="0" smtClean="0"/>
-              <a:t>本地端口</a:t>
-            </a:r>
-            <a:endParaRPr lang="en-US" altLang="zh-CN" dirty="0" smtClean="0"/>
-          </a:p>
-          <a:p>
-            <a:r>
-              <a:rPr lang="en-US" altLang="zh-CN" dirty="0" smtClean="0"/>
-              <a:t>-</a:t>
-            </a:r>
-            <a:r>
-              <a:rPr lang="zh-CN" altLang="en-US" dirty="0" smtClean="0"/>
-              <a:t>默认</a:t>
-            </a:r>
-            <a:r>
-              <a:rPr lang="en-US" altLang="zh-CN" dirty="0" smtClean="0"/>
-              <a:t>8080</a:t>
-            </a:r>
-            <a:r>
-              <a:rPr lang="zh-CN" altLang="en-US" dirty="0" smtClean="0"/>
-              <a:t>，通过启动参数</a:t>
-            </a:r>
-            <a:r>
-              <a:rPr lang="en-US" altLang="zh-CN" dirty="0" smtClean="0"/>
-              <a:t>—insecure-port</a:t>
-            </a:r>
-            <a:r>
-              <a:rPr lang="zh-CN" altLang="en-US" dirty="0" smtClean="0"/>
-              <a:t>来修改默认端口。</a:t>
-            </a:r>
-            <a:endParaRPr lang="en-US" altLang="zh-CN" dirty="0" smtClean="0"/>
-          </a:p>
-          <a:p>
-            <a:r>
-              <a:rPr lang="en-US" altLang="zh-CN" dirty="0" smtClean="0"/>
-              <a:t>-</a:t>
-            </a:r>
-            <a:r>
-              <a:rPr lang="zh-CN" altLang="en-US" dirty="0" smtClean="0"/>
-              <a:t>默认</a:t>
-            </a:r>
-            <a:r>
-              <a:rPr lang="en-US" altLang="zh-CN" dirty="0" smtClean="0"/>
-              <a:t>IP</a:t>
-            </a:r>
-            <a:r>
-              <a:rPr lang="zh-CN" altLang="en-US" dirty="0" smtClean="0"/>
-              <a:t>地址为</a:t>
-            </a:r>
-            <a:r>
-              <a:rPr lang="en-US" altLang="zh-CN" dirty="0" smtClean="0"/>
-              <a:t>localhost</a:t>
-            </a:r>
-            <a:r>
-              <a:rPr lang="zh-CN" altLang="en-US" dirty="0" smtClean="0"/>
-              <a:t>，通过启动参数</a:t>
-            </a:r>
-            <a:r>
-              <a:rPr lang="en-US" altLang="zh-CN" dirty="0" smtClean="0"/>
-              <a:t>—insecure-bind-address</a:t>
-            </a:r>
-            <a:r>
-              <a:rPr lang="zh-CN" altLang="en-US" dirty="0" smtClean="0"/>
-              <a:t>来修改</a:t>
-            </a:r>
-            <a:r>
-              <a:rPr lang="en-US" altLang="zh-CN" dirty="0" smtClean="0"/>
-              <a:t>IP</a:t>
-            </a:r>
-            <a:r>
-              <a:rPr lang="zh-CN" altLang="en-US" dirty="0" smtClean="0"/>
-              <a:t>地址。</a:t>
-            </a:r>
-            <a:endParaRPr lang="en-US" altLang="zh-CN" dirty="0" smtClean="0"/>
-          </a:p>
-          <a:p>
-            <a:r>
-              <a:rPr lang="en-US" altLang="zh-CN" dirty="0" smtClean="0"/>
-              <a:t>-</a:t>
-            </a:r>
-            <a:r>
-              <a:rPr lang="zh-CN" altLang="en-US" dirty="0" smtClean="0"/>
-              <a:t>用于接收</a:t>
-            </a:r>
-            <a:r>
-              <a:rPr lang="en-US" altLang="zh-CN" dirty="0" smtClean="0"/>
-              <a:t>HTTP</a:t>
-            </a:r>
-            <a:r>
-              <a:rPr lang="zh-CN" altLang="en-US" dirty="0" smtClean="0"/>
-              <a:t>请求，不需要认证或授权通过该端口访问</a:t>
-            </a:r>
-            <a:r>
-              <a:rPr lang="en-US" altLang="zh-CN" dirty="0" smtClean="0"/>
-              <a:t>API server</a:t>
-            </a:r>
-            <a:r>
-              <a:rPr lang="zh-CN" altLang="en-US" dirty="0" smtClean="0"/>
-              <a:t>。</a:t>
-            </a:r>
-            <a:endParaRPr lang="en-US" altLang="zh-CN" dirty="0" smtClean="0"/>
-          </a:p>
-          <a:p>
-            <a:endParaRPr lang="en-US" altLang="zh-CN" dirty="0"/>
-          </a:p>
-          <a:p>
-            <a:r>
-              <a:rPr lang="zh-CN" altLang="en-US" dirty="0" smtClean="0"/>
-              <a:t>安全端口</a:t>
-            </a:r>
-            <a:endParaRPr lang="en-US" altLang="zh-CN" dirty="0" smtClean="0"/>
-          </a:p>
-          <a:p>
-            <a:r>
-              <a:rPr lang="en-US" altLang="zh-CN" dirty="0" smtClean="0"/>
-              <a:t>-</a:t>
-            </a:r>
-            <a:r>
-              <a:rPr lang="zh-CN" altLang="en-US" dirty="0" smtClean="0"/>
-              <a:t>默认</a:t>
-            </a:r>
-            <a:r>
-              <a:rPr lang="en-US" altLang="zh-CN" dirty="0" smtClean="0"/>
-              <a:t>6443</a:t>
-            </a:r>
-            <a:r>
-              <a:rPr lang="zh-CN" altLang="en-US" dirty="0" smtClean="0"/>
-              <a:t>，通过启动参数</a:t>
-            </a:r>
-            <a:r>
-              <a:rPr lang="en-US" altLang="zh-CN" dirty="0" smtClean="0"/>
-              <a:t>—secure-port</a:t>
-            </a:r>
-            <a:r>
-              <a:rPr lang="zh-CN" altLang="en-US" dirty="0" smtClean="0"/>
-              <a:t>来修改默认端口。</a:t>
-            </a:r>
-            <a:endParaRPr lang="en-US" altLang="zh-CN" dirty="0" smtClean="0"/>
-          </a:p>
-          <a:p>
-            <a:r>
-              <a:rPr lang="en-US" altLang="zh-CN" dirty="0" smtClean="0"/>
-              <a:t>-</a:t>
-            </a:r>
-            <a:r>
-              <a:rPr lang="zh-CN" altLang="en-US" dirty="0" smtClean="0"/>
-              <a:t>默认</a:t>
-            </a:r>
-            <a:r>
-              <a:rPr lang="en-US" altLang="zh-CN" dirty="0" smtClean="0"/>
-              <a:t>IP</a:t>
-            </a:r>
-            <a:r>
-              <a:rPr lang="zh-CN" altLang="en-US" dirty="0" smtClean="0"/>
-              <a:t>地址为？？，通过启动参数</a:t>
-            </a:r>
-            <a:r>
-              <a:rPr lang="en-US" altLang="zh-CN" dirty="0" smtClean="0"/>
-              <a:t>—bind-address</a:t>
-            </a:r>
-            <a:r>
-              <a:rPr lang="zh-CN" altLang="en-US" dirty="0" smtClean="0"/>
-              <a:t>来修改</a:t>
-            </a:r>
-            <a:r>
-              <a:rPr lang="en-US" altLang="zh-CN" dirty="0" smtClean="0"/>
-              <a:t>IP</a:t>
-            </a:r>
-            <a:r>
-              <a:rPr lang="zh-CN" altLang="en-US" dirty="0" smtClean="0"/>
-              <a:t>地址。</a:t>
-            </a:r>
-            <a:endParaRPr lang="en-US" altLang="zh-CN" dirty="0" smtClean="0"/>
-          </a:p>
-          <a:p>
-            <a:r>
-              <a:rPr lang="en-US" altLang="zh-CN" dirty="0" smtClean="0"/>
-              <a:t>-</a:t>
-            </a:r>
-            <a:r>
-              <a:rPr lang="zh-CN" altLang="en-US" dirty="0" smtClean="0"/>
-              <a:t>用于接收</a:t>
-            </a:r>
-            <a:r>
-              <a:rPr lang="en-US" altLang="zh-CN" dirty="0" smtClean="0"/>
-              <a:t>HTTPS</a:t>
-            </a:r>
-            <a:r>
-              <a:rPr lang="zh-CN" altLang="en-US" dirty="0" smtClean="0"/>
-              <a:t>请求，基于</a:t>
-            </a:r>
-            <a:r>
-              <a:rPr lang="en-US" altLang="zh-CN" dirty="0" err="1" smtClean="0"/>
-              <a:t>tocken</a:t>
-            </a:r>
-            <a:r>
-              <a:rPr lang="zh-CN" altLang="en-US" dirty="0" smtClean="0"/>
-              <a:t>文件或者证书及</a:t>
-            </a:r>
-            <a:r>
-              <a:rPr lang="en-US" altLang="zh-CN" dirty="0" smtClean="0"/>
-              <a:t>HTTP Base</a:t>
-            </a:r>
-            <a:r>
-              <a:rPr lang="zh-CN" altLang="en-US" dirty="0" smtClean="0"/>
-              <a:t>的认证。</a:t>
-            </a:r>
-            <a:endParaRPr lang="en-US" altLang="zh-CN" dirty="0" smtClean="0"/>
-          </a:p>
-          <a:p>
-            <a:r>
-              <a:rPr lang="en-US" altLang="zh-CN" dirty="0" smtClean="0"/>
-              <a:t>-</a:t>
-            </a:r>
-            <a:r>
-              <a:rPr lang="zh-CN" altLang="en-US" dirty="0" smtClean="0"/>
-              <a:t>默认不启动访问控制策略。</a:t>
-            </a:r>
-            <a:endParaRPr lang="zh-CN" altLang="en-US" dirty="0"/>
+              <a:t>、</a:t>
+            </a:r>
+            <a:r>
+              <a:rPr lang="en-US" altLang="zh-CN" dirty="0" smtClean="0"/>
+              <a:t>PV</a:t>
+            </a:r>
+            <a:r>
+              <a:rPr lang="zh-CN" altLang="en-US" dirty="0" smtClean="0"/>
+              <a:t>不是定义在</a:t>
+            </a:r>
+            <a:r>
+              <a:rPr lang="en-US" altLang="zh-CN" dirty="0" smtClean="0"/>
+              <a:t>Pod</a:t>
+            </a:r>
+            <a:r>
+              <a:rPr lang="zh-CN" altLang="en-US" dirty="0" smtClean="0"/>
+              <a:t>上，而是独立于</a:t>
+            </a:r>
+            <a:r>
+              <a:rPr lang="en-US" altLang="zh-CN" dirty="0" smtClean="0"/>
+              <a:t>Pod</a:t>
+            </a:r>
+            <a:r>
+              <a:rPr lang="zh-CN" altLang="en-US" dirty="0" smtClean="0"/>
+              <a:t>的存在。</a:t>
+            </a:r>
+            <a:endParaRPr lang="zh-CN" altLang="en-US" dirty="0" smtClean="0"/>
+          </a:p>
+          <a:p>
+            <a:r>
+              <a:rPr lang="en-US" altLang="zh-CN" dirty="0" smtClean="0"/>
+              <a:t>3</a:t>
+            </a:r>
+            <a:r>
+              <a:rPr lang="zh-CN" altLang="en-US" dirty="0" smtClean="0"/>
+              <a:t>、</a:t>
+            </a:r>
+            <a:r>
+              <a:rPr lang="en-US" altLang="zh-CN" dirty="0" smtClean="0"/>
+              <a:t>PV</a:t>
+            </a:r>
+            <a:r>
+              <a:rPr lang="zh-CN" altLang="en-US" dirty="0" smtClean="0"/>
+              <a:t>支持的存储类型没有</a:t>
+            </a:r>
+            <a:r>
+              <a:rPr lang="en-US" altLang="zh-CN" dirty="0" smtClean="0"/>
+              <a:t>Volume</a:t>
+            </a:r>
+            <a:r>
+              <a:rPr lang="zh-CN" altLang="en-US" dirty="0" smtClean="0"/>
+              <a:t>多。</a:t>
+            </a:r>
+            <a:endParaRPr lang="zh-CN" altLang="en-US" dirty="0" smtClean="0"/>
           </a:p>
         </p:txBody>
       </p:sp>
     </p:spTree>
-    <p:extLst>
-      <p:ext uri="{BB962C8B-B14F-4D97-AF65-F5344CB8AC3E}">
-        <p14:creationId xmlns:p14="http://schemas.microsoft.com/office/powerpoint/2010/main" val="2149777916"/>
-      </p:ext>
-    </p:extLst>
   </p:cSld>
   <p:clrMapOvr>
     <a:masterClrMapping/>
@@ -9057,7 +9500,7 @@
           <p:nvPr/>
         </p:nvPicPr>
         <p:blipFill>
-          <a:blip r:embed="rId2" cstate="print">
+          <a:blip r:embed="rId1" cstate="print">
             <a:extLst>
               <a:ext uri="{28A0092B-C50C-407E-A947-70E740481C1C}">
                 <a14:useLocalDpi xmlns:a14="http://schemas.microsoft.com/office/drawing/2010/main" val="0"/>
@@ -9188,7 +9631,7 @@
                 <a:latin typeface="微软雅黑" panose="020B0503020204020204" pitchFamily="34" charset="-122"/>
                 <a:ea typeface="微软雅黑" panose="020B0503020204020204" pitchFamily="34" charset="-122"/>
               </a:rPr>
-              <a:t>Controller Manager</a:t>
+              <a:t>API Server</a:t>
             </a:r>
             <a:endParaRPr lang="zh-CN" altLang="en-US" sz="2800" b="1" kern="1200" dirty="0">
               <a:solidFill>
@@ -9301,14 +9744,14 @@
       </p:sp>
       <p:sp>
         <p:nvSpPr>
-          <p:cNvPr id="3" name="文本框 2"/>
+          <p:cNvPr id="7" name="文本框 6"/>
           <p:cNvSpPr txBox="1"/>
           <p:nvPr/>
         </p:nvSpPr>
         <p:spPr>
           <a:xfrm>
-            <a:off x="488875" y="773881"/>
-            <a:ext cx="5828798" cy="2308324"/>
+            <a:off x="637309" y="928255"/>
+            <a:ext cx="11208327" cy="3970318"/>
           </a:xfrm>
           <a:prstGeom prst="rect">
             <a:avLst/>
@@ -9323,68 +9766,304 @@
           <a:p>
             <a:r>
               <a:rPr lang="en-US" altLang="zh-CN" dirty="0" smtClean="0"/>
-              <a:t>Replication controller</a:t>
-            </a:r>
-          </a:p>
-          <a:p>
-            <a:r>
-              <a:rPr lang="en-US" altLang="zh-CN" dirty="0" smtClean="0"/>
-              <a:t>Node controller</a:t>
-            </a:r>
-          </a:p>
-          <a:p>
+              <a:t>1</a:t>
+            </a:r>
+            <a:r>
+              <a:rPr lang="zh-CN" altLang="en-US" dirty="0" smtClean="0"/>
+              <a:t>、提供了用户管理集群的</a:t>
+            </a:r>
+            <a:r>
+              <a:rPr lang="en-US" altLang="zh-CN" dirty="0" smtClean="0"/>
+              <a:t>API</a:t>
+            </a:r>
+            <a:r>
+              <a:rPr lang="zh-CN" altLang="en-US" dirty="0" smtClean="0"/>
+              <a:t>接口，包括认证、校验、状态变更等。</a:t>
+            </a:r>
+            <a:endParaRPr lang="en-US" altLang="zh-CN" dirty="0" smtClean="0"/>
+          </a:p>
+          <a:p>
+            <a:r>
+              <a:rPr lang="en-US" altLang="zh-CN" dirty="0" smtClean="0"/>
+              <a:t>2</a:t>
+            </a:r>
+            <a:r>
+              <a:rPr lang="zh-CN" altLang="en-US" dirty="0" smtClean="0"/>
+              <a:t>、提供了模块间数据交互的接口。只有</a:t>
+            </a:r>
+            <a:r>
+              <a:rPr lang="en-US" altLang="zh-CN" dirty="0" smtClean="0"/>
+              <a:t>API server</a:t>
+            </a:r>
+            <a:r>
+              <a:rPr lang="zh-CN" altLang="en-US" dirty="0" smtClean="0"/>
+              <a:t>才能直接操作</a:t>
+            </a:r>
             <a:r>
               <a:rPr lang="en-US" altLang="zh-CN" dirty="0" err="1" smtClean="0"/>
-              <a:t>ResourceQuota</a:t>
-            </a:r>
-            <a:r>
-              <a:rPr lang="en-US" altLang="zh-CN" dirty="0" smtClean="0"/>
-              <a:t> controller</a:t>
-            </a:r>
-          </a:p>
-          <a:p>
-            <a:r>
-              <a:rPr lang="en-US" altLang="zh-CN" dirty="0" smtClean="0"/>
-              <a:t>Namespace controller</a:t>
-            </a:r>
-          </a:p>
-          <a:p>
+              <a:t>etcd</a:t>
+            </a:r>
+            <a:r>
+              <a:rPr lang="zh-CN" altLang="en-US" dirty="0" smtClean="0"/>
+              <a:t>。</a:t>
+            </a:r>
+            <a:endParaRPr lang="en-US" altLang="zh-CN" dirty="0" smtClean="0"/>
+          </a:p>
+          <a:p>
+            <a:endParaRPr lang="en-US" altLang="zh-CN" dirty="0"/>
+          </a:p>
+          <a:p>
+            <a:r>
+              <a:rPr lang="en-US" altLang="zh-CN" dirty="0" smtClean="0"/>
+              <a:t>k8s</a:t>
+            </a:r>
+            <a:r>
+              <a:rPr lang="zh-CN" altLang="en-US" dirty="0" smtClean="0"/>
+              <a:t>通过</a:t>
+            </a:r>
             <a:r>
               <a:rPr lang="en-US" altLang="zh-CN" dirty="0" err="1" smtClean="0"/>
-              <a:t>ServiceAccout</a:t>
-            </a:r>
-            <a:r>
-              <a:rPr lang="en-US" altLang="zh-CN" dirty="0" smtClean="0"/>
-              <a:t> controller</a:t>
-            </a:r>
-          </a:p>
-          <a:p>
-            <a:r>
-              <a:rPr lang="en-US" altLang="zh-CN" dirty="0" smtClean="0"/>
-              <a:t>Token controller</a:t>
-            </a:r>
-          </a:p>
-          <a:p>
-            <a:r>
-              <a:rPr lang="en-US" altLang="zh-CN" dirty="0" smtClean="0"/>
-              <a:t>Service controller</a:t>
-            </a:r>
-          </a:p>
-          <a:p>
-            <a:r>
-              <a:rPr lang="en-US" altLang="zh-CN" dirty="0" smtClean="0"/>
-              <a:t>Endpoint controller</a:t>
+              <a:t>kube-apiserver</a:t>
+            </a:r>
+            <a:r>
+              <a:rPr lang="zh-CN" altLang="en-US" dirty="0" smtClean="0"/>
+              <a:t>这个进程提供</a:t>
+            </a:r>
+            <a:r>
+              <a:rPr lang="en-US" altLang="zh-CN" dirty="0" smtClean="0"/>
+              <a:t>API</a:t>
+            </a:r>
+            <a:r>
+              <a:rPr lang="zh-CN" altLang="en-US" dirty="0" smtClean="0"/>
+              <a:t>服务，有两个服务端口。</a:t>
+            </a:r>
+            <a:endParaRPr lang="en-US" altLang="zh-CN" dirty="0" smtClean="0"/>
+          </a:p>
+          <a:p>
+            <a:r>
+              <a:rPr lang="zh-CN" altLang="en-US" dirty="0" smtClean="0"/>
+              <a:t>本地端口</a:t>
+            </a:r>
+            <a:endParaRPr lang="en-US" altLang="zh-CN" dirty="0" smtClean="0"/>
+          </a:p>
+          <a:p>
+            <a:r>
+              <a:rPr lang="en-US" altLang="zh-CN" dirty="0" smtClean="0"/>
+              <a:t>-</a:t>
+            </a:r>
+            <a:r>
+              <a:rPr lang="zh-CN" altLang="en-US" dirty="0" smtClean="0"/>
+              <a:t>默认</a:t>
+            </a:r>
+            <a:r>
+              <a:rPr lang="en-US" altLang="zh-CN" dirty="0" smtClean="0"/>
+              <a:t>8080</a:t>
+            </a:r>
+            <a:r>
+              <a:rPr lang="zh-CN" altLang="en-US" dirty="0" smtClean="0"/>
+              <a:t>，通过启动参数</a:t>
+            </a:r>
+            <a:r>
+              <a:rPr lang="en-US" altLang="zh-CN" dirty="0" smtClean="0"/>
+              <a:t>—insecure-port</a:t>
+            </a:r>
+            <a:r>
+              <a:rPr lang="zh-CN" altLang="en-US" dirty="0" smtClean="0"/>
+              <a:t>来修改默认端口。</a:t>
+            </a:r>
+            <a:endParaRPr lang="en-US" altLang="zh-CN" dirty="0" smtClean="0"/>
+          </a:p>
+          <a:p>
+            <a:r>
+              <a:rPr lang="en-US" altLang="zh-CN" dirty="0" smtClean="0"/>
+              <a:t>-</a:t>
+            </a:r>
+            <a:r>
+              <a:rPr lang="zh-CN" altLang="en-US" dirty="0" smtClean="0"/>
+              <a:t>默认</a:t>
+            </a:r>
+            <a:r>
+              <a:rPr lang="en-US" altLang="zh-CN" dirty="0" smtClean="0"/>
+              <a:t>IP</a:t>
+            </a:r>
+            <a:r>
+              <a:rPr lang="zh-CN" altLang="en-US" dirty="0" smtClean="0"/>
+              <a:t>地址为</a:t>
+            </a:r>
+            <a:r>
+              <a:rPr lang="en-US" altLang="zh-CN" dirty="0" smtClean="0"/>
+              <a:t>localhost</a:t>
+            </a:r>
+            <a:r>
+              <a:rPr lang="zh-CN" altLang="en-US" dirty="0" smtClean="0"/>
+              <a:t>，通过启动参数</a:t>
+            </a:r>
+            <a:r>
+              <a:rPr lang="en-US" altLang="zh-CN" dirty="0" smtClean="0"/>
+              <a:t>—insecure-bind-address</a:t>
+            </a:r>
+            <a:r>
+              <a:rPr lang="zh-CN" altLang="en-US" dirty="0" smtClean="0"/>
+              <a:t>来修改</a:t>
+            </a:r>
+            <a:r>
+              <a:rPr lang="en-US" altLang="zh-CN" dirty="0" smtClean="0"/>
+              <a:t>IP</a:t>
+            </a:r>
+            <a:r>
+              <a:rPr lang="zh-CN" altLang="en-US" dirty="0" smtClean="0"/>
+              <a:t>地址。</a:t>
+            </a:r>
+            <a:endParaRPr lang="en-US" altLang="zh-CN" dirty="0" smtClean="0"/>
+          </a:p>
+          <a:p>
+            <a:r>
+              <a:rPr lang="en-US" altLang="zh-CN" dirty="0" smtClean="0"/>
+              <a:t>-</a:t>
+            </a:r>
+            <a:r>
+              <a:rPr lang="zh-CN" altLang="en-US" dirty="0" smtClean="0"/>
+              <a:t>用于接收</a:t>
+            </a:r>
+            <a:r>
+              <a:rPr lang="en-US" altLang="zh-CN" dirty="0" smtClean="0"/>
+              <a:t>HTTP</a:t>
+            </a:r>
+            <a:r>
+              <a:rPr lang="zh-CN" altLang="en-US" dirty="0" smtClean="0"/>
+              <a:t>请求，不需要认证或授权通过该端口访问</a:t>
+            </a:r>
+            <a:r>
+              <a:rPr lang="en-US" altLang="zh-CN" dirty="0" smtClean="0"/>
+              <a:t>API server</a:t>
+            </a:r>
+            <a:r>
+              <a:rPr lang="zh-CN" altLang="en-US" dirty="0" smtClean="0"/>
+              <a:t>。</a:t>
+            </a:r>
+            <a:endParaRPr lang="en-US" altLang="zh-CN" dirty="0" smtClean="0"/>
+          </a:p>
+          <a:p>
+            <a:endParaRPr lang="en-US" altLang="zh-CN" dirty="0"/>
+          </a:p>
+          <a:p>
+            <a:r>
+              <a:rPr lang="zh-CN" altLang="en-US" dirty="0" smtClean="0"/>
+              <a:t>安全端口</a:t>
+            </a:r>
+            <a:endParaRPr lang="en-US" altLang="zh-CN" dirty="0" smtClean="0"/>
+          </a:p>
+          <a:p>
+            <a:r>
+              <a:rPr lang="en-US" altLang="zh-CN" dirty="0" smtClean="0"/>
+              <a:t>-</a:t>
+            </a:r>
+            <a:r>
+              <a:rPr lang="zh-CN" altLang="en-US" dirty="0" smtClean="0"/>
+              <a:t>默认</a:t>
+            </a:r>
+            <a:r>
+              <a:rPr lang="en-US" altLang="zh-CN" dirty="0" smtClean="0"/>
+              <a:t>6443</a:t>
+            </a:r>
+            <a:r>
+              <a:rPr lang="zh-CN" altLang="en-US" dirty="0" smtClean="0"/>
+              <a:t>，通过启动参数</a:t>
+            </a:r>
+            <a:r>
+              <a:rPr lang="en-US" altLang="zh-CN" dirty="0" smtClean="0"/>
+              <a:t>—secure-port</a:t>
+            </a:r>
+            <a:r>
+              <a:rPr lang="zh-CN" altLang="en-US" dirty="0" smtClean="0"/>
+              <a:t>来修改默认端口。</a:t>
+            </a:r>
+            <a:endParaRPr lang="en-US" altLang="zh-CN" dirty="0" smtClean="0"/>
+          </a:p>
+          <a:p>
+            <a:r>
+              <a:rPr lang="en-US" altLang="zh-CN" dirty="0" smtClean="0"/>
+              <a:t>-</a:t>
+            </a:r>
+            <a:r>
+              <a:rPr lang="zh-CN" altLang="en-US" dirty="0" smtClean="0"/>
+              <a:t>默认</a:t>
+            </a:r>
+            <a:r>
+              <a:rPr lang="en-US" altLang="zh-CN" dirty="0" smtClean="0"/>
+              <a:t>IP</a:t>
+            </a:r>
+            <a:r>
+              <a:rPr lang="zh-CN" altLang="en-US" dirty="0" smtClean="0"/>
+              <a:t>地址为？？，通过启动参数</a:t>
+            </a:r>
+            <a:r>
+              <a:rPr lang="en-US" altLang="zh-CN" dirty="0" smtClean="0"/>
+              <a:t>—bind-address</a:t>
+            </a:r>
+            <a:r>
+              <a:rPr lang="zh-CN" altLang="en-US" dirty="0" smtClean="0"/>
+              <a:t>来修改</a:t>
+            </a:r>
+            <a:r>
+              <a:rPr lang="en-US" altLang="zh-CN" dirty="0" smtClean="0"/>
+              <a:t>IP</a:t>
+            </a:r>
+            <a:r>
+              <a:rPr lang="zh-CN" altLang="en-US" dirty="0" smtClean="0"/>
+              <a:t>地址。</a:t>
+            </a:r>
+            <a:endParaRPr lang="en-US" altLang="zh-CN" dirty="0" smtClean="0"/>
+          </a:p>
+          <a:p>
+            <a:r>
+              <a:rPr lang="en-US" altLang="zh-CN" dirty="0" smtClean="0"/>
+              <a:t>-</a:t>
+            </a:r>
+            <a:r>
+              <a:rPr lang="zh-CN" altLang="en-US" dirty="0" smtClean="0"/>
+              <a:t>用于接收</a:t>
+            </a:r>
+            <a:r>
+              <a:rPr lang="en-US" altLang="zh-CN" dirty="0" smtClean="0"/>
+              <a:t>HTTPS</a:t>
+            </a:r>
+            <a:r>
+              <a:rPr lang="zh-CN" altLang="en-US" dirty="0" smtClean="0"/>
+              <a:t>请求，基于</a:t>
+            </a:r>
+            <a:r>
+              <a:rPr lang="en-US" altLang="zh-CN" dirty="0" err="1" smtClean="0"/>
+              <a:t>tocken</a:t>
+            </a:r>
+            <a:r>
+              <a:rPr lang="zh-CN" altLang="en-US" dirty="0" smtClean="0"/>
+              <a:t>文件或者证书及</a:t>
+            </a:r>
+            <a:r>
+              <a:rPr lang="en-US" altLang="zh-CN" dirty="0" smtClean="0"/>
+              <a:t>HTTP Base</a:t>
+            </a:r>
+            <a:r>
+              <a:rPr lang="zh-CN" altLang="en-US" dirty="0" smtClean="0"/>
+              <a:t>的认证。</a:t>
+            </a:r>
+            <a:endParaRPr lang="en-US" altLang="zh-CN" dirty="0" smtClean="0"/>
+          </a:p>
+          <a:p>
+            <a:r>
+              <a:rPr lang="en-US" altLang="zh-CN" dirty="0" smtClean="0"/>
+              <a:t>-</a:t>
+            </a:r>
+            <a:r>
+              <a:rPr lang="zh-CN" altLang="en-US" dirty="0" smtClean="0"/>
+              <a:t>默认不启动访问控制策略。</a:t>
             </a:r>
             <a:endParaRPr lang="zh-CN" altLang="en-US" dirty="0"/>
           </a:p>
         </p:txBody>
       </p:sp>
     </p:spTree>
-    <p:extLst>
-      <p:ext uri="{BB962C8B-B14F-4D97-AF65-F5344CB8AC3E}">
-        <p14:creationId xmlns:p14="http://schemas.microsoft.com/office/powerpoint/2010/main" val="3693954857"/>
-      </p:ext>
-    </p:extLst>
   </p:cSld>
   <p:clrMapOvr>
     <a:masterClrMapping/>
@@ -9435,7 +10114,7 @@
     </a:clrScheme>
     <a:fontScheme name="Office">
       <a:majorFont>
-        <a:latin typeface="Calibri Light" panose="020F0302020204030204"/>
+        <a:latin typeface="Calibri Light"/>
         <a:ea typeface=""/>
         <a:cs typeface=""/>
         <a:font script="Jpan" typeface="ＭＳ Ｐゴシック"/>
@@ -9470,7 +10149,7 @@
         <a:font script="Geor" typeface="Sylfaen"/>
       </a:majorFont>
       <a:minorFont>
-        <a:latin typeface="Calibri" panose="020F0502020204030204"/>
+        <a:latin typeface="Calibri"/>
         <a:ea typeface=""/>
         <a:cs typeface=""/>
         <a:font script="Jpan" typeface="ＭＳ Ｐゴシック"/>
@@ -9643,8 +10322,6 @@
       </a:bgFillStyleLst>
     </a:fmtScheme>
   </a:themeElements>
-  <a:objectDefaults/>
-  <a:extraClrSchemeLst/>
   <a:extLst>
     <a:ext uri="{05A4C25C-085E-4340-85A3-A5531E510DB2}">
       <thm15:themeFamily xmlns:thm15="http://schemas.microsoft.com/office/thememl/2012/main" name="Office Theme" id="{62F939B6-93AF-4DB8-9C6B-D6C7DFDC589F}" vid="{4A3C46E8-61CC-4603-A589-7422A47A8E4A}"/>

--- a/k8s.pptx
+++ b/k8s.pptx
@@ -5,19 +5,23 @@
     <p:sldMasterId id="2147483648" r:id="rId1"/>
   </p:sldMasterIdLst>
   <p:sldIdLst>
-    <p:sldId id="257" r:id="rId3"/>
-    <p:sldId id="265" r:id="rId4"/>
-    <p:sldId id="264" r:id="rId5"/>
-    <p:sldId id="260" r:id="rId6"/>
-    <p:sldId id="266" r:id="rId7"/>
-    <p:sldId id="267" r:id="rId8"/>
-    <p:sldId id="268" r:id="rId9"/>
-    <p:sldId id="276" r:id="rId10"/>
-    <p:sldId id="261" r:id="rId11"/>
-    <p:sldId id="258" r:id="rId12"/>
-    <p:sldId id="259" r:id="rId13"/>
-    <p:sldId id="262" r:id="rId14"/>
-    <p:sldId id="263" r:id="rId15"/>
+    <p:sldId id="257" r:id="rId2"/>
+    <p:sldId id="265" r:id="rId3"/>
+    <p:sldId id="264" r:id="rId4"/>
+    <p:sldId id="260" r:id="rId5"/>
+    <p:sldId id="278" r:id="rId6"/>
+    <p:sldId id="279" r:id="rId7"/>
+    <p:sldId id="280" r:id="rId8"/>
+    <p:sldId id="266" r:id="rId9"/>
+    <p:sldId id="267" r:id="rId10"/>
+    <p:sldId id="268" r:id="rId11"/>
+    <p:sldId id="276" r:id="rId12"/>
+    <p:sldId id="277" r:id="rId13"/>
+    <p:sldId id="261" r:id="rId14"/>
+    <p:sldId id="258" r:id="rId15"/>
+    <p:sldId id="259" r:id="rId16"/>
+    <p:sldId id="262" r:id="rId17"/>
+    <p:sldId id="263" r:id="rId18"/>
   </p:sldIdLst>
   <p:sldSz cx="12192000" cy="6858000"/>
   <p:notesSz cx="6858000" cy="9144000"/>
@@ -116,6 +120,11 @@
       </a:defRPr>
     </a:lvl9pPr>
   </p:defaultTextStyle>
+  <p:extLst>
+    <p:ext uri="{EFAFB233-063F-42B5-8137-9DF3F51BA10A}">
+      <p15:sldGuideLst xmlns:p15="http://schemas.microsoft.com/office/powerpoint/2012/main"/>
+    </p:ext>
+  </p:extLst>
 </p:presentation>
 </file>
 
@@ -250,6 +259,7 @@
           <a:p>
             <a:fld id="{FD9B14EC-F5B3-48B6-86BF-6755A31641A9}" type="datetimeFigureOut">
               <a:rPr lang="zh-CN" altLang="en-US" smtClean="0"/>
+              <a:t>2018/11/1</a:t>
             </a:fld>
             <a:endParaRPr lang="zh-CN" altLang="en-US"/>
           </a:p>
@@ -291,6 +301,7 @@
           <a:p>
             <a:fld id="{53BE55FF-2867-422F-ABF1-B4888670FC19}" type="slidenum">
               <a:rPr lang="zh-CN" altLang="en-US" smtClean="0"/>
+              <a:t>‹#›</a:t>
             </a:fld>
             <a:endParaRPr lang="zh-CN" altLang="en-US"/>
           </a:p>
@@ -364,7 +375,6 @@
               <a:rPr lang="zh-CN" altLang="en-US" smtClean="0"/>
               <a:t>单击此处编辑母版文本样式</a:t>
             </a:r>
-            <a:endParaRPr lang="zh-CN" altLang="en-US" smtClean="0"/>
           </a:p>
           <a:p>
             <a:pPr lvl="1"/>
@@ -372,7 +382,6 @@
               <a:rPr lang="zh-CN" altLang="en-US" smtClean="0"/>
               <a:t>第二级</a:t>
             </a:r>
-            <a:endParaRPr lang="zh-CN" altLang="en-US" smtClean="0"/>
           </a:p>
           <a:p>
             <a:pPr lvl="2"/>
@@ -380,7 +389,6 @@
               <a:rPr lang="zh-CN" altLang="en-US" smtClean="0"/>
               <a:t>第三级</a:t>
             </a:r>
-            <a:endParaRPr lang="zh-CN" altLang="en-US" smtClean="0"/>
           </a:p>
           <a:p>
             <a:pPr lvl="3"/>
@@ -388,7 +396,6 @@
               <a:rPr lang="zh-CN" altLang="en-US" smtClean="0"/>
               <a:t>第四级</a:t>
             </a:r>
-            <a:endParaRPr lang="zh-CN" altLang="en-US" smtClean="0"/>
           </a:p>
           <a:p>
             <a:pPr lvl="4"/>
@@ -417,6 +424,7 @@
           <a:p>
             <a:fld id="{FD9B14EC-F5B3-48B6-86BF-6755A31641A9}" type="datetimeFigureOut">
               <a:rPr lang="zh-CN" altLang="en-US" smtClean="0"/>
+              <a:t>2018/11/1</a:t>
             </a:fld>
             <a:endParaRPr lang="zh-CN" altLang="en-US"/>
           </a:p>
@@ -458,6 +466,7 @@
           <a:p>
             <a:fld id="{53BE55FF-2867-422F-ABF1-B4888670FC19}" type="slidenum">
               <a:rPr lang="zh-CN" altLang="en-US" smtClean="0"/>
+              <a:t>‹#›</a:t>
             </a:fld>
             <a:endParaRPr lang="zh-CN" altLang="en-US"/>
           </a:p>
@@ -541,7 +550,6 @@
               <a:rPr lang="zh-CN" altLang="en-US" smtClean="0"/>
               <a:t>单击此处编辑母版文本样式</a:t>
             </a:r>
-            <a:endParaRPr lang="zh-CN" altLang="en-US" smtClean="0"/>
           </a:p>
           <a:p>
             <a:pPr lvl="1"/>
@@ -549,7 +557,6 @@
               <a:rPr lang="zh-CN" altLang="en-US" smtClean="0"/>
               <a:t>第二级</a:t>
             </a:r>
-            <a:endParaRPr lang="zh-CN" altLang="en-US" smtClean="0"/>
           </a:p>
           <a:p>
             <a:pPr lvl="2"/>
@@ -557,7 +564,6 @@
               <a:rPr lang="zh-CN" altLang="en-US" smtClean="0"/>
               <a:t>第三级</a:t>
             </a:r>
-            <a:endParaRPr lang="zh-CN" altLang="en-US" smtClean="0"/>
           </a:p>
           <a:p>
             <a:pPr lvl="3"/>
@@ -565,7 +571,6 @@
               <a:rPr lang="zh-CN" altLang="en-US" smtClean="0"/>
               <a:t>第四级</a:t>
             </a:r>
-            <a:endParaRPr lang="zh-CN" altLang="en-US" smtClean="0"/>
           </a:p>
           <a:p>
             <a:pPr lvl="4"/>
@@ -594,6 +599,7 @@
           <a:p>
             <a:fld id="{FD9B14EC-F5B3-48B6-86BF-6755A31641A9}" type="datetimeFigureOut">
               <a:rPr lang="zh-CN" altLang="en-US" smtClean="0"/>
+              <a:t>2018/11/1</a:t>
             </a:fld>
             <a:endParaRPr lang="zh-CN" altLang="en-US"/>
           </a:p>
@@ -635,6 +641,7 @@
           <a:p>
             <a:fld id="{53BE55FF-2867-422F-ABF1-B4888670FC19}" type="slidenum">
               <a:rPr lang="zh-CN" altLang="en-US" smtClean="0"/>
+              <a:t>‹#›</a:t>
             </a:fld>
             <a:endParaRPr lang="zh-CN" altLang="en-US"/>
           </a:p>
@@ -708,7 +715,6 @@
               <a:rPr lang="zh-CN" altLang="en-US" smtClean="0"/>
               <a:t>单击此处编辑母版文本样式</a:t>
             </a:r>
-            <a:endParaRPr lang="zh-CN" altLang="en-US" smtClean="0"/>
           </a:p>
           <a:p>
             <a:pPr lvl="1"/>
@@ -716,7 +722,6 @@
               <a:rPr lang="zh-CN" altLang="en-US" smtClean="0"/>
               <a:t>第二级</a:t>
             </a:r>
-            <a:endParaRPr lang="zh-CN" altLang="en-US" smtClean="0"/>
           </a:p>
           <a:p>
             <a:pPr lvl="2"/>
@@ -724,7 +729,6 @@
               <a:rPr lang="zh-CN" altLang="en-US" smtClean="0"/>
               <a:t>第三级</a:t>
             </a:r>
-            <a:endParaRPr lang="zh-CN" altLang="en-US" smtClean="0"/>
           </a:p>
           <a:p>
             <a:pPr lvl="3"/>
@@ -732,7 +736,6 @@
               <a:rPr lang="zh-CN" altLang="en-US" smtClean="0"/>
               <a:t>第四级</a:t>
             </a:r>
-            <a:endParaRPr lang="zh-CN" altLang="en-US" smtClean="0"/>
           </a:p>
           <a:p>
             <a:pPr lvl="4"/>
@@ -761,6 +764,7 @@
           <a:p>
             <a:fld id="{FD9B14EC-F5B3-48B6-86BF-6755A31641A9}" type="datetimeFigureOut">
               <a:rPr lang="zh-CN" altLang="en-US" smtClean="0"/>
+              <a:t>2018/11/1</a:t>
             </a:fld>
             <a:endParaRPr lang="zh-CN" altLang="en-US"/>
           </a:p>
@@ -802,6 +806,7 @@
           <a:p>
             <a:fld id="{53BE55FF-2867-422F-ABF1-B4888670FC19}" type="slidenum">
               <a:rPr lang="zh-CN" altLang="en-US" smtClean="0"/>
+              <a:t>‹#›</a:t>
             </a:fld>
             <a:endParaRPr lang="zh-CN" altLang="en-US"/>
           </a:p>
@@ -980,7 +985,6 @@
               <a:rPr lang="zh-CN" altLang="en-US" smtClean="0"/>
               <a:t>单击此处编辑母版文本样式</a:t>
             </a:r>
-            <a:endParaRPr lang="zh-CN" altLang="en-US" smtClean="0"/>
           </a:p>
         </p:txBody>
       </p:sp>
@@ -1001,6 +1005,7 @@
           <a:p>
             <a:fld id="{FD9B14EC-F5B3-48B6-86BF-6755A31641A9}" type="datetimeFigureOut">
               <a:rPr lang="zh-CN" altLang="en-US" smtClean="0"/>
+              <a:t>2018/11/1</a:t>
             </a:fld>
             <a:endParaRPr lang="zh-CN" altLang="en-US"/>
           </a:p>
@@ -1042,6 +1047,7 @@
           <a:p>
             <a:fld id="{53BE55FF-2867-422F-ABF1-B4888670FC19}" type="slidenum">
               <a:rPr lang="zh-CN" altLang="en-US" smtClean="0"/>
+              <a:t>‹#›</a:t>
             </a:fld>
             <a:endParaRPr lang="zh-CN" altLang="en-US"/>
           </a:p>
@@ -1120,7 +1126,6 @@
               <a:rPr lang="zh-CN" altLang="en-US" smtClean="0"/>
               <a:t>单击此处编辑母版文本样式</a:t>
             </a:r>
-            <a:endParaRPr lang="zh-CN" altLang="en-US" smtClean="0"/>
           </a:p>
           <a:p>
             <a:pPr lvl="1"/>
@@ -1128,7 +1133,6 @@
               <a:rPr lang="zh-CN" altLang="en-US" smtClean="0"/>
               <a:t>第二级</a:t>
             </a:r>
-            <a:endParaRPr lang="zh-CN" altLang="en-US" smtClean="0"/>
           </a:p>
           <a:p>
             <a:pPr lvl="2"/>
@@ -1136,7 +1140,6 @@
               <a:rPr lang="zh-CN" altLang="en-US" smtClean="0"/>
               <a:t>第三级</a:t>
             </a:r>
-            <a:endParaRPr lang="zh-CN" altLang="en-US" smtClean="0"/>
           </a:p>
           <a:p>
             <a:pPr lvl="3"/>
@@ -1144,7 +1147,6 @@
               <a:rPr lang="zh-CN" altLang="en-US" smtClean="0"/>
               <a:t>第四级</a:t>
             </a:r>
-            <a:endParaRPr lang="zh-CN" altLang="en-US" smtClean="0"/>
           </a:p>
           <a:p>
             <a:pPr lvl="4"/>
@@ -1181,7 +1183,6 @@
               <a:rPr lang="zh-CN" altLang="en-US" smtClean="0"/>
               <a:t>单击此处编辑母版文本样式</a:t>
             </a:r>
-            <a:endParaRPr lang="zh-CN" altLang="en-US" smtClean="0"/>
           </a:p>
           <a:p>
             <a:pPr lvl="1"/>
@@ -1189,7 +1190,6 @@
               <a:rPr lang="zh-CN" altLang="en-US" smtClean="0"/>
               <a:t>第二级</a:t>
             </a:r>
-            <a:endParaRPr lang="zh-CN" altLang="en-US" smtClean="0"/>
           </a:p>
           <a:p>
             <a:pPr lvl="2"/>
@@ -1197,7 +1197,6 @@
               <a:rPr lang="zh-CN" altLang="en-US" smtClean="0"/>
               <a:t>第三级</a:t>
             </a:r>
-            <a:endParaRPr lang="zh-CN" altLang="en-US" smtClean="0"/>
           </a:p>
           <a:p>
             <a:pPr lvl="3"/>
@@ -1205,7 +1204,6 @@
               <a:rPr lang="zh-CN" altLang="en-US" smtClean="0"/>
               <a:t>第四级</a:t>
             </a:r>
-            <a:endParaRPr lang="zh-CN" altLang="en-US" smtClean="0"/>
           </a:p>
           <a:p>
             <a:pPr lvl="4"/>
@@ -1234,6 +1232,7 @@
           <a:p>
             <a:fld id="{FD9B14EC-F5B3-48B6-86BF-6755A31641A9}" type="datetimeFigureOut">
               <a:rPr lang="zh-CN" altLang="en-US" smtClean="0"/>
+              <a:t>2018/11/1</a:t>
             </a:fld>
             <a:endParaRPr lang="zh-CN" altLang="en-US"/>
           </a:p>
@@ -1275,6 +1274,7 @@
           <a:p>
             <a:fld id="{53BE55FF-2867-422F-ABF1-B4888670FC19}" type="slidenum">
               <a:rPr lang="zh-CN" altLang="en-US" smtClean="0"/>
+              <a:t>‹#›</a:t>
             </a:fld>
             <a:endParaRPr lang="zh-CN" altLang="en-US"/>
           </a:p>
@@ -1395,7 +1395,6 @@
               <a:rPr lang="zh-CN" altLang="en-US" smtClean="0"/>
               <a:t>单击此处编辑母版文本样式</a:t>
             </a:r>
-            <a:endParaRPr lang="zh-CN" altLang="en-US" smtClean="0"/>
           </a:p>
         </p:txBody>
       </p:sp>
@@ -1424,7 +1423,6 @@
               <a:rPr lang="zh-CN" altLang="en-US" smtClean="0"/>
               <a:t>单击此处编辑母版文本样式</a:t>
             </a:r>
-            <a:endParaRPr lang="zh-CN" altLang="en-US" smtClean="0"/>
           </a:p>
           <a:p>
             <a:pPr lvl="1"/>
@@ -1432,7 +1430,6 @@
               <a:rPr lang="zh-CN" altLang="en-US" smtClean="0"/>
               <a:t>第二级</a:t>
             </a:r>
-            <a:endParaRPr lang="zh-CN" altLang="en-US" smtClean="0"/>
           </a:p>
           <a:p>
             <a:pPr lvl="2"/>
@@ -1440,7 +1437,6 @@
               <a:rPr lang="zh-CN" altLang="en-US" smtClean="0"/>
               <a:t>第三级</a:t>
             </a:r>
-            <a:endParaRPr lang="zh-CN" altLang="en-US" smtClean="0"/>
           </a:p>
           <a:p>
             <a:pPr lvl="3"/>
@@ -1448,7 +1444,6 @@
               <a:rPr lang="zh-CN" altLang="en-US" smtClean="0"/>
               <a:t>第四级</a:t>
             </a:r>
-            <a:endParaRPr lang="zh-CN" altLang="en-US" smtClean="0"/>
           </a:p>
           <a:p>
             <a:pPr lvl="4"/>
@@ -1522,7 +1517,6 @@
               <a:rPr lang="zh-CN" altLang="en-US" smtClean="0"/>
               <a:t>单击此处编辑母版文本样式</a:t>
             </a:r>
-            <a:endParaRPr lang="zh-CN" altLang="en-US" smtClean="0"/>
           </a:p>
         </p:txBody>
       </p:sp>
@@ -1551,7 +1545,6 @@
               <a:rPr lang="zh-CN" altLang="en-US" smtClean="0"/>
               <a:t>单击此处编辑母版文本样式</a:t>
             </a:r>
-            <a:endParaRPr lang="zh-CN" altLang="en-US" smtClean="0"/>
           </a:p>
           <a:p>
             <a:pPr lvl="1"/>
@@ -1559,7 +1552,6 @@
               <a:rPr lang="zh-CN" altLang="en-US" smtClean="0"/>
               <a:t>第二级</a:t>
             </a:r>
-            <a:endParaRPr lang="zh-CN" altLang="en-US" smtClean="0"/>
           </a:p>
           <a:p>
             <a:pPr lvl="2"/>
@@ -1567,7 +1559,6 @@
               <a:rPr lang="zh-CN" altLang="en-US" smtClean="0"/>
               <a:t>第三级</a:t>
             </a:r>
-            <a:endParaRPr lang="zh-CN" altLang="en-US" smtClean="0"/>
           </a:p>
           <a:p>
             <a:pPr lvl="3"/>
@@ -1575,7 +1566,6 @@
               <a:rPr lang="zh-CN" altLang="en-US" smtClean="0"/>
               <a:t>第四级</a:t>
             </a:r>
-            <a:endParaRPr lang="zh-CN" altLang="en-US" smtClean="0"/>
           </a:p>
           <a:p>
             <a:pPr lvl="4"/>
@@ -1604,6 +1594,7 @@
           <a:p>
             <a:fld id="{FD9B14EC-F5B3-48B6-86BF-6755A31641A9}" type="datetimeFigureOut">
               <a:rPr lang="zh-CN" altLang="en-US" smtClean="0"/>
+              <a:t>2018/11/1</a:t>
             </a:fld>
             <a:endParaRPr lang="zh-CN" altLang="en-US"/>
           </a:p>
@@ -1645,6 +1636,7 @@
           <a:p>
             <a:fld id="{53BE55FF-2867-422F-ABF1-B4888670FC19}" type="slidenum">
               <a:rPr lang="zh-CN" altLang="en-US" smtClean="0"/>
+              <a:t>‹#›</a:t>
             </a:fld>
             <a:endParaRPr lang="zh-CN" altLang="en-US"/>
           </a:p>
@@ -1715,6 +1707,7 @@
           <a:p>
             <a:fld id="{FD9B14EC-F5B3-48B6-86BF-6755A31641A9}" type="datetimeFigureOut">
               <a:rPr lang="zh-CN" altLang="en-US" smtClean="0"/>
+              <a:t>2018/11/1</a:t>
             </a:fld>
             <a:endParaRPr lang="zh-CN" altLang="en-US"/>
           </a:p>
@@ -1756,6 +1749,7 @@
           <a:p>
             <a:fld id="{53BE55FF-2867-422F-ABF1-B4888670FC19}" type="slidenum">
               <a:rPr lang="zh-CN" altLang="en-US" smtClean="0"/>
+              <a:t>‹#›</a:t>
             </a:fld>
             <a:endParaRPr lang="zh-CN" altLang="en-US"/>
           </a:p>
@@ -1803,6 +1797,7 @@
           <a:p>
             <a:fld id="{FD9B14EC-F5B3-48B6-86BF-6755A31641A9}" type="datetimeFigureOut">
               <a:rPr lang="zh-CN" altLang="en-US" smtClean="0"/>
+              <a:t>2018/11/1</a:t>
             </a:fld>
             <a:endParaRPr lang="zh-CN" altLang="en-US"/>
           </a:p>
@@ -1844,6 +1839,7 @@
           <a:p>
             <a:fld id="{53BE55FF-2867-422F-ABF1-B4888670FC19}" type="slidenum">
               <a:rPr lang="zh-CN" altLang="en-US" smtClean="0"/>
+              <a:t>‹#›</a:t>
             </a:fld>
             <a:endParaRPr lang="zh-CN" altLang="en-US"/>
           </a:p>
@@ -1959,7 +1955,6 @@
               <a:rPr lang="zh-CN" altLang="en-US" smtClean="0"/>
               <a:t>单击此处编辑母版文本样式</a:t>
             </a:r>
-            <a:endParaRPr lang="zh-CN" altLang="en-US" smtClean="0"/>
           </a:p>
           <a:p>
             <a:pPr lvl="1"/>
@@ -1967,7 +1962,6 @@
               <a:rPr lang="zh-CN" altLang="en-US" smtClean="0"/>
               <a:t>第二级</a:t>
             </a:r>
-            <a:endParaRPr lang="zh-CN" altLang="en-US" smtClean="0"/>
           </a:p>
           <a:p>
             <a:pPr lvl="2"/>
@@ -1975,7 +1969,6 @@
               <a:rPr lang="zh-CN" altLang="en-US" smtClean="0"/>
               <a:t>第三级</a:t>
             </a:r>
-            <a:endParaRPr lang="zh-CN" altLang="en-US" smtClean="0"/>
           </a:p>
           <a:p>
             <a:pPr lvl="3"/>
@@ -1983,7 +1976,6 @@
               <a:rPr lang="zh-CN" altLang="en-US" smtClean="0"/>
               <a:t>第四级</a:t>
             </a:r>
-            <a:endParaRPr lang="zh-CN" altLang="en-US" smtClean="0"/>
           </a:p>
           <a:p>
             <a:pPr lvl="4"/>
@@ -2057,7 +2049,6 @@
               <a:rPr lang="zh-CN" altLang="en-US" smtClean="0"/>
               <a:t>单击此处编辑母版文本样式</a:t>
             </a:r>
-            <a:endParaRPr lang="zh-CN" altLang="en-US" smtClean="0"/>
           </a:p>
         </p:txBody>
       </p:sp>
@@ -2078,6 +2069,7 @@
           <a:p>
             <a:fld id="{FD9B14EC-F5B3-48B6-86BF-6755A31641A9}" type="datetimeFigureOut">
               <a:rPr lang="zh-CN" altLang="en-US" smtClean="0"/>
+              <a:t>2018/11/1</a:t>
             </a:fld>
             <a:endParaRPr lang="zh-CN" altLang="en-US"/>
           </a:p>
@@ -2119,6 +2111,7 @@
           <a:p>
             <a:fld id="{53BE55FF-2867-422F-ABF1-B4888670FC19}" type="slidenum">
               <a:rPr lang="zh-CN" altLang="en-US" smtClean="0"/>
+              <a:t>‹#›</a:t>
             </a:fld>
             <a:endParaRPr lang="zh-CN" altLang="en-US"/>
           </a:p>
@@ -2304,7 +2297,6 @@
               <a:rPr lang="zh-CN" altLang="en-US" smtClean="0"/>
               <a:t>单击此处编辑母版文本样式</a:t>
             </a:r>
-            <a:endParaRPr lang="zh-CN" altLang="en-US" smtClean="0"/>
           </a:p>
         </p:txBody>
       </p:sp>
@@ -2325,6 +2317,7 @@
           <a:p>
             <a:fld id="{FD9B14EC-F5B3-48B6-86BF-6755A31641A9}" type="datetimeFigureOut">
               <a:rPr lang="zh-CN" altLang="en-US" smtClean="0"/>
+              <a:t>2018/11/1</a:t>
             </a:fld>
             <a:endParaRPr lang="zh-CN" altLang="en-US"/>
           </a:p>
@@ -2366,6 +2359,7 @@
           <a:p>
             <a:fld id="{53BE55FF-2867-422F-ABF1-B4888670FC19}" type="slidenum">
               <a:rPr lang="zh-CN" altLang="en-US" smtClean="0"/>
+              <a:t>‹#›</a:t>
             </a:fld>
             <a:endParaRPr lang="zh-CN" altLang="en-US"/>
           </a:p>
@@ -2464,7 +2458,6 @@
               <a:rPr lang="zh-CN" altLang="en-US" smtClean="0"/>
               <a:t>单击此处编辑母版文本样式</a:t>
             </a:r>
-            <a:endParaRPr lang="zh-CN" altLang="en-US" smtClean="0"/>
           </a:p>
           <a:p>
             <a:pPr lvl="1"/>
@@ -2472,7 +2465,6 @@
               <a:rPr lang="zh-CN" altLang="en-US" smtClean="0"/>
               <a:t>第二级</a:t>
             </a:r>
-            <a:endParaRPr lang="zh-CN" altLang="en-US" smtClean="0"/>
           </a:p>
           <a:p>
             <a:pPr lvl="2"/>
@@ -2480,7 +2472,6 @@
               <a:rPr lang="zh-CN" altLang="en-US" smtClean="0"/>
               <a:t>第三级</a:t>
             </a:r>
-            <a:endParaRPr lang="zh-CN" altLang="en-US" smtClean="0"/>
           </a:p>
           <a:p>
             <a:pPr lvl="3"/>
@@ -2488,7 +2479,6 @@
               <a:rPr lang="zh-CN" altLang="en-US" smtClean="0"/>
               <a:t>第四级</a:t>
             </a:r>
-            <a:endParaRPr lang="zh-CN" altLang="en-US" smtClean="0"/>
           </a:p>
           <a:p>
             <a:pPr lvl="4"/>
@@ -2535,6 +2525,7 @@
           <a:p>
             <a:fld id="{FD9B14EC-F5B3-48B6-86BF-6755A31641A9}" type="datetimeFigureOut">
               <a:rPr lang="zh-CN" altLang="en-US" smtClean="0"/>
+              <a:t>2018/11/1</a:t>
             </a:fld>
             <a:endParaRPr lang="zh-CN" altLang="en-US"/>
           </a:p>
@@ -2612,6 +2603,7 @@
           <a:p>
             <a:fld id="{53BE55FF-2867-422F-ABF1-B4888670FC19}" type="slidenum">
               <a:rPr lang="zh-CN" altLang="en-US" smtClean="0"/>
+              <a:t>‹#›</a:t>
             </a:fld>
             <a:endParaRPr lang="zh-CN" altLang="en-US"/>
           </a:p>
@@ -2942,7 +2934,7 @@
           <p:nvPr/>
         </p:nvPicPr>
         <p:blipFill>
-          <a:blip r:embed="rId1" cstate="print">
+          <a:blip r:embed="rId2" cstate="print">
             <a:extLst>
               <a:ext uri="{28A0092B-C50C-407E-A947-70E740481C1C}">
                 <a14:useLocalDpi xmlns:a14="http://schemas.microsoft.com/office/drawing/2010/main" val="0"/>
@@ -3063,7 +3055,7 @@
               <a:buNone/>
             </a:pPr>
             <a:r>
-              <a:rPr lang="en-US" altLang="zh-CN" sz="2800" b="1" dirty="0" smtClean="0">
+              <a:rPr lang="en-US" altLang="zh-CN" sz="2800" b="1" smtClean="0">
                 <a:solidFill>
                   <a:schemeClr val="tx1">
                     <a:lumMod val="85000"/>
@@ -3076,7 +3068,7 @@
               <a:t>k8s</a:t>
             </a:r>
             <a:r>
-              <a:rPr lang="zh-CN" altLang="en-US" sz="2800" b="1" dirty="0" smtClean="0">
+              <a:rPr lang="zh-CN" altLang="en-US" sz="2800" b="1" smtClean="0">
                 <a:solidFill>
                   <a:schemeClr val="tx1">
                     <a:lumMod val="85000"/>
@@ -3088,7 +3080,7 @@
               </a:rPr>
               <a:t>架构</a:t>
             </a:r>
-            <a:endParaRPr lang="zh-CN" altLang="en-US" sz="2800" b="1" kern="1200" dirty="0">
+            <a:endParaRPr lang="zh-CN" altLang="en-US" sz="2800" b="1" kern="1200">
               <a:solidFill>
                 <a:schemeClr val="tx1">
                   <a:lumMod val="85000"/>
@@ -3206,7 +3198,7 @@
           <p:nvPr/>
         </p:nvPicPr>
         <p:blipFill>
-          <a:blip r:embed="rId2"/>
+          <a:blip r:embed="rId3"/>
           <a:stretch>
             <a:fillRect/>
           </a:stretch>
@@ -3255,7 +3247,7 @@
           <p:nvPr/>
         </p:nvPicPr>
         <p:blipFill>
-          <a:blip r:embed="rId1" cstate="print">
+          <a:blip r:embed="rId2" cstate="print">
             <a:extLst>
               <a:ext uri="{28A0092B-C50C-407E-A947-70E740481C1C}">
                 <a14:useLocalDpi xmlns:a14="http://schemas.microsoft.com/office/drawing/2010/main" val="0"/>
@@ -3285,7 +3277,7 @@
         <p:spPr>
           <a:xfrm>
             <a:off x="488875" y="158339"/>
-            <a:ext cx="3695197" cy="615542"/>
+            <a:ext cx="4221670" cy="615542"/>
           </a:xfrm>
           <a:prstGeom prst="rect">
             <a:avLst/>
@@ -3376,7 +3368,7 @@
               <a:buNone/>
             </a:pPr>
             <a:r>
-              <a:rPr lang="en-US" altLang="zh-CN" sz="2800" b="1" dirty="0" smtClean="0">
+              <a:rPr lang="en-US" altLang="zh-CN" sz="2800" b="1" smtClean="0">
                 <a:solidFill>
                   <a:schemeClr val="tx1">
                     <a:lumMod val="85000"/>
@@ -3386,9 +3378,35 @@
                 <a:latin typeface="微软雅黑" panose="020B0503020204020204" pitchFamily="34" charset="-122"/>
                 <a:ea typeface="微软雅黑" panose="020B0503020204020204" pitchFamily="34" charset="-122"/>
               </a:rPr>
-              <a:t>Controller Manager</a:t>
-            </a:r>
-            <a:endParaRPr lang="zh-CN" altLang="en-US" sz="2800" b="1" kern="1200" dirty="0">
+              <a:t>k8s-</a:t>
+            </a:r>
+            <a:r>
+              <a:rPr lang="zh-CN" altLang="en-US" sz="2800" b="1" smtClean="0">
+                <a:solidFill>
+                  <a:schemeClr val="tx1">
+                    <a:lumMod val="85000"/>
+                    <a:lumOff val="15000"/>
+                  </a:schemeClr>
+                </a:solidFill>
+                <a:latin typeface="微软雅黑" panose="020B0503020204020204" pitchFamily="34" charset="-122"/>
+                <a:ea typeface="微软雅黑" panose="020B0503020204020204" pitchFamily="34" charset="-122"/>
+              </a:rPr>
+              <a:t>外部访问</a:t>
+            </a:r>
+            <a:r>
+              <a:rPr lang="en-US" altLang="zh-CN" sz="2800" b="1" smtClean="0">
+                <a:solidFill>
+                  <a:schemeClr val="tx1">
+                    <a:lumMod val="85000"/>
+                    <a:lumOff val="15000"/>
+                  </a:schemeClr>
+                </a:solidFill>
+                <a:latin typeface="微软雅黑" panose="020B0503020204020204" pitchFamily="34" charset="-122"/>
+                <a:ea typeface="微软雅黑" panose="020B0503020204020204" pitchFamily="34" charset="-122"/>
+              </a:rPr>
+              <a:t>Service</a:t>
+            </a:r>
+            <a:endParaRPr lang="zh-CN" altLang="en-US" sz="2800" b="1" kern="1200">
               <a:solidFill>
                 <a:schemeClr val="tx1">
                   <a:lumMod val="85000"/>
@@ -3505,8 +3523,8 @@
         </p:nvSpPr>
         <p:spPr>
           <a:xfrm>
-            <a:off x="488875" y="773881"/>
-            <a:ext cx="5828798" cy="2308324"/>
+            <a:off x="488874" y="773881"/>
+            <a:ext cx="11528314" cy="3415030"/>
           </a:xfrm>
           <a:prstGeom prst="rect">
             <a:avLst/>
@@ -3520,67 +3538,331 @@
           <a:lstStyle/>
           <a:p>
             <a:r>
-              <a:rPr lang="en-US" altLang="zh-CN" dirty="0" smtClean="0"/>
-              <a:t>Replication controller</a:t>
-            </a:r>
-            <a:endParaRPr lang="en-US" altLang="zh-CN" dirty="0" smtClean="0"/>
-          </a:p>
-          <a:p>
-            <a:r>
-              <a:rPr lang="en-US" altLang="zh-CN" dirty="0" smtClean="0"/>
-              <a:t>Node controller</a:t>
-            </a:r>
-            <a:endParaRPr lang="en-US" altLang="zh-CN" dirty="0" smtClean="0"/>
-          </a:p>
-          <a:p>
-            <a:r>
-              <a:rPr lang="en-US" altLang="zh-CN" dirty="0" err="1" smtClean="0"/>
-              <a:t>ResourceQuota</a:t>
-            </a:r>
-            <a:r>
-              <a:rPr lang="en-US" altLang="zh-CN" dirty="0" smtClean="0"/>
-              <a:t> controller</a:t>
-            </a:r>
-            <a:endParaRPr lang="en-US" altLang="zh-CN" dirty="0" smtClean="0"/>
-          </a:p>
-          <a:p>
-            <a:r>
-              <a:rPr lang="en-US" altLang="zh-CN" dirty="0" smtClean="0"/>
-              <a:t>Namespace controller</a:t>
-            </a:r>
-            <a:endParaRPr lang="en-US" altLang="zh-CN" dirty="0" smtClean="0"/>
-          </a:p>
-          <a:p>
-            <a:r>
-              <a:rPr lang="en-US" altLang="zh-CN" dirty="0" err="1" smtClean="0"/>
-              <a:t>ServiceAccout</a:t>
-            </a:r>
-            <a:r>
-              <a:rPr lang="en-US" altLang="zh-CN" dirty="0" smtClean="0"/>
-              <a:t> controller</a:t>
-            </a:r>
-            <a:endParaRPr lang="en-US" altLang="zh-CN" dirty="0" smtClean="0"/>
-          </a:p>
-          <a:p>
-            <a:r>
-              <a:rPr lang="en-US" altLang="zh-CN" dirty="0" smtClean="0"/>
-              <a:t>Token controller</a:t>
-            </a:r>
-            <a:endParaRPr lang="en-US" altLang="zh-CN" dirty="0" smtClean="0"/>
-          </a:p>
-          <a:p>
-            <a:r>
-              <a:rPr lang="en-US" altLang="zh-CN" dirty="0" smtClean="0"/>
-              <a:t>Service controller</a:t>
-            </a:r>
-            <a:endParaRPr lang="en-US" altLang="zh-CN" dirty="0" smtClean="0"/>
-          </a:p>
-          <a:p>
-            <a:r>
-              <a:rPr lang="en-US" altLang="zh-CN" dirty="0" smtClean="0"/>
-              <a:t>Endpoint controller</a:t>
-            </a:r>
-            <a:endParaRPr lang="zh-CN" altLang="en-US" dirty="0"/>
+              <a:rPr lang="en-US" altLang="zh-CN" smtClean="0"/>
+              <a:t>k8s</a:t>
+            </a:r>
+            <a:r>
+              <a:rPr lang="zh-CN" altLang="en-US" smtClean="0"/>
+              <a:t>的三种</a:t>
+            </a:r>
+            <a:r>
+              <a:rPr lang="en-US" altLang="zh-CN" smtClean="0"/>
+              <a:t>IP</a:t>
+            </a:r>
+            <a:r>
+              <a:rPr lang="zh-CN" altLang="en-US" smtClean="0"/>
+              <a:t>：</a:t>
+            </a:r>
+          </a:p>
+          <a:p>
+            <a:r>
+              <a:rPr lang="en-US" altLang="zh-CN" smtClean="0"/>
+              <a:t>1</a:t>
+            </a:r>
+            <a:r>
+              <a:rPr lang="zh-CN" altLang="en-US" smtClean="0"/>
+              <a:t>、</a:t>
+            </a:r>
+            <a:r>
+              <a:rPr lang="en-US" altLang="zh-CN" smtClean="0"/>
+              <a:t>Node IP</a:t>
+            </a:r>
+            <a:r>
+              <a:rPr lang="zh-CN" altLang="en-US" smtClean="0"/>
+              <a:t>：每个节点物理网卡的</a:t>
+            </a:r>
+            <a:r>
+              <a:rPr lang="en-US" altLang="zh-CN" smtClean="0"/>
+              <a:t>IP</a:t>
+            </a:r>
+            <a:r>
+              <a:rPr lang="zh-CN" altLang="en-US" smtClean="0"/>
+              <a:t>。</a:t>
+            </a:r>
+            <a:endParaRPr lang="en-US" altLang="zh-CN" smtClean="0"/>
+          </a:p>
+          <a:p>
+            <a:r>
+              <a:rPr lang="en-US" altLang="zh-CN" smtClean="0"/>
+              <a:t>2</a:t>
+            </a:r>
+            <a:r>
+              <a:rPr lang="zh-CN" altLang="en-US" smtClean="0"/>
+              <a:t>、</a:t>
+            </a:r>
+            <a:r>
+              <a:rPr lang="en-US" altLang="zh-CN" smtClean="0"/>
+              <a:t>Pod IP</a:t>
+            </a:r>
+            <a:r>
+              <a:rPr lang="zh-CN" altLang="en-US" smtClean="0"/>
+              <a:t>：</a:t>
+            </a:r>
+            <a:r>
+              <a:rPr lang="en-US" altLang="zh-CN" smtClean="0"/>
+              <a:t>docker engine</a:t>
+            </a:r>
+            <a:r>
+              <a:rPr lang="zh-CN" altLang="en-US" smtClean="0"/>
+              <a:t>根据</a:t>
+            </a:r>
+            <a:r>
+              <a:rPr lang="en-US" altLang="zh-CN" smtClean="0"/>
+              <a:t>docker0</a:t>
+            </a:r>
+            <a:r>
+              <a:rPr lang="zh-CN" altLang="en-US" smtClean="0"/>
+              <a:t>网桥</a:t>
+            </a:r>
+            <a:r>
+              <a:rPr lang="en-US" altLang="zh-CN" smtClean="0"/>
+              <a:t>IP</a:t>
+            </a:r>
+            <a:r>
+              <a:rPr lang="zh-CN" altLang="en-US" smtClean="0"/>
+              <a:t>段分配的</a:t>
+            </a:r>
+            <a:r>
+              <a:rPr lang="en-US" altLang="zh-CN" smtClean="0"/>
+              <a:t>IP</a:t>
+            </a:r>
+            <a:r>
+              <a:rPr lang="zh-CN" altLang="en-US" smtClean="0"/>
+              <a:t>，是一个虚拟的二层网络。</a:t>
+            </a:r>
+            <a:r>
+              <a:rPr lang="en-US" altLang="zh-CN" smtClean="0"/>
+              <a:t>k8s</a:t>
+            </a:r>
+            <a:r>
+              <a:rPr lang="zh-CN" altLang="en-US" smtClean="0"/>
+              <a:t>中</a:t>
+            </a:r>
+            <a:r>
+              <a:rPr lang="en-US" altLang="zh-CN" smtClean="0"/>
+              <a:t>Pod</a:t>
+            </a:r>
+            <a:r>
+              <a:rPr lang="zh-CN" altLang="en-US" smtClean="0"/>
+              <a:t>里的容器访问另一个</a:t>
+            </a:r>
+            <a:r>
+              <a:rPr lang="en-US" altLang="zh-CN" smtClean="0"/>
+              <a:t>Pod</a:t>
+            </a:r>
+            <a:r>
+              <a:rPr lang="zh-CN" altLang="en-US" smtClean="0"/>
+              <a:t>里的容器，就是通过</a:t>
+            </a:r>
+            <a:r>
+              <a:rPr lang="en-US" altLang="zh-CN" smtClean="0"/>
+              <a:t>Pod IP</a:t>
+            </a:r>
+            <a:r>
+              <a:rPr lang="zh-CN" altLang="en-US" smtClean="0"/>
+              <a:t>访问的。实际的网络数据是通过</a:t>
+            </a:r>
+            <a:r>
+              <a:rPr lang="en-US" altLang="zh-CN" smtClean="0"/>
+              <a:t>Node IP</a:t>
+            </a:r>
+            <a:r>
+              <a:rPr lang="zh-CN" altLang="en-US" smtClean="0"/>
+              <a:t>所在网卡发送的。</a:t>
+            </a:r>
+          </a:p>
+          <a:p>
+            <a:r>
+              <a:rPr lang="en-US" altLang="zh-CN" smtClean="0"/>
+              <a:t>3</a:t>
+            </a:r>
+            <a:r>
+              <a:rPr lang="zh-CN" altLang="en-US" smtClean="0"/>
+              <a:t>、</a:t>
+            </a:r>
+            <a:r>
+              <a:rPr lang="en-US" altLang="zh-CN" smtClean="0"/>
+              <a:t>Cluster IP</a:t>
+            </a:r>
+            <a:r>
+              <a:rPr lang="zh-CN" altLang="en-US" smtClean="0"/>
+              <a:t>：一个虚拟的</a:t>
+            </a:r>
+            <a:r>
+              <a:rPr lang="en-US" altLang="zh-CN" smtClean="0"/>
+              <a:t>IP</a:t>
+            </a:r>
+            <a:r>
+              <a:rPr lang="zh-CN" altLang="en-US" smtClean="0"/>
+              <a:t>，仅仅用来标识</a:t>
+            </a:r>
+            <a:r>
+              <a:rPr lang="en-US" altLang="zh-CN" smtClean="0"/>
+              <a:t>Service</a:t>
+            </a:r>
+            <a:r>
+              <a:rPr lang="zh-CN" altLang="en-US" smtClean="0"/>
+              <a:t>，由</a:t>
+            </a:r>
+            <a:r>
+              <a:rPr lang="en-US" altLang="zh-CN" smtClean="0"/>
+              <a:t>k8s</a:t>
+            </a:r>
+            <a:r>
+              <a:rPr lang="zh-CN" altLang="en-US" smtClean="0"/>
+              <a:t>进行分配和管理。</a:t>
+            </a:r>
+            <a:r>
+              <a:rPr lang="en-US" altLang="zh-CN" smtClean="0"/>
+              <a:t>Cluster IP</a:t>
+            </a:r>
+            <a:r>
+              <a:rPr lang="zh-CN" altLang="en-US" smtClean="0"/>
+              <a:t>本身没有什么网络意义，比如这个</a:t>
+            </a:r>
+            <a:r>
+              <a:rPr lang="en-US" altLang="zh-CN" smtClean="0"/>
+              <a:t>IP</a:t>
+            </a:r>
+            <a:r>
+              <a:rPr lang="zh-CN" altLang="en-US" smtClean="0"/>
+              <a:t>是无法被</a:t>
+            </a:r>
+            <a:r>
+              <a:rPr lang="en-US" altLang="zh-CN" smtClean="0"/>
+              <a:t>ping</a:t>
+            </a:r>
+            <a:r>
+              <a:rPr lang="zh-CN" altLang="en-US" smtClean="0"/>
+              <a:t>的。必须结合</a:t>
+            </a:r>
+            <a:r>
+              <a:rPr lang="en-US" altLang="zh-CN" smtClean="0"/>
+              <a:t>Service port</a:t>
+            </a:r>
+            <a:r>
+              <a:rPr lang="zh-CN" altLang="en-US" smtClean="0"/>
+              <a:t>组成一个通信端口，而且一般只服务于</a:t>
+            </a:r>
+            <a:r>
+              <a:rPr lang="en-US" altLang="zh-CN" smtClean="0"/>
+              <a:t>k8s</a:t>
+            </a:r>
+            <a:r>
+              <a:rPr lang="zh-CN" altLang="en-US" smtClean="0"/>
+              <a:t>内部，对于</a:t>
+            </a:r>
+            <a:r>
+              <a:rPr lang="en-US" altLang="zh-CN" smtClean="0"/>
+              <a:t>k8s</a:t>
+            </a:r>
+            <a:r>
+              <a:rPr lang="zh-CN" altLang="en-US" smtClean="0"/>
+              <a:t>集群之外的设备需要访问这个端口，需要做特殊配置。</a:t>
+            </a:r>
+          </a:p>
+          <a:p>
+            <a:endParaRPr lang="zh-CN" altLang="en-US" smtClean="0"/>
+          </a:p>
+          <a:p>
+            <a:r>
+              <a:rPr lang="zh-CN" altLang="en-US" smtClean="0"/>
+              <a:t>如果外部应用需要访问</a:t>
+            </a:r>
+            <a:r>
+              <a:rPr lang="en-US" altLang="zh-CN" smtClean="0"/>
+              <a:t>Service</a:t>
+            </a:r>
+            <a:r>
+              <a:rPr lang="zh-CN" altLang="en-US" smtClean="0"/>
+              <a:t>，可以在</a:t>
+            </a:r>
+            <a:r>
+              <a:rPr lang="en-US" altLang="zh-CN" smtClean="0"/>
+              <a:t>Service</a:t>
+            </a:r>
+            <a:r>
+              <a:rPr lang="zh-CN" altLang="en-US" smtClean="0"/>
+              <a:t>的</a:t>
+            </a:r>
+            <a:r>
+              <a:rPr lang="en-US" altLang="zh-CN" smtClean="0"/>
+              <a:t>Label</a:t>
+            </a:r>
+            <a:r>
+              <a:rPr lang="zh-CN" altLang="en-US" smtClean="0"/>
+              <a:t>里设置</a:t>
+            </a:r>
+            <a:r>
+              <a:rPr lang="en-US" altLang="zh-CN" smtClean="0"/>
+              <a:t>type:NodePort</a:t>
+            </a:r>
+            <a:r>
+              <a:rPr lang="zh-CN" altLang="en-US" smtClean="0"/>
+              <a:t>。用户可以指定对外服务的</a:t>
+            </a:r>
+            <a:r>
+              <a:rPr lang="en-US" altLang="zh-CN" smtClean="0"/>
+              <a:t>nodePort</a:t>
+            </a:r>
+            <a:r>
+              <a:rPr lang="zh-CN" altLang="en-US" smtClean="0"/>
+              <a:t>端口，也可以由</a:t>
+            </a:r>
+            <a:r>
+              <a:rPr lang="en-US" altLang="zh-CN" smtClean="0"/>
+              <a:t>k8s</a:t>
+            </a:r>
+            <a:r>
+              <a:rPr lang="zh-CN" altLang="en-US" smtClean="0"/>
+              <a:t>自动分配。</a:t>
+            </a:r>
+          </a:p>
+          <a:p>
+            <a:r>
+              <a:rPr lang="zh-CN" altLang="en-US" smtClean="0"/>
+              <a:t>这个设置的基本原理就是</a:t>
+            </a:r>
+            <a:r>
+              <a:rPr lang="en-US" altLang="zh-CN" smtClean="0"/>
+              <a:t>k8s</a:t>
+            </a:r>
+            <a:r>
+              <a:rPr lang="zh-CN" altLang="en-US" smtClean="0"/>
+              <a:t>在</a:t>
+            </a:r>
+            <a:r>
+              <a:rPr lang="en-US" altLang="zh-CN" smtClean="0"/>
+              <a:t>Service</a:t>
+            </a:r>
+            <a:r>
+              <a:rPr lang="zh-CN" altLang="en-US" smtClean="0"/>
+              <a:t>所对应的</a:t>
+            </a:r>
+            <a:r>
+              <a:rPr lang="en-US" altLang="zh-CN" smtClean="0"/>
+              <a:t>Node</a:t>
+            </a:r>
+            <a:r>
+              <a:rPr lang="zh-CN" altLang="en-US" smtClean="0"/>
+              <a:t>节点上开启一个监听端口。外部应用通过</a:t>
+            </a:r>
+            <a:r>
+              <a:rPr lang="en-US" altLang="zh-CN" smtClean="0"/>
+              <a:t>Node IP+nodePort</a:t>
+            </a:r>
+            <a:r>
+              <a:rPr lang="zh-CN" altLang="en-US" smtClean="0"/>
+              <a:t>就可以访问</a:t>
+            </a:r>
+            <a:r>
+              <a:rPr lang="en-US" altLang="zh-CN" smtClean="0"/>
+              <a:t>Service</a:t>
+            </a:r>
+            <a:r>
+              <a:rPr lang="zh-CN" altLang="en-US" smtClean="0"/>
+              <a:t>。</a:t>
+            </a:r>
           </a:p>
         </p:txBody>
       </p:sp>
@@ -3618,7 +3900,7 @@
           <p:nvPr/>
         </p:nvPicPr>
         <p:blipFill>
-          <a:blip r:embed="rId1" cstate="print">
+          <a:blip r:embed="rId2" cstate="print">
             <a:extLst>
               <a:ext uri="{28A0092B-C50C-407E-A947-70E740481C1C}">
                 <a14:useLocalDpi xmlns:a14="http://schemas.microsoft.com/office/drawing/2010/main" val="0"/>
@@ -3647,8 +3929,8 @@
         </p:nvSpPr>
         <p:spPr>
           <a:xfrm>
-            <a:off x="488875" y="158339"/>
-            <a:ext cx="4124689" cy="615542"/>
+            <a:off x="488950" y="158115"/>
+            <a:ext cx="6327775" cy="615315"/>
           </a:xfrm>
           <a:prstGeom prst="rect">
             <a:avLst/>
@@ -3739,7 +4021,7 @@
               <a:buNone/>
             </a:pPr>
             <a:r>
-              <a:rPr lang="en-US" altLang="zh-CN" sz="2800" b="1" dirty="0" smtClean="0">
+              <a:rPr lang="en-US" altLang="zh-CN" sz="2800" b="1" smtClean="0">
                 <a:solidFill>
                   <a:schemeClr val="tx1">
                     <a:lumMod val="85000"/>
@@ -3749,9 +4031,22 @@
                 <a:latin typeface="微软雅黑" panose="020B0503020204020204" pitchFamily="34" charset="-122"/>
                 <a:ea typeface="微软雅黑" panose="020B0503020204020204" pitchFamily="34" charset="-122"/>
               </a:rPr>
-              <a:t>Replication Controller</a:t>
-            </a:r>
-            <a:endParaRPr lang="zh-CN" altLang="en-US" sz="2800" b="1" kern="1200" dirty="0">
+              <a:t>k8s-</a:t>
+            </a:r>
+            <a:r>
+              <a:rPr lang="en-US" sz="2800" b="1" smtClean="0">
+                <a:solidFill>
+                  <a:schemeClr val="tx1">
+                    <a:lumMod val="85000"/>
+                    <a:lumOff val="15000"/>
+                  </a:schemeClr>
+                </a:solidFill>
+                <a:latin typeface="微软雅黑" panose="020B0503020204020204" pitchFamily="34" charset="-122"/>
+                <a:ea typeface="微软雅黑" panose="020B0503020204020204" pitchFamily="34" charset="-122"/>
+              </a:rPr>
+              <a:t>Volume&amp;Persistent Volume</a:t>
+            </a:r>
+            <a:endParaRPr lang="en-US" sz="2800" b="1" kern="1200">
               <a:solidFill>
                 <a:schemeClr val="tx1">
                   <a:lumMod val="85000"/>
@@ -3862,14 +4157,14 @@
       </p:sp>
       <p:sp>
         <p:nvSpPr>
-          <p:cNvPr id="7" name="文本框 6"/>
+          <p:cNvPr id="3" name="文本框 2"/>
           <p:cNvSpPr txBox="1"/>
           <p:nvPr/>
         </p:nvSpPr>
         <p:spPr>
           <a:xfrm>
-            <a:off x="488875" y="773881"/>
-            <a:ext cx="11528313" cy="5078313"/>
+            <a:off x="488874" y="773881"/>
+            <a:ext cx="11528314" cy="2030095"/>
           </a:xfrm>
           <a:prstGeom prst="rect">
             <a:avLst/>
@@ -3883,434 +4178,178 @@
           <a:lstStyle/>
           <a:p>
             <a:r>
-              <a:rPr lang="zh-CN" altLang="en-US" dirty="0" smtClean="0"/>
-              <a:t>副本控制器</a:t>
-            </a:r>
-            <a:r>
-              <a:rPr lang="en-US" altLang="zh-CN" dirty="0" smtClean="0"/>
-              <a:t>RC</a:t>
-            </a:r>
-            <a:endParaRPr lang="en-US" altLang="zh-CN" dirty="0" smtClean="0"/>
-          </a:p>
-          <a:p>
-            <a:r>
-              <a:rPr lang="en-US" altLang="zh-CN" dirty="0" smtClean="0"/>
+              <a:rPr lang="en-US" altLang="zh-CN" smtClean="0"/>
+              <a:t>k8s</a:t>
+            </a:r>
+            <a:r>
+              <a:rPr lang="zh-CN" altLang="en-US" smtClean="0"/>
+              <a:t>的</a:t>
+            </a:r>
+            <a:r>
+              <a:rPr lang="en-US" altLang="zh-CN" smtClean="0"/>
+              <a:t>Volume</a:t>
+            </a:r>
+            <a:r>
+              <a:rPr lang="zh-CN" altLang="en-US" smtClean="0"/>
+              <a:t>是</a:t>
+            </a:r>
+            <a:r>
+              <a:rPr lang="en-US" altLang="zh-CN" smtClean="0"/>
+              <a:t>Pod</a:t>
+            </a:r>
+            <a:r>
+              <a:rPr lang="zh-CN" altLang="en-US" smtClean="0"/>
+              <a:t>的存储空间，可以被</a:t>
+            </a:r>
+            <a:r>
+              <a:rPr lang="en-US" altLang="zh-CN" smtClean="0"/>
+              <a:t>Pod</a:t>
+            </a:r>
+            <a:r>
+              <a:rPr lang="zh-CN" altLang="en-US" smtClean="0"/>
+              <a:t>中的容器共享。</a:t>
+            </a:r>
+          </a:p>
+          <a:p>
+            <a:r>
+              <a:rPr lang="en-US" altLang="zh-CN" smtClean="0"/>
+              <a:t>Volume</a:t>
+            </a:r>
+            <a:r>
+              <a:rPr lang="zh-CN" altLang="en-US" smtClean="0"/>
+              <a:t>的生命周期和</a:t>
+            </a:r>
+            <a:r>
+              <a:rPr lang="en-US" altLang="zh-CN" smtClean="0"/>
+              <a:t>Pod</a:t>
+            </a:r>
+            <a:r>
+              <a:rPr lang="zh-CN" altLang="en-US" smtClean="0"/>
+              <a:t>相同，不受</a:t>
+            </a:r>
+            <a:r>
+              <a:rPr lang="en-US" altLang="zh-CN" smtClean="0"/>
+              <a:t>Pod</a:t>
+            </a:r>
+            <a:r>
+              <a:rPr lang="zh-CN" altLang="en-US" smtClean="0"/>
+              <a:t>中容器启动、停止、删除的影响。</a:t>
+            </a:r>
+          </a:p>
+          <a:p>
+            <a:endParaRPr lang="zh-CN" altLang="en-US" smtClean="0"/>
+          </a:p>
+          <a:p>
+            <a:r>
+              <a:rPr lang="en-US" altLang="zh-CN" smtClean="0"/>
+              <a:t>PV</a:t>
+            </a:r>
+            <a:r>
+              <a:rPr lang="zh-CN" altLang="en-US" smtClean="0"/>
+              <a:t>和普通</a:t>
+            </a:r>
+            <a:r>
+              <a:rPr lang="en-US" altLang="zh-CN" smtClean="0"/>
+              <a:t>Volume</a:t>
+            </a:r>
+            <a:r>
+              <a:rPr lang="zh-CN" altLang="en-US" smtClean="0"/>
+              <a:t>的区别在于：</a:t>
+            </a:r>
+          </a:p>
+          <a:p>
+            <a:r>
+              <a:rPr lang="en-US" altLang="zh-CN" smtClean="0"/>
               <a:t>1</a:t>
             </a:r>
             <a:r>
-              <a:rPr lang="zh-CN" altLang="en-US" dirty="0" smtClean="0"/>
-              <a:t>、确保集群中有且仅有</a:t>
-            </a:r>
-            <a:r>
-              <a:rPr lang="en-US" altLang="zh-CN" dirty="0" smtClean="0"/>
-              <a:t>N</a:t>
-            </a:r>
-            <a:r>
-              <a:rPr lang="zh-CN" altLang="en-US" dirty="0" smtClean="0"/>
-              <a:t>个</a:t>
-            </a:r>
-            <a:r>
-              <a:rPr lang="en-US" altLang="zh-CN" dirty="0" smtClean="0"/>
+              <a:rPr lang="zh-CN" altLang="en-US" smtClean="0"/>
+              <a:t>、</a:t>
+            </a:r>
+            <a:r>
+              <a:rPr lang="en-US" altLang="zh-CN" smtClean="0"/>
+              <a:t>PV</a:t>
+            </a:r>
+            <a:r>
+              <a:rPr lang="zh-CN" altLang="en-US" smtClean="0"/>
+              <a:t>不属于任何</a:t>
+            </a:r>
+            <a:r>
+              <a:rPr lang="en-US" altLang="zh-CN" smtClean="0"/>
+              <a:t>Node</a:t>
+            </a:r>
+            <a:r>
+              <a:rPr lang="zh-CN" altLang="en-US" smtClean="0"/>
+              <a:t>，但是可以在每个</a:t>
+            </a:r>
+            <a:r>
+              <a:rPr lang="en-US" altLang="zh-CN" smtClean="0"/>
+              <a:t>Node</a:t>
+            </a:r>
+            <a:r>
+              <a:rPr lang="zh-CN" altLang="en-US" smtClean="0"/>
+              <a:t>上访问。</a:t>
+            </a:r>
+          </a:p>
+          <a:p>
+            <a:r>
+              <a:rPr lang="en-US" altLang="zh-CN" smtClean="0"/>
+              <a:t>2</a:t>
+            </a:r>
+            <a:r>
+              <a:rPr lang="zh-CN" altLang="en-US" smtClean="0"/>
+              <a:t>、</a:t>
+            </a:r>
+            <a:r>
+              <a:rPr lang="en-US" altLang="zh-CN" smtClean="0"/>
+              <a:t>PV</a:t>
+            </a:r>
+            <a:r>
+              <a:rPr lang="zh-CN" altLang="en-US" smtClean="0"/>
+              <a:t>不是定义在</a:t>
+            </a:r>
+            <a:r>
+              <a:rPr lang="en-US" altLang="zh-CN" smtClean="0"/>
               <a:t>Pod</a:t>
             </a:r>
             <a:r>
-              <a:rPr lang="zh-CN" altLang="en-US" dirty="0" smtClean="0"/>
-              <a:t>实例。</a:t>
-            </a:r>
-            <a:r>
-              <a:rPr lang="en-US" altLang="zh-CN" dirty="0" smtClean="0"/>
-              <a:t>N</a:t>
-            </a:r>
-            <a:r>
-              <a:rPr lang="zh-CN" altLang="en-US" dirty="0" smtClean="0"/>
-              <a:t>是设定的副本数量。</a:t>
-            </a:r>
-            <a:endParaRPr lang="en-US" altLang="zh-CN" dirty="0" smtClean="0"/>
-          </a:p>
-          <a:p>
-            <a:r>
-              <a:rPr lang="en-US" altLang="zh-CN" dirty="0" smtClean="0"/>
-              <a:t>2</a:t>
-            </a:r>
-            <a:r>
-              <a:rPr lang="zh-CN" altLang="en-US" dirty="0" smtClean="0"/>
-              <a:t>、通过</a:t>
-            </a:r>
-            <a:r>
-              <a:rPr lang="en-US" altLang="zh-CN" dirty="0" err="1" smtClean="0"/>
-              <a:t>spec.replicas</a:t>
-            </a:r>
-            <a:r>
-              <a:rPr lang="zh-CN" altLang="en-US" dirty="0" smtClean="0"/>
-              <a:t>属性值来实现系统扩容或缩容。</a:t>
-            </a:r>
-            <a:endParaRPr lang="en-US" altLang="zh-CN" dirty="0" smtClean="0"/>
-          </a:p>
-          <a:p>
-            <a:r>
-              <a:rPr lang="en-US" altLang="zh-CN" dirty="0" smtClean="0"/>
+              <a:rPr lang="zh-CN" altLang="en-US" smtClean="0"/>
+              <a:t>上，而是独立于</a:t>
+            </a:r>
+            <a:r>
+              <a:rPr lang="en-US" altLang="zh-CN" smtClean="0"/>
+              <a:t>Pod</a:t>
+            </a:r>
+            <a:r>
+              <a:rPr lang="zh-CN" altLang="en-US" smtClean="0"/>
+              <a:t>的存在。</a:t>
+            </a:r>
+          </a:p>
+          <a:p>
+            <a:r>
+              <a:rPr lang="en-US" altLang="zh-CN" smtClean="0"/>
               <a:t>3</a:t>
             </a:r>
             <a:r>
-              <a:rPr lang="zh-CN" altLang="en-US" dirty="0" smtClean="0"/>
-              <a:t>、通过改变</a:t>
-            </a:r>
-            <a:r>
-              <a:rPr lang="en-US" altLang="zh-CN" dirty="0" smtClean="0"/>
-              <a:t>Pod</a:t>
-            </a:r>
-            <a:r>
-              <a:rPr lang="zh-CN" altLang="en-US" dirty="0" smtClean="0"/>
-              <a:t>模板来实现系统的滚动升级。</a:t>
-            </a:r>
-            <a:endParaRPr lang="en-US" altLang="zh-CN" dirty="0" smtClean="0"/>
-          </a:p>
-          <a:p>
-            <a:endParaRPr lang="en-US" altLang="zh-CN" dirty="0" smtClean="0"/>
-          </a:p>
-          <a:p>
-            <a:r>
-              <a:rPr lang="en-US" altLang="zh-CN" dirty="0" smtClean="0"/>
-              <a:t>RC</a:t>
-            </a:r>
-            <a:r>
-              <a:rPr lang="zh-CN" altLang="en-US" dirty="0" smtClean="0"/>
-              <a:t>的定义中几个重要的内容：</a:t>
-            </a:r>
-            <a:endParaRPr lang="en-US" altLang="zh-CN" dirty="0" smtClean="0"/>
-          </a:p>
-          <a:p>
-            <a:r>
-              <a:rPr lang="en-US" altLang="zh-CN" dirty="0" smtClean="0"/>
-              <a:t>1</a:t>
-            </a:r>
-            <a:r>
-              <a:rPr lang="zh-CN" altLang="en-US" dirty="0" smtClean="0"/>
-              <a:t>、预期的</a:t>
-            </a:r>
-            <a:r>
-              <a:rPr lang="en-US" altLang="zh-CN" dirty="0" smtClean="0"/>
-              <a:t>Pod</a:t>
-            </a:r>
-            <a:r>
-              <a:rPr lang="zh-CN" altLang="en-US" dirty="0" smtClean="0"/>
-              <a:t>数量。</a:t>
-            </a:r>
-            <a:endParaRPr lang="en-US" altLang="zh-CN" dirty="0" smtClean="0"/>
-          </a:p>
-          <a:p>
-            <a:r>
-              <a:rPr lang="en-US" altLang="zh-CN" dirty="0" smtClean="0"/>
-              <a:t>2</a:t>
-            </a:r>
-            <a:r>
-              <a:rPr lang="zh-CN" altLang="en-US" dirty="0" smtClean="0"/>
-              <a:t>、用于查找</a:t>
-            </a:r>
-            <a:r>
-              <a:rPr lang="en-US" altLang="zh-CN" dirty="0" smtClean="0"/>
-              <a:t>Pod</a:t>
-            </a:r>
-            <a:r>
-              <a:rPr lang="zh-CN" altLang="en-US" dirty="0" smtClean="0"/>
-              <a:t>的</a:t>
-            </a:r>
-            <a:r>
-              <a:rPr lang="en-US" altLang="zh-CN" dirty="0" smtClean="0"/>
-              <a:t>Label Selector</a:t>
-            </a:r>
-            <a:r>
-              <a:rPr lang="zh-CN" altLang="en-US" dirty="0" smtClean="0"/>
-              <a:t>。</a:t>
-            </a:r>
-            <a:endParaRPr lang="en-US" altLang="zh-CN" dirty="0" smtClean="0"/>
-          </a:p>
-          <a:p>
-            <a:r>
-              <a:rPr lang="en-US" altLang="zh-CN" dirty="0" smtClean="0"/>
-              <a:t>3</a:t>
-            </a:r>
-            <a:r>
-              <a:rPr lang="zh-CN" altLang="en-US" dirty="0" smtClean="0"/>
-              <a:t>、当</a:t>
-            </a:r>
-            <a:r>
-              <a:rPr lang="en-US" altLang="zh-CN" dirty="0" smtClean="0"/>
-              <a:t>Pod</a:t>
-            </a:r>
-            <a:r>
-              <a:rPr lang="zh-CN" altLang="en-US" dirty="0" smtClean="0"/>
-              <a:t>数量小于预期数量时，用于创建</a:t>
-            </a:r>
-            <a:r>
-              <a:rPr lang="en-US" altLang="zh-CN" dirty="0" smtClean="0"/>
-              <a:t>Pod</a:t>
-            </a:r>
-            <a:r>
-              <a:rPr lang="zh-CN" altLang="en-US" dirty="0" smtClean="0"/>
-              <a:t>的模板。</a:t>
-            </a:r>
-            <a:endParaRPr lang="en-US" altLang="zh-CN" dirty="0" smtClean="0"/>
-          </a:p>
-          <a:p>
-            <a:endParaRPr lang="en-US" altLang="zh-CN" dirty="0"/>
-          </a:p>
-          <a:p>
-            <a:r>
-              <a:rPr lang="zh-CN" altLang="en-US" dirty="0" smtClean="0"/>
-              <a:t>在</a:t>
-            </a:r>
-            <a:r>
-              <a:rPr lang="en-US" altLang="zh-CN" dirty="0" smtClean="0"/>
-              <a:t>k8s 1.2</a:t>
-            </a:r>
-            <a:r>
-              <a:rPr lang="zh-CN" altLang="en-US" dirty="0" smtClean="0"/>
-              <a:t>版本之后</a:t>
-            </a:r>
-            <a:r>
-              <a:rPr lang="en-US" altLang="zh-CN" dirty="0" smtClean="0"/>
-              <a:t>RC</a:t>
-            </a:r>
-            <a:r>
-              <a:rPr lang="zh-CN" altLang="en-US" dirty="0" smtClean="0"/>
-              <a:t>升级为</a:t>
-            </a:r>
-            <a:r>
-              <a:rPr lang="en-US" altLang="zh-CN" dirty="0" smtClean="0"/>
-              <a:t>Replica Set</a:t>
-            </a:r>
-            <a:r>
-              <a:rPr lang="zh-CN" altLang="en-US" dirty="0" smtClean="0"/>
-              <a:t>，</a:t>
-            </a:r>
-            <a:r>
-              <a:rPr lang="en-US" altLang="zh-CN" dirty="0" smtClean="0"/>
-              <a:t>RS</a:t>
-            </a:r>
-            <a:r>
-              <a:rPr lang="zh-CN" altLang="en-US" dirty="0" smtClean="0"/>
-              <a:t>就支持了</a:t>
-            </a:r>
-            <a:r>
-              <a:rPr lang="en-US" altLang="zh-CN" dirty="0" err="1" smtClean="0"/>
-              <a:t>Lable</a:t>
-            </a:r>
-            <a:r>
-              <a:rPr lang="zh-CN" altLang="en-US" dirty="0" smtClean="0"/>
-              <a:t>章节里说的使用集合的形式查找</a:t>
-            </a:r>
-            <a:r>
-              <a:rPr lang="en-US" altLang="zh-CN" dirty="0" smtClean="0"/>
-              <a:t>Pod</a:t>
-            </a:r>
-            <a:r>
-              <a:rPr lang="zh-CN" altLang="en-US" dirty="0" smtClean="0"/>
-              <a:t>的功能。</a:t>
-            </a:r>
-            <a:endParaRPr lang="en-US" altLang="zh-CN" dirty="0" smtClean="0"/>
-          </a:p>
-          <a:p>
-            <a:endParaRPr lang="en-US" altLang="zh-CN" dirty="0"/>
-          </a:p>
-          <a:p>
-            <a:r>
-              <a:rPr lang="zh-CN" altLang="en-US" dirty="0" smtClean="0"/>
-              <a:t>需要注意的是：</a:t>
-            </a:r>
-            <a:endParaRPr lang="en-US" altLang="zh-CN" dirty="0" smtClean="0"/>
-          </a:p>
-          <a:p>
-            <a:r>
-              <a:rPr lang="en-US" altLang="zh-CN" dirty="0" smtClean="0"/>
-              <a:t>1</a:t>
-            </a:r>
-            <a:r>
-              <a:rPr lang="zh-CN" altLang="en-US" dirty="0" smtClean="0"/>
+              <a:rPr lang="zh-CN" altLang="en-US" smtClean="0"/>
               <a:t>、</a:t>
             </a:r>
             <a:r>
-              <a:rPr lang="en-US" altLang="zh-CN" dirty="0" smtClean="0"/>
-              <a:t>Pod</a:t>
-            </a:r>
-            <a:r>
-              <a:rPr lang="zh-CN" altLang="en-US" dirty="0" smtClean="0"/>
-              <a:t>实例和</a:t>
-            </a:r>
-            <a:r>
-              <a:rPr lang="en-US" altLang="zh-CN" dirty="0" smtClean="0"/>
-              <a:t>Pod</a:t>
-            </a:r>
-            <a:r>
-              <a:rPr lang="zh-CN" altLang="en-US" dirty="0" smtClean="0"/>
-              <a:t>模板无关。</a:t>
-            </a:r>
-            <a:r>
-              <a:rPr lang="en-US" altLang="zh-CN" dirty="0" smtClean="0"/>
-              <a:t>Pod</a:t>
-            </a:r>
-            <a:r>
-              <a:rPr lang="zh-CN" altLang="en-US" dirty="0" smtClean="0"/>
-              <a:t>实例一旦被创建就和模板没有关系，模板如果发生变化不会影响到已经创建的</a:t>
-            </a:r>
-            <a:r>
-              <a:rPr lang="en-US" altLang="zh-CN" dirty="0" smtClean="0"/>
-              <a:t>Pod</a:t>
-            </a:r>
-            <a:r>
-              <a:rPr lang="zh-CN" altLang="en-US" dirty="0" smtClean="0"/>
-              <a:t>实例。</a:t>
-            </a:r>
-            <a:endParaRPr lang="en-US" altLang="zh-CN" dirty="0" smtClean="0"/>
-          </a:p>
-          <a:p>
-            <a:r>
-              <a:rPr lang="en-US" altLang="zh-CN" dirty="0" smtClean="0"/>
-              <a:t>2</a:t>
-            </a:r>
-            <a:r>
-              <a:rPr lang="zh-CN" altLang="en-US" dirty="0" smtClean="0"/>
-              <a:t>、只有</a:t>
-            </a:r>
-            <a:r>
-              <a:rPr lang="en-US" altLang="zh-CN" dirty="0" smtClean="0"/>
-              <a:t>Pod</a:t>
-            </a:r>
-            <a:r>
-              <a:rPr lang="zh-CN" altLang="en-US" dirty="0" smtClean="0"/>
-              <a:t>重启策略是</a:t>
-            </a:r>
-            <a:r>
-              <a:rPr lang="en-US" altLang="zh-CN" dirty="0" smtClean="0"/>
-              <a:t>always</a:t>
-            </a:r>
-            <a:r>
-              <a:rPr lang="zh-CN" altLang="en-US" dirty="0" smtClean="0"/>
-              <a:t>，副本控制器才会管理该</a:t>
-            </a:r>
-            <a:r>
-              <a:rPr lang="en-US" altLang="zh-CN" dirty="0" smtClean="0"/>
-              <a:t>Pod</a:t>
-            </a:r>
-            <a:r>
-              <a:rPr lang="zh-CN" altLang="en-US" dirty="0" smtClean="0"/>
-              <a:t>的操作（创建、销毁、重启）。</a:t>
-            </a:r>
-            <a:endParaRPr lang="en-US" altLang="zh-CN" dirty="0" smtClean="0"/>
-          </a:p>
-          <a:p>
-            <a:r>
-              <a:rPr lang="en-US" altLang="zh-CN" dirty="0" smtClean="0"/>
-              <a:t>3</a:t>
-            </a:r>
-            <a:r>
-              <a:rPr lang="zh-CN" altLang="en-US" dirty="0" smtClean="0"/>
-              <a:t>、</a:t>
-            </a:r>
-            <a:r>
-              <a:rPr lang="en-US" altLang="zh-CN" dirty="0" smtClean="0"/>
-              <a:t>Pod</a:t>
-            </a:r>
-            <a:r>
-              <a:rPr lang="zh-CN" altLang="en-US" dirty="0" smtClean="0"/>
-              <a:t>可以通过修改</a:t>
-            </a:r>
-            <a:r>
-              <a:rPr lang="en-US" altLang="zh-CN" dirty="0"/>
-              <a:t>L</a:t>
-            </a:r>
-            <a:r>
-              <a:rPr lang="en-US" altLang="zh-CN" dirty="0" smtClean="0"/>
-              <a:t>abel</a:t>
-            </a:r>
-            <a:r>
-              <a:rPr lang="zh-CN" altLang="en-US" dirty="0" smtClean="0"/>
-              <a:t>来脱离副本控制器的管理，便于</a:t>
-            </a:r>
-            <a:r>
-              <a:rPr lang="en-US" altLang="zh-CN" dirty="0" smtClean="0"/>
-              <a:t>Pod</a:t>
-            </a:r>
-            <a:r>
-              <a:rPr lang="zh-CN" altLang="en-US" dirty="0" smtClean="0"/>
-              <a:t>的迁移和调试等。</a:t>
-            </a:r>
-            <a:endParaRPr lang="en-US" altLang="zh-CN" dirty="0" smtClean="0"/>
-          </a:p>
-          <a:p>
-            <a:r>
-              <a:rPr lang="en-US" altLang="zh-CN" dirty="0" smtClean="0"/>
-              <a:t>4</a:t>
-            </a:r>
-            <a:r>
-              <a:rPr lang="zh-CN" altLang="en-US" dirty="0" smtClean="0"/>
-              <a:t>、删除</a:t>
-            </a:r>
-            <a:r>
-              <a:rPr lang="en-US" altLang="zh-CN" dirty="0" smtClean="0"/>
-              <a:t>RC</a:t>
-            </a:r>
-            <a:r>
-              <a:rPr lang="zh-CN" altLang="en-US" dirty="0" smtClean="0"/>
-              <a:t>并不会删除</a:t>
-            </a:r>
-            <a:r>
-              <a:rPr lang="en-US" altLang="zh-CN" dirty="0" smtClean="0"/>
-              <a:t>RC</a:t>
-            </a:r>
-            <a:r>
-              <a:rPr lang="zh-CN" altLang="en-US" dirty="0" smtClean="0"/>
-              <a:t>所创建的</a:t>
-            </a:r>
-            <a:r>
-              <a:rPr lang="en-US" altLang="zh-CN" dirty="0" smtClean="0"/>
-              <a:t>Pod</a:t>
-            </a:r>
-            <a:r>
-              <a:rPr lang="zh-CN" altLang="en-US" dirty="0" smtClean="0"/>
-              <a:t>，如果需要删除</a:t>
-            </a:r>
-            <a:r>
-              <a:rPr lang="en-US" altLang="zh-CN" dirty="0" smtClean="0"/>
-              <a:t>RC</a:t>
-            </a:r>
-            <a:r>
-              <a:rPr lang="zh-CN" altLang="en-US" dirty="0" smtClean="0"/>
-              <a:t>的</a:t>
-            </a:r>
-            <a:r>
-              <a:rPr lang="en-US" altLang="zh-CN" dirty="0" smtClean="0"/>
-              <a:t>Pod</a:t>
-            </a:r>
-            <a:r>
-              <a:rPr lang="zh-CN" altLang="en-US" dirty="0" smtClean="0"/>
-              <a:t>，需要将预期</a:t>
-            </a:r>
-            <a:r>
-              <a:rPr lang="en-US" altLang="zh-CN" dirty="0" smtClean="0"/>
-              <a:t>Pod</a:t>
-            </a:r>
-            <a:r>
-              <a:rPr lang="zh-CN" altLang="en-US" dirty="0" smtClean="0"/>
-              <a:t>数量设置为</a:t>
-            </a:r>
-            <a:r>
-              <a:rPr lang="en-US" altLang="zh-CN" dirty="0" smtClean="0"/>
-              <a:t>0</a:t>
-            </a:r>
-            <a:r>
-              <a:rPr lang="zh-CN" altLang="en-US" dirty="0" smtClean="0"/>
-              <a:t>，然后更新</a:t>
-            </a:r>
-            <a:r>
-              <a:rPr lang="en-US" altLang="zh-CN" dirty="0" smtClean="0"/>
-              <a:t>RC</a:t>
-            </a:r>
-            <a:r>
-              <a:rPr lang="zh-CN" altLang="en-US" dirty="0" smtClean="0"/>
-              <a:t>。</a:t>
-            </a:r>
-            <a:endParaRPr lang="zh-CN" altLang="en-US" dirty="0"/>
+              <a:rPr lang="en-US" altLang="zh-CN" smtClean="0"/>
+              <a:t>PV</a:t>
+            </a:r>
+            <a:r>
+              <a:rPr lang="zh-CN" altLang="en-US" smtClean="0"/>
+              <a:t>支持的存储类型没有</a:t>
+            </a:r>
+            <a:r>
+              <a:rPr lang="en-US" altLang="zh-CN" smtClean="0"/>
+              <a:t>Volume</a:t>
+            </a:r>
+            <a:r>
+              <a:rPr lang="zh-CN" altLang="en-US" smtClean="0"/>
+              <a:t>多。</a:t>
+            </a:r>
           </a:p>
         </p:txBody>
       </p:sp>
@@ -4348,7 +4387,7 @@
           <p:nvPr/>
         </p:nvPicPr>
         <p:blipFill>
-          <a:blip r:embed="rId1" cstate="print">
+          <a:blip r:embed="rId2" cstate="print">
             <a:extLst>
               <a:ext uri="{28A0092B-C50C-407E-A947-70E740481C1C}">
                 <a14:useLocalDpi xmlns:a14="http://schemas.microsoft.com/office/drawing/2010/main" val="0"/>
@@ -4377,8 +4416,8 @@
         </p:nvSpPr>
         <p:spPr>
           <a:xfrm>
-            <a:off x="488875" y="158339"/>
-            <a:ext cx="3695197" cy="615542"/>
+            <a:off x="488950" y="158115"/>
+            <a:ext cx="6327775" cy="615315"/>
           </a:xfrm>
           <a:prstGeom prst="rect">
             <a:avLst/>
@@ -4469,7 +4508,7 @@
               <a:buNone/>
             </a:pPr>
             <a:r>
-              <a:rPr lang="en-US" altLang="zh-CN" sz="2800" b="1" dirty="0">
+              <a:rPr lang="en-US" altLang="zh-CN" sz="2800" b="1" smtClean="0">
                 <a:solidFill>
                   <a:schemeClr val="tx1">
                     <a:lumMod val="85000"/>
@@ -4479,10 +4518,10 @@
                 <a:latin typeface="微软雅黑" panose="020B0503020204020204" pitchFamily="34" charset="-122"/>
                 <a:ea typeface="微软雅黑" panose="020B0503020204020204" pitchFamily="34" charset="-122"/>
               </a:rPr>
-              <a:t>Node</a:t>
-            </a:r>
-            <a:r>
-              <a:rPr lang="en-US" altLang="zh-CN" sz="2800" b="1" dirty="0" smtClean="0">
+              <a:t>k8s-</a:t>
+            </a:r>
+            <a:r>
+              <a:rPr lang="en-US" altLang="zh-CN" sz="2800" b="1" smtClean="0">
                 <a:solidFill>
                   <a:schemeClr val="tx1">
                     <a:lumMod val="85000"/>
@@ -4492,9 +4531,9 @@
                 <a:latin typeface="微软雅黑" panose="020B0503020204020204" pitchFamily="34" charset="-122"/>
                 <a:ea typeface="微软雅黑" panose="020B0503020204020204" pitchFamily="34" charset="-122"/>
               </a:rPr>
-              <a:t> Controller</a:t>
-            </a:r>
-            <a:endParaRPr lang="zh-CN" altLang="en-US" sz="2800" b="1" kern="1200" dirty="0">
+              <a:t>Namespace</a:t>
+            </a:r>
+            <a:endParaRPr lang="en-US" sz="2800" b="1" kern="1200">
               <a:solidFill>
                 <a:schemeClr val="tx1">
                   <a:lumMod val="85000"/>
@@ -4612,7 +4651,7 @@
         <p:spPr>
           <a:xfrm>
             <a:off x="488874" y="773881"/>
-            <a:ext cx="11528313" cy="369332"/>
+            <a:ext cx="11528314" cy="1477328"/>
           </a:xfrm>
           <a:prstGeom prst="rect">
             <a:avLst/>
@@ -4626,74 +4665,107 @@
           <a:lstStyle/>
           <a:p>
             <a:r>
-              <a:rPr lang="en-US" altLang="zh-CN" dirty="0" smtClean="0"/>
-              <a:t>Node controller</a:t>
-            </a:r>
-            <a:r>
-              <a:rPr lang="zh-CN" altLang="en-US" dirty="0" smtClean="0"/>
-              <a:t>通过</a:t>
-            </a:r>
-            <a:r>
-              <a:rPr lang="en-US" altLang="zh-CN" dirty="0" smtClean="0"/>
-              <a:t>API server</a:t>
-            </a:r>
-            <a:r>
-              <a:rPr lang="zh-CN" altLang="en-US" dirty="0" smtClean="0"/>
-              <a:t>从</a:t>
-            </a:r>
-            <a:r>
-              <a:rPr lang="en-US" altLang="zh-CN" dirty="0" err="1" smtClean="0"/>
-              <a:t>etcd</a:t>
-            </a:r>
-            <a:r>
-              <a:rPr lang="zh-CN" altLang="en-US" dirty="0" smtClean="0"/>
-              <a:t>中获取</a:t>
-            </a:r>
-            <a:r>
-              <a:rPr lang="en-US" altLang="zh-CN" dirty="0" smtClean="0"/>
-              <a:t>Node</a:t>
-            </a:r>
-            <a:r>
-              <a:rPr lang="zh-CN" altLang="en-US" dirty="0" smtClean="0"/>
-              <a:t>的相关信息，管理和监控集群中各个</a:t>
-            </a:r>
-            <a:r>
-              <a:rPr lang="en-US" altLang="zh-CN" dirty="0" smtClean="0"/>
-              <a:t>Node</a:t>
-            </a:r>
-            <a:r>
-              <a:rPr lang="zh-CN" altLang="en-US" dirty="0" smtClean="0"/>
-              <a:t>节点。</a:t>
-            </a:r>
-            <a:endParaRPr lang="zh-CN" altLang="en-US" dirty="0"/>
-          </a:p>
-        </p:txBody>
-      </p:sp>
-      <p:pic>
-        <p:nvPicPr>
-          <p:cNvPr id="7" name="图片 6"/>
-          <p:cNvPicPr>
-            <a:picLocks noChangeAspect="1"/>
-          </p:cNvPicPr>
-          <p:nvPr/>
-        </p:nvPicPr>
-        <p:blipFill>
-          <a:blip r:embed="rId2"/>
-          <a:stretch>
-            <a:fillRect/>
-          </a:stretch>
-        </p:blipFill>
-        <p:spPr>
-          <a:xfrm>
-            <a:off x="2681283" y="1143213"/>
-            <a:ext cx="6857143" cy="5209524"/>
-          </a:xfrm>
-          <a:prstGeom prst="rect">
-            <a:avLst/>
-          </a:prstGeom>
-        </p:spPr>
-      </p:pic>
+              <a:rPr lang="zh-CN" altLang="en-US" smtClean="0"/>
+              <a:t>命名空间是用来实现多租户的资源隔离。</a:t>
+            </a:r>
+            <a:endParaRPr lang="en-US" altLang="zh-CN"/>
+          </a:p>
+          <a:p>
+            <a:r>
+              <a:rPr lang="zh-CN" altLang="en-US" smtClean="0"/>
+              <a:t>除了资源隔离以外，还可以通过</a:t>
+            </a:r>
+            <a:r>
+              <a:rPr lang="en-US" altLang="zh-CN" smtClean="0"/>
+              <a:t>Namespace</a:t>
+            </a:r>
+            <a:r>
+              <a:rPr lang="zh-CN" altLang="en-US" smtClean="0"/>
+              <a:t>来设定每个租户能够占用的资源量，比如</a:t>
+            </a:r>
+            <a:r>
+              <a:rPr lang="en-US" altLang="zh-CN" smtClean="0"/>
+              <a:t>CPU</a:t>
+            </a:r>
+            <a:r>
+              <a:rPr lang="zh-CN" altLang="en-US" smtClean="0"/>
+              <a:t>、内存等的使用量。</a:t>
+            </a:r>
+            <a:endParaRPr lang="en-US" altLang="zh-CN" smtClean="0"/>
+          </a:p>
+          <a:p>
+            <a:endParaRPr lang="en-US" altLang="zh-CN"/>
+          </a:p>
+          <a:p>
+            <a:r>
+              <a:rPr lang="en-US" altLang="zh-CN" err="1" smtClean="0"/>
+              <a:t>kubectl</a:t>
+            </a:r>
+            <a:r>
+              <a:rPr lang="en-US" altLang="zh-CN" smtClean="0"/>
+              <a:t> get namespaces </a:t>
+            </a:r>
+            <a:r>
+              <a:rPr lang="zh-CN" altLang="en-US" smtClean="0"/>
+              <a:t>查看</a:t>
+            </a:r>
+            <a:r>
+              <a:rPr lang="en-US" altLang="zh-CN" smtClean="0"/>
+              <a:t>k8s</a:t>
+            </a:r>
+            <a:r>
+              <a:rPr lang="zh-CN" altLang="en-US" smtClean="0"/>
+              <a:t>集群的</a:t>
+            </a:r>
+            <a:r>
+              <a:rPr lang="en-US" altLang="zh-CN" smtClean="0"/>
+              <a:t>namespace</a:t>
+            </a:r>
+            <a:r>
+              <a:rPr lang="zh-CN" altLang="en-US" smtClean="0"/>
+              <a:t>。</a:t>
+            </a:r>
+            <a:endParaRPr lang="en-US" altLang="zh-CN" smtClean="0"/>
+          </a:p>
+          <a:p>
+            <a:r>
+              <a:rPr lang="en-US" altLang="zh-CN" err="1" smtClean="0"/>
+              <a:t>kubectl</a:t>
+            </a:r>
+            <a:r>
+              <a:rPr lang="en-US" altLang="zh-CN" smtClean="0"/>
+              <a:t> get pods –namespace==AAA </a:t>
+            </a:r>
+            <a:r>
+              <a:rPr lang="zh-CN" altLang="en-US" smtClean="0"/>
+              <a:t>查看某一个</a:t>
+            </a:r>
+            <a:r>
+              <a:rPr lang="en-US" altLang="zh-CN" smtClean="0"/>
+              <a:t>namespace</a:t>
+            </a:r>
+            <a:r>
+              <a:rPr lang="zh-CN" altLang="en-US" smtClean="0"/>
+              <a:t>内的</a:t>
+            </a:r>
+            <a:r>
+              <a:rPr lang="en-US" altLang="zh-CN" smtClean="0"/>
+              <a:t>pods</a:t>
+            </a:r>
+            <a:r>
+              <a:rPr lang="zh-CN" altLang="en-US" smtClean="0"/>
+              <a:t>。</a:t>
+            </a:r>
+            <a:endParaRPr lang="zh-CN" altLang="en-US" smtClean="0"/>
+          </a:p>
+        </p:txBody>
+      </p:sp>
     </p:spTree>
+    <p:extLst>
+      <p:ext uri="{BB962C8B-B14F-4D97-AF65-F5344CB8AC3E}">
+        <p14:creationId xmlns:p14="http://schemas.microsoft.com/office/powerpoint/2010/main" val="3942324642"/>
+      </p:ext>
+    </p:extLst>
   </p:cSld>
   <p:clrMapOvr>
     <a:masterClrMapping/>
@@ -4727,7 +4799,7 @@
           <p:nvPr/>
         </p:nvPicPr>
         <p:blipFill>
-          <a:blip r:embed="rId1" cstate="print">
+          <a:blip r:embed="rId2" cstate="print">
             <a:extLst>
               <a:ext uri="{28A0092B-C50C-407E-A947-70E740481C1C}">
                 <a14:useLocalDpi xmlns:a14="http://schemas.microsoft.com/office/drawing/2010/main" val="0"/>
@@ -4757,7 +4829,7 @@
         <p:spPr>
           <a:xfrm>
             <a:off x="488875" y="158339"/>
-            <a:ext cx="5011380" cy="615542"/>
+            <a:ext cx="3695197" cy="615542"/>
           </a:xfrm>
           <a:prstGeom prst="rect">
             <a:avLst/>
@@ -4848,7 +4920,7 @@
               <a:buNone/>
             </a:pPr>
             <a:r>
-              <a:rPr lang="en-US" altLang="zh-CN" sz="2800" b="1" dirty="0" err="1" smtClean="0">
+              <a:rPr lang="en-US" altLang="zh-CN" sz="2800" b="1" smtClean="0">
                 <a:solidFill>
                   <a:schemeClr val="tx1">
                     <a:lumMod val="85000"/>
@@ -4858,22 +4930,9 @@
                 <a:latin typeface="微软雅黑" panose="020B0503020204020204" pitchFamily="34" charset="-122"/>
                 <a:ea typeface="微软雅黑" panose="020B0503020204020204" pitchFamily="34" charset="-122"/>
               </a:rPr>
-              <a:t>ResourceQuota</a:t>
-            </a:r>
-            <a:r>
-              <a:rPr lang="en-US" altLang="zh-CN" sz="2800" b="1" dirty="0" smtClean="0">
-                <a:solidFill>
-                  <a:schemeClr val="tx1">
-                    <a:lumMod val="85000"/>
-                    <a:lumOff val="15000"/>
-                  </a:schemeClr>
-                </a:solidFill>
-                <a:latin typeface="微软雅黑" panose="020B0503020204020204" pitchFamily="34" charset="-122"/>
-                <a:ea typeface="微软雅黑" panose="020B0503020204020204" pitchFamily="34" charset="-122"/>
-              </a:rPr>
-              <a:t> Controller</a:t>
-            </a:r>
-            <a:endParaRPr lang="zh-CN" altLang="en-US" sz="2800" b="1" kern="1200" dirty="0">
+              <a:t>API Server</a:t>
+            </a:r>
+            <a:endParaRPr lang="zh-CN" altLang="en-US" sz="2800" b="1" kern="1200">
               <a:solidFill>
                 <a:schemeClr val="tx1">
                   <a:lumMod val="85000"/>
@@ -4984,6 +5043,2096 @@
       </p:sp>
       <p:sp>
         <p:nvSpPr>
+          <p:cNvPr id="7" name="文本框 6"/>
+          <p:cNvSpPr txBox="1"/>
+          <p:nvPr/>
+        </p:nvSpPr>
+        <p:spPr>
+          <a:xfrm>
+            <a:off x="637309" y="928255"/>
+            <a:ext cx="11208327" cy="3970318"/>
+          </a:xfrm>
+          <a:prstGeom prst="rect">
+            <a:avLst/>
+          </a:prstGeom>
+          <a:noFill/>
+        </p:spPr>
+        <p:txBody>
+          <a:bodyPr wrap="square" rtlCol="0">
+            <a:spAutoFit/>
+          </a:bodyPr>
+          <a:lstStyle/>
+          <a:p>
+            <a:r>
+              <a:rPr lang="en-US" altLang="zh-CN" smtClean="0"/>
+              <a:t>1</a:t>
+            </a:r>
+            <a:r>
+              <a:rPr lang="zh-CN" altLang="en-US" smtClean="0"/>
+              <a:t>、提供了用户管理集群的</a:t>
+            </a:r>
+            <a:r>
+              <a:rPr lang="en-US" altLang="zh-CN" smtClean="0"/>
+              <a:t>API</a:t>
+            </a:r>
+            <a:r>
+              <a:rPr lang="zh-CN" altLang="en-US" smtClean="0"/>
+              <a:t>接口，包括认证、校验、状态变更等。</a:t>
+            </a:r>
+            <a:endParaRPr lang="en-US" altLang="zh-CN" smtClean="0"/>
+          </a:p>
+          <a:p>
+            <a:r>
+              <a:rPr lang="en-US" altLang="zh-CN" smtClean="0"/>
+              <a:t>2</a:t>
+            </a:r>
+            <a:r>
+              <a:rPr lang="zh-CN" altLang="en-US" smtClean="0"/>
+              <a:t>、提供了模块间数据交互的接口。只有</a:t>
+            </a:r>
+            <a:r>
+              <a:rPr lang="en-US" altLang="zh-CN" smtClean="0"/>
+              <a:t>API server</a:t>
+            </a:r>
+            <a:r>
+              <a:rPr lang="zh-CN" altLang="en-US" smtClean="0"/>
+              <a:t>才能直接操作</a:t>
+            </a:r>
+            <a:r>
+              <a:rPr lang="en-US" altLang="zh-CN" err="1" smtClean="0"/>
+              <a:t>etcd</a:t>
+            </a:r>
+            <a:r>
+              <a:rPr lang="zh-CN" altLang="en-US" smtClean="0"/>
+              <a:t>。</a:t>
+            </a:r>
+            <a:endParaRPr lang="en-US" altLang="zh-CN" smtClean="0"/>
+          </a:p>
+          <a:p>
+            <a:endParaRPr lang="en-US" altLang="zh-CN"/>
+          </a:p>
+          <a:p>
+            <a:r>
+              <a:rPr lang="en-US" altLang="zh-CN" smtClean="0"/>
+              <a:t>k8s</a:t>
+            </a:r>
+            <a:r>
+              <a:rPr lang="zh-CN" altLang="en-US" smtClean="0"/>
+              <a:t>通过</a:t>
+            </a:r>
+            <a:r>
+              <a:rPr lang="en-US" altLang="zh-CN" err="1" smtClean="0"/>
+              <a:t>kube-apiserver</a:t>
+            </a:r>
+            <a:r>
+              <a:rPr lang="zh-CN" altLang="en-US" smtClean="0"/>
+              <a:t>这个进程提供</a:t>
+            </a:r>
+            <a:r>
+              <a:rPr lang="en-US" altLang="zh-CN" smtClean="0"/>
+              <a:t>API</a:t>
+            </a:r>
+            <a:r>
+              <a:rPr lang="zh-CN" altLang="en-US" smtClean="0"/>
+              <a:t>服务，有两个服务端口。</a:t>
+            </a:r>
+            <a:endParaRPr lang="en-US" altLang="zh-CN" smtClean="0"/>
+          </a:p>
+          <a:p>
+            <a:r>
+              <a:rPr lang="zh-CN" altLang="en-US" smtClean="0"/>
+              <a:t>本地端口</a:t>
+            </a:r>
+            <a:endParaRPr lang="en-US" altLang="zh-CN" smtClean="0"/>
+          </a:p>
+          <a:p>
+            <a:r>
+              <a:rPr lang="en-US" altLang="zh-CN" smtClean="0"/>
+              <a:t>-</a:t>
+            </a:r>
+            <a:r>
+              <a:rPr lang="zh-CN" altLang="en-US" smtClean="0"/>
+              <a:t>默认</a:t>
+            </a:r>
+            <a:r>
+              <a:rPr lang="en-US" altLang="zh-CN" smtClean="0"/>
+              <a:t>8080</a:t>
+            </a:r>
+            <a:r>
+              <a:rPr lang="zh-CN" altLang="en-US" smtClean="0"/>
+              <a:t>，通过启动参数</a:t>
+            </a:r>
+            <a:r>
+              <a:rPr lang="en-US" altLang="zh-CN" smtClean="0"/>
+              <a:t>—insecure-port</a:t>
+            </a:r>
+            <a:r>
+              <a:rPr lang="zh-CN" altLang="en-US" smtClean="0"/>
+              <a:t>来修改默认端口。</a:t>
+            </a:r>
+            <a:endParaRPr lang="en-US" altLang="zh-CN" smtClean="0"/>
+          </a:p>
+          <a:p>
+            <a:r>
+              <a:rPr lang="en-US" altLang="zh-CN" smtClean="0"/>
+              <a:t>-</a:t>
+            </a:r>
+            <a:r>
+              <a:rPr lang="zh-CN" altLang="en-US" smtClean="0"/>
+              <a:t>默认</a:t>
+            </a:r>
+            <a:r>
+              <a:rPr lang="en-US" altLang="zh-CN" smtClean="0"/>
+              <a:t>IP</a:t>
+            </a:r>
+            <a:r>
+              <a:rPr lang="zh-CN" altLang="en-US" smtClean="0"/>
+              <a:t>地址为</a:t>
+            </a:r>
+            <a:r>
+              <a:rPr lang="en-US" altLang="zh-CN" smtClean="0"/>
+              <a:t>localhost</a:t>
+            </a:r>
+            <a:r>
+              <a:rPr lang="zh-CN" altLang="en-US" smtClean="0"/>
+              <a:t>，通过启动参数</a:t>
+            </a:r>
+            <a:r>
+              <a:rPr lang="en-US" altLang="zh-CN" smtClean="0"/>
+              <a:t>—insecure-bind-address</a:t>
+            </a:r>
+            <a:r>
+              <a:rPr lang="zh-CN" altLang="en-US" smtClean="0"/>
+              <a:t>来修改</a:t>
+            </a:r>
+            <a:r>
+              <a:rPr lang="en-US" altLang="zh-CN" smtClean="0"/>
+              <a:t>IP</a:t>
+            </a:r>
+            <a:r>
+              <a:rPr lang="zh-CN" altLang="en-US" smtClean="0"/>
+              <a:t>地址。</a:t>
+            </a:r>
+            <a:endParaRPr lang="en-US" altLang="zh-CN" smtClean="0"/>
+          </a:p>
+          <a:p>
+            <a:r>
+              <a:rPr lang="en-US" altLang="zh-CN" smtClean="0"/>
+              <a:t>-</a:t>
+            </a:r>
+            <a:r>
+              <a:rPr lang="zh-CN" altLang="en-US" smtClean="0"/>
+              <a:t>用于接收</a:t>
+            </a:r>
+            <a:r>
+              <a:rPr lang="en-US" altLang="zh-CN" smtClean="0"/>
+              <a:t>HTTP</a:t>
+            </a:r>
+            <a:r>
+              <a:rPr lang="zh-CN" altLang="en-US" smtClean="0"/>
+              <a:t>请求，不需要认证或授权通过该端口访问</a:t>
+            </a:r>
+            <a:r>
+              <a:rPr lang="en-US" altLang="zh-CN" smtClean="0"/>
+              <a:t>API server</a:t>
+            </a:r>
+            <a:r>
+              <a:rPr lang="zh-CN" altLang="en-US" smtClean="0"/>
+              <a:t>。</a:t>
+            </a:r>
+            <a:endParaRPr lang="en-US" altLang="zh-CN" smtClean="0"/>
+          </a:p>
+          <a:p>
+            <a:endParaRPr lang="en-US" altLang="zh-CN"/>
+          </a:p>
+          <a:p>
+            <a:r>
+              <a:rPr lang="zh-CN" altLang="en-US" smtClean="0"/>
+              <a:t>安全端口</a:t>
+            </a:r>
+            <a:endParaRPr lang="en-US" altLang="zh-CN" smtClean="0"/>
+          </a:p>
+          <a:p>
+            <a:r>
+              <a:rPr lang="en-US" altLang="zh-CN" smtClean="0"/>
+              <a:t>-</a:t>
+            </a:r>
+            <a:r>
+              <a:rPr lang="zh-CN" altLang="en-US" smtClean="0"/>
+              <a:t>默认</a:t>
+            </a:r>
+            <a:r>
+              <a:rPr lang="en-US" altLang="zh-CN" smtClean="0"/>
+              <a:t>6443</a:t>
+            </a:r>
+            <a:r>
+              <a:rPr lang="zh-CN" altLang="en-US" smtClean="0"/>
+              <a:t>，通过启动参数</a:t>
+            </a:r>
+            <a:r>
+              <a:rPr lang="en-US" altLang="zh-CN" smtClean="0"/>
+              <a:t>—secure-port</a:t>
+            </a:r>
+            <a:r>
+              <a:rPr lang="zh-CN" altLang="en-US" smtClean="0"/>
+              <a:t>来修改默认端口。</a:t>
+            </a:r>
+            <a:endParaRPr lang="en-US" altLang="zh-CN" smtClean="0"/>
+          </a:p>
+          <a:p>
+            <a:r>
+              <a:rPr lang="en-US" altLang="zh-CN" smtClean="0"/>
+              <a:t>-</a:t>
+            </a:r>
+            <a:r>
+              <a:rPr lang="zh-CN" altLang="en-US" smtClean="0"/>
+              <a:t>默认</a:t>
+            </a:r>
+            <a:r>
+              <a:rPr lang="en-US" altLang="zh-CN" smtClean="0"/>
+              <a:t>IP</a:t>
+            </a:r>
+            <a:r>
+              <a:rPr lang="zh-CN" altLang="en-US" smtClean="0"/>
+              <a:t>地址为？？，通过启动参数</a:t>
+            </a:r>
+            <a:r>
+              <a:rPr lang="en-US" altLang="zh-CN" smtClean="0"/>
+              <a:t>—bind-address</a:t>
+            </a:r>
+            <a:r>
+              <a:rPr lang="zh-CN" altLang="en-US" smtClean="0"/>
+              <a:t>来修改</a:t>
+            </a:r>
+            <a:r>
+              <a:rPr lang="en-US" altLang="zh-CN" smtClean="0"/>
+              <a:t>IP</a:t>
+            </a:r>
+            <a:r>
+              <a:rPr lang="zh-CN" altLang="en-US" smtClean="0"/>
+              <a:t>地址。</a:t>
+            </a:r>
+            <a:endParaRPr lang="en-US" altLang="zh-CN" smtClean="0"/>
+          </a:p>
+          <a:p>
+            <a:r>
+              <a:rPr lang="en-US" altLang="zh-CN" smtClean="0"/>
+              <a:t>-</a:t>
+            </a:r>
+            <a:r>
+              <a:rPr lang="zh-CN" altLang="en-US" smtClean="0"/>
+              <a:t>用于接收</a:t>
+            </a:r>
+            <a:r>
+              <a:rPr lang="en-US" altLang="zh-CN" smtClean="0"/>
+              <a:t>HTTPS</a:t>
+            </a:r>
+            <a:r>
+              <a:rPr lang="zh-CN" altLang="en-US" smtClean="0"/>
+              <a:t>请求，基于</a:t>
+            </a:r>
+            <a:r>
+              <a:rPr lang="en-US" altLang="zh-CN" err="1" smtClean="0"/>
+              <a:t>tocken</a:t>
+            </a:r>
+            <a:r>
+              <a:rPr lang="zh-CN" altLang="en-US" smtClean="0"/>
+              <a:t>文件或者证书及</a:t>
+            </a:r>
+            <a:r>
+              <a:rPr lang="en-US" altLang="zh-CN" smtClean="0"/>
+              <a:t>HTTP Base</a:t>
+            </a:r>
+            <a:r>
+              <a:rPr lang="zh-CN" altLang="en-US" smtClean="0"/>
+              <a:t>的认证。</a:t>
+            </a:r>
+            <a:endParaRPr lang="en-US" altLang="zh-CN" smtClean="0"/>
+          </a:p>
+          <a:p>
+            <a:r>
+              <a:rPr lang="en-US" altLang="zh-CN" smtClean="0"/>
+              <a:t>-</a:t>
+            </a:r>
+            <a:r>
+              <a:rPr lang="zh-CN" altLang="en-US" smtClean="0"/>
+              <a:t>默认不启动访问控制策略。</a:t>
+            </a:r>
+            <a:endParaRPr lang="zh-CN" altLang="en-US"/>
+          </a:p>
+        </p:txBody>
+      </p:sp>
+    </p:spTree>
+  </p:cSld>
+  <p:clrMapOvr>
+    <a:masterClrMapping/>
+  </p:clrMapOvr>
+</p:sld>
+</file>
+
+<file path=ppt/slides/slide14.xml><?xml version="1.0" encoding="utf-8"?>
+<p:sld xmlns:a="http://schemas.openxmlformats.org/drawingml/2006/main" xmlns:r="http://schemas.openxmlformats.org/officeDocument/2006/relationships" xmlns:p="http://schemas.openxmlformats.org/presentationml/2006/main">
+  <p:cSld>
+    <p:spTree>
+      <p:nvGrpSpPr>
+        <p:cNvPr id="1" name=""/>
+        <p:cNvGrpSpPr/>
+        <p:nvPr/>
+      </p:nvGrpSpPr>
+      <p:grpSpPr>
+        <a:xfrm>
+          <a:off x="0" y="0"/>
+          <a:ext cx="0" cy="0"/>
+          <a:chOff x="0" y="0"/>
+          <a:chExt cx="0" cy="0"/>
+        </a:xfrm>
+      </p:grpSpPr>
+      <p:pic>
+        <p:nvPicPr>
+          <p:cNvPr id="2" name="图片 1"/>
+          <p:cNvPicPr>
+            <a:picLocks noChangeAspect="1"/>
+          </p:cNvPicPr>
+          <p:nvPr/>
+        </p:nvPicPr>
+        <p:blipFill>
+          <a:blip r:embed="rId2" cstate="print">
+            <a:extLst>
+              <a:ext uri="{28A0092B-C50C-407E-A947-70E740481C1C}">
+                <a14:useLocalDpi xmlns:a14="http://schemas.microsoft.com/office/drawing/2010/main" val="0"/>
+              </a:ext>
+            </a:extLst>
+          </a:blip>
+          <a:stretch>
+            <a:fillRect/>
+          </a:stretch>
+        </p:blipFill>
+        <p:spPr>
+          <a:xfrm>
+            <a:off x="10332227" y="6333564"/>
+            <a:ext cx="1684961" cy="430306"/>
+          </a:xfrm>
+          <a:prstGeom prst="rect">
+            <a:avLst/>
+          </a:prstGeom>
+        </p:spPr>
+      </p:pic>
+      <p:sp>
+        <p:nvSpPr>
+          <p:cNvPr id="4" name="文本占位符 1"/>
+          <p:cNvSpPr txBox="1"/>
+          <p:nvPr/>
+        </p:nvSpPr>
+        <p:spPr>
+          <a:xfrm>
+            <a:off x="488875" y="158339"/>
+            <a:ext cx="3695197" cy="615542"/>
+          </a:xfrm>
+          <a:prstGeom prst="rect">
+            <a:avLst/>
+          </a:prstGeom>
+          <a:noFill/>
+        </p:spPr>
+        <p:style>
+          <a:lnRef idx="0">
+            <a:scrgbClr r="0" g="0" b="0"/>
+          </a:lnRef>
+          <a:fillRef idx="0">
+            <a:scrgbClr r="0" g="0" b="0"/>
+          </a:fillRef>
+          <a:effectRef idx="0">
+            <a:scrgbClr r="0" g="0" b="0"/>
+          </a:effectRef>
+          <a:fontRef idx="major"/>
+        </p:style>
+        <p:txBody>
+          <a:bodyPr/>
+          <a:lstStyle>
+            <a:lvl1pPr>
+              <a:defRPr>
+                <a:latin typeface="+mj-lt"/>
+                <a:ea typeface="+mj-ea"/>
+                <a:cs typeface="+mj-cs"/>
+              </a:defRPr>
+            </a:lvl1pPr>
+            <a:lvl2pPr>
+              <a:defRPr>
+                <a:latin typeface="+mj-lt"/>
+                <a:ea typeface="+mj-ea"/>
+                <a:cs typeface="+mj-cs"/>
+              </a:defRPr>
+            </a:lvl2pPr>
+            <a:lvl3pPr>
+              <a:defRPr>
+                <a:latin typeface="+mj-lt"/>
+                <a:ea typeface="+mj-ea"/>
+                <a:cs typeface="+mj-cs"/>
+              </a:defRPr>
+            </a:lvl3pPr>
+            <a:lvl4pPr>
+              <a:defRPr>
+                <a:latin typeface="+mj-lt"/>
+                <a:ea typeface="+mj-ea"/>
+                <a:cs typeface="+mj-cs"/>
+              </a:defRPr>
+            </a:lvl4pPr>
+            <a:lvl5pPr>
+              <a:defRPr>
+                <a:latin typeface="+mj-lt"/>
+                <a:ea typeface="+mj-ea"/>
+                <a:cs typeface="+mj-cs"/>
+              </a:defRPr>
+            </a:lvl5pPr>
+            <a:lvl6pPr>
+              <a:defRPr>
+                <a:latin typeface="+mj-lt"/>
+                <a:ea typeface="+mj-ea"/>
+                <a:cs typeface="+mj-cs"/>
+              </a:defRPr>
+            </a:lvl6pPr>
+            <a:lvl7pPr>
+              <a:defRPr>
+                <a:latin typeface="+mj-lt"/>
+                <a:ea typeface="+mj-ea"/>
+                <a:cs typeface="+mj-cs"/>
+              </a:defRPr>
+            </a:lvl7pPr>
+            <a:lvl8pPr>
+              <a:defRPr>
+                <a:latin typeface="+mj-lt"/>
+                <a:ea typeface="+mj-ea"/>
+                <a:cs typeface="+mj-cs"/>
+              </a:defRPr>
+            </a:lvl8pPr>
+            <a:lvl9pPr>
+              <a:defRPr>
+                <a:latin typeface="+mj-lt"/>
+                <a:ea typeface="+mj-ea"/>
+                <a:cs typeface="+mj-cs"/>
+              </a:defRPr>
+            </a:lvl9pPr>
+          </a:lstStyle>
+          <a:p>
+            <a:pPr marL="0" indent="0">
+              <a:buNone/>
+            </a:pPr>
+            <a:r>
+              <a:rPr lang="en-US" altLang="zh-CN" sz="2800" b="1" smtClean="0">
+                <a:solidFill>
+                  <a:schemeClr val="tx1">
+                    <a:lumMod val="85000"/>
+                    <a:lumOff val="15000"/>
+                  </a:schemeClr>
+                </a:solidFill>
+                <a:latin typeface="微软雅黑" panose="020B0503020204020204" pitchFamily="34" charset="-122"/>
+                <a:ea typeface="微软雅黑" panose="020B0503020204020204" pitchFamily="34" charset="-122"/>
+              </a:rPr>
+              <a:t>Controller Manager</a:t>
+            </a:r>
+            <a:endParaRPr lang="zh-CN" altLang="en-US" sz="2800" b="1" kern="1200">
+              <a:solidFill>
+                <a:schemeClr val="tx1">
+                  <a:lumMod val="85000"/>
+                  <a:lumOff val="15000"/>
+                </a:schemeClr>
+              </a:solidFill>
+              <a:latin typeface="微软雅黑" panose="020B0503020204020204" pitchFamily="34" charset="-122"/>
+              <a:ea typeface="微软雅黑" panose="020B0503020204020204" pitchFamily="34" charset="-122"/>
+            </a:endParaRPr>
+          </a:p>
+        </p:txBody>
+      </p:sp>
+      <p:sp>
+        <p:nvSpPr>
+          <p:cNvPr id="5" name="矩形 4"/>
+          <p:cNvSpPr/>
+          <p:nvPr/>
+        </p:nvSpPr>
+        <p:spPr>
+          <a:xfrm>
+            <a:off x="0" y="438912"/>
+            <a:ext cx="347241" cy="151553"/>
+          </a:xfrm>
+          <a:prstGeom prst="rect">
+            <a:avLst/>
+          </a:prstGeom>
+          <a:solidFill>
+            <a:srgbClr val="0070C0"/>
+          </a:solidFill>
+          <a:ln>
+            <a:noFill/>
+          </a:ln>
+        </p:spPr>
+        <p:style>
+          <a:lnRef idx="2">
+            <a:schemeClr val="accent1">
+              <a:shade val="50000"/>
+            </a:schemeClr>
+          </a:lnRef>
+          <a:fillRef idx="1">
+            <a:schemeClr val="accent1"/>
+          </a:fillRef>
+          <a:effectRef idx="0">
+            <a:schemeClr val="accent1"/>
+          </a:effectRef>
+          <a:fontRef idx="minor">
+            <a:schemeClr val="lt1"/>
+          </a:fontRef>
+        </p:style>
+        <p:txBody>
+          <a:bodyPr rtlCol="0" anchor="ctr"/>
+          <a:lstStyle/>
+          <a:p>
+            <a:pPr algn="ctr"/>
+            <a:endParaRPr kumimoji="1" lang="zh-CN" altLang="en-US"/>
+          </a:p>
+        </p:txBody>
+      </p:sp>
+      <p:sp>
+        <p:nvSpPr>
+          <p:cNvPr id="6" name="矩形 5"/>
+          <p:cNvSpPr/>
+          <p:nvPr/>
+        </p:nvSpPr>
+        <p:spPr>
+          <a:xfrm>
+            <a:off x="396278" y="438912"/>
+            <a:ext cx="92598" cy="151553"/>
+          </a:xfrm>
+          <a:prstGeom prst="rect">
+            <a:avLst/>
+          </a:prstGeom>
+          <a:solidFill>
+            <a:srgbClr val="999999"/>
+          </a:solidFill>
+          <a:ln>
+            <a:noFill/>
+          </a:ln>
+        </p:spPr>
+        <p:style>
+          <a:lnRef idx="2">
+            <a:schemeClr val="accent1">
+              <a:shade val="50000"/>
+            </a:schemeClr>
+          </a:lnRef>
+          <a:fillRef idx="1">
+            <a:schemeClr val="accent1"/>
+          </a:fillRef>
+          <a:effectRef idx="0">
+            <a:schemeClr val="accent1"/>
+          </a:effectRef>
+          <a:fontRef idx="minor">
+            <a:schemeClr val="lt1"/>
+          </a:fontRef>
+        </p:style>
+        <p:txBody>
+          <a:bodyPr rtlCol="0" anchor="ctr"/>
+          <a:lstStyle/>
+          <a:p>
+            <a:pPr algn="ctr"/>
+            <a:endParaRPr kumimoji="1" lang="zh-CN" altLang="en-US">
+              <a:solidFill>
+                <a:srgbClr val="999999"/>
+              </a:solidFill>
+            </a:endParaRPr>
+          </a:p>
+        </p:txBody>
+      </p:sp>
+      <p:sp>
+        <p:nvSpPr>
+          <p:cNvPr id="3" name="文本框 2"/>
+          <p:cNvSpPr txBox="1"/>
+          <p:nvPr/>
+        </p:nvSpPr>
+        <p:spPr>
+          <a:xfrm>
+            <a:off x="488875" y="773881"/>
+            <a:ext cx="5828798" cy="2308324"/>
+          </a:xfrm>
+          <a:prstGeom prst="rect">
+            <a:avLst/>
+          </a:prstGeom>
+          <a:noFill/>
+        </p:spPr>
+        <p:txBody>
+          <a:bodyPr wrap="square" rtlCol="0">
+            <a:spAutoFit/>
+          </a:bodyPr>
+          <a:lstStyle/>
+          <a:p>
+            <a:r>
+              <a:rPr lang="en-US" altLang="zh-CN" smtClean="0"/>
+              <a:t>Replication controller</a:t>
+            </a:r>
+          </a:p>
+          <a:p>
+            <a:r>
+              <a:rPr lang="en-US" altLang="zh-CN" smtClean="0"/>
+              <a:t>Node controller</a:t>
+            </a:r>
+          </a:p>
+          <a:p>
+            <a:r>
+              <a:rPr lang="en-US" altLang="zh-CN" err="1" smtClean="0"/>
+              <a:t>ResourceQuota</a:t>
+            </a:r>
+            <a:r>
+              <a:rPr lang="en-US" altLang="zh-CN" smtClean="0"/>
+              <a:t> controller</a:t>
+            </a:r>
+          </a:p>
+          <a:p>
+            <a:r>
+              <a:rPr lang="en-US" altLang="zh-CN" smtClean="0"/>
+              <a:t>Namespace controller</a:t>
+            </a:r>
+          </a:p>
+          <a:p>
+            <a:r>
+              <a:rPr lang="en-US" altLang="zh-CN" err="1" smtClean="0"/>
+              <a:t>ServiceAccout</a:t>
+            </a:r>
+            <a:r>
+              <a:rPr lang="en-US" altLang="zh-CN" smtClean="0"/>
+              <a:t> controller</a:t>
+            </a:r>
+          </a:p>
+          <a:p>
+            <a:r>
+              <a:rPr lang="en-US" altLang="zh-CN" smtClean="0"/>
+              <a:t>Token controller</a:t>
+            </a:r>
+          </a:p>
+          <a:p>
+            <a:r>
+              <a:rPr lang="en-US" altLang="zh-CN" smtClean="0"/>
+              <a:t>Service controller</a:t>
+            </a:r>
+          </a:p>
+          <a:p>
+            <a:r>
+              <a:rPr lang="en-US" altLang="zh-CN" smtClean="0"/>
+              <a:t>Endpoint controller</a:t>
+            </a:r>
+            <a:endParaRPr lang="zh-CN" altLang="en-US"/>
+          </a:p>
+        </p:txBody>
+      </p:sp>
+    </p:spTree>
+  </p:cSld>
+  <p:clrMapOvr>
+    <a:masterClrMapping/>
+  </p:clrMapOvr>
+</p:sld>
+</file>
+
+<file path=ppt/slides/slide15.xml><?xml version="1.0" encoding="utf-8"?>
+<p:sld xmlns:a="http://schemas.openxmlformats.org/drawingml/2006/main" xmlns:r="http://schemas.openxmlformats.org/officeDocument/2006/relationships" xmlns:p="http://schemas.openxmlformats.org/presentationml/2006/main">
+  <p:cSld>
+    <p:spTree>
+      <p:nvGrpSpPr>
+        <p:cNvPr id="1" name=""/>
+        <p:cNvGrpSpPr/>
+        <p:nvPr/>
+      </p:nvGrpSpPr>
+      <p:grpSpPr>
+        <a:xfrm>
+          <a:off x="0" y="0"/>
+          <a:ext cx="0" cy="0"/>
+          <a:chOff x="0" y="0"/>
+          <a:chExt cx="0" cy="0"/>
+        </a:xfrm>
+      </p:grpSpPr>
+      <p:pic>
+        <p:nvPicPr>
+          <p:cNvPr id="2" name="图片 1"/>
+          <p:cNvPicPr>
+            <a:picLocks noChangeAspect="1"/>
+          </p:cNvPicPr>
+          <p:nvPr/>
+        </p:nvPicPr>
+        <p:blipFill>
+          <a:blip r:embed="rId2" cstate="print">
+            <a:extLst>
+              <a:ext uri="{28A0092B-C50C-407E-A947-70E740481C1C}">
+                <a14:useLocalDpi xmlns:a14="http://schemas.microsoft.com/office/drawing/2010/main" val="0"/>
+              </a:ext>
+            </a:extLst>
+          </a:blip>
+          <a:stretch>
+            <a:fillRect/>
+          </a:stretch>
+        </p:blipFill>
+        <p:spPr>
+          <a:xfrm>
+            <a:off x="10332227" y="6333564"/>
+            <a:ext cx="1684961" cy="430306"/>
+          </a:xfrm>
+          <a:prstGeom prst="rect">
+            <a:avLst/>
+          </a:prstGeom>
+        </p:spPr>
+      </p:pic>
+      <p:sp>
+        <p:nvSpPr>
+          <p:cNvPr id="4" name="文本占位符 1"/>
+          <p:cNvSpPr txBox="1"/>
+          <p:nvPr/>
+        </p:nvSpPr>
+        <p:spPr>
+          <a:xfrm>
+            <a:off x="488875" y="158339"/>
+            <a:ext cx="4124689" cy="615542"/>
+          </a:xfrm>
+          <a:prstGeom prst="rect">
+            <a:avLst/>
+          </a:prstGeom>
+          <a:noFill/>
+        </p:spPr>
+        <p:style>
+          <a:lnRef idx="0">
+            <a:scrgbClr r="0" g="0" b="0"/>
+          </a:lnRef>
+          <a:fillRef idx="0">
+            <a:scrgbClr r="0" g="0" b="0"/>
+          </a:fillRef>
+          <a:effectRef idx="0">
+            <a:scrgbClr r="0" g="0" b="0"/>
+          </a:effectRef>
+          <a:fontRef idx="major"/>
+        </p:style>
+        <p:txBody>
+          <a:bodyPr/>
+          <a:lstStyle>
+            <a:lvl1pPr>
+              <a:defRPr>
+                <a:latin typeface="+mj-lt"/>
+                <a:ea typeface="+mj-ea"/>
+                <a:cs typeface="+mj-cs"/>
+              </a:defRPr>
+            </a:lvl1pPr>
+            <a:lvl2pPr>
+              <a:defRPr>
+                <a:latin typeface="+mj-lt"/>
+                <a:ea typeface="+mj-ea"/>
+                <a:cs typeface="+mj-cs"/>
+              </a:defRPr>
+            </a:lvl2pPr>
+            <a:lvl3pPr>
+              <a:defRPr>
+                <a:latin typeface="+mj-lt"/>
+                <a:ea typeface="+mj-ea"/>
+                <a:cs typeface="+mj-cs"/>
+              </a:defRPr>
+            </a:lvl3pPr>
+            <a:lvl4pPr>
+              <a:defRPr>
+                <a:latin typeface="+mj-lt"/>
+                <a:ea typeface="+mj-ea"/>
+                <a:cs typeface="+mj-cs"/>
+              </a:defRPr>
+            </a:lvl4pPr>
+            <a:lvl5pPr>
+              <a:defRPr>
+                <a:latin typeface="+mj-lt"/>
+                <a:ea typeface="+mj-ea"/>
+                <a:cs typeface="+mj-cs"/>
+              </a:defRPr>
+            </a:lvl5pPr>
+            <a:lvl6pPr>
+              <a:defRPr>
+                <a:latin typeface="+mj-lt"/>
+                <a:ea typeface="+mj-ea"/>
+                <a:cs typeface="+mj-cs"/>
+              </a:defRPr>
+            </a:lvl6pPr>
+            <a:lvl7pPr>
+              <a:defRPr>
+                <a:latin typeface="+mj-lt"/>
+                <a:ea typeface="+mj-ea"/>
+                <a:cs typeface="+mj-cs"/>
+              </a:defRPr>
+            </a:lvl7pPr>
+            <a:lvl8pPr>
+              <a:defRPr>
+                <a:latin typeface="+mj-lt"/>
+                <a:ea typeface="+mj-ea"/>
+                <a:cs typeface="+mj-cs"/>
+              </a:defRPr>
+            </a:lvl8pPr>
+            <a:lvl9pPr>
+              <a:defRPr>
+                <a:latin typeface="+mj-lt"/>
+                <a:ea typeface="+mj-ea"/>
+                <a:cs typeface="+mj-cs"/>
+              </a:defRPr>
+            </a:lvl9pPr>
+          </a:lstStyle>
+          <a:p>
+            <a:pPr marL="0" indent="0">
+              <a:buNone/>
+            </a:pPr>
+            <a:r>
+              <a:rPr lang="en-US" altLang="zh-CN" sz="2800" b="1" smtClean="0">
+                <a:solidFill>
+                  <a:schemeClr val="tx1">
+                    <a:lumMod val="85000"/>
+                    <a:lumOff val="15000"/>
+                  </a:schemeClr>
+                </a:solidFill>
+                <a:latin typeface="微软雅黑" panose="020B0503020204020204" pitchFamily="34" charset="-122"/>
+                <a:ea typeface="微软雅黑" panose="020B0503020204020204" pitchFamily="34" charset="-122"/>
+              </a:rPr>
+              <a:t>Replication Controller</a:t>
+            </a:r>
+            <a:endParaRPr lang="zh-CN" altLang="en-US" sz="2800" b="1" kern="1200">
+              <a:solidFill>
+                <a:schemeClr val="tx1">
+                  <a:lumMod val="85000"/>
+                  <a:lumOff val="15000"/>
+                </a:schemeClr>
+              </a:solidFill>
+              <a:latin typeface="微软雅黑" panose="020B0503020204020204" pitchFamily="34" charset="-122"/>
+              <a:ea typeface="微软雅黑" panose="020B0503020204020204" pitchFamily="34" charset="-122"/>
+            </a:endParaRPr>
+          </a:p>
+        </p:txBody>
+      </p:sp>
+      <p:sp>
+        <p:nvSpPr>
+          <p:cNvPr id="5" name="矩形 4"/>
+          <p:cNvSpPr/>
+          <p:nvPr/>
+        </p:nvSpPr>
+        <p:spPr>
+          <a:xfrm>
+            <a:off x="0" y="438912"/>
+            <a:ext cx="347241" cy="151553"/>
+          </a:xfrm>
+          <a:prstGeom prst="rect">
+            <a:avLst/>
+          </a:prstGeom>
+          <a:solidFill>
+            <a:srgbClr val="0070C0"/>
+          </a:solidFill>
+          <a:ln>
+            <a:noFill/>
+          </a:ln>
+        </p:spPr>
+        <p:style>
+          <a:lnRef idx="2">
+            <a:schemeClr val="accent1">
+              <a:shade val="50000"/>
+            </a:schemeClr>
+          </a:lnRef>
+          <a:fillRef idx="1">
+            <a:schemeClr val="accent1"/>
+          </a:fillRef>
+          <a:effectRef idx="0">
+            <a:schemeClr val="accent1"/>
+          </a:effectRef>
+          <a:fontRef idx="minor">
+            <a:schemeClr val="lt1"/>
+          </a:fontRef>
+        </p:style>
+        <p:txBody>
+          <a:bodyPr rtlCol="0" anchor="ctr"/>
+          <a:lstStyle/>
+          <a:p>
+            <a:pPr algn="ctr"/>
+            <a:endParaRPr kumimoji="1" lang="zh-CN" altLang="en-US"/>
+          </a:p>
+        </p:txBody>
+      </p:sp>
+      <p:sp>
+        <p:nvSpPr>
+          <p:cNvPr id="6" name="矩形 5"/>
+          <p:cNvSpPr/>
+          <p:nvPr/>
+        </p:nvSpPr>
+        <p:spPr>
+          <a:xfrm>
+            <a:off x="396278" y="438912"/>
+            <a:ext cx="92598" cy="151553"/>
+          </a:xfrm>
+          <a:prstGeom prst="rect">
+            <a:avLst/>
+          </a:prstGeom>
+          <a:solidFill>
+            <a:srgbClr val="999999"/>
+          </a:solidFill>
+          <a:ln>
+            <a:noFill/>
+          </a:ln>
+        </p:spPr>
+        <p:style>
+          <a:lnRef idx="2">
+            <a:schemeClr val="accent1">
+              <a:shade val="50000"/>
+            </a:schemeClr>
+          </a:lnRef>
+          <a:fillRef idx="1">
+            <a:schemeClr val="accent1"/>
+          </a:fillRef>
+          <a:effectRef idx="0">
+            <a:schemeClr val="accent1"/>
+          </a:effectRef>
+          <a:fontRef idx="minor">
+            <a:schemeClr val="lt1"/>
+          </a:fontRef>
+        </p:style>
+        <p:txBody>
+          <a:bodyPr rtlCol="0" anchor="ctr"/>
+          <a:lstStyle/>
+          <a:p>
+            <a:pPr algn="ctr"/>
+            <a:endParaRPr kumimoji="1" lang="zh-CN" altLang="en-US">
+              <a:solidFill>
+                <a:srgbClr val="999999"/>
+              </a:solidFill>
+            </a:endParaRPr>
+          </a:p>
+        </p:txBody>
+      </p:sp>
+      <p:sp>
+        <p:nvSpPr>
+          <p:cNvPr id="7" name="文本框 6"/>
+          <p:cNvSpPr txBox="1"/>
+          <p:nvPr/>
+        </p:nvSpPr>
+        <p:spPr>
+          <a:xfrm>
+            <a:off x="488875" y="773881"/>
+            <a:ext cx="11528313" cy="5078313"/>
+          </a:xfrm>
+          <a:prstGeom prst="rect">
+            <a:avLst/>
+          </a:prstGeom>
+          <a:noFill/>
+        </p:spPr>
+        <p:txBody>
+          <a:bodyPr wrap="square" rtlCol="0">
+            <a:spAutoFit/>
+          </a:bodyPr>
+          <a:lstStyle/>
+          <a:p>
+            <a:r>
+              <a:rPr lang="zh-CN" altLang="en-US" smtClean="0"/>
+              <a:t>副本控制器</a:t>
+            </a:r>
+            <a:r>
+              <a:rPr lang="en-US" altLang="zh-CN" smtClean="0"/>
+              <a:t>RC</a:t>
+            </a:r>
+          </a:p>
+          <a:p>
+            <a:r>
+              <a:rPr lang="en-US" altLang="zh-CN" smtClean="0"/>
+              <a:t>1</a:t>
+            </a:r>
+            <a:r>
+              <a:rPr lang="zh-CN" altLang="en-US" smtClean="0"/>
+              <a:t>、</a:t>
+            </a:r>
+            <a:r>
+              <a:rPr lang="zh-CN" altLang="en-US" smtClean="0"/>
+              <a:t>确保</a:t>
+            </a:r>
+            <a:r>
+              <a:rPr lang="en-US" altLang="zh-CN"/>
+              <a:t>Node</a:t>
+            </a:r>
+            <a:r>
+              <a:rPr lang="zh-CN" altLang="en-US" smtClean="0"/>
+              <a:t>中</a:t>
+            </a:r>
+            <a:r>
+              <a:rPr lang="zh-CN" altLang="en-US" smtClean="0"/>
+              <a:t>有且仅有</a:t>
+            </a:r>
+            <a:r>
+              <a:rPr lang="en-US" altLang="zh-CN" smtClean="0"/>
+              <a:t>N</a:t>
+            </a:r>
+            <a:r>
+              <a:rPr lang="zh-CN" altLang="en-US" smtClean="0"/>
+              <a:t>个</a:t>
+            </a:r>
+            <a:r>
+              <a:rPr lang="en-US" altLang="zh-CN" smtClean="0"/>
+              <a:t>Pod</a:t>
+            </a:r>
+            <a:r>
+              <a:rPr lang="zh-CN" altLang="en-US" smtClean="0"/>
+              <a:t>实例。</a:t>
+            </a:r>
+            <a:r>
+              <a:rPr lang="en-US" altLang="zh-CN" smtClean="0"/>
+              <a:t>N</a:t>
+            </a:r>
+            <a:r>
+              <a:rPr lang="zh-CN" altLang="en-US" smtClean="0"/>
+              <a:t>是设定的副本数量。</a:t>
+            </a:r>
+            <a:endParaRPr lang="en-US" altLang="zh-CN" smtClean="0"/>
+          </a:p>
+          <a:p>
+            <a:r>
+              <a:rPr lang="en-US" altLang="zh-CN" smtClean="0"/>
+              <a:t>2</a:t>
+            </a:r>
+            <a:r>
+              <a:rPr lang="zh-CN" altLang="en-US" smtClean="0"/>
+              <a:t>、通过</a:t>
+            </a:r>
+            <a:r>
+              <a:rPr lang="en-US" altLang="zh-CN" err="1" smtClean="0"/>
+              <a:t>spec.replicas</a:t>
+            </a:r>
+            <a:r>
+              <a:rPr lang="zh-CN" altLang="en-US" smtClean="0"/>
+              <a:t>属性值来实现系统扩容或缩容。</a:t>
+            </a:r>
+            <a:endParaRPr lang="en-US" altLang="zh-CN" smtClean="0"/>
+          </a:p>
+          <a:p>
+            <a:r>
+              <a:rPr lang="en-US" altLang="zh-CN" smtClean="0"/>
+              <a:t>3</a:t>
+            </a:r>
+            <a:r>
+              <a:rPr lang="zh-CN" altLang="en-US" smtClean="0"/>
+              <a:t>、通过改变</a:t>
+            </a:r>
+            <a:r>
+              <a:rPr lang="en-US" altLang="zh-CN" smtClean="0"/>
+              <a:t>Pod</a:t>
+            </a:r>
+            <a:r>
+              <a:rPr lang="zh-CN" altLang="en-US" smtClean="0"/>
+              <a:t>模板来实现系统的滚动升级。</a:t>
+            </a:r>
+            <a:endParaRPr lang="en-US" altLang="zh-CN" smtClean="0"/>
+          </a:p>
+          <a:p>
+            <a:endParaRPr lang="en-US" altLang="zh-CN" smtClean="0"/>
+          </a:p>
+          <a:p>
+            <a:r>
+              <a:rPr lang="en-US" altLang="zh-CN" smtClean="0"/>
+              <a:t>RC</a:t>
+            </a:r>
+            <a:r>
+              <a:rPr lang="zh-CN" altLang="en-US" smtClean="0"/>
+              <a:t>的定义中几个重要的内容：</a:t>
+            </a:r>
+            <a:endParaRPr lang="en-US" altLang="zh-CN" smtClean="0"/>
+          </a:p>
+          <a:p>
+            <a:r>
+              <a:rPr lang="en-US" altLang="zh-CN" smtClean="0"/>
+              <a:t>1</a:t>
+            </a:r>
+            <a:r>
+              <a:rPr lang="zh-CN" altLang="en-US" smtClean="0"/>
+              <a:t>、预期的</a:t>
+            </a:r>
+            <a:r>
+              <a:rPr lang="en-US" altLang="zh-CN" smtClean="0"/>
+              <a:t>Pod</a:t>
+            </a:r>
+            <a:r>
+              <a:rPr lang="zh-CN" altLang="en-US" smtClean="0"/>
+              <a:t>数量。</a:t>
+            </a:r>
+            <a:endParaRPr lang="en-US" altLang="zh-CN" smtClean="0"/>
+          </a:p>
+          <a:p>
+            <a:r>
+              <a:rPr lang="en-US" altLang="zh-CN" smtClean="0"/>
+              <a:t>2</a:t>
+            </a:r>
+            <a:r>
+              <a:rPr lang="zh-CN" altLang="en-US" smtClean="0"/>
+              <a:t>、用于查找</a:t>
+            </a:r>
+            <a:r>
+              <a:rPr lang="en-US" altLang="zh-CN" smtClean="0"/>
+              <a:t>Pod</a:t>
+            </a:r>
+            <a:r>
+              <a:rPr lang="zh-CN" altLang="en-US" smtClean="0"/>
+              <a:t>的</a:t>
+            </a:r>
+            <a:r>
+              <a:rPr lang="en-US" altLang="zh-CN" smtClean="0"/>
+              <a:t>Label Selector</a:t>
+            </a:r>
+            <a:r>
+              <a:rPr lang="zh-CN" altLang="en-US" smtClean="0"/>
+              <a:t>。</a:t>
+            </a:r>
+            <a:endParaRPr lang="en-US" altLang="zh-CN" smtClean="0"/>
+          </a:p>
+          <a:p>
+            <a:r>
+              <a:rPr lang="en-US" altLang="zh-CN" smtClean="0"/>
+              <a:t>3</a:t>
+            </a:r>
+            <a:r>
+              <a:rPr lang="zh-CN" altLang="en-US" smtClean="0"/>
+              <a:t>、当</a:t>
+            </a:r>
+            <a:r>
+              <a:rPr lang="en-US" altLang="zh-CN" smtClean="0"/>
+              <a:t>Pod</a:t>
+            </a:r>
+            <a:r>
+              <a:rPr lang="zh-CN" altLang="en-US" smtClean="0"/>
+              <a:t>数量小于预期数量时，用于创建</a:t>
+            </a:r>
+            <a:r>
+              <a:rPr lang="en-US" altLang="zh-CN" smtClean="0"/>
+              <a:t>Pod</a:t>
+            </a:r>
+            <a:r>
+              <a:rPr lang="zh-CN" altLang="en-US" smtClean="0"/>
+              <a:t>的模板。</a:t>
+            </a:r>
+            <a:endParaRPr lang="en-US" altLang="zh-CN" smtClean="0"/>
+          </a:p>
+          <a:p>
+            <a:endParaRPr lang="en-US" altLang="zh-CN"/>
+          </a:p>
+          <a:p>
+            <a:r>
+              <a:rPr lang="zh-CN" altLang="en-US" smtClean="0"/>
+              <a:t>在</a:t>
+            </a:r>
+            <a:r>
+              <a:rPr lang="en-US" altLang="zh-CN" smtClean="0"/>
+              <a:t>k8s 1.2</a:t>
+            </a:r>
+            <a:r>
+              <a:rPr lang="zh-CN" altLang="en-US" smtClean="0"/>
+              <a:t>版本之后</a:t>
+            </a:r>
+            <a:r>
+              <a:rPr lang="en-US" altLang="zh-CN" smtClean="0"/>
+              <a:t>RC</a:t>
+            </a:r>
+            <a:r>
+              <a:rPr lang="zh-CN" altLang="en-US" smtClean="0"/>
+              <a:t>升级为</a:t>
+            </a:r>
+            <a:r>
+              <a:rPr lang="en-US" altLang="zh-CN" smtClean="0"/>
+              <a:t>Replica Set</a:t>
+            </a:r>
+            <a:r>
+              <a:rPr lang="zh-CN" altLang="en-US" smtClean="0"/>
+              <a:t>，</a:t>
+            </a:r>
+            <a:r>
+              <a:rPr lang="en-US" altLang="zh-CN" smtClean="0"/>
+              <a:t>RS</a:t>
+            </a:r>
+            <a:r>
+              <a:rPr lang="zh-CN" altLang="en-US" smtClean="0"/>
+              <a:t>就支持了</a:t>
+            </a:r>
+            <a:r>
+              <a:rPr lang="en-US" altLang="zh-CN" err="1" smtClean="0"/>
+              <a:t>Lable</a:t>
+            </a:r>
+            <a:r>
+              <a:rPr lang="zh-CN" altLang="en-US" smtClean="0"/>
+              <a:t>章节里说的使用集合的形式查找</a:t>
+            </a:r>
+            <a:r>
+              <a:rPr lang="en-US" altLang="zh-CN" smtClean="0"/>
+              <a:t>Pod</a:t>
+            </a:r>
+            <a:r>
+              <a:rPr lang="zh-CN" altLang="en-US" smtClean="0"/>
+              <a:t>的功能。</a:t>
+            </a:r>
+            <a:endParaRPr lang="en-US" altLang="zh-CN" smtClean="0"/>
+          </a:p>
+          <a:p>
+            <a:endParaRPr lang="en-US" altLang="zh-CN"/>
+          </a:p>
+          <a:p>
+            <a:r>
+              <a:rPr lang="zh-CN" altLang="en-US" smtClean="0"/>
+              <a:t>需要注意的是：</a:t>
+            </a:r>
+            <a:endParaRPr lang="en-US" altLang="zh-CN" smtClean="0"/>
+          </a:p>
+          <a:p>
+            <a:r>
+              <a:rPr lang="en-US" altLang="zh-CN" smtClean="0"/>
+              <a:t>1</a:t>
+            </a:r>
+            <a:r>
+              <a:rPr lang="zh-CN" altLang="en-US" smtClean="0"/>
+              <a:t>、</a:t>
+            </a:r>
+            <a:r>
+              <a:rPr lang="en-US" altLang="zh-CN" smtClean="0"/>
+              <a:t>Pod</a:t>
+            </a:r>
+            <a:r>
+              <a:rPr lang="zh-CN" altLang="en-US" smtClean="0"/>
+              <a:t>实例和</a:t>
+            </a:r>
+            <a:r>
+              <a:rPr lang="en-US" altLang="zh-CN" smtClean="0"/>
+              <a:t>Pod</a:t>
+            </a:r>
+            <a:r>
+              <a:rPr lang="zh-CN" altLang="en-US" smtClean="0"/>
+              <a:t>模板无关。</a:t>
+            </a:r>
+            <a:r>
+              <a:rPr lang="en-US" altLang="zh-CN" smtClean="0"/>
+              <a:t>Pod</a:t>
+            </a:r>
+            <a:r>
+              <a:rPr lang="zh-CN" altLang="en-US" smtClean="0"/>
+              <a:t>实例一旦被创建就和模板没有关系，模板如果发生变化不会影响到已经创建的</a:t>
+            </a:r>
+            <a:r>
+              <a:rPr lang="en-US" altLang="zh-CN" smtClean="0"/>
+              <a:t>Pod</a:t>
+            </a:r>
+            <a:r>
+              <a:rPr lang="zh-CN" altLang="en-US" smtClean="0"/>
+              <a:t>实例。</a:t>
+            </a:r>
+            <a:endParaRPr lang="en-US" altLang="zh-CN" smtClean="0"/>
+          </a:p>
+          <a:p>
+            <a:r>
+              <a:rPr lang="en-US" altLang="zh-CN" smtClean="0"/>
+              <a:t>2</a:t>
+            </a:r>
+            <a:r>
+              <a:rPr lang="zh-CN" altLang="en-US" smtClean="0"/>
+              <a:t>、只有</a:t>
+            </a:r>
+            <a:r>
+              <a:rPr lang="en-US" altLang="zh-CN" smtClean="0"/>
+              <a:t>Pod</a:t>
+            </a:r>
+            <a:r>
+              <a:rPr lang="zh-CN" altLang="en-US" smtClean="0"/>
+              <a:t>重启策略是</a:t>
+            </a:r>
+            <a:r>
+              <a:rPr lang="en-US" altLang="zh-CN" smtClean="0"/>
+              <a:t>always</a:t>
+            </a:r>
+            <a:r>
+              <a:rPr lang="zh-CN" altLang="en-US" smtClean="0"/>
+              <a:t>，副本控制器才会管理该</a:t>
+            </a:r>
+            <a:r>
+              <a:rPr lang="en-US" altLang="zh-CN" smtClean="0"/>
+              <a:t>Pod</a:t>
+            </a:r>
+            <a:r>
+              <a:rPr lang="zh-CN" altLang="en-US" smtClean="0"/>
+              <a:t>的操作（创建、销毁、重启）。</a:t>
+            </a:r>
+            <a:endParaRPr lang="en-US" altLang="zh-CN" smtClean="0"/>
+          </a:p>
+          <a:p>
+            <a:r>
+              <a:rPr lang="en-US" altLang="zh-CN" smtClean="0"/>
+              <a:t>3</a:t>
+            </a:r>
+            <a:r>
+              <a:rPr lang="zh-CN" altLang="en-US" smtClean="0"/>
+              <a:t>、</a:t>
+            </a:r>
+            <a:r>
+              <a:rPr lang="en-US" altLang="zh-CN" smtClean="0"/>
+              <a:t>Pod</a:t>
+            </a:r>
+            <a:r>
+              <a:rPr lang="zh-CN" altLang="en-US" smtClean="0"/>
+              <a:t>可以通过修改</a:t>
+            </a:r>
+            <a:r>
+              <a:rPr lang="en-US" altLang="zh-CN"/>
+              <a:t>L</a:t>
+            </a:r>
+            <a:r>
+              <a:rPr lang="en-US" altLang="zh-CN" smtClean="0"/>
+              <a:t>abel</a:t>
+            </a:r>
+            <a:r>
+              <a:rPr lang="zh-CN" altLang="en-US" smtClean="0"/>
+              <a:t>来脱离副本控制器的管理，便于</a:t>
+            </a:r>
+            <a:r>
+              <a:rPr lang="en-US" altLang="zh-CN" smtClean="0"/>
+              <a:t>Pod</a:t>
+            </a:r>
+            <a:r>
+              <a:rPr lang="zh-CN" altLang="en-US" smtClean="0"/>
+              <a:t>的迁移和调试等。</a:t>
+            </a:r>
+            <a:endParaRPr lang="en-US" altLang="zh-CN" smtClean="0"/>
+          </a:p>
+          <a:p>
+            <a:r>
+              <a:rPr lang="en-US" altLang="zh-CN" smtClean="0"/>
+              <a:t>4</a:t>
+            </a:r>
+            <a:r>
+              <a:rPr lang="zh-CN" altLang="en-US" smtClean="0"/>
+              <a:t>、删除</a:t>
+            </a:r>
+            <a:r>
+              <a:rPr lang="en-US" altLang="zh-CN" smtClean="0"/>
+              <a:t>RC</a:t>
+            </a:r>
+            <a:r>
+              <a:rPr lang="zh-CN" altLang="en-US" smtClean="0"/>
+              <a:t>并不会删除</a:t>
+            </a:r>
+            <a:r>
+              <a:rPr lang="en-US" altLang="zh-CN" smtClean="0"/>
+              <a:t>RC</a:t>
+            </a:r>
+            <a:r>
+              <a:rPr lang="zh-CN" altLang="en-US" smtClean="0"/>
+              <a:t>所创建的</a:t>
+            </a:r>
+            <a:r>
+              <a:rPr lang="en-US" altLang="zh-CN" smtClean="0"/>
+              <a:t>Pod</a:t>
+            </a:r>
+            <a:r>
+              <a:rPr lang="zh-CN" altLang="en-US" smtClean="0"/>
+              <a:t>，如果需要删除</a:t>
+            </a:r>
+            <a:r>
+              <a:rPr lang="en-US" altLang="zh-CN" smtClean="0"/>
+              <a:t>RC</a:t>
+            </a:r>
+            <a:r>
+              <a:rPr lang="zh-CN" altLang="en-US" smtClean="0"/>
+              <a:t>的</a:t>
+            </a:r>
+            <a:r>
+              <a:rPr lang="en-US" altLang="zh-CN" smtClean="0"/>
+              <a:t>Pod</a:t>
+            </a:r>
+            <a:r>
+              <a:rPr lang="zh-CN" altLang="en-US" smtClean="0"/>
+              <a:t>，需要将预期</a:t>
+            </a:r>
+            <a:r>
+              <a:rPr lang="en-US" altLang="zh-CN" smtClean="0"/>
+              <a:t>Pod</a:t>
+            </a:r>
+            <a:r>
+              <a:rPr lang="zh-CN" altLang="en-US" smtClean="0"/>
+              <a:t>数量设置为</a:t>
+            </a:r>
+            <a:r>
+              <a:rPr lang="en-US" altLang="zh-CN" smtClean="0"/>
+              <a:t>0</a:t>
+            </a:r>
+            <a:r>
+              <a:rPr lang="zh-CN" altLang="en-US" smtClean="0"/>
+              <a:t>，然后更新</a:t>
+            </a:r>
+            <a:r>
+              <a:rPr lang="en-US" altLang="zh-CN" smtClean="0"/>
+              <a:t>RC</a:t>
+            </a:r>
+            <a:r>
+              <a:rPr lang="zh-CN" altLang="en-US" smtClean="0"/>
+              <a:t>。</a:t>
+            </a:r>
+            <a:endParaRPr lang="zh-CN" altLang="en-US"/>
+          </a:p>
+        </p:txBody>
+      </p:sp>
+    </p:spTree>
+  </p:cSld>
+  <p:clrMapOvr>
+    <a:masterClrMapping/>
+  </p:clrMapOvr>
+</p:sld>
+</file>
+
+<file path=ppt/slides/slide16.xml><?xml version="1.0" encoding="utf-8"?>
+<p:sld xmlns:a="http://schemas.openxmlformats.org/drawingml/2006/main" xmlns:r="http://schemas.openxmlformats.org/officeDocument/2006/relationships" xmlns:p="http://schemas.openxmlformats.org/presentationml/2006/main">
+  <p:cSld>
+    <p:spTree>
+      <p:nvGrpSpPr>
+        <p:cNvPr id="1" name=""/>
+        <p:cNvGrpSpPr/>
+        <p:nvPr/>
+      </p:nvGrpSpPr>
+      <p:grpSpPr>
+        <a:xfrm>
+          <a:off x="0" y="0"/>
+          <a:ext cx="0" cy="0"/>
+          <a:chOff x="0" y="0"/>
+          <a:chExt cx="0" cy="0"/>
+        </a:xfrm>
+      </p:grpSpPr>
+      <p:pic>
+        <p:nvPicPr>
+          <p:cNvPr id="2" name="图片 1"/>
+          <p:cNvPicPr>
+            <a:picLocks noChangeAspect="1"/>
+          </p:cNvPicPr>
+          <p:nvPr/>
+        </p:nvPicPr>
+        <p:blipFill>
+          <a:blip r:embed="rId2" cstate="print">
+            <a:extLst>
+              <a:ext uri="{28A0092B-C50C-407E-A947-70E740481C1C}">
+                <a14:useLocalDpi xmlns:a14="http://schemas.microsoft.com/office/drawing/2010/main" val="0"/>
+              </a:ext>
+            </a:extLst>
+          </a:blip>
+          <a:stretch>
+            <a:fillRect/>
+          </a:stretch>
+        </p:blipFill>
+        <p:spPr>
+          <a:xfrm>
+            <a:off x="10332227" y="6333564"/>
+            <a:ext cx="1684961" cy="430306"/>
+          </a:xfrm>
+          <a:prstGeom prst="rect">
+            <a:avLst/>
+          </a:prstGeom>
+        </p:spPr>
+      </p:pic>
+      <p:sp>
+        <p:nvSpPr>
+          <p:cNvPr id="4" name="文本占位符 1"/>
+          <p:cNvSpPr txBox="1"/>
+          <p:nvPr/>
+        </p:nvSpPr>
+        <p:spPr>
+          <a:xfrm>
+            <a:off x="488875" y="158339"/>
+            <a:ext cx="3695197" cy="615542"/>
+          </a:xfrm>
+          <a:prstGeom prst="rect">
+            <a:avLst/>
+          </a:prstGeom>
+          <a:noFill/>
+        </p:spPr>
+        <p:style>
+          <a:lnRef idx="0">
+            <a:scrgbClr r="0" g="0" b="0"/>
+          </a:lnRef>
+          <a:fillRef idx="0">
+            <a:scrgbClr r="0" g="0" b="0"/>
+          </a:fillRef>
+          <a:effectRef idx="0">
+            <a:scrgbClr r="0" g="0" b="0"/>
+          </a:effectRef>
+          <a:fontRef idx="major"/>
+        </p:style>
+        <p:txBody>
+          <a:bodyPr/>
+          <a:lstStyle>
+            <a:lvl1pPr>
+              <a:defRPr>
+                <a:latin typeface="+mj-lt"/>
+                <a:ea typeface="+mj-ea"/>
+                <a:cs typeface="+mj-cs"/>
+              </a:defRPr>
+            </a:lvl1pPr>
+            <a:lvl2pPr>
+              <a:defRPr>
+                <a:latin typeface="+mj-lt"/>
+                <a:ea typeface="+mj-ea"/>
+                <a:cs typeface="+mj-cs"/>
+              </a:defRPr>
+            </a:lvl2pPr>
+            <a:lvl3pPr>
+              <a:defRPr>
+                <a:latin typeface="+mj-lt"/>
+                <a:ea typeface="+mj-ea"/>
+                <a:cs typeface="+mj-cs"/>
+              </a:defRPr>
+            </a:lvl3pPr>
+            <a:lvl4pPr>
+              <a:defRPr>
+                <a:latin typeface="+mj-lt"/>
+                <a:ea typeface="+mj-ea"/>
+                <a:cs typeface="+mj-cs"/>
+              </a:defRPr>
+            </a:lvl4pPr>
+            <a:lvl5pPr>
+              <a:defRPr>
+                <a:latin typeface="+mj-lt"/>
+                <a:ea typeface="+mj-ea"/>
+                <a:cs typeface="+mj-cs"/>
+              </a:defRPr>
+            </a:lvl5pPr>
+            <a:lvl6pPr>
+              <a:defRPr>
+                <a:latin typeface="+mj-lt"/>
+                <a:ea typeface="+mj-ea"/>
+                <a:cs typeface="+mj-cs"/>
+              </a:defRPr>
+            </a:lvl6pPr>
+            <a:lvl7pPr>
+              <a:defRPr>
+                <a:latin typeface="+mj-lt"/>
+                <a:ea typeface="+mj-ea"/>
+                <a:cs typeface="+mj-cs"/>
+              </a:defRPr>
+            </a:lvl7pPr>
+            <a:lvl8pPr>
+              <a:defRPr>
+                <a:latin typeface="+mj-lt"/>
+                <a:ea typeface="+mj-ea"/>
+                <a:cs typeface="+mj-cs"/>
+              </a:defRPr>
+            </a:lvl8pPr>
+            <a:lvl9pPr>
+              <a:defRPr>
+                <a:latin typeface="+mj-lt"/>
+                <a:ea typeface="+mj-ea"/>
+                <a:cs typeface="+mj-cs"/>
+              </a:defRPr>
+            </a:lvl9pPr>
+          </a:lstStyle>
+          <a:p>
+            <a:pPr marL="0" indent="0">
+              <a:buNone/>
+            </a:pPr>
+            <a:r>
+              <a:rPr lang="en-US" altLang="zh-CN" sz="2800" b="1">
+                <a:solidFill>
+                  <a:schemeClr val="tx1">
+                    <a:lumMod val="85000"/>
+                    <a:lumOff val="15000"/>
+                  </a:schemeClr>
+                </a:solidFill>
+                <a:latin typeface="微软雅黑" panose="020B0503020204020204" pitchFamily="34" charset="-122"/>
+                <a:ea typeface="微软雅黑" panose="020B0503020204020204" pitchFamily="34" charset="-122"/>
+              </a:rPr>
+              <a:t>Node</a:t>
+            </a:r>
+            <a:r>
+              <a:rPr lang="en-US" altLang="zh-CN" sz="2800" b="1" smtClean="0">
+                <a:solidFill>
+                  <a:schemeClr val="tx1">
+                    <a:lumMod val="85000"/>
+                    <a:lumOff val="15000"/>
+                  </a:schemeClr>
+                </a:solidFill>
+                <a:latin typeface="微软雅黑" panose="020B0503020204020204" pitchFamily="34" charset="-122"/>
+                <a:ea typeface="微软雅黑" panose="020B0503020204020204" pitchFamily="34" charset="-122"/>
+              </a:rPr>
+              <a:t> Controller</a:t>
+            </a:r>
+            <a:endParaRPr lang="zh-CN" altLang="en-US" sz="2800" b="1" kern="1200">
+              <a:solidFill>
+                <a:schemeClr val="tx1">
+                  <a:lumMod val="85000"/>
+                  <a:lumOff val="15000"/>
+                </a:schemeClr>
+              </a:solidFill>
+              <a:latin typeface="微软雅黑" panose="020B0503020204020204" pitchFamily="34" charset="-122"/>
+              <a:ea typeface="微软雅黑" panose="020B0503020204020204" pitchFamily="34" charset="-122"/>
+            </a:endParaRPr>
+          </a:p>
+        </p:txBody>
+      </p:sp>
+      <p:sp>
+        <p:nvSpPr>
+          <p:cNvPr id="5" name="矩形 4"/>
+          <p:cNvSpPr/>
+          <p:nvPr/>
+        </p:nvSpPr>
+        <p:spPr>
+          <a:xfrm>
+            <a:off x="0" y="438912"/>
+            <a:ext cx="347241" cy="151553"/>
+          </a:xfrm>
+          <a:prstGeom prst="rect">
+            <a:avLst/>
+          </a:prstGeom>
+          <a:solidFill>
+            <a:srgbClr val="0070C0"/>
+          </a:solidFill>
+          <a:ln>
+            <a:noFill/>
+          </a:ln>
+        </p:spPr>
+        <p:style>
+          <a:lnRef idx="2">
+            <a:schemeClr val="accent1">
+              <a:shade val="50000"/>
+            </a:schemeClr>
+          </a:lnRef>
+          <a:fillRef idx="1">
+            <a:schemeClr val="accent1"/>
+          </a:fillRef>
+          <a:effectRef idx="0">
+            <a:schemeClr val="accent1"/>
+          </a:effectRef>
+          <a:fontRef idx="minor">
+            <a:schemeClr val="lt1"/>
+          </a:fontRef>
+        </p:style>
+        <p:txBody>
+          <a:bodyPr rtlCol="0" anchor="ctr"/>
+          <a:lstStyle/>
+          <a:p>
+            <a:pPr algn="ctr"/>
+            <a:endParaRPr kumimoji="1" lang="zh-CN" altLang="en-US"/>
+          </a:p>
+        </p:txBody>
+      </p:sp>
+      <p:sp>
+        <p:nvSpPr>
+          <p:cNvPr id="6" name="矩形 5"/>
+          <p:cNvSpPr/>
+          <p:nvPr/>
+        </p:nvSpPr>
+        <p:spPr>
+          <a:xfrm>
+            <a:off x="396278" y="438912"/>
+            <a:ext cx="92598" cy="151553"/>
+          </a:xfrm>
+          <a:prstGeom prst="rect">
+            <a:avLst/>
+          </a:prstGeom>
+          <a:solidFill>
+            <a:srgbClr val="999999"/>
+          </a:solidFill>
+          <a:ln>
+            <a:noFill/>
+          </a:ln>
+        </p:spPr>
+        <p:style>
+          <a:lnRef idx="2">
+            <a:schemeClr val="accent1">
+              <a:shade val="50000"/>
+            </a:schemeClr>
+          </a:lnRef>
+          <a:fillRef idx="1">
+            <a:schemeClr val="accent1"/>
+          </a:fillRef>
+          <a:effectRef idx="0">
+            <a:schemeClr val="accent1"/>
+          </a:effectRef>
+          <a:fontRef idx="minor">
+            <a:schemeClr val="lt1"/>
+          </a:fontRef>
+        </p:style>
+        <p:txBody>
+          <a:bodyPr rtlCol="0" anchor="ctr"/>
+          <a:lstStyle/>
+          <a:p>
+            <a:pPr algn="ctr"/>
+            <a:endParaRPr kumimoji="1" lang="zh-CN" altLang="en-US">
+              <a:solidFill>
+                <a:srgbClr val="999999"/>
+              </a:solidFill>
+            </a:endParaRPr>
+          </a:p>
+        </p:txBody>
+      </p:sp>
+      <p:sp>
+        <p:nvSpPr>
+          <p:cNvPr id="3" name="文本框 2"/>
+          <p:cNvSpPr txBox="1"/>
+          <p:nvPr/>
+        </p:nvSpPr>
+        <p:spPr>
+          <a:xfrm>
+            <a:off x="488874" y="773881"/>
+            <a:ext cx="11528313" cy="369332"/>
+          </a:xfrm>
+          <a:prstGeom prst="rect">
+            <a:avLst/>
+          </a:prstGeom>
+          <a:noFill/>
+        </p:spPr>
+        <p:txBody>
+          <a:bodyPr wrap="square" rtlCol="0">
+            <a:spAutoFit/>
+          </a:bodyPr>
+          <a:lstStyle/>
+          <a:p>
+            <a:r>
+              <a:rPr lang="en-US" altLang="zh-CN" smtClean="0"/>
+              <a:t>Node controller</a:t>
+            </a:r>
+            <a:r>
+              <a:rPr lang="zh-CN" altLang="en-US" smtClean="0"/>
+              <a:t>通过</a:t>
+            </a:r>
+            <a:r>
+              <a:rPr lang="en-US" altLang="zh-CN" smtClean="0"/>
+              <a:t>API server</a:t>
+            </a:r>
+            <a:r>
+              <a:rPr lang="zh-CN" altLang="en-US" smtClean="0"/>
+              <a:t>从</a:t>
+            </a:r>
+            <a:r>
+              <a:rPr lang="en-US" altLang="zh-CN" err="1" smtClean="0"/>
+              <a:t>etcd</a:t>
+            </a:r>
+            <a:r>
+              <a:rPr lang="zh-CN" altLang="en-US" smtClean="0"/>
+              <a:t>中获取</a:t>
+            </a:r>
+            <a:r>
+              <a:rPr lang="en-US" altLang="zh-CN" smtClean="0"/>
+              <a:t>Node</a:t>
+            </a:r>
+            <a:r>
+              <a:rPr lang="zh-CN" altLang="en-US" smtClean="0"/>
+              <a:t>的相关信息，管理和监控集群中各个</a:t>
+            </a:r>
+            <a:r>
+              <a:rPr lang="en-US" altLang="zh-CN" smtClean="0"/>
+              <a:t>Node</a:t>
+            </a:r>
+            <a:r>
+              <a:rPr lang="zh-CN" altLang="en-US" smtClean="0"/>
+              <a:t>节点。</a:t>
+            </a:r>
+            <a:endParaRPr lang="zh-CN" altLang="en-US"/>
+          </a:p>
+        </p:txBody>
+      </p:sp>
+      <p:pic>
+        <p:nvPicPr>
+          <p:cNvPr id="7" name="图片 6"/>
+          <p:cNvPicPr>
+            <a:picLocks noChangeAspect="1"/>
+          </p:cNvPicPr>
+          <p:nvPr/>
+        </p:nvPicPr>
+        <p:blipFill>
+          <a:blip r:embed="rId3"/>
+          <a:stretch>
+            <a:fillRect/>
+          </a:stretch>
+        </p:blipFill>
+        <p:spPr>
+          <a:xfrm>
+            <a:off x="2681283" y="1143213"/>
+            <a:ext cx="6857143" cy="5209524"/>
+          </a:xfrm>
+          <a:prstGeom prst="rect">
+            <a:avLst/>
+          </a:prstGeom>
+        </p:spPr>
+      </p:pic>
+    </p:spTree>
+  </p:cSld>
+  <p:clrMapOvr>
+    <a:masterClrMapping/>
+  </p:clrMapOvr>
+</p:sld>
+</file>
+
+<file path=ppt/slides/slide17.xml><?xml version="1.0" encoding="utf-8"?>
+<p:sld xmlns:a="http://schemas.openxmlformats.org/drawingml/2006/main" xmlns:r="http://schemas.openxmlformats.org/officeDocument/2006/relationships" xmlns:p="http://schemas.openxmlformats.org/presentationml/2006/main">
+  <p:cSld>
+    <p:spTree>
+      <p:nvGrpSpPr>
+        <p:cNvPr id="1" name=""/>
+        <p:cNvGrpSpPr/>
+        <p:nvPr/>
+      </p:nvGrpSpPr>
+      <p:grpSpPr>
+        <a:xfrm>
+          <a:off x="0" y="0"/>
+          <a:ext cx="0" cy="0"/>
+          <a:chOff x="0" y="0"/>
+          <a:chExt cx="0" cy="0"/>
+        </a:xfrm>
+      </p:grpSpPr>
+      <p:pic>
+        <p:nvPicPr>
+          <p:cNvPr id="2" name="图片 1"/>
+          <p:cNvPicPr>
+            <a:picLocks noChangeAspect="1"/>
+          </p:cNvPicPr>
+          <p:nvPr/>
+        </p:nvPicPr>
+        <p:blipFill>
+          <a:blip r:embed="rId2" cstate="print">
+            <a:extLst>
+              <a:ext uri="{28A0092B-C50C-407E-A947-70E740481C1C}">
+                <a14:useLocalDpi xmlns:a14="http://schemas.microsoft.com/office/drawing/2010/main" val="0"/>
+              </a:ext>
+            </a:extLst>
+          </a:blip>
+          <a:stretch>
+            <a:fillRect/>
+          </a:stretch>
+        </p:blipFill>
+        <p:spPr>
+          <a:xfrm>
+            <a:off x="10332227" y="6333564"/>
+            <a:ext cx="1684961" cy="430306"/>
+          </a:xfrm>
+          <a:prstGeom prst="rect">
+            <a:avLst/>
+          </a:prstGeom>
+        </p:spPr>
+      </p:pic>
+      <p:sp>
+        <p:nvSpPr>
+          <p:cNvPr id="4" name="文本占位符 1"/>
+          <p:cNvSpPr txBox="1"/>
+          <p:nvPr/>
+        </p:nvSpPr>
+        <p:spPr>
+          <a:xfrm>
+            <a:off x="488875" y="158339"/>
+            <a:ext cx="5011380" cy="615542"/>
+          </a:xfrm>
+          <a:prstGeom prst="rect">
+            <a:avLst/>
+          </a:prstGeom>
+          <a:noFill/>
+        </p:spPr>
+        <p:style>
+          <a:lnRef idx="0">
+            <a:scrgbClr r="0" g="0" b="0"/>
+          </a:lnRef>
+          <a:fillRef idx="0">
+            <a:scrgbClr r="0" g="0" b="0"/>
+          </a:fillRef>
+          <a:effectRef idx="0">
+            <a:scrgbClr r="0" g="0" b="0"/>
+          </a:effectRef>
+          <a:fontRef idx="major"/>
+        </p:style>
+        <p:txBody>
+          <a:bodyPr/>
+          <a:lstStyle>
+            <a:lvl1pPr>
+              <a:defRPr>
+                <a:latin typeface="+mj-lt"/>
+                <a:ea typeface="+mj-ea"/>
+                <a:cs typeface="+mj-cs"/>
+              </a:defRPr>
+            </a:lvl1pPr>
+            <a:lvl2pPr>
+              <a:defRPr>
+                <a:latin typeface="+mj-lt"/>
+                <a:ea typeface="+mj-ea"/>
+                <a:cs typeface="+mj-cs"/>
+              </a:defRPr>
+            </a:lvl2pPr>
+            <a:lvl3pPr>
+              <a:defRPr>
+                <a:latin typeface="+mj-lt"/>
+                <a:ea typeface="+mj-ea"/>
+                <a:cs typeface="+mj-cs"/>
+              </a:defRPr>
+            </a:lvl3pPr>
+            <a:lvl4pPr>
+              <a:defRPr>
+                <a:latin typeface="+mj-lt"/>
+                <a:ea typeface="+mj-ea"/>
+                <a:cs typeface="+mj-cs"/>
+              </a:defRPr>
+            </a:lvl4pPr>
+            <a:lvl5pPr>
+              <a:defRPr>
+                <a:latin typeface="+mj-lt"/>
+                <a:ea typeface="+mj-ea"/>
+                <a:cs typeface="+mj-cs"/>
+              </a:defRPr>
+            </a:lvl5pPr>
+            <a:lvl6pPr>
+              <a:defRPr>
+                <a:latin typeface="+mj-lt"/>
+                <a:ea typeface="+mj-ea"/>
+                <a:cs typeface="+mj-cs"/>
+              </a:defRPr>
+            </a:lvl6pPr>
+            <a:lvl7pPr>
+              <a:defRPr>
+                <a:latin typeface="+mj-lt"/>
+                <a:ea typeface="+mj-ea"/>
+                <a:cs typeface="+mj-cs"/>
+              </a:defRPr>
+            </a:lvl7pPr>
+            <a:lvl8pPr>
+              <a:defRPr>
+                <a:latin typeface="+mj-lt"/>
+                <a:ea typeface="+mj-ea"/>
+                <a:cs typeface="+mj-cs"/>
+              </a:defRPr>
+            </a:lvl8pPr>
+            <a:lvl9pPr>
+              <a:defRPr>
+                <a:latin typeface="+mj-lt"/>
+                <a:ea typeface="+mj-ea"/>
+                <a:cs typeface="+mj-cs"/>
+              </a:defRPr>
+            </a:lvl9pPr>
+          </a:lstStyle>
+          <a:p>
+            <a:pPr marL="0" indent="0">
+              <a:buNone/>
+            </a:pPr>
+            <a:r>
+              <a:rPr lang="en-US" altLang="zh-CN" sz="2800" b="1" err="1" smtClean="0">
+                <a:solidFill>
+                  <a:schemeClr val="tx1">
+                    <a:lumMod val="85000"/>
+                    <a:lumOff val="15000"/>
+                  </a:schemeClr>
+                </a:solidFill>
+                <a:latin typeface="微软雅黑" panose="020B0503020204020204" pitchFamily="34" charset="-122"/>
+                <a:ea typeface="微软雅黑" panose="020B0503020204020204" pitchFamily="34" charset="-122"/>
+              </a:rPr>
+              <a:t>ResourceQuota</a:t>
+            </a:r>
+            <a:r>
+              <a:rPr lang="en-US" altLang="zh-CN" sz="2800" b="1" smtClean="0">
+                <a:solidFill>
+                  <a:schemeClr val="tx1">
+                    <a:lumMod val="85000"/>
+                    <a:lumOff val="15000"/>
+                  </a:schemeClr>
+                </a:solidFill>
+                <a:latin typeface="微软雅黑" panose="020B0503020204020204" pitchFamily="34" charset="-122"/>
+                <a:ea typeface="微软雅黑" panose="020B0503020204020204" pitchFamily="34" charset="-122"/>
+              </a:rPr>
+              <a:t> Controller</a:t>
+            </a:r>
+            <a:endParaRPr lang="zh-CN" altLang="en-US" sz="2800" b="1" kern="1200">
+              <a:solidFill>
+                <a:schemeClr val="tx1">
+                  <a:lumMod val="85000"/>
+                  <a:lumOff val="15000"/>
+                </a:schemeClr>
+              </a:solidFill>
+              <a:latin typeface="微软雅黑" panose="020B0503020204020204" pitchFamily="34" charset="-122"/>
+              <a:ea typeface="微软雅黑" panose="020B0503020204020204" pitchFamily="34" charset="-122"/>
+            </a:endParaRPr>
+          </a:p>
+        </p:txBody>
+      </p:sp>
+      <p:sp>
+        <p:nvSpPr>
+          <p:cNvPr id="5" name="矩形 4"/>
+          <p:cNvSpPr/>
+          <p:nvPr/>
+        </p:nvSpPr>
+        <p:spPr>
+          <a:xfrm>
+            <a:off x="0" y="438912"/>
+            <a:ext cx="347241" cy="151553"/>
+          </a:xfrm>
+          <a:prstGeom prst="rect">
+            <a:avLst/>
+          </a:prstGeom>
+          <a:solidFill>
+            <a:srgbClr val="0070C0"/>
+          </a:solidFill>
+          <a:ln>
+            <a:noFill/>
+          </a:ln>
+        </p:spPr>
+        <p:style>
+          <a:lnRef idx="2">
+            <a:schemeClr val="accent1">
+              <a:shade val="50000"/>
+            </a:schemeClr>
+          </a:lnRef>
+          <a:fillRef idx="1">
+            <a:schemeClr val="accent1"/>
+          </a:fillRef>
+          <a:effectRef idx="0">
+            <a:schemeClr val="accent1"/>
+          </a:effectRef>
+          <a:fontRef idx="minor">
+            <a:schemeClr val="lt1"/>
+          </a:fontRef>
+        </p:style>
+        <p:txBody>
+          <a:bodyPr rtlCol="0" anchor="ctr"/>
+          <a:lstStyle/>
+          <a:p>
+            <a:pPr algn="ctr"/>
+            <a:endParaRPr kumimoji="1" lang="zh-CN" altLang="en-US"/>
+          </a:p>
+        </p:txBody>
+      </p:sp>
+      <p:sp>
+        <p:nvSpPr>
+          <p:cNvPr id="6" name="矩形 5"/>
+          <p:cNvSpPr/>
+          <p:nvPr/>
+        </p:nvSpPr>
+        <p:spPr>
+          <a:xfrm>
+            <a:off x="396278" y="438912"/>
+            <a:ext cx="92598" cy="151553"/>
+          </a:xfrm>
+          <a:prstGeom prst="rect">
+            <a:avLst/>
+          </a:prstGeom>
+          <a:solidFill>
+            <a:srgbClr val="999999"/>
+          </a:solidFill>
+          <a:ln>
+            <a:noFill/>
+          </a:ln>
+        </p:spPr>
+        <p:style>
+          <a:lnRef idx="2">
+            <a:schemeClr val="accent1">
+              <a:shade val="50000"/>
+            </a:schemeClr>
+          </a:lnRef>
+          <a:fillRef idx="1">
+            <a:schemeClr val="accent1"/>
+          </a:fillRef>
+          <a:effectRef idx="0">
+            <a:schemeClr val="accent1"/>
+          </a:effectRef>
+          <a:fontRef idx="minor">
+            <a:schemeClr val="lt1"/>
+          </a:fontRef>
+        </p:style>
+        <p:txBody>
+          <a:bodyPr rtlCol="0" anchor="ctr"/>
+          <a:lstStyle/>
+          <a:p>
+            <a:pPr algn="ctr"/>
+            <a:endParaRPr kumimoji="1" lang="zh-CN" altLang="en-US">
+              <a:solidFill>
+                <a:srgbClr val="999999"/>
+              </a:solidFill>
+            </a:endParaRPr>
+          </a:p>
+        </p:txBody>
+      </p:sp>
+      <p:sp>
+        <p:nvSpPr>
           <p:cNvPr id="3" name="文本框 2"/>
           <p:cNvSpPr txBox="1"/>
           <p:nvPr/>
@@ -5005,233 +7154,233 @@
           <a:lstStyle/>
           <a:p>
             <a:r>
-              <a:rPr lang="zh-CN" altLang="en-US" dirty="0" smtClean="0"/>
+              <a:rPr lang="zh-CN" altLang="en-US" smtClean="0"/>
               <a:t>资源配额管理，保证资源对象在任何情况下都不会超量占用系统资源。</a:t>
             </a:r>
-            <a:endParaRPr lang="en-US" altLang="zh-CN" dirty="0" smtClean="0"/>
-          </a:p>
-          <a:p>
-            <a:endParaRPr lang="en-US" altLang="zh-CN" dirty="0"/>
-          </a:p>
-          <a:p>
-            <a:r>
-              <a:rPr lang="en-US" altLang="zh-CN" dirty="0" smtClean="0"/>
+            <a:endParaRPr lang="en-US" altLang="zh-CN" smtClean="0"/>
+          </a:p>
+          <a:p>
+            <a:endParaRPr lang="en-US" altLang="zh-CN"/>
+          </a:p>
+          <a:p>
+            <a:r>
+              <a:rPr lang="en-US" altLang="zh-CN" smtClean="0"/>
               <a:t>1</a:t>
             </a:r>
             <a:r>
-              <a:rPr lang="zh-CN" altLang="en-US" dirty="0" smtClean="0"/>
+              <a:rPr lang="zh-CN" altLang="en-US" smtClean="0"/>
               <a:t>、容器级别：控制占用的</a:t>
             </a:r>
             <a:r>
-              <a:rPr lang="en-US" altLang="zh-CN" dirty="0" smtClean="0"/>
+              <a:rPr lang="en-US" altLang="zh-CN" smtClean="0"/>
               <a:t>CPU</a:t>
             </a:r>
             <a:r>
-              <a:rPr lang="zh-CN" altLang="en-US" dirty="0" smtClean="0"/>
+              <a:rPr lang="zh-CN" altLang="en-US" smtClean="0"/>
               <a:t>和内存。</a:t>
             </a:r>
-            <a:endParaRPr lang="en-US" altLang="zh-CN" dirty="0" smtClean="0"/>
-          </a:p>
-          <a:p>
-            <a:r>
-              <a:rPr lang="en-US" altLang="zh-CN" dirty="0" smtClean="0"/>
+            <a:endParaRPr lang="en-US" altLang="zh-CN" smtClean="0"/>
+          </a:p>
+          <a:p>
+            <a:r>
+              <a:rPr lang="en-US" altLang="zh-CN" smtClean="0"/>
               <a:t>2</a:t>
             </a:r>
             <a:r>
-              <a:rPr lang="zh-CN" altLang="en-US" dirty="0" smtClean="0"/>
+              <a:rPr lang="zh-CN" altLang="en-US" smtClean="0"/>
               <a:t>、</a:t>
             </a:r>
             <a:r>
-              <a:rPr lang="en-US" altLang="zh-CN" dirty="0" smtClean="0"/>
+              <a:rPr lang="en-US" altLang="zh-CN" smtClean="0"/>
               <a:t>Pod</a:t>
             </a:r>
             <a:r>
-              <a:rPr lang="zh-CN" altLang="en-US" dirty="0" smtClean="0"/>
+              <a:rPr lang="zh-CN" altLang="en-US" smtClean="0"/>
               <a:t>级别：控制</a:t>
             </a:r>
             <a:r>
-              <a:rPr lang="en-US" altLang="zh-CN" dirty="0" smtClean="0"/>
+              <a:rPr lang="en-US" altLang="zh-CN" smtClean="0"/>
               <a:t>Pod</a:t>
             </a:r>
             <a:r>
-              <a:rPr lang="zh-CN" altLang="en-US" dirty="0" smtClean="0"/>
+              <a:rPr lang="zh-CN" altLang="en-US" smtClean="0"/>
               <a:t>内所有容器占用的系统资源。</a:t>
             </a:r>
-            <a:endParaRPr lang="en-US" altLang="zh-CN" dirty="0" smtClean="0"/>
-          </a:p>
-          <a:p>
-            <a:r>
-              <a:rPr lang="en-US" altLang="zh-CN" dirty="0" smtClean="0"/>
+            <a:endParaRPr lang="en-US" altLang="zh-CN" smtClean="0"/>
+          </a:p>
+          <a:p>
+            <a:r>
+              <a:rPr lang="en-US" altLang="zh-CN" smtClean="0"/>
               <a:t>3</a:t>
             </a:r>
             <a:r>
-              <a:rPr lang="zh-CN" altLang="en-US" dirty="0" smtClean="0"/>
+              <a:rPr lang="zh-CN" altLang="en-US" smtClean="0"/>
               <a:t>、</a:t>
             </a:r>
             <a:r>
-              <a:rPr lang="en-US" altLang="zh-CN" dirty="0" smtClean="0"/>
+              <a:rPr lang="en-US" altLang="zh-CN" smtClean="0"/>
               <a:t>Namespace</a:t>
             </a:r>
             <a:r>
-              <a:rPr lang="zh-CN" altLang="en-US" dirty="0" smtClean="0"/>
+              <a:rPr lang="zh-CN" altLang="en-US" smtClean="0"/>
               <a:t>级别：</a:t>
             </a:r>
             <a:r>
-              <a:rPr lang="en-US" altLang="zh-CN" dirty="0" smtClean="0"/>
+              <a:rPr lang="en-US" altLang="zh-CN" smtClean="0"/>
               <a:t>Pod</a:t>
             </a:r>
             <a:r>
-              <a:rPr lang="zh-CN" altLang="en-US" dirty="0" smtClean="0"/>
+              <a:rPr lang="zh-CN" altLang="en-US" smtClean="0"/>
               <a:t>数量、</a:t>
             </a:r>
             <a:r>
-              <a:rPr lang="en-US" altLang="zh-CN" dirty="0" smtClean="0"/>
+              <a:rPr lang="en-US" altLang="zh-CN" smtClean="0"/>
               <a:t>Replication controller</a:t>
             </a:r>
             <a:r>
-              <a:rPr lang="zh-CN" altLang="en-US" dirty="0" smtClean="0"/>
+              <a:rPr lang="zh-CN" altLang="en-US" smtClean="0"/>
               <a:t>数量、</a:t>
             </a:r>
             <a:r>
-              <a:rPr lang="en-US" altLang="zh-CN" dirty="0"/>
+              <a:rPr lang="en-US" altLang="zh-CN"/>
               <a:t>S</a:t>
             </a:r>
             <a:r>
-              <a:rPr lang="en-US" altLang="zh-CN" dirty="0" smtClean="0"/>
+              <a:rPr lang="en-US" altLang="zh-CN" smtClean="0"/>
               <a:t>ervice</a:t>
             </a:r>
             <a:r>
-              <a:rPr lang="zh-CN" altLang="en-US" dirty="0" smtClean="0"/>
+              <a:rPr lang="zh-CN" altLang="en-US" smtClean="0"/>
               <a:t>数量、</a:t>
             </a:r>
             <a:r>
-              <a:rPr lang="en-US" altLang="zh-CN" dirty="0" err="1" smtClean="0"/>
+              <a:rPr lang="en-US" altLang="zh-CN" err="1" smtClean="0"/>
               <a:t>ResouceQuota</a:t>
             </a:r>
             <a:r>
-              <a:rPr lang="zh-CN" altLang="en-US" dirty="0" smtClean="0"/>
+              <a:rPr lang="zh-CN" altLang="en-US" smtClean="0"/>
               <a:t>数量、</a:t>
             </a:r>
             <a:r>
-              <a:rPr lang="en-US" altLang="zh-CN" dirty="0" smtClean="0"/>
+              <a:rPr lang="en-US" altLang="zh-CN" smtClean="0"/>
               <a:t>Secret</a:t>
             </a:r>
             <a:r>
-              <a:rPr lang="zh-CN" altLang="en-US" dirty="0" smtClean="0"/>
+              <a:rPr lang="zh-CN" altLang="en-US" smtClean="0"/>
               <a:t>数量、</a:t>
             </a:r>
             <a:r>
-              <a:rPr lang="en-US" altLang="zh-CN" dirty="0" smtClean="0"/>
+              <a:rPr lang="en-US" altLang="zh-CN" smtClean="0"/>
               <a:t>Persistent Volume</a:t>
             </a:r>
             <a:r>
-              <a:rPr lang="zh-CN" altLang="en-US" dirty="0" smtClean="0"/>
+              <a:rPr lang="zh-CN" altLang="en-US" smtClean="0"/>
               <a:t>数量。</a:t>
             </a:r>
-            <a:endParaRPr lang="en-US" altLang="zh-CN" dirty="0" smtClean="0"/>
-          </a:p>
-          <a:p>
-            <a:endParaRPr lang="en-US" altLang="zh-CN" dirty="0"/>
-          </a:p>
-          <a:p>
-            <a:r>
-              <a:rPr lang="en-US" altLang="zh-CN" dirty="0" smtClean="0"/>
+            <a:endParaRPr lang="en-US" altLang="zh-CN" smtClean="0"/>
+          </a:p>
+          <a:p>
+            <a:endParaRPr lang="en-US" altLang="zh-CN"/>
+          </a:p>
+          <a:p>
+            <a:r>
+              <a:rPr lang="en-US" altLang="zh-CN" smtClean="0"/>
               <a:t>k8s</a:t>
             </a:r>
             <a:r>
-              <a:rPr lang="zh-CN" altLang="en-US" dirty="0" smtClean="0"/>
+              <a:rPr lang="zh-CN" altLang="en-US" smtClean="0"/>
               <a:t>配额管理是通过</a:t>
             </a:r>
             <a:r>
-              <a:rPr lang="en-US" altLang="zh-CN" dirty="0" smtClean="0"/>
+              <a:rPr lang="en-US" altLang="zh-CN" smtClean="0"/>
               <a:t>Admission Control</a:t>
             </a:r>
             <a:r>
-              <a:rPr lang="zh-CN" altLang="en-US" dirty="0" smtClean="0"/>
+              <a:rPr lang="zh-CN" altLang="en-US" smtClean="0"/>
               <a:t>（准入控制）来控制的。</a:t>
             </a:r>
-            <a:endParaRPr lang="en-US" altLang="zh-CN" dirty="0" smtClean="0"/>
-          </a:p>
-          <a:p>
-            <a:r>
-              <a:rPr lang="en-US" altLang="zh-CN" dirty="0" smtClean="0"/>
+            <a:endParaRPr lang="en-US" altLang="zh-CN" smtClean="0"/>
+          </a:p>
+          <a:p>
+            <a:r>
+              <a:rPr lang="en-US" altLang="zh-CN" smtClean="0"/>
               <a:t>Admission Control</a:t>
             </a:r>
             <a:r>
-              <a:rPr lang="zh-CN" altLang="en-US" dirty="0" smtClean="0"/>
+              <a:rPr lang="zh-CN" altLang="en-US" smtClean="0"/>
               <a:t>提供两种配额约束方式：</a:t>
             </a:r>
             <a:r>
-              <a:rPr lang="en-US" altLang="zh-CN" dirty="0" err="1" smtClean="0"/>
+              <a:rPr lang="en-US" altLang="zh-CN" err="1" smtClean="0"/>
               <a:t>LimitRanger</a:t>
             </a:r>
             <a:r>
-              <a:rPr lang="zh-CN" altLang="en-US" dirty="0" smtClean="0"/>
+              <a:rPr lang="zh-CN" altLang="en-US" smtClean="0"/>
               <a:t>和</a:t>
             </a:r>
             <a:r>
-              <a:rPr lang="en-US" altLang="zh-CN" dirty="0" err="1" smtClean="0"/>
+              <a:rPr lang="en-US" altLang="zh-CN" err="1" smtClean="0"/>
               <a:t>ResourceQuota</a:t>
             </a:r>
             <a:r>
-              <a:rPr lang="zh-CN" altLang="en-US" dirty="0" smtClean="0"/>
+              <a:rPr lang="zh-CN" altLang="en-US" smtClean="0"/>
               <a:t>。</a:t>
             </a:r>
-            <a:endParaRPr lang="en-US" altLang="zh-CN" dirty="0"/>
-          </a:p>
-          <a:p>
-            <a:r>
-              <a:rPr lang="en-US" altLang="zh-CN" dirty="0" err="1" smtClean="0"/>
+            <a:endParaRPr lang="en-US" altLang="zh-CN"/>
+          </a:p>
+          <a:p>
+            <a:r>
+              <a:rPr lang="en-US" altLang="zh-CN" err="1" smtClean="0"/>
               <a:t>LimitRanger</a:t>
             </a:r>
             <a:r>
-              <a:rPr lang="zh-CN" altLang="en-US" dirty="0" smtClean="0"/>
+              <a:rPr lang="zh-CN" altLang="en-US" smtClean="0"/>
               <a:t>作用于</a:t>
             </a:r>
             <a:r>
-              <a:rPr lang="en-US" altLang="zh-CN" dirty="0" smtClean="0"/>
+              <a:rPr lang="en-US" altLang="zh-CN" smtClean="0"/>
               <a:t>Pod</a:t>
             </a:r>
             <a:r>
-              <a:rPr lang="zh-CN" altLang="en-US" dirty="0" smtClean="0"/>
+              <a:rPr lang="zh-CN" altLang="en-US" smtClean="0"/>
               <a:t>和</a:t>
             </a:r>
             <a:r>
-              <a:rPr lang="zh-CN" altLang="en-US" dirty="0"/>
+              <a:rPr lang="zh-CN" altLang="en-US"/>
               <a:t>容器</a:t>
             </a:r>
             <a:r>
-              <a:rPr lang="zh-CN" altLang="en-US" dirty="0" smtClean="0"/>
+              <a:rPr lang="zh-CN" altLang="en-US" smtClean="0"/>
               <a:t>。</a:t>
             </a:r>
-            <a:endParaRPr lang="en-US" altLang="zh-CN" dirty="0"/>
-          </a:p>
-          <a:p>
-            <a:r>
-              <a:rPr lang="en-US" altLang="zh-CN" dirty="0" err="1" smtClean="0"/>
+            <a:endParaRPr lang="en-US" altLang="zh-CN"/>
+          </a:p>
+          <a:p>
+            <a:r>
+              <a:rPr lang="en-US" altLang="zh-CN" err="1" smtClean="0"/>
               <a:t>ResourceQuota</a:t>
             </a:r>
             <a:r>
-              <a:rPr lang="zh-CN" altLang="en-US" dirty="0" smtClean="0"/>
+              <a:rPr lang="zh-CN" altLang="en-US" smtClean="0"/>
               <a:t>作用于</a:t>
             </a:r>
             <a:r>
-              <a:rPr lang="en-US" altLang="zh-CN" dirty="0" smtClean="0"/>
+              <a:rPr lang="en-US" altLang="zh-CN" smtClean="0"/>
               <a:t>Namespace</a:t>
             </a:r>
             <a:r>
-              <a:rPr lang="zh-CN" altLang="en-US" dirty="0" smtClean="0"/>
+              <a:rPr lang="zh-CN" altLang="en-US" smtClean="0"/>
               <a:t>上，限定一个</a:t>
             </a:r>
             <a:r>
-              <a:rPr lang="en-US" altLang="zh-CN" dirty="0" smtClean="0"/>
+              <a:rPr lang="en-US" altLang="zh-CN" smtClean="0"/>
               <a:t>Namespace</a:t>
             </a:r>
             <a:r>
-              <a:rPr lang="zh-CN" altLang="en-US" dirty="0" smtClean="0"/>
+              <a:rPr lang="zh-CN" altLang="en-US" smtClean="0"/>
               <a:t>里的各类资源的使用总额。</a:t>
             </a:r>
-            <a:endParaRPr lang="en-US" altLang="zh-CN" dirty="0" smtClean="0"/>
+            <a:endParaRPr lang="en-US" altLang="zh-CN" smtClean="0"/>
           </a:p>
         </p:txBody>
       </p:sp>
@@ -5244,7 +7393,7 @@
           <p:nvPr/>
         </p:nvPicPr>
         <p:blipFill>
-          <a:blip r:embed="rId2"/>
+          <a:blip r:embed="rId3"/>
           <a:stretch>
             <a:fillRect/>
           </a:stretch>
@@ -5293,7 +7442,7 @@
           <p:nvPr/>
         </p:nvPicPr>
         <p:blipFill>
-          <a:blip r:embed="rId1" cstate="print">
+          <a:blip r:embed="rId2" cstate="print">
             <a:extLst>
               <a:ext uri="{28A0092B-C50C-407E-A947-70E740481C1C}">
                 <a14:useLocalDpi xmlns:a14="http://schemas.microsoft.com/office/drawing/2010/main" val="0"/>
@@ -5414,7 +7563,7 @@
               <a:buNone/>
             </a:pPr>
             <a:r>
-              <a:rPr lang="en-US" altLang="zh-CN" sz="2800" b="1" dirty="0" smtClean="0">
+              <a:rPr lang="en-US" altLang="zh-CN" sz="2800" b="1" smtClean="0">
                 <a:solidFill>
                   <a:schemeClr val="tx1">
                     <a:lumMod val="85000"/>
@@ -5426,7 +7575,7 @@
               </a:rPr>
               <a:t>k8s-Master</a:t>
             </a:r>
-            <a:endParaRPr lang="zh-CN" altLang="en-US" sz="2800" b="1" kern="1200" dirty="0">
+            <a:endParaRPr lang="zh-CN" altLang="en-US" sz="2800" b="1" kern="1200">
               <a:solidFill>
                 <a:schemeClr val="tx1">
                   <a:lumMod val="85000"/>
@@ -5558,120 +7707,120 @@
           <a:lstStyle/>
           <a:p>
             <a:r>
-              <a:rPr lang="en-US" altLang="zh-CN" dirty="0" smtClean="0"/>
+              <a:rPr lang="en-US" altLang="zh-CN" smtClean="0"/>
               <a:t>Master</a:t>
             </a:r>
             <a:r>
-              <a:rPr lang="zh-CN" altLang="en-US" dirty="0" smtClean="0"/>
+              <a:rPr lang="zh-CN" altLang="en-US" smtClean="0"/>
               <a:t>节点是</a:t>
             </a:r>
             <a:r>
-              <a:rPr lang="en-US" altLang="zh-CN" dirty="0" smtClean="0"/>
+              <a:rPr lang="en-US" altLang="zh-CN" smtClean="0"/>
               <a:t>k8s</a:t>
             </a:r>
             <a:r>
-              <a:rPr lang="zh-CN" altLang="en-US" dirty="0" smtClean="0"/>
+              <a:rPr lang="zh-CN" altLang="en-US" smtClean="0"/>
               <a:t>集群的管理和控制中心。</a:t>
             </a:r>
-            <a:endParaRPr lang="en-US" altLang="zh-CN" dirty="0" smtClean="0"/>
-          </a:p>
-          <a:p>
-            <a:endParaRPr lang="en-US" altLang="zh-CN" dirty="0"/>
-          </a:p>
-          <a:p>
-            <a:r>
-              <a:rPr lang="en-US" altLang="zh-CN" dirty="0"/>
+            <a:endParaRPr lang="en-US" altLang="zh-CN" smtClean="0"/>
+          </a:p>
+          <a:p>
+            <a:endParaRPr lang="en-US" altLang="zh-CN"/>
+          </a:p>
+          <a:p>
+            <a:r>
+              <a:rPr lang="en-US" altLang="zh-CN"/>
               <a:t>Master</a:t>
             </a:r>
             <a:r>
-              <a:rPr lang="zh-CN" altLang="en-US" dirty="0" smtClean="0"/>
+              <a:rPr lang="zh-CN" altLang="en-US" smtClean="0"/>
               <a:t>上运行的关键进程：</a:t>
             </a:r>
-            <a:endParaRPr lang="en-US" altLang="zh-CN" dirty="0" smtClean="0"/>
-          </a:p>
-          <a:p>
-            <a:r>
-              <a:rPr lang="en-US" altLang="zh-CN" dirty="0" err="1" smtClean="0"/>
+            <a:endParaRPr lang="en-US" altLang="zh-CN" smtClean="0"/>
+          </a:p>
+          <a:p>
+            <a:r>
+              <a:rPr lang="en-US" altLang="zh-CN" err="1" smtClean="0"/>
               <a:t>kubernetes</a:t>
             </a:r>
             <a:r>
-              <a:rPr lang="en-US" altLang="zh-CN" dirty="0" smtClean="0"/>
+              <a:rPr lang="en-US" altLang="zh-CN" smtClean="0"/>
               <a:t> API Server</a:t>
             </a:r>
             <a:r>
-              <a:rPr lang="zh-CN" altLang="en-US" dirty="0" smtClean="0"/>
+              <a:rPr lang="zh-CN" altLang="en-US" smtClean="0"/>
               <a:t>：是外部操作集群的唯一入口，也是集群内部模块间数据交互的通道。</a:t>
             </a:r>
-            <a:endParaRPr lang="en-US" altLang="zh-CN" dirty="0" smtClean="0"/>
-          </a:p>
-          <a:p>
-            <a:r>
-              <a:rPr lang="en-US" altLang="zh-CN" dirty="0" err="1" smtClean="0"/>
+            <a:endParaRPr lang="en-US" altLang="zh-CN" smtClean="0"/>
+          </a:p>
+          <a:p>
+            <a:r>
+              <a:rPr lang="en-US" altLang="zh-CN" err="1" smtClean="0"/>
               <a:t>kubernetes</a:t>
             </a:r>
             <a:r>
-              <a:rPr lang="en-US" altLang="zh-CN" dirty="0" smtClean="0"/>
+              <a:rPr lang="en-US" altLang="zh-CN" smtClean="0"/>
               <a:t> Controller Manager</a:t>
             </a:r>
             <a:r>
-              <a:rPr lang="zh-CN" altLang="en-US" dirty="0" smtClean="0"/>
+              <a:rPr lang="zh-CN" altLang="en-US" smtClean="0"/>
               <a:t>：</a:t>
             </a:r>
             <a:r>
-              <a:rPr lang="en-US" altLang="zh-CN" dirty="0" smtClean="0"/>
+              <a:rPr lang="en-US" altLang="zh-CN" smtClean="0"/>
               <a:t>k8s</a:t>
             </a:r>
             <a:r>
-              <a:rPr lang="zh-CN" altLang="en-US" dirty="0" smtClean="0"/>
+              <a:rPr lang="zh-CN" altLang="en-US" smtClean="0"/>
               <a:t>集群的控制中心。</a:t>
             </a:r>
-            <a:endParaRPr lang="en-US" altLang="zh-CN" dirty="0" smtClean="0"/>
-          </a:p>
-          <a:p>
-            <a:r>
-              <a:rPr lang="en-US" altLang="zh-CN" dirty="0" err="1" smtClean="0"/>
+            <a:endParaRPr lang="en-US" altLang="zh-CN" smtClean="0"/>
+          </a:p>
+          <a:p>
+            <a:r>
+              <a:rPr lang="en-US" altLang="zh-CN" err="1" smtClean="0"/>
               <a:t>kubernetes</a:t>
             </a:r>
             <a:r>
-              <a:rPr lang="en-US" altLang="zh-CN" dirty="0"/>
+              <a:rPr lang="en-US" altLang="zh-CN"/>
               <a:t> S</a:t>
             </a:r>
             <a:r>
-              <a:rPr lang="en-US" altLang="zh-CN" dirty="0" smtClean="0"/>
+              <a:rPr lang="en-US" altLang="zh-CN" smtClean="0"/>
               <a:t>cheduler</a:t>
             </a:r>
             <a:r>
-              <a:rPr lang="zh-CN" altLang="en-US" dirty="0" smtClean="0"/>
+              <a:rPr lang="zh-CN" altLang="en-US" smtClean="0"/>
               <a:t>：负责集群内资源调度。</a:t>
             </a:r>
-            <a:endParaRPr lang="en-US" altLang="zh-CN" dirty="0" smtClean="0"/>
-          </a:p>
-          <a:p>
-            <a:r>
-              <a:rPr lang="en-US" altLang="zh-CN" dirty="0" err="1" smtClean="0"/>
+            <a:endParaRPr lang="en-US" altLang="zh-CN" smtClean="0"/>
+          </a:p>
+          <a:p>
+            <a:r>
+              <a:rPr lang="en-US" altLang="zh-CN" err="1" smtClean="0"/>
               <a:t>Etcd</a:t>
             </a:r>
             <a:r>
-              <a:rPr lang="zh-CN" altLang="en-US" dirty="0" smtClean="0"/>
+              <a:rPr lang="zh-CN" altLang="en-US" smtClean="0"/>
               <a:t>：保存集群内各类信息，包括集群负载、</a:t>
             </a:r>
             <a:r>
-              <a:rPr lang="en-US" altLang="zh-CN" dirty="0" smtClean="0"/>
+              <a:rPr lang="en-US" altLang="zh-CN" smtClean="0"/>
               <a:t>Node</a:t>
             </a:r>
             <a:r>
-              <a:rPr lang="zh-CN" altLang="en-US" dirty="0" smtClean="0"/>
+              <a:rPr lang="zh-CN" altLang="en-US" smtClean="0"/>
               <a:t>信息、</a:t>
             </a:r>
             <a:r>
-              <a:rPr lang="en-US" altLang="zh-CN" dirty="0" smtClean="0"/>
+              <a:rPr lang="en-US" altLang="zh-CN" smtClean="0"/>
               <a:t>Pod</a:t>
             </a:r>
             <a:r>
-              <a:rPr lang="zh-CN" altLang="en-US" dirty="0" smtClean="0"/>
+              <a:rPr lang="zh-CN" altLang="en-US" smtClean="0"/>
               <a:t>信息等等。</a:t>
             </a:r>
-            <a:endParaRPr lang="en-US" altLang="zh-CN" dirty="0" smtClean="0"/>
+            <a:endParaRPr lang="en-US" altLang="zh-CN" smtClean="0"/>
           </a:p>
         </p:txBody>
       </p:sp>
@@ -5709,7 +7858,7 @@
           <p:nvPr/>
         </p:nvPicPr>
         <p:blipFill>
-          <a:blip r:embed="rId1" cstate="print">
+          <a:blip r:embed="rId2" cstate="print">
             <a:extLst>
               <a:ext uri="{28A0092B-C50C-407E-A947-70E740481C1C}">
                 <a14:useLocalDpi xmlns:a14="http://schemas.microsoft.com/office/drawing/2010/main" val="0"/>
@@ -5830,7 +7979,7 @@
               <a:buNone/>
             </a:pPr>
             <a:r>
-              <a:rPr lang="en-US" altLang="zh-CN" sz="2800" b="1" dirty="0" smtClean="0">
+              <a:rPr lang="en-US" altLang="zh-CN" sz="2800" b="1" smtClean="0">
                 <a:solidFill>
                   <a:schemeClr val="tx1">
                     <a:lumMod val="85000"/>
@@ -5842,7 +7991,7 @@
               </a:rPr>
               <a:t>k8s-Node</a:t>
             </a:r>
-            <a:endParaRPr lang="zh-CN" altLang="en-US" sz="2800" b="1" kern="1200" dirty="0">
+            <a:endParaRPr lang="zh-CN" altLang="en-US" sz="2800" b="1" kern="1200">
               <a:solidFill>
                 <a:schemeClr val="tx1">
                   <a:lumMod val="85000"/>
@@ -5974,243 +8123,243 @@
           <a:lstStyle/>
           <a:p>
             <a:r>
-              <a:rPr lang="en-US" altLang="zh-CN" dirty="0"/>
+              <a:rPr lang="en-US" altLang="zh-CN"/>
               <a:t>k</a:t>
             </a:r>
             <a:r>
-              <a:rPr lang="en-US" altLang="zh-CN" dirty="0" smtClean="0"/>
+              <a:rPr lang="en-US" altLang="zh-CN" smtClean="0"/>
               <a:t>8s</a:t>
             </a:r>
             <a:r>
-              <a:rPr lang="zh-CN" altLang="en-US" dirty="0" smtClean="0"/>
+              <a:rPr lang="zh-CN" altLang="en-US" smtClean="0"/>
               <a:t>集群中</a:t>
             </a:r>
             <a:r>
-              <a:rPr lang="en-US" altLang="zh-CN" dirty="0" smtClean="0"/>
+              <a:rPr lang="en-US" altLang="zh-CN" smtClean="0"/>
               <a:t>Master</a:t>
             </a:r>
             <a:r>
-              <a:rPr lang="zh-CN" altLang="en-US" dirty="0" smtClean="0"/>
+              <a:rPr lang="zh-CN" altLang="en-US" smtClean="0"/>
               <a:t>以外的节点被称作</a:t>
             </a:r>
             <a:r>
-              <a:rPr lang="en-US" altLang="zh-CN" dirty="0" smtClean="0"/>
+              <a:rPr lang="en-US" altLang="zh-CN" smtClean="0"/>
               <a:t>Node</a:t>
             </a:r>
             <a:r>
-              <a:rPr lang="zh-CN" altLang="en-US" dirty="0" smtClean="0"/>
+              <a:rPr lang="zh-CN" altLang="en-US" smtClean="0"/>
               <a:t>节点。</a:t>
             </a:r>
             <a:r>
-              <a:rPr lang="en-US" altLang="zh-CN" dirty="0" smtClean="0"/>
+              <a:rPr lang="en-US" altLang="zh-CN" smtClean="0"/>
               <a:t>Node</a:t>
             </a:r>
             <a:r>
-              <a:rPr lang="zh-CN" altLang="en-US" dirty="0" smtClean="0"/>
+              <a:rPr lang="zh-CN" altLang="en-US" smtClean="0"/>
               <a:t>节点可以是物理机也可以是虚拟机。</a:t>
             </a:r>
-            <a:endParaRPr lang="en-US" altLang="zh-CN" dirty="0" smtClean="0"/>
-          </a:p>
-          <a:p>
-            <a:endParaRPr lang="en-US" altLang="zh-CN" dirty="0"/>
-          </a:p>
-          <a:p>
-            <a:r>
-              <a:rPr lang="en-US" altLang="zh-CN" dirty="0" smtClean="0"/>
+            <a:endParaRPr lang="en-US" altLang="zh-CN" smtClean="0"/>
+          </a:p>
+          <a:p>
+            <a:endParaRPr lang="en-US" altLang="zh-CN"/>
+          </a:p>
+          <a:p>
+            <a:r>
+              <a:rPr lang="en-US" altLang="zh-CN" smtClean="0"/>
               <a:t>Node</a:t>
             </a:r>
             <a:r>
-              <a:rPr lang="zh-CN" altLang="en-US" dirty="0" smtClean="0"/>
+              <a:rPr lang="zh-CN" altLang="en-US" smtClean="0"/>
               <a:t>上运行的关键进程：</a:t>
             </a:r>
-            <a:endParaRPr lang="en-US" altLang="zh-CN" dirty="0" smtClean="0"/>
-          </a:p>
-          <a:p>
-            <a:r>
-              <a:rPr lang="en-US" altLang="zh-CN" dirty="0" err="1" smtClean="0"/>
+            <a:endParaRPr lang="en-US" altLang="zh-CN" smtClean="0"/>
+          </a:p>
+          <a:p>
+            <a:r>
+              <a:rPr lang="en-US" altLang="zh-CN" err="1" smtClean="0"/>
               <a:t>kubelete</a:t>
             </a:r>
             <a:r>
-              <a:rPr lang="zh-CN" altLang="en-US" dirty="0" smtClean="0"/>
+              <a:rPr lang="zh-CN" altLang="en-US" smtClean="0"/>
               <a:t>：负责容器的创建、启停任务。</a:t>
             </a:r>
-            <a:endParaRPr lang="en-US" altLang="zh-CN" dirty="0" smtClean="0"/>
-          </a:p>
-          <a:p>
-            <a:r>
-              <a:rPr lang="en-US" altLang="zh-CN" dirty="0" err="1" smtClean="0"/>
+            <a:endParaRPr lang="en-US" altLang="zh-CN" smtClean="0"/>
+          </a:p>
+          <a:p>
+            <a:r>
+              <a:rPr lang="en-US" altLang="zh-CN" err="1" smtClean="0"/>
               <a:t>kube</a:t>
             </a:r>
             <a:r>
-              <a:rPr lang="en-US" altLang="zh-CN" dirty="0" smtClean="0"/>
+              <a:rPr lang="en-US" altLang="zh-CN" smtClean="0"/>
               <a:t>-proxy</a:t>
             </a:r>
             <a:r>
-              <a:rPr lang="zh-CN" altLang="en-US" dirty="0" smtClean="0"/>
+              <a:rPr lang="zh-CN" altLang="en-US" smtClean="0"/>
               <a:t>：负责</a:t>
             </a:r>
             <a:r>
-              <a:rPr lang="en-US" altLang="zh-CN" dirty="0" smtClean="0"/>
+              <a:rPr lang="en-US" altLang="zh-CN" smtClean="0"/>
               <a:t>service</a:t>
             </a:r>
             <a:r>
-              <a:rPr lang="zh-CN" altLang="en-US" dirty="0" smtClean="0"/>
+              <a:rPr lang="zh-CN" altLang="en-US" smtClean="0"/>
               <a:t>的通信与负载均衡机制。</a:t>
             </a:r>
-            <a:endParaRPr lang="en-US" altLang="zh-CN" dirty="0" smtClean="0"/>
-          </a:p>
-          <a:p>
-            <a:r>
-              <a:rPr lang="en-US" altLang="zh-CN" dirty="0" err="1" smtClean="0"/>
+            <a:endParaRPr lang="en-US" altLang="zh-CN" smtClean="0"/>
+          </a:p>
+          <a:p>
+            <a:r>
+              <a:rPr lang="en-US" altLang="zh-CN" err="1" smtClean="0"/>
               <a:t>docker</a:t>
             </a:r>
             <a:r>
-              <a:rPr lang="zh-CN" altLang="en-US" dirty="0" smtClean="0"/>
+              <a:rPr lang="zh-CN" altLang="en-US" smtClean="0"/>
               <a:t>：负责容器的创建和管理。</a:t>
             </a:r>
-            <a:endParaRPr lang="en-US" altLang="zh-CN" dirty="0" smtClean="0"/>
-          </a:p>
-          <a:p>
-            <a:endParaRPr lang="en-US" altLang="zh-CN" dirty="0"/>
-          </a:p>
-          <a:p>
-            <a:r>
-              <a:rPr lang="en-US" altLang="zh-CN" dirty="0" smtClean="0"/>
+            <a:endParaRPr lang="en-US" altLang="zh-CN" smtClean="0"/>
+          </a:p>
+          <a:p>
+            <a:endParaRPr lang="en-US" altLang="zh-CN"/>
+          </a:p>
+          <a:p>
+            <a:r>
+              <a:rPr lang="en-US" altLang="zh-CN" smtClean="0"/>
               <a:t>Node</a:t>
             </a:r>
             <a:r>
-              <a:rPr lang="zh-CN" altLang="en-US" dirty="0" smtClean="0"/>
+              <a:rPr lang="zh-CN" altLang="en-US" smtClean="0"/>
               <a:t>会定时向</a:t>
             </a:r>
             <a:r>
-              <a:rPr lang="en-US" altLang="zh-CN" dirty="0" smtClean="0"/>
+              <a:rPr lang="en-US" altLang="zh-CN" smtClean="0"/>
               <a:t>Master</a:t>
             </a:r>
             <a:r>
-              <a:rPr lang="zh-CN" altLang="en-US" dirty="0" smtClean="0"/>
+              <a:rPr lang="zh-CN" altLang="en-US" smtClean="0"/>
               <a:t>节点上报自身情况，包括版本，</a:t>
             </a:r>
             <a:r>
-              <a:rPr lang="en-US" altLang="zh-CN" dirty="0" smtClean="0"/>
+              <a:rPr lang="en-US" altLang="zh-CN" smtClean="0"/>
               <a:t>CPU</a:t>
             </a:r>
             <a:r>
-              <a:rPr lang="zh-CN" altLang="en-US" dirty="0" smtClean="0"/>
+              <a:rPr lang="zh-CN" altLang="en-US" smtClean="0"/>
               <a:t>、内存、</a:t>
             </a:r>
             <a:r>
-              <a:rPr lang="en-US" altLang="zh-CN" dirty="0" smtClean="0"/>
+              <a:rPr lang="en-US" altLang="zh-CN" smtClean="0"/>
               <a:t>Node</a:t>
             </a:r>
             <a:r>
-              <a:rPr lang="zh-CN" altLang="en-US" dirty="0" smtClean="0"/>
+              <a:rPr lang="zh-CN" altLang="en-US" smtClean="0"/>
               <a:t>内的</a:t>
             </a:r>
             <a:r>
-              <a:rPr lang="en-US" altLang="zh-CN" dirty="0" smtClean="0"/>
+              <a:rPr lang="en-US" altLang="zh-CN" smtClean="0"/>
               <a:t>Pod</a:t>
             </a:r>
             <a:r>
-              <a:rPr lang="zh-CN" altLang="en-US" dirty="0" smtClean="0"/>
+              <a:rPr lang="zh-CN" altLang="en-US" smtClean="0"/>
               <a:t>等信息。</a:t>
             </a:r>
-            <a:endParaRPr lang="en-US" altLang="zh-CN" dirty="0" smtClean="0"/>
-          </a:p>
-          <a:p>
-            <a:r>
-              <a:rPr lang="zh-CN" altLang="en-US" dirty="0" smtClean="0"/>
+            <a:endParaRPr lang="en-US" altLang="zh-CN" smtClean="0"/>
+          </a:p>
+          <a:p>
+            <a:r>
+              <a:rPr lang="zh-CN" altLang="en-US" smtClean="0"/>
               <a:t>如果某个</a:t>
             </a:r>
             <a:r>
-              <a:rPr lang="en-US" altLang="zh-CN" dirty="0" smtClean="0"/>
+              <a:rPr lang="en-US" altLang="zh-CN" smtClean="0"/>
               <a:t>Node</a:t>
             </a:r>
             <a:r>
-              <a:rPr lang="zh-CN" altLang="en-US" dirty="0" smtClean="0"/>
+              <a:rPr lang="zh-CN" altLang="en-US" smtClean="0"/>
               <a:t>超过一定时间没有向</a:t>
             </a:r>
             <a:r>
-              <a:rPr lang="en-US" altLang="zh-CN" dirty="0" smtClean="0"/>
+              <a:rPr lang="en-US" altLang="zh-CN" smtClean="0"/>
               <a:t>Master</a:t>
             </a:r>
             <a:r>
-              <a:rPr lang="zh-CN" altLang="en-US" dirty="0" smtClean="0"/>
+              <a:rPr lang="zh-CN" altLang="en-US" smtClean="0"/>
               <a:t>节点上报自身情况，</a:t>
             </a:r>
             <a:r>
-              <a:rPr lang="en-US" altLang="zh-CN" dirty="0" smtClean="0"/>
+              <a:rPr lang="en-US" altLang="zh-CN" smtClean="0"/>
               <a:t>Master</a:t>
             </a:r>
             <a:r>
-              <a:rPr lang="zh-CN" altLang="en-US" dirty="0" smtClean="0"/>
+              <a:rPr lang="zh-CN" altLang="en-US" smtClean="0"/>
               <a:t>会判定其故障，并开始迁移该</a:t>
             </a:r>
             <a:r>
-              <a:rPr lang="en-US" altLang="zh-CN" dirty="0" smtClean="0"/>
+              <a:rPr lang="en-US" altLang="zh-CN" smtClean="0"/>
               <a:t>Node</a:t>
             </a:r>
             <a:r>
-              <a:rPr lang="zh-CN" altLang="en-US" dirty="0" smtClean="0"/>
+              <a:rPr lang="zh-CN" altLang="en-US" smtClean="0"/>
               <a:t>上运行的服务。</a:t>
             </a:r>
-            <a:endParaRPr lang="en-US" altLang="zh-CN" dirty="0" smtClean="0"/>
-          </a:p>
-          <a:p>
-            <a:endParaRPr lang="en-US" altLang="zh-CN" dirty="0"/>
-          </a:p>
-          <a:p>
-            <a:r>
-              <a:rPr lang="en-US" altLang="zh-CN" dirty="0" err="1" smtClean="0"/>
+            <a:endParaRPr lang="en-US" altLang="zh-CN" smtClean="0"/>
+          </a:p>
+          <a:p>
+            <a:endParaRPr lang="en-US" altLang="zh-CN"/>
+          </a:p>
+          <a:p>
+            <a:r>
+              <a:rPr lang="en-US" altLang="zh-CN" err="1" smtClean="0"/>
               <a:t>kubectl</a:t>
             </a:r>
             <a:r>
-              <a:rPr lang="en-US" altLang="zh-CN" dirty="0" smtClean="0"/>
+              <a:rPr lang="en-US" altLang="zh-CN" smtClean="0"/>
               <a:t> get nodes –</a:t>
             </a:r>
             <a:r>
-              <a:rPr lang="zh-CN" altLang="en-US" dirty="0" smtClean="0"/>
+              <a:rPr lang="zh-CN" altLang="en-US" smtClean="0"/>
               <a:t>获取</a:t>
             </a:r>
             <a:r>
-              <a:rPr lang="en-US" altLang="zh-CN" dirty="0" smtClean="0"/>
+              <a:rPr lang="en-US" altLang="zh-CN" smtClean="0"/>
               <a:t>k8s</a:t>
             </a:r>
             <a:r>
-              <a:rPr lang="zh-CN" altLang="en-US" dirty="0" smtClean="0"/>
+              <a:rPr lang="zh-CN" altLang="en-US" smtClean="0"/>
               <a:t>集群的</a:t>
             </a:r>
             <a:r>
-              <a:rPr lang="en-US" altLang="zh-CN" dirty="0" smtClean="0"/>
+              <a:rPr lang="en-US" altLang="zh-CN" smtClean="0"/>
               <a:t>Node</a:t>
             </a:r>
             <a:r>
-              <a:rPr lang="zh-CN" altLang="en-US" dirty="0" smtClean="0"/>
+              <a:rPr lang="zh-CN" altLang="en-US" smtClean="0"/>
               <a:t>信息。</a:t>
             </a:r>
-            <a:endParaRPr lang="en-US" altLang="zh-CN" dirty="0" smtClean="0"/>
-          </a:p>
-          <a:p>
-            <a:r>
-              <a:rPr lang="en-US" altLang="zh-CN" dirty="0" err="1" smtClean="0"/>
+            <a:endParaRPr lang="en-US" altLang="zh-CN" smtClean="0"/>
+          </a:p>
+          <a:p>
+            <a:r>
+              <a:rPr lang="en-US" altLang="zh-CN" err="1" smtClean="0"/>
               <a:t>kubectl</a:t>
             </a:r>
             <a:r>
-              <a:rPr lang="en-US" altLang="zh-CN" dirty="0" smtClean="0"/>
+              <a:rPr lang="en-US" altLang="zh-CN" smtClean="0"/>
               <a:t> describe node [node-name] –</a:t>
             </a:r>
             <a:r>
-              <a:rPr lang="zh-CN" altLang="en-US" dirty="0" smtClean="0"/>
+              <a:rPr lang="zh-CN" altLang="en-US" smtClean="0"/>
               <a:t>查看</a:t>
             </a:r>
             <a:r>
-              <a:rPr lang="en-US" altLang="zh-CN" dirty="0" smtClean="0"/>
+              <a:rPr lang="en-US" altLang="zh-CN" smtClean="0"/>
               <a:t>node</a:t>
             </a:r>
             <a:r>
               <a:rPr lang="zh-CN" altLang="en-US" smtClean="0"/>
               <a:t>的相信信息。</a:t>
             </a:r>
-            <a:endParaRPr lang="en-US" altLang="zh-CN" dirty="0" smtClean="0"/>
+            <a:endParaRPr lang="en-US" altLang="zh-CN" smtClean="0"/>
           </a:p>
         </p:txBody>
       </p:sp>
@@ -6248,7 +8397,7 @@
           <p:nvPr/>
         </p:nvPicPr>
         <p:blipFill>
-          <a:blip r:embed="rId1" cstate="print">
+          <a:blip r:embed="rId2" cstate="print">
             <a:extLst>
               <a:ext uri="{28A0092B-C50C-407E-A947-70E740481C1C}">
                 <a14:useLocalDpi xmlns:a14="http://schemas.microsoft.com/office/drawing/2010/main" val="0"/>
@@ -6369,7 +8518,7 @@
               <a:buNone/>
             </a:pPr>
             <a:r>
-              <a:rPr lang="en-US" altLang="zh-CN" sz="2800" b="1" dirty="0" smtClean="0">
+              <a:rPr lang="en-US" altLang="zh-CN" sz="2800" b="1" smtClean="0">
                 <a:solidFill>
                   <a:schemeClr val="tx1">
                     <a:lumMod val="85000"/>
@@ -6381,7 +8530,7 @@
               </a:rPr>
               <a:t>k8s-Pod</a:t>
             </a:r>
-            <a:endParaRPr lang="zh-CN" altLang="en-US" sz="2800" b="1" kern="1200" dirty="0">
+            <a:endParaRPr lang="zh-CN" altLang="en-US" sz="2800" b="1" kern="1200">
               <a:solidFill>
                 <a:schemeClr val="tx1">
                   <a:lumMod val="85000"/>
@@ -6513,22 +8662,22 @@
           <a:lstStyle/>
           <a:p>
             <a:r>
-              <a:rPr lang="en-US" altLang="zh-CN" dirty="0" smtClean="0"/>
+              <a:rPr lang="en-US" altLang="zh-CN" smtClean="0"/>
               <a:t>Pod</a:t>
             </a:r>
             <a:r>
-              <a:rPr lang="zh-CN" altLang="en-US" dirty="0" smtClean="0"/>
+              <a:rPr lang="zh-CN" altLang="en-US" smtClean="0"/>
               <a:t>是</a:t>
             </a:r>
             <a:r>
-              <a:rPr lang="en-US" altLang="zh-CN" dirty="0" smtClean="0"/>
+              <a:rPr lang="en-US" altLang="zh-CN" smtClean="0"/>
               <a:t>k8s</a:t>
             </a:r>
             <a:r>
-              <a:rPr lang="zh-CN" altLang="en-US" dirty="0" smtClean="0"/>
+              <a:rPr lang="zh-CN" altLang="en-US" smtClean="0"/>
               <a:t>的基本操作单元，里面包含一个或者多个容器。</a:t>
             </a:r>
-            <a:endParaRPr lang="en-US" altLang="zh-CN" dirty="0"/>
+            <a:endParaRPr lang="en-US" altLang="zh-CN"/>
           </a:p>
         </p:txBody>
       </p:sp>
@@ -6596,10 +8745,10 @@
           <a:lstStyle/>
           <a:p>
             <a:r>
-              <a:rPr lang="en-US" altLang="zh-CN" dirty="0" smtClean="0"/>
+              <a:rPr lang="en-US" altLang="zh-CN" smtClean="0"/>
               <a:t>Pod</a:t>
             </a:r>
-            <a:endParaRPr lang="zh-CN" altLang="en-US" dirty="0"/>
+            <a:endParaRPr lang="zh-CN" altLang="en-US"/>
           </a:p>
         </p:txBody>
       </p:sp>
@@ -6641,14 +8790,14 @@
           <a:p>
             <a:pPr algn="ctr"/>
             <a:r>
-              <a:rPr lang="en-US" altLang="zh-CN" dirty="0" smtClean="0">
+              <a:rPr lang="en-US" altLang="zh-CN" smtClean="0">
                 <a:solidFill>
                   <a:schemeClr val="tx1"/>
                 </a:solidFill>
               </a:rPr>
               <a:t>Pause</a:t>
             </a:r>
-            <a:endParaRPr lang="zh-CN" altLang="en-US" dirty="0">
+            <a:endParaRPr lang="zh-CN" altLang="en-US">
               <a:solidFill>
                 <a:schemeClr val="tx1"/>
               </a:solidFill>
@@ -6694,14 +8843,14 @@
           <a:p>
             <a:pPr algn="ctr"/>
             <a:r>
-              <a:rPr lang="en-US" altLang="zh-CN" dirty="0" smtClean="0">
+              <a:rPr lang="en-US" altLang="zh-CN" smtClean="0">
                 <a:solidFill>
                   <a:schemeClr val="tx1"/>
                 </a:solidFill>
               </a:rPr>
               <a:t>User container1</a:t>
             </a:r>
-            <a:endParaRPr lang="zh-CN" altLang="en-US" dirty="0">
+            <a:endParaRPr lang="zh-CN" altLang="en-US">
               <a:solidFill>
                 <a:schemeClr val="tx1"/>
               </a:solidFill>
@@ -6747,14 +8896,14 @@
           <a:p>
             <a:pPr algn="ctr"/>
             <a:r>
-              <a:rPr lang="en-US" altLang="zh-CN" dirty="0" smtClean="0">
+              <a:rPr lang="en-US" altLang="zh-CN" smtClean="0">
                 <a:solidFill>
                   <a:schemeClr val="tx1"/>
                 </a:solidFill>
               </a:rPr>
               <a:t>User container2</a:t>
             </a:r>
-            <a:endParaRPr lang="zh-CN" altLang="en-US" dirty="0">
+            <a:endParaRPr lang="zh-CN" altLang="en-US">
               <a:solidFill>
                 <a:schemeClr val="tx1"/>
               </a:solidFill>
@@ -6800,14 +8949,14 @@
           <a:p>
             <a:pPr algn="ctr"/>
             <a:r>
-              <a:rPr lang="en-US" altLang="zh-CN" dirty="0" smtClean="0">
+              <a:rPr lang="en-US" altLang="zh-CN" smtClean="0">
                 <a:solidFill>
                   <a:schemeClr val="tx1"/>
                 </a:solidFill>
               </a:rPr>
               <a:t>User container3</a:t>
             </a:r>
-            <a:endParaRPr lang="zh-CN" altLang="en-US" dirty="0">
+            <a:endParaRPr lang="zh-CN" altLang="en-US">
               <a:solidFill>
                 <a:schemeClr val="tx1"/>
               </a:solidFill>
@@ -6838,275 +8987,275 @@
           <a:lstStyle/>
           <a:p>
             <a:r>
-              <a:rPr lang="en-US" altLang="zh-CN" dirty="0" smtClean="0"/>
+              <a:rPr lang="en-US" altLang="zh-CN" smtClean="0"/>
               <a:t>Pause</a:t>
             </a:r>
             <a:r>
-              <a:rPr lang="zh-CN" altLang="en-US" dirty="0" smtClean="0"/>
+              <a:rPr lang="zh-CN" altLang="en-US" smtClean="0"/>
               <a:t>是每个</a:t>
             </a:r>
             <a:r>
-              <a:rPr lang="en-US" altLang="zh-CN" dirty="0" smtClean="0"/>
+              <a:rPr lang="en-US" altLang="zh-CN" smtClean="0"/>
               <a:t>Pod</a:t>
             </a:r>
             <a:r>
-              <a:rPr lang="zh-CN" altLang="en-US" dirty="0" smtClean="0"/>
+              <a:rPr lang="zh-CN" altLang="en-US" smtClean="0"/>
               <a:t>都有根容器。</a:t>
             </a:r>
             <a:r>
-              <a:rPr lang="en-US" altLang="zh-CN" dirty="0" smtClean="0"/>
+              <a:rPr lang="en-US" altLang="zh-CN" smtClean="0"/>
               <a:t>Pause</a:t>
             </a:r>
             <a:r>
-              <a:rPr lang="zh-CN" altLang="en-US" dirty="0" smtClean="0"/>
+              <a:rPr lang="zh-CN" altLang="en-US" smtClean="0"/>
               <a:t>的作用在于代表整个容器组的状态。</a:t>
             </a:r>
-            <a:endParaRPr lang="en-US" altLang="zh-CN" dirty="0" smtClean="0"/>
-          </a:p>
-          <a:p>
-            <a:r>
-              <a:rPr lang="zh-CN" altLang="en-US" dirty="0" smtClean="0"/>
+            <a:endParaRPr lang="en-US" altLang="zh-CN" smtClean="0"/>
+          </a:p>
+          <a:p>
+            <a:r>
+              <a:rPr lang="zh-CN" altLang="en-US" smtClean="0"/>
               <a:t>同时容器组其他的容器共享</a:t>
             </a:r>
             <a:r>
-              <a:rPr lang="en-US" altLang="zh-CN" dirty="0" smtClean="0"/>
+              <a:rPr lang="en-US" altLang="zh-CN" smtClean="0"/>
               <a:t>Pause</a:t>
             </a:r>
             <a:r>
-              <a:rPr lang="zh-CN" altLang="en-US" dirty="0" smtClean="0"/>
+              <a:rPr lang="zh-CN" altLang="en-US" smtClean="0"/>
               <a:t>的</a:t>
             </a:r>
             <a:r>
-              <a:rPr lang="en-US" altLang="zh-CN" dirty="0" smtClean="0"/>
+              <a:rPr lang="en-US" altLang="zh-CN" smtClean="0"/>
               <a:t>IP</a:t>
             </a:r>
             <a:r>
-              <a:rPr lang="zh-CN" altLang="en-US" dirty="0" smtClean="0"/>
+              <a:rPr lang="zh-CN" altLang="en-US" smtClean="0"/>
               <a:t>和</a:t>
             </a:r>
             <a:r>
-              <a:rPr lang="en-US" altLang="zh-CN" dirty="0" smtClean="0"/>
+              <a:rPr lang="en-US" altLang="zh-CN" smtClean="0"/>
               <a:t>Volume</a:t>
             </a:r>
             <a:r>
-              <a:rPr lang="zh-CN" altLang="en-US" dirty="0" smtClean="0"/>
+              <a:rPr lang="zh-CN" altLang="en-US" smtClean="0"/>
               <a:t>存储空间。</a:t>
             </a:r>
-            <a:endParaRPr lang="en-US" altLang="zh-CN" dirty="0" smtClean="0"/>
-          </a:p>
-          <a:p>
-            <a:endParaRPr lang="en-US" altLang="zh-CN" dirty="0"/>
-          </a:p>
-          <a:p>
-            <a:r>
-              <a:rPr lang="en-US" altLang="zh-CN" dirty="0" smtClean="0"/>
+            <a:endParaRPr lang="en-US" altLang="zh-CN" smtClean="0"/>
+          </a:p>
+          <a:p>
+            <a:endParaRPr lang="en-US" altLang="zh-CN"/>
+          </a:p>
+          <a:p>
+            <a:r>
+              <a:rPr lang="en-US" altLang="zh-CN" smtClean="0"/>
               <a:t>Pod</a:t>
             </a:r>
             <a:r>
-              <a:rPr lang="zh-CN" altLang="en-US" dirty="0" smtClean="0"/>
+              <a:rPr lang="zh-CN" altLang="en-US" smtClean="0"/>
               <a:t>分普通</a:t>
             </a:r>
             <a:r>
-              <a:rPr lang="en-US" altLang="zh-CN" dirty="0" smtClean="0"/>
+              <a:rPr lang="en-US" altLang="zh-CN" smtClean="0"/>
               <a:t>Pod</a:t>
             </a:r>
             <a:r>
-              <a:rPr lang="zh-CN" altLang="en-US" dirty="0" smtClean="0"/>
+              <a:rPr lang="zh-CN" altLang="en-US" smtClean="0"/>
               <a:t>和静态</a:t>
             </a:r>
             <a:r>
-              <a:rPr lang="en-US" altLang="zh-CN" dirty="0" smtClean="0"/>
+              <a:rPr lang="en-US" altLang="zh-CN" smtClean="0"/>
               <a:t>Pod</a:t>
             </a:r>
             <a:r>
-              <a:rPr lang="zh-CN" altLang="en-US" dirty="0" smtClean="0"/>
+              <a:rPr lang="zh-CN" altLang="en-US" smtClean="0"/>
               <a:t>两种类型。</a:t>
             </a:r>
-            <a:endParaRPr lang="en-US" altLang="zh-CN" dirty="0" smtClean="0"/>
-          </a:p>
-          <a:p>
-            <a:r>
-              <a:rPr lang="zh-CN" altLang="en-US" dirty="0" smtClean="0"/>
+            <a:endParaRPr lang="en-US" altLang="zh-CN" smtClean="0"/>
+          </a:p>
+          <a:p>
+            <a:r>
+              <a:rPr lang="zh-CN" altLang="en-US" smtClean="0"/>
               <a:t>普通</a:t>
             </a:r>
             <a:r>
-              <a:rPr lang="en-US" altLang="zh-CN" dirty="0" smtClean="0"/>
+              <a:rPr lang="en-US" altLang="zh-CN" smtClean="0"/>
               <a:t>Pod</a:t>
             </a:r>
             <a:r>
-              <a:rPr lang="zh-CN" altLang="en-US" dirty="0" smtClean="0"/>
+              <a:rPr lang="zh-CN" altLang="en-US" smtClean="0"/>
               <a:t>的信息会存放在</a:t>
             </a:r>
             <a:r>
-              <a:rPr lang="en-US" altLang="zh-CN" dirty="0" err="1" smtClean="0"/>
+              <a:rPr lang="en-US" altLang="zh-CN" err="1" smtClean="0"/>
               <a:t>etcd</a:t>
             </a:r>
             <a:r>
-              <a:rPr lang="zh-CN" altLang="en-US" dirty="0" smtClean="0"/>
+              <a:rPr lang="zh-CN" altLang="en-US" smtClean="0"/>
               <a:t>中，但静态</a:t>
             </a:r>
             <a:r>
-              <a:rPr lang="en-US" altLang="zh-CN" dirty="0" smtClean="0"/>
+              <a:rPr lang="en-US" altLang="zh-CN" smtClean="0"/>
               <a:t>Pod</a:t>
             </a:r>
             <a:r>
-              <a:rPr lang="zh-CN" altLang="en-US" dirty="0" smtClean="0"/>
+              <a:rPr lang="zh-CN" altLang="en-US" smtClean="0"/>
               <a:t>信息不会存入</a:t>
             </a:r>
             <a:r>
-              <a:rPr lang="en-US" altLang="zh-CN" dirty="0" err="1" smtClean="0"/>
+              <a:rPr lang="en-US" altLang="zh-CN" err="1" smtClean="0"/>
               <a:t>etcd</a:t>
             </a:r>
             <a:r>
-              <a:rPr lang="zh-CN" altLang="en-US" dirty="0" smtClean="0"/>
+              <a:rPr lang="zh-CN" altLang="en-US" smtClean="0"/>
               <a:t>，而是存放在某个具体</a:t>
             </a:r>
             <a:r>
-              <a:rPr lang="en-US" altLang="zh-CN" dirty="0" smtClean="0"/>
+              <a:rPr lang="en-US" altLang="zh-CN" smtClean="0"/>
               <a:t>Node</a:t>
             </a:r>
             <a:r>
-              <a:rPr lang="zh-CN" altLang="en-US" dirty="0" smtClean="0"/>
+              <a:rPr lang="zh-CN" altLang="en-US" smtClean="0"/>
               <a:t>的文件中。</a:t>
             </a:r>
-            <a:endParaRPr lang="en-US" altLang="zh-CN" dirty="0" smtClean="0"/>
-          </a:p>
-          <a:p>
-            <a:endParaRPr lang="en-US" altLang="zh-CN" dirty="0"/>
-          </a:p>
-          <a:p>
-            <a:r>
-              <a:rPr lang="zh-CN" altLang="en-US" dirty="0" smtClean="0"/>
+            <a:endParaRPr lang="en-US" altLang="zh-CN" smtClean="0"/>
+          </a:p>
+          <a:p>
+            <a:endParaRPr lang="en-US" altLang="zh-CN"/>
+          </a:p>
+          <a:p>
+            <a:r>
+              <a:rPr lang="zh-CN" altLang="en-US" smtClean="0"/>
               <a:t>普通</a:t>
             </a:r>
             <a:r>
-              <a:rPr lang="en-US" altLang="zh-CN" dirty="0" smtClean="0"/>
+              <a:rPr lang="en-US" altLang="zh-CN" smtClean="0"/>
               <a:t>Pod</a:t>
             </a:r>
             <a:r>
-              <a:rPr lang="zh-CN" altLang="en-US" dirty="0" smtClean="0"/>
+              <a:rPr lang="zh-CN" altLang="en-US" smtClean="0"/>
               <a:t>一旦被创建，就会放入</a:t>
             </a:r>
             <a:r>
-              <a:rPr lang="en-US" altLang="zh-CN" dirty="0" err="1" smtClean="0"/>
+              <a:rPr lang="en-US" altLang="zh-CN" err="1" smtClean="0"/>
               <a:t>etcd</a:t>
             </a:r>
             <a:r>
-              <a:rPr lang="zh-CN" altLang="en-US" dirty="0" smtClean="0"/>
+              <a:rPr lang="zh-CN" altLang="en-US" smtClean="0"/>
               <a:t>中存储，然后被</a:t>
             </a:r>
             <a:r>
-              <a:rPr lang="en-US" altLang="zh-CN" dirty="0" smtClean="0"/>
+              <a:rPr lang="en-US" altLang="zh-CN" smtClean="0"/>
               <a:t>k8smaster</a:t>
             </a:r>
             <a:r>
-              <a:rPr lang="zh-CN" altLang="en-US" dirty="0" smtClean="0"/>
+              <a:rPr lang="zh-CN" altLang="en-US" smtClean="0"/>
               <a:t>调度到某个</a:t>
             </a:r>
             <a:r>
-              <a:rPr lang="en-US" altLang="zh-CN" dirty="0" smtClean="0"/>
+              <a:rPr lang="en-US" altLang="zh-CN" smtClean="0"/>
               <a:t>Node</a:t>
             </a:r>
             <a:r>
-              <a:rPr lang="zh-CN" altLang="en-US" dirty="0" smtClean="0"/>
+              <a:rPr lang="zh-CN" altLang="en-US" smtClean="0"/>
               <a:t>上绑定。该</a:t>
             </a:r>
             <a:r>
-              <a:rPr lang="en-US" altLang="zh-CN" dirty="0" smtClean="0"/>
+              <a:rPr lang="en-US" altLang="zh-CN" smtClean="0"/>
               <a:t>Pod</a:t>
             </a:r>
             <a:r>
-              <a:rPr lang="zh-CN" altLang="en-US" dirty="0" smtClean="0"/>
+              <a:rPr lang="zh-CN" altLang="en-US" smtClean="0"/>
               <a:t>会被</a:t>
             </a:r>
             <a:r>
-              <a:rPr lang="en-US" altLang="zh-CN" dirty="0" smtClean="0"/>
+              <a:rPr lang="en-US" altLang="zh-CN" smtClean="0"/>
               <a:t>Node</a:t>
             </a:r>
             <a:r>
-              <a:rPr lang="zh-CN" altLang="en-US" dirty="0" smtClean="0"/>
+              <a:rPr lang="zh-CN" altLang="en-US" smtClean="0"/>
               <a:t>的</a:t>
             </a:r>
             <a:r>
-              <a:rPr lang="en-US" altLang="zh-CN" dirty="0" err="1" smtClean="0"/>
+              <a:rPr lang="en-US" altLang="zh-CN" err="1" smtClean="0"/>
               <a:t>kubelet</a:t>
             </a:r>
             <a:r>
-              <a:rPr lang="zh-CN" altLang="en-US" dirty="0" smtClean="0"/>
+              <a:rPr lang="zh-CN" altLang="en-US" smtClean="0"/>
               <a:t>进程启动，包括</a:t>
             </a:r>
             <a:r>
-              <a:rPr lang="en-US" altLang="zh-CN" dirty="0" smtClean="0"/>
+              <a:rPr lang="en-US" altLang="zh-CN" smtClean="0"/>
               <a:t>Pod</a:t>
             </a:r>
             <a:r>
-              <a:rPr lang="zh-CN" altLang="en-US" dirty="0" smtClean="0"/>
+              <a:rPr lang="zh-CN" altLang="en-US" smtClean="0"/>
               <a:t>内的容器。</a:t>
             </a:r>
-            <a:endParaRPr lang="en-US" altLang="zh-CN" dirty="0" smtClean="0"/>
-          </a:p>
-          <a:p>
-            <a:r>
-              <a:rPr lang="zh-CN" altLang="en-US" dirty="0" smtClean="0"/>
+            <a:endParaRPr lang="en-US" altLang="zh-CN" smtClean="0"/>
+          </a:p>
+          <a:p>
+            <a:r>
+              <a:rPr lang="zh-CN" altLang="en-US" smtClean="0"/>
               <a:t>如果</a:t>
             </a:r>
             <a:r>
-              <a:rPr lang="en-US" altLang="zh-CN" dirty="0" smtClean="0"/>
+              <a:rPr lang="en-US" altLang="zh-CN" smtClean="0"/>
               <a:t>k8s</a:t>
             </a:r>
             <a:r>
-              <a:rPr lang="zh-CN" altLang="en-US" dirty="0" smtClean="0"/>
+              <a:rPr lang="zh-CN" altLang="en-US" smtClean="0"/>
               <a:t>检测到</a:t>
             </a:r>
             <a:r>
-              <a:rPr lang="en-US" altLang="zh-CN" dirty="0" smtClean="0"/>
+              <a:rPr lang="en-US" altLang="zh-CN" smtClean="0"/>
               <a:t>Pod</a:t>
             </a:r>
             <a:r>
-              <a:rPr lang="zh-CN" altLang="en-US" dirty="0" smtClean="0"/>
+              <a:rPr lang="zh-CN" altLang="en-US" smtClean="0"/>
               <a:t>中有某个容器停止了，会自动重启这个</a:t>
             </a:r>
             <a:r>
-              <a:rPr lang="en-US" altLang="zh-CN" dirty="0" smtClean="0"/>
+              <a:rPr lang="en-US" altLang="zh-CN" smtClean="0"/>
               <a:t>Pod</a:t>
             </a:r>
             <a:r>
-              <a:rPr lang="zh-CN" altLang="en-US" dirty="0" smtClean="0"/>
+              <a:rPr lang="zh-CN" altLang="en-US" smtClean="0"/>
               <a:t>里的所有容器。如果</a:t>
             </a:r>
             <a:r>
-              <a:rPr lang="en-US" altLang="zh-CN" dirty="0" smtClean="0"/>
+              <a:rPr lang="en-US" altLang="zh-CN" smtClean="0"/>
               <a:t>Pod</a:t>
             </a:r>
             <a:r>
-              <a:rPr lang="zh-CN" altLang="en-US" dirty="0" smtClean="0"/>
+              <a:rPr lang="zh-CN" altLang="en-US" smtClean="0"/>
               <a:t>所在的</a:t>
             </a:r>
             <a:r>
-              <a:rPr lang="en-US" altLang="zh-CN" dirty="0" smtClean="0"/>
+              <a:rPr lang="en-US" altLang="zh-CN" smtClean="0"/>
               <a:t>Node</a:t>
             </a:r>
             <a:r>
-              <a:rPr lang="zh-CN" altLang="en-US" dirty="0" smtClean="0"/>
+              <a:rPr lang="zh-CN" altLang="en-US" smtClean="0"/>
               <a:t>宕机，</a:t>
             </a:r>
             <a:r>
-              <a:rPr lang="en-US" altLang="zh-CN" dirty="0" smtClean="0"/>
+              <a:rPr lang="en-US" altLang="zh-CN" smtClean="0"/>
               <a:t>Pod</a:t>
             </a:r>
             <a:r>
-              <a:rPr lang="zh-CN" altLang="en-US" dirty="0" smtClean="0"/>
+              <a:rPr lang="zh-CN" altLang="en-US" smtClean="0"/>
               <a:t>会被自动调度到其他</a:t>
             </a:r>
             <a:r>
-              <a:rPr lang="en-US" altLang="zh-CN" dirty="0" smtClean="0"/>
+              <a:rPr lang="en-US" altLang="zh-CN" smtClean="0"/>
               <a:t>Node</a:t>
             </a:r>
             <a:r>
-              <a:rPr lang="zh-CN" altLang="en-US" dirty="0" smtClean="0"/>
+              <a:rPr lang="zh-CN" altLang="en-US" smtClean="0"/>
               <a:t>上。</a:t>
             </a:r>
-            <a:endParaRPr lang="en-US" altLang="zh-CN" dirty="0"/>
+            <a:endParaRPr lang="en-US" altLang="zh-CN"/>
           </a:p>
         </p:txBody>
       </p:sp>
@@ -7144,7 +9293,7 @@
           <p:nvPr/>
         </p:nvPicPr>
         <p:blipFill>
-          <a:blip r:embed="rId1" cstate="print">
+          <a:blip r:embed="rId2" cstate="print">
             <a:extLst>
               <a:ext uri="{28A0092B-C50C-407E-A947-70E740481C1C}">
                 <a14:useLocalDpi xmlns:a14="http://schemas.microsoft.com/office/drawing/2010/main" val="0"/>
@@ -7265,7 +9414,7 @@
               <a:buNone/>
             </a:pPr>
             <a:r>
-              <a:rPr lang="en-US" altLang="zh-CN" sz="2800" b="1" dirty="0" smtClean="0">
+              <a:rPr lang="en-US" altLang="zh-CN" sz="2800" b="1" smtClean="0">
                 <a:solidFill>
                   <a:schemeClr val="tx1">
                     <a:lumMod val="85000"/>
@@ -7275,9 +9424,9 @@
                 <a:latin typeface="微软雅黑" panose="020B0503020204020204" pitchFamily="34" charset="-122"/>
                 <a:ea typeface="微软雅黑" panose="020B0503020204020204" pitchFamily="34" charset="-122"/>
               </a:rPr>
-              <a:t>k8s-Label</a:t>
-            </a:r>
-            <a:endParaRPr lang="zh-CN" altLang="en-US" sz="2800" b="1" kern="1200" dirty="0">
+              <a:t>k8s-Pod</a:t>
+            </a:r>
+            <a:endParaRPr lang="zh-CN" altLang="en-US" sz="2800" b="1" kern="1200">
               <a:solidFill>
                 <a:schemeClr val="tx1">
                   <a:lumMod val="85000"/>
@@ -7395,7 +9544,7 @@
         <p:spPr>
           <a:xfrm>
             <a:off x="488874" y="773881"/>
-            <a:ext cx="11528314" cy="3139321"/>
+            <a:ext cx="11528314" cy="4801314"/>
           </a:xfrm>
           <a:prstGeom prst="rect">
             <a:avLst/>
@@ -7409,245 +9558,325 @@
           <a:lstStyle/>
           <a:p>
             <a:r>
-              <a:rPr lang="en-US" altLang="zh-CN" dirty="0" smtClean="0"/>
-              <a:t>Label</a:t>
-            </a:r>
-            <a:r>
-              <a:rPr lang="zh-CN" altLang="en-US" dirty="0" smtClean="0"/>
-              <a:t>是一个</a:t>
-            </a:r>
-            <a:r>
-              <a:rPr lang="en-US" altLang="zh-CN" dirty="0" smtClean="0"/>
-              <a:t>key</a:t>
-            </a:r>
-            <a:r>
-              <a:rPr lang="zh-CN" altLang="en-US" dirty="0" smtClean="0"/>
-              <a:t>、</a:t>
-            </a:r>
-            <a:r>
-              <a:rPr lang="en-US" altLang="zh-CN" dirty="0" smtClean="0"/>
-              <a:t>value</a:t>
-            </a:r>
-            <a:r>
-              <a:rPr lang="zh-CN" altLang="en-US" dirty="0" smtClean="0"/>
-              <a:t>键值对。用来来描述集群内的各种资源。</a:t>
-            </a:r>
-            <a:endParaRPr lang="en-US" altLang="zh-CN" dirty="0" smtClean="0"/>
-          </a:p>
-          <a:p>
-            <a:r>
-              <a:rPr lang="zh-CN" altLang="en-US" dirty="0"/>
-              <a:t>一</a:t>
-            </a:r>
-            <a:r>
-              <a:rPr lang="zh-CN" altLang="en-US" dirty="0" smtClean="0"/>
-              <a:t>个资源可以定义任意数量的</a:t>
-            </a:r>
-            <a:r>
-              <a:rPr lang="en-US" altLang="zh-CN" dirty="0" smtClean="0"/>
-              <a:t>Label</a:t>
-            </a:r>
-            <a:r>
-              <a:rPr lang="zh-CN" altLang="en-US" dirty="0" smtClean="0"/>
-              <a:t>，通过</a:t>
-            </a:r>
-            <a:r>
-              <a:rPr lang="en-US" altLang="zh-CN" dirty="0" smtClean="0"/>
-              <a:t>Label</a:t>
-            </a:r>
-            <a:r>
-              <a:rPr lang="zh-CN" altLang="en-US" dirty="0" smtClean="0"/>
-              <a:t>对资源的分配、调度、配置等进行管理。资源的</a:t>
-            </a:r>
-            <a:r>
-              <a:rPr lang="en-US" altLang="zh-CN" dirty="0" smtClean="0"/>
-              <a:t>Label</a:t>
-            </a:r>
-            <a:r>
-              <a:rPr lang="zh-CN" altLang="en-US" dirty="0" smtClean="0"/>
-              <a:t>可以在资源定义的时候就指定，可以在资源创建后动态的增删。</a:t>
-            </a:r>
-            <a:endParaRPr lang="en-US" altLang="zh-CN" dirty="0" smtClean="0"/>
-          </a:p>
-          <a:p>
-            <a:endParaRPr lang="en-US" altLang="zh-CN" dirty="0"/>
-          </a:p>
-          <a:p>
-            <a:r>
-              <a:rPr lang="zh-CN" altLang="en-US" dirty="0" smtClean="0"/>
-              <a:t>用</a:t>
-            </a:r>
-            <a:r>
-              <a:rPr lang="en-US" altLang="zh-CN" dirty="0" smtClean="0"/>
-              <a:t>Label</a:t>
-            </a:r>
-            <a:r>
-              <a:rPr lang="zh-CN" altLang="en-US" dirty="0" smtClean="0"/>
-              <a:t>的好处就是可以通过</a:t>
-            </a:r>
-            <a:r>
-              <a:rPr lang="en-US" altLang="zh-CN" dirty="0" smtClean="0"/>
-              <a:t>Label Selector</a:t>
-            </a:r>
-            <a:r>
-              <a:rPr lang="zh-CN" altLang="en-US" dirty="0" smtClean="0"/>
-              <a:t>以</a:t>
-            </a:r>
-            <a:r>
-              <a:rPr lang="en-US" altLang="zh-CN" dirty="0" smtClean="0"/>
-              <a:t>Label</a:t>
-            </a:r>
-            <a:r>
-              <a:rPr lang="zh-CN" altLang="en-US" dirty="0" smtClean="0"/>
-              <a:t>为条件搜索对象。搜索语句类似于</a:t>
-            </a:r>
-            <a:r>
-              <a:rPr lang="en-US" altLang="zh-CN" dirty="0" smtClean="0"/>
-              <a:t>SQL</a:t>
-            </a:r>
-            <a:r>
-              <a:rPr lang="zh-CN" altLang="en-US" dirty="0" smtClean="0"/>
-              <a:t>语句。</a:t>
-            </a:r>
-            <a:endParaRPr lang="en-US" altLang="zh-CN" dirty="0" smtClean="0"/>
-          </a:p>
-          <a:p>
-            <a:r>
-              <a:rPr lang="en-US" altLang="zh-CN" dirty="0" smtClean="0"/>
-              <a:t>select * from pod where pod’s name = ‘</a:t>
-            </a:r>
-            <a:r>
-              <a:rPr lang="en-US" altLang="zh-CN" dirty="0" err="1" smtClean="0"/>
-              <a:t>redis</a:t>
-            </a:r>
-            <a:r>
-              <a:rPr lang="en-US" altLang="zh-CN" dirty="0" smtClean="0"/>
-              <a:t>’</a:t>
-            </a:r>
-            <a:endParaRPr lang="en-US" altLang="zh-CN" dirty="0" smtClean="0"/>
-          </a:p>
-          <a:p>
-            <a:r>
-              <a:rPr lang="zh-CN" altLang="en-US" dirty="0" smtClean="0"/>
-              <a:t>或者采用集合的写法</a:t>
-            </a:r>
-            <a:endParaRPr lang="en-US" altLang="zh-CN" dirty="0" smtClean="0"/>
-          </a:p>
-          <a:p>
-            <a:r>
-              <a:rPr lang="en-US" altLang="zh-CN" dirty="0" smtClean="0"/>
-              <a:t>select * from pod where pod’s name in (</a:t>
-            </a:r>
-            <a:r>
-              <a:rPr lang="en-US" altLang="zh-CN" dirty="0" err="1" smtClean="0"/>
-              <a:t>redis</a:t>
-            </a:r>
-            <a:r>
-              <a:rPr lang="en-US" altLang="zh-CN" dirty="0" smtClean="0"/>
-              <a:t>, </a:t>
-            </a:r>
-            <a:r>
-              <a:rPr lang="en-US" altLang="zh-CN" dirty="0" err="1" smtClean="0"/>
-              <a:t>mongodb</a:t>
-            </a:r>
-            <a:r>
-              <a:rPr lang="en-US" altLang="zh-CN" dirty="0" smtClean="0"/>
-              <a:t>, </a:t>
-            </a:r>
-            <a:r>
-              <a:rPr lang="en-US" altLang="zh-CN" dirty="0" err="1" smtClean="0"/>
-              <a:t>sqlite</a:t>
-            </a:r>
-            <a:r>
-              <a:rPr lang="en-US" altLang="zh-CN" dirty="0" smtClean="0"/>
-              <a:t>)</a:t>
-            </a:r>
-            <a:endParaRPr lang="en-US" altLang="zh-CN" dirty="0" smtClean="0"/>
-          </a:p>
-          <a:p>
-            <a:endParaRPr lang="en-US" altLang="zh-CN" dirty="0"/>
-          </a:p>
-          <a:p>
-            <a:r>
-              <a:rPr lang="en-US" altLang="zh-CN" dirty="0" smtClean="0"/>
-              <a:t>Master</a:t>
-            </a:r>
-            <a:r>
-              <a:rPr lang="zh-CN" altLang="en-US" dirty="0" smtClean="0"/>
-              <a:t>的</a:t>
-            </a:r>
-            <a:r>
-              <a:rPr lang="en-US" altLang="zh-CN" dirty="0" err="1" smtClean="0"/>
-              <a:t>kube</a:t>
-            </a:r>
-            <a:r>
-              <a:rPr lang="en-US" altLang="zh-CN" dirty="0" smtClean="0"/>
-              <a:t>-controller</a:t>
-            </a:r>
-            <a:r>
-              <a:rPr lang="zh-CN" altLang="en-US" dirty="0" smtClean="0"/>
-              <a:t>和</a:t>
-            </a:r>
-            <a:r>
-              <a:rPr lang="en-US" altLang="zh-CN" dirty="0" smtClean="0"/>
-              <a:t>Node</a:t>
-            </a:r>
-            <a:r>
-              <a:rPr lang="zh-CN" altLang="en-US" dirty="0" smtClean="0"/>
-              <a:t>的</a:t>
-            </a:r>
-            <a:r>
-              <a:rPr lang="en-US" altLang="zh-CN" dirty="0" err="1" smtClean="0"/>
-              <a:t>kube</a:t>
-            </a:r>
-            <a:r>
-              <a:rPr lang="en-US" altLang="zh-CN" dirty="0" smtClean="0"/>
-              <a:t>-proxy</a:t>
-            </a:r>
-            <a:r>
-              <a:rPr lang="zh-CN" altLang="en-US" dirty="0" smtClean="0"/>
-              <a:t>都会使用</a:t>
-            </a:r>
-            <a:r>
-              <a:rPr lang="en-US" altLang="zh-CN" dirty="0" smtClean="0"/>
-              <a:t>Label Selector</a:t>
-            </a:r>
-            <a:r>
-              <a:rPr lang="zh-CN" altLang="en-US" dirty="0" smtClean="0"/>
-              <a:t>来查找所需要的</a:t>
-            </a:r>
-            <a:r>
-              <a:rPr lang="en-US" altLang="zh-CN" dirty="0" smtClean="0"/>
+              <a:rPr lang="en-US" altLang="zh-CN" smtClean="0"/>
+              <a:t>Docker</a:t>
+            </a:r>
+            <a:r>
+              <a:rPr lang="zh-CN" altLang="en-US" smtClean="0"/>
+              <a:t>创建一个容器，如果需要容器一直存在则需要容器在后台运行。而</a:t>
+            </a:r>
+            <a:r>
+              <a:rPr lang="en-US" altLang="zh-CN" smtClean="0"/>
+              <a:t>k8s</a:t>
+            </a:r>
+            <a:r>
+              <a:rPr lang="zh-CN" altLang="en-US" smtClean="0"/>
+              <a:t>对于长期存在的容器，则要求主程序必须要在前台执行。</a:t>
+            </a:r>
+            <a:endParaRPr lang="en-US" altLang="zh-CN" smtClean="0"/>
+          </a:p>
+          <a:p>
+            <a:r>
+              <a:rPr lang="zh-CN" altLang="en-US" smtClean="0"/>
+              <a:t>如果某个容器的脚本是在后台执行的，</a:t>
+            </a:r>
+            <a:r>
+              <a:rPr lang="en-US" altLang="zh-CN" err="1" smtClean="0"/>
+              <a:t>kubelet</a:t>
+            </a:r>
+            <a:r>
+              <a:rPr lang="zh-CN" altLang="en-US" smtClean="0"/>
+              <a:t>创建包含这个容器的</a:t>
+            </a:r>
+            <a:r>
+              <a:rPr lang="en-US" altLang="zh-CN" smtClean="0"/>
               <a:t>Pod</a:t>
             </a:r>
             <a:r>
-              <a:rPr lang="zh-CN" altLang="en-US" dirty="0" smtClean="0"/>
+              <a:rPr lang="zh-CN" altLang="en-US" smtClean="0"/>
+              <a:t>之后，会认为</a:t>
+            </a:r>
+            <a:r>
+              <a:rPr lang="en-US" altLang="zh-CN" smtClean="0"/>
+              <a:t>Pod</a:t>
+            </a:r>
+            <a:r>
+              <a:rPr lang="zh-CN" altLang="en-US" smtClean="0"/>
+              <a:t>执行结束，则销毁该</a:t>
+            </a:r>
+            <a:r>
+              <a:rPr lang="en-US" altLang="zh-CN" smtClean="0"/>
+              <a:t>Pod</a:t>
+            </a:r>
+            <a:r>
+              <a:rPr lang="zh-CN" altLang="en-US" smtClean="0"/>
               <a:t>。</a:t>
             </a:r>
-            <a:endParaRPr lang="en-US" altLang="zh-CN" dirty="0" smtClean="0"/>
-          </a:p>
-          <a:p>
-            <a:r>
-              <a:rPr lang="en-US" altLang="zh-CN" dirty="0" smtClean="0"/>
-              <a:t>Label</a:t>
-            </a:r>
-            <a:r>
-              <a:rPr lang="zh-CN" altLang="en-US" dirty="0" smtClean="0"/>
-              <a:t>是</a:t>
-            </a:r>
-            <a:r>
-              <a:rPr lang="en-US" altLang="zh-CN" dirty="0" smtClean="0"/>
-              <a:t>k8s</a:t>
-            </a:r>
-            <a:r>
-              <a:rPr lang="zh-CN" altLang="en-US" dirty="0" smtClean="0"/>
-              <a:t>集群能够实现精细化管理的基础。</a:t>
-            </a:r>
-            <a:endParaRPr lang="en-US" altLang="zh-CN" dirty="0" smtClean="0"/>
+            <a:endParaRPr lang="en-US" altLang="zh-CN" smtClean="0"/>
+          </a:p>
+          <a:p>
+            <a:r>
+              <a:rPr lang="en-US" altLang="zh-CN" smtClean="0"/>
+              <a:t>RC</a:t>
+            </a:r>
+            <a:r>
+              <a:rPr lang="zh-CN" altLang="en-US" smtClean="0"/>
+              <a:t>检测到</a:t>
+            </a:r>
+            <a:r>
+              <a:rPr lang="en-US" altLang="zh-CN" smtClean="0"/>
+              <a:t>Pod</a:t>
+            </a:r>
+            <a:r>
+              <a:rPr lang="zh-CN" altLang="en-US" smtClean="0"/>
+              <a:t>销毁，又会根据预设值的</a:t>
+            </a:r>
+            <a:r>
+              <a:rPr lang="en-US" altLang="zh-CN" smtClean="0"/>
+              <a:t>Pod</a:t>
+            </a:r>
+            <a:r>
+              <a:rPr lang="zh-CN" altLang="en-US" smtClean="0"/>
+              <a:t>副本数量和</a:t>
+            </a:r>
+            <a:r>
+              <a:rPr lang="en-US" altLang="zh-CN" smtClean="0"/>
+              <a:t>Pod</a:t>
+            </a:r>
+            <a:r>
+              <a:rPr lang="zh-CN" altLang="en-US" smtClean="0"/>
+              <a:t>模板重新创建新的</a:t>
+            </a:r>
+            <a:r>
+              <a:rPr lang="en-US" altLang="zh-CN" smtClean="0"/>
+              <a:t>Pod</a:t>
+            </a:r>
+            <a:r>
+              <a:rPr lang="zh-CN" altLang="en-US" smtClean="0"/>
+              <a:t>。这样整个系统就陷入了创建销毁的循环。</a:t>
+            </a:r>
+            <a:endParaRPr lang="en-US" altLang="zh-CN" smtClean="0"/>
+          </a:p>
+          <a:p>
+            <a:endParaRPr lang="en-US" altLang="zh-CN"/>
+          </a:p>
+          <a:p>
+            <a:r>
+              <a:rPr lang="en-US" altLang="zh-CN" smtClean="0"/>
+              <a:t>Pod</a:t>
+            </a:r>
+            <a:r>
+              <a:rPr lang="zh-CN" altLang="en-US" smtClean="0"/>
+              <a:t>生命周期包含以下几个状态：</a:t>
+            </a:r>
+            <a:endParaRPr lang="en-US" altLang="zh-CN" smtClean="0"/>
+          </a:p>
+          <a:p>
+            <a:r>
+              <a:rPr lang="en-US" altLang="zh-CN" smtClean="0"/>
+              <a:t>Pending</a:t>
+            </a:r>
+            <a:r>
+              <a:rPr lang="zh-CN" altLang="en-US" smtClean="0"/>
+              <a:t>：</a:t>
+            </a:r>
+            <a:r>
+              <a:rPr lang="en-US" altLang="zh-CN" smtClean="0"/>
+              <a:t>API Server</a:t>
+            </a:r>
+            <a:r>
+              <a:rPr lang="zh-CN" altLang="en-US" smtClean="0"/>
+              <a:t>已经创建该</a:t>
+            </a:r>
+            <a:r>
+              <a:rPr lang="en-US" altLang="zh-CN" smtClean="0"/>
+              <a:t>Pod</a:t>
+            </a:r>
+            <a:r>
+              <a:rPr lang="zh-CN" altLang="en-US" smtClean="0"/>
+              <a:t>，但</a:t>
+            </a:r>
+            <a:r>
+              <a:rPr lang="en-US" altLang="zh-CN" smtClean="0"/>
+              <a:t>Pod</a:t>
+            </a:r>
+            <a:r>
+              <a:rPr lang="zh-CN" altLang="en-US" smtClean="0"/>
+              <a:t>内还有一个或者多个容器的镜像没有获取到，包括正在下载镜像的过程。</a:t>
+            </a:r>
+            <a:endParaRPr lang="en-US" altLang="zh-CN" smtClean="0"/>
+          </a:p>
+          <a:p>
+            <a:r>
+              <a:rPr lang="en-US" altLang="zh-CN" smtClean="0"/>
+              <a:t>Running</a:t>
+            </a:r>
+            <a:r>
+              <a:rPr lang="zh-CN" altLang="en-US" smtClean="0"/>
+              <a:t>：</a:t>
+            </a:r>
+            <a:r>
+              <a:rPr lang="en-US" altLang="zh-CN" smtClean="0"/>
+              <a:t>Pod</a:t>
+            </a:r>
+            <a:r>
+              <a:rPr lang="zh-CN" altLang="en-US" smtClean="0"/>
+              <a:t>内所有容器已创建，至少有一个容器处于运行、启动中或者重启中。</a:t>
+            </a:r>
+            <a:endParaRPr lang="en-US" altLang="zh-CN" smtClean="0"/>
+          </a:p>
+          <a:p>
+            <a:r>
+              <a:rPr lang="en-US" altLang="zh-CN" smtClean="0"/>
+              <a:t>Succeeded</a:t>
+            </a:r>
+            <a:r>
+              <a:rPr lang="zh-CN" altLang="en-US" smtClean="0"/>
+              <a:t>：</a:t>
+            </a:r>
+            <a:r>
+              <a:rPr lang="en-US" altLang="zh-CN" smtClean="0"/>
+              <a:t>Pod</a:t>
+            </a:r>
+            <a:r>
+              <a:rPr lang="zh-CN" altLang="en-US" smtClean="0"/>
+              <a:t>所有容器都成功执行并退出，且不会再重启。</a:t>
+            </a:r>
+            <a:endParaRPr lang="en-US" altLang="zh-CN" smtClean="0"/>
+          </a:p>
+          <a:p>
+            <a:r>
+              <a:rPr lang="en-US" altLang="zh-CN" smtClean="0"/>
+              <a:t>Failed</a:t>
+            </a:r>
+            <a:r>
+              <a:rPr lang="zh-CN" altLang="en-US" smtClean="0"/>
+              <a:t>：</a:t>
+            </a:r>
+            <a:r>
+              <a:rPr lang="en-US" altLang="zh-CN" smtClean="0"/>
+              <a:t>Pod</a:t>
+            </a:r>
+            <a:r>
+              <a:rPr lang="zh-CN" altLang="en-US" smtClean="0"/>
+              <a:t>内所有容器已退出，且有一个容器退出为失败状态。</a:t>
+            </a:r>
+            <a:endParaRPr lang="en-US" altLang="zh-CN" smtClean="0"/>
+          </a:p>
+          <a:p>
+            <a:r>
+              <a:rPr lang="en-US" altLang="zh-CN" err="1" smtClean="0"/>
+              <a:t>Unknow</a:t>
+            </a:r>
+            <a:r>
+              <a:rPr lang="zh-CN" altLang="en-US" smtClean="0"/>
+              <a:t>：无法获取该</a:t>
+            </a:r>
+            <a:r>
+              <a:rPr lang="en-US" altLang="zh-CN" smtClean="0"/>
+              <a:t>Pod</a:t>
+            </a:r>
+            <a:r>
+              <a:rPr lang="zh-CN" altLang="en-US" smtClean="0"/>
+              <a:t>的状态。</a:t>
+            </a:r>
+            <a:endParaRPr lang="en-US" altLang="zh-CN" smtClean="0"/>
+          </a:p>
+          <a:p>
+            <a:endParaRPr lang="en-US" altLang="zh-CN"/>
+          </a:p>
+          <a:p>
+            <a:r>
+              <a:rPr lang="en-US" altLang="zh-CN" smtClean="0"/>
+              <a:t>Pod</a:t>
+            </a:r>
+            <a:r>
+              <a:rPr lang="zh-CN" altLang="en-US" smtClean="0"/>
+              <a:t>重启策略：</a:t>
+            </a:r>
+            <a:endParaRPr lang="en-US" altLang="zh-CN" smtClean="0"/>
+          </a:p>
+          <a:p>
+            <a:r>
+              <a:rPr lang="en-US" altLang="zh-CN" smtClean="0"/>
+              <a:t>Always</a:t>
+            </a:r>
+            <a:r>
+              <a:rPr lang="zh-CN" altLang="en-US" smtClean="0"/>
+              <a:t>：当容器失效时，</a:t>
+            </a:r>
+            <a:r>
+              <a:rPr lang="en-US" altLang="zh-CN" err="1" smtClean="0"/>
+              <a:t>kubelet</a:t>
+            </a:r>
+            <a:r>
+              <a:rPr lang="zh-CN" altLang="en-US" smtClean="0"/>
+              <a:t>自动重启该容器。</a:t>
+            </a:r>
+            <a:endParaRPr lang="en-US" altLang="zh-CN" smtClean="0"/>
+          </a:p>
+          <a:p>
+            <a:r>
+              <a:rPr lang="en-US" altLang="zh-CN" err="1" smtClean="0"/>
+              <a:t>OnFailure</a:t>
+            </a:r>
+            <a:r>
+              <a:rPr lang="zh-CN" altLang="en-US" smtClean="0"/>
+              <a:t>：当容器终止运行且退出码不为</a:t>
+            </a:r>
+            <a:r>
+              <a:rPr lang="en-US" altLang="zh-CN" smtClean="0"/>
+              <a:t>0</a:t>
+            </a:r>
+            <a:r>
+              <a:rPr lang="zh-CN" altLang="en-US" smtClean="0"/>
+              <a:t>是，</a:t>
+            </a:r>
+            <a:r>
+              <a:rPr lang="en-US" altLang="zh-CN" err="1" smtClean="0"/>
+              <a:t>kubelet</a:t>
+            </a:r>
+            <a:r>
+              <a:rPr lang="zh-CN" altLang="en-US" smtClean="0"/>
+              <a:t>自动重启该容器。</a:t>
+            </a:r>
+            <a:endParaRPr lang="en-US" altLang="zh-CN" smtClean="0"/>
+          </a:p>
+          <a:p>
+            <a:r>
+              <a:rPr lang="en-US" altLang="zh-CN" smtClean="0"/>
+              <a:t>Never</a:t>
+            </a:r>
+            <a:r>
+              <a:rPr lang="zh-CN" altLang="en-US" smtClean="0"/>
+              <a:t>：不论容器什么状态，</a:t>
+            </a:r>
+            <a:r>
+              <a:rPr lang="en-US" altLang="zh-CN" err="1" smtClean="0"/>
+              <a:t>kubelet</a:t>
+            </a:r>
+            <a:r>
+              <a:rPr lang="zh-CN" altLang="en-US" smtClean="0"/>
+              <a:t>都不会</a:t>
+            </a:r>
+            <a:r>
+              <a:rPr lang="zh-CN" altLang="en-US"/>
+              <a:t>重</a:t>
+            </a:r>
+            <a:r>
+              <a:rPr lang="zh-CN" altLang="en-US" smtClean="0"/>
+              <a:t>启该容器。</a:t>
+            </a:r>
+            <a:endParaRPr lang="en-US" altLang="zh-CN" smtClean="0"/>
           </a:p>
         </p:txBody>
       </p:sp>
     </p:spTree>
+    <p:extLst>
+      <p:ext uri="{BB962C8B-B14F-4D97-AF65-F5344CB8AC3E}">
+        <p14:creationId xmlns:p14="http://schemas.microsoft.com/office/powerpoint/2010/main" val="1051362395"/>
+      </p:ext>
+    </p:extLst>
   </p:cSld>
   <p:clrMapOvr>
     <a:masterClrMapping/>
@@ -7681,7 +9910,7 @@
           <p:nvPr/>
         </p:nvPicPr>
         <p:blipFill>
-          <a:blip r:embed="rId1" cstate="print">
+          <a:blip r:embed="rId2" cstate="print">
             <a:extLst>
               <a:ext uri="{28A0092B-C50C-407E-A947-70E740481C1C}">
                 <a14:useLocalDpi xmlns:a14="http://schemas.microsoft.com/office/drawing/2010/main" val="0"/>
@@ -7802,7 +10031,7 @@
               <a:buNone/>
             </a:pPr>
             <a:r>
-              <a:rPr lang="en-US" altLang="zh-CN" sz="2800" b="1" dirty="0" smtClean="0">
+              <a:rPr lang="en-US" altLang="zh-CN" sz="2800" b="1" smtClean="0">
                 <a:solidFill>
                   <a:schemeClr val="tx1">
                     <a:lumMod val="85000"/>
@@ -7812,9 +10041,9 @@
                 <a:latin typeface="微软雅黑" panose="020B0503020204020204" pitchFamily="34" charset="-122"/>
                 <a:ea typeface="微软雅黑" panose="020B0503020204020204" pitchFamily="34" charset="-122"/>
               </a:rPr>
-              <a:t>k8s-Service</a:t>
-            </a:r>
-            <a:endParaRPr lang="zh-CN" altLang="en-US" sz="2800" b="1" kern="1200" dirty="0">
+              <a:t>k8s-Pod</a:t>
+            </a:r>
+            <a:endParaRPr lang="zh-CN" altLang="en-US" sz="2800" b="1" kern="1200">
               <a:solidFill>
                 <a:schemeClr val="tx1">
                   <a:lumMod val="85000"/>
@@ -7932,7 +10161,7 @@
         <p:spPr>
           <a:xfrm>
             <a:off x="488874" y="773881"/>
-            <a:ext cx="11528314" cy="3692525"/>
+            <a:ext cx="11528314" cy="5632311"/>
           </a:xfrm>
           <a:prstGeom prst="rect">
             <a:avLst/>
@@ -7946,372 +10175,549 @@
           <a:lstStyle/>
           <a:p>
             <a:r>
-              <a:rPr lang="zh-CN" altLang="en-US" dirty="0" smtClean="0"/>
-              <a:t>在</a:t>
-            </a:r>
-            <a:r>
-              <a:rPr lang="en-US" altLang="zh-CN" dirty="0" smtClean="0"/>
+              <a:rPr lang="en-US" altLang="zh-CN" smtClean="0"/>
+              <a:t>Pod</a:t>
+            </a:r>
+            <a:r>
+              <a:rPr lang="zh-CN" altLang="en-US" smtClean="0"/>
+              <a:t>探测方式：</a:t>
+            </a:r>
+            <a:endParaRPr lang="en-US" altLang="zh-CN" smtClean="0"/>
+          </a:p>
+          <a:p>
+            <a:r>
+              <a:rPr lang="en-US" altLang="zh-CN" err="1" smtClean="0"/>
+              <a:t>LivenessProbe</a:t>
+            </a:r>
+            <a:r>
+              <a:rPr lang="zh-CN" altLang="en-US" smtClean="0"/>
+              <a:t>：判断</a:t>
+            </a:r>
+            <a:r>
+              <a:rPr lang="en-US" altLang="zh-CN" smtClean="0"/>
+              <a:t>Pod</a:t>
+            </a:r>
+            <a:r>
+              <a:rPr lang="zh-CN" altLang="en-US" smtClean="0"/>
+              <a:t>中的容器是否存活。如果容器异常，则</a:t>
+            </a:r>
+            <a:r>
+              <a:rPr lang="en-US" altLang="zh-CN" err="1" smtClean="0"/>
+              <a:t>kubelet</a:t>
+            </a:r>
+            <a:r>
+              <a:rPr lang="zh-CN" altLang="en-US" smtClean="0"/>
+              <a:t>将删除该容器，再根据重启策略判断容器是否需要重启。如果容器不支持</a:t>
+            </a:r>
+            <a:r>
+              <a:rPr lang="en-US" altLang="zh-CN" err="1" smtClean="0"/>
+              <a:t>LivenessProbe</a:t>
+            </a:r>
+            <a:r>
+              <a:rPr lang="zh-CN" altLang="en-US" smtClean="0"/>
+              <a:t>，则探测结果永远为</a:t>
+            </a:r>
+            <a:r>
+              <a:rPr lang="en-US" altLang="zh-CN" smtClean="0"/>
+              <a:t>success</a:t>
+            </a:r>
+            <a:r>
+              <a:rPr lang="zh-CN" altLang="en-US" smtClean="0"/>
+              <a:t>。</a:t>
+            </a:r>
+            <a:endParaRPr lang="en-US" altLang="zh-CN" smtClean="0"/>
+          </a:p>
+          <a:p>
+            <a:r>
+              <a:rPr lang="en-US" altLang="zh-CN" err="1" smtClean="0"/>
+              <a:t>ReadinessProbe</a:t>
+            </a:r>
+            <a:r>
+              <a:rPr lang="zh-CN" altLang="en-US" smtClean="0"/>
+              <a:t>：判断</a:t>
+            </a:r>
+            <a:r>
+              <a:rPr lang="en-US" altLang="zh-CN" smtClean="0"/>
+              <a:t>Pod</a:t>
+            </a:r>
+            <a:r>
+              <a:rPr lang="zh-CN" altLang="en-US" smtClean="0"/>
+              <a:t>中的容器是否启动完成，可以接受请求。如果探测失败，则</a:t>
+            </a:r>
+            <a:r>
+              <a:rPr lang="en-US" altLang="zh-CN" smtClean="0"/>
+              <a:t>Endpoint Controller</a:t>
+            </a:r>
+            <a:r>
+              <a:rPr lang="zh-CN" altLang="en-US" smtClean="0"/>
+              <a:t>将从</a:t>
+            </a:r>
+            <a:r>
+              <a:rPr lang="en-US" altLang="zh-CN" smtClean="0"/>
+              <a:t>Service</a:t>
+            </a:r>
+            <a:r>
+              <a:rPr lang="zh-CN" altLang="en-US" smtClean="0"/>
+              <a:t>的</a:t>
+            </a:r>
+            <a:r>
+              <a:rPr lang="en-US" altLang="zh-CN" smtClean="0"/>
+              <a:t>Endpoint</a:t>
+            </a:r>
+            <a:r>
+              <a:rPr lang="zh-CN" altLang="en-US" smtClean="0"/>
+              <a:t>中删除包含该容器所在</a:t>
+            </a:r>
+            <a:r>
+              <a:rPr lang="en-US" altLang="zh-CN" smtClean="0"/>
+              <a:t>Pod</a:t>
+            </a:r>
+            <a:r>
+              <a:rPr lang="zh-CN" altLang="en-US" smtClean="0"/>
+              <a:t>的</a:t>
+            </a:r>
+            <a:r>
+              <a:rPr lang="en-US" altLang="zh-CN" smtClean="0"/>
+              <a:t>Endpoint</a:t>
+            </a:r>
+            <a:r>
+              <a:rPr lang="zh-CN" altLang="en-US" smtClean="0"/>
+              <a:t>。</a:t>
+            </a:r>
+            <a:endParaRPr lang="en-US" altLang="zh-CN" smtClean="0"/>
+          </a:p>
+          <a:p>
+            <a:endParaRPr lang="en-US" altLang="zh-CN"/>
+          </a:p>
+          <a:p>
+            <a:r>
+              <a:rPr lang="en-US" altLang="zh-CN" smtClean="0"/>
+              <a:t>Pod</a:t>
+            </a:r>
+            <a:r>
+              <a:rPr lang="zh-CN" altLang="en-US" smtClean="0"/>
+              <a:t>调度</a:t>
+            </a:r>
+            <a:endParaRPr lang="en-US" altLang="zh-CN" smtClean="0"/>
+          </a:p>
+          <a:p>
+            <a:r>
+              <a:rPr lang="en-US" altLang="zh-CN"/>
+              <a:t>RC</a:t>
+            </a:r>
+            <a:r>
+              <a:rPr lang="zh-CN" altLang="en-US" smtClean="0"/>
+              <a:t>、</a:t>
+            </a:r>
+            <a:r>
+              <a:rPr lang="en-US" altLang="zh-CN" smtClean="0"/>
+              <a:t>Deployment</a:t>
+            </a:r>
+            <a:r>
+              <a:rPr lang="zh-CN" altLang="en-US" smtClean="0"/>
+              <a:t>全自动调度：后面的章节会介绍</a:t>
+            </a:r>
+            <a:r>
+              <a:rPr lang="en-US" altLang="zh-CN" smtClean="0"/>
+              <a:t>RC</a:t>
+            </a:r>
+            <a:r>
+              <a:rPr lang="zh-CN" altLang="en-US" smtClean="0"/>
+              <a:t>的功能，简单来说</a:t>
+            </a:r>
+            <a:r>
+              <a:rPr lang="en-US" altLang="zh-CN" smtClean="0"/>
+              <a:t>RC</a:t>
+            </a:r>
+            <a:r>
+              <a:rPr lang="zh-CN" altLang="en-US" smtClean="0"/>
+              <a:t>的作用就是自动部署一个容器应用的多个副本，并且监控副本数量始终等于用户预设的数量。在调度策略上</a:t>
+            </a:r>
+            <a:r>
+              <a:rPr lang="en-US" altLang="zh-CN" err="1" smtClean="0"/>
+              <a:t>kube</a:t>
+            </a:r>
+            <a:r>
+              <a:rPr lang="en-US" altLang="zh-CN" smtClean="0"/>
+              <a:t>-scheduler</a:t>
+            </a:r>
+            <a:r>
+              <a:rPr lang="zh-CN" altLang="en-US" smtClean="0"/>
+              <a:t>会自动调度，</a:t>
+            </a:r>
+            <a:r>
+              <a:rPr lang="en-US" altLang="zh-CN" smtClean="0"/>
+              <a:t>Pod</a:t>
+            </a:r>
+            <a:r>
+              <a:rPr lang="zh-CN" altLang="en-US" smtClean="0"/>
+              <a:t>也可以使用</a:t>
+            </a:r>
+            <a:r>
+              <a:rPr lang="en-US" altLang="zh-CN" err="1" smtClean="0"/>
+              <a:t>NodeSelector</a:t>
+            </a:r>
+            <a:r>
+              <a:rPr lang="zh-CN" altLang="en-US" smtClean="0"/>
+              <a:t>或</a:t>
+            </a:r>
+            <a:r>
+              <a:rPr lang="en-US" altLang="zh-CN" err="1" smtClean="0"/>
+              <a:t>NodeAffinity</a:t>
+            </a:r>
+            <a:r>
+              <a:rPr lang="zh-CN" altLang="en-US" smtClean="0"/>
+              <a:t>指定满足条件的</a:t>
+            </a:r>
+            <a:r>
+              <a:rPr lang="en-US" altLang="zh-CN" smtClean="0"/>
+              <a:t>Node</a:t>
+            </a:r>
+            <a:r>
+              <a:rPr lang="zh-CN" altLang="en-US" smtClean="0"/>
+              <a:t>。</a:t>
+            </a:r>
+            <a:endParaRPr lang="en-US" altLang="zh-CN" smtClean="0"/>
+          </a:p>
+          <a:p>
+            <a:r>
+              <a:rPr lang="en-US" altLang="zh-CN" err="1" smtClean="0"/>
+              <a:t>NodeSelector</a:t>
+            </a:r>
+            <a:r>
+              <a:rPr lang="zh-CN" altLang="en-US" smtClean="0"/>
+              <a:t>就是利用</a:t>
+            </a:r>
+            <a:r>
+              <a:rPr lang="en-US" altLang="zh-CN" smtClean="0"/>
+              <a:t>Label(</a:t>
+            </a:r>
+            <a:r>
+              <a:rPr lang="zh-CN" altLang="en-US"/>
+              <a:t>后续</a:t>
+            </a:r>
+            <a:r>
+              <a:rPr lang="zh-CN" altLang="en-US" smtClean="0"/>
+              <a:t>会介绍</a:t>
+            </a:r>
+            <a:r>
+              <a:rPr lang="en-US" altLang="zh-CN" smtClean="0"/>
+              <a:t>)</a:t>
+            </a:r>
+            <a:r>
+              <a:rPr lang="zh-CN" altLang="en-US" smtClean="0"/>
+              <a:t>把</a:t>
+            </a:r>
+            <a:r>
+              <a:rPr lang="en-US" altLang="zh-CN" smtClean="0"/>
+              <a:t>Pod</a:t>
+            </a:r>
+            <a:r>
+              <a:rPr lang="zh-CN" altLang="en-US" smtClean="0"/>
+              <a:t>和需要调度的</a:t>
+            </a:r>
+            <a:r>
+              <a:rPr lang="en-US" altLang="zh-CN" smtClean="0"/>
+              <a:t>Node</a:t>
+            </a:r>
+            <a:r>
+              <a:rPr lang="zh-CN" altLang="en-US" smtClean="0"/>
+              <a:t>关联起来。</a:t>
+            </a:r>
+            <a:r>
+              <a:rPr lang="en-US" altLang="zh-CN" smtClean="0"/>
               <a:t>k8s</a:t>
             </a:r>
             <a:r>
-              <a:rPr lang="zh-CN" altLang="en-US" dirty="0" smtClean="0"/>
-              <a:t>的集群里，每个</a:t>
-            </a:r>
-            <a:r>
-              <a:rPr lang="en-US" altLang="zh-CN" dirty="0" smtClean="0"/>
+              <a:rPr lang="zh-CN" altLang="en-US" smtClean="0"/>
+              <a:t>可以给</a:t>
+            </a:r>
+            <a:r>
+              <a:rPr lang="en-US" altLang="zh-CN" smtClean="0"/>
+              <a:t>Node</a:t>
+            </a:r>
+            <a:r>
+              <a:rPr lang="zh-CN" altLang="en-US" smtClean="0"/>
+              <a:t>打上若干个</a:t>
+            </a:r>
+            <a:r>
+              <a:rPr lang="en-US" altLang="zh-CN" smtClean="0"/>
+              <a:t>Label</a:t>
+            </a:r>
+            <a:r>
+              <a:rPr lang="zh-CN" altLang="en-US" smtClean="0"/>
+              <a:t>，比如指定</a:t>
+            </a:r>
+            <a:r>
+              <a:rPr lang="en-US" altLang="zh-CN" smtClean="0"/>
+              <a:t>Node</a:t>
+            </a:r>
+            <a:r>
+              <a:rPr lang="zh-CN" altLang="en-US" smtClean="0"/>
+              <a:t>的</a:t>
+            </a:r>
+            <a:r>
+              <a:rPr lang="en-US" altLang="zh-CN" smtClean="0"/>
+              <a:t>Label</a:t>
+            </a:r>
+            <a:r>
+              <a:rPr lang="zh-CN" altLang="en-US" smtClean="0"/>
+              <a:t>为</a:t>
+            </a:r>
+            <a:r>
+              <a:rPr lang="en-US" altLang="zh-CN" smtClean="0"/>
+              <a:t>zone=North</a:t>
+            </a:r>
+            <a:r>
+              <a:rPr lang="zh-CN" altLang="en-US" smtClean="0"/>
+              <a:t>。同时可以在</a:t>
+            </a:r>
+            <a:r>
+              <a:rPr lang="en-US" altLang="zh-CN" smtClean="0"/>
               <a:t>Pod</a:t>
             </a:r>
             <a:r>
-              <a:rPr lang="zh-CN" altLang="en-US" dirty="0" smtClean="0"/>
-              <a:t>会被分配一个单独的</a:t>
-            </a:r>
-            <a:r>
-              <a:rPr lang="en-US" altLang="zh-CN" dirty="0" smtClean="0"/>
-              <a:t>IP</a:t>
-            </a:r>
-            <a:r>
-              <a:rPr lang="zh-CN" altLang="en-US" dirty="0" smtClean="0"/>
-              <a:t>地址，且每个</a:t>
-            </a:r>
-            <a:r>
-              <a:rPr lang="en-US" altLang="zh-CN" dirty="0" smtClean="0"/>
+              <a:rPr lang="zh-CN" altLang="en-US" smtClean="0"/>
+              <a:t>的定义中加上</a:t>
+            </a:r>
+            <a:r>
+              <a:rPr lang="en-US" altLang="zh-CN" err="1" smtClean="0"/>
+              <a:t>nodeSelector</a:t>
+            </a:r>
+            <a:r>
+              <a:rPr lang="zh-CN" altLang="en-US" smtClean="0"/>
+              <a:t>的定义项指定</a:t>
+            </a:r>
+            <a:r>
+              <a:rPr lang="en-US" altLang="zh-CN" smtClean="0"/>
+              <a:t>zone</a:t>
+            </a:r>
+            <a:r>
+              <a:rPr lang="zh-CN" altLang="en-US" smtClean="0"/>
+              <a:t>：</a:t>
+            </a:r>
+            <a:r>
+              <a:rPr lang="en-US" altLang="zh-CN" smtClean="0"/>
+              <a:t>North</a:t>
+            </a:r>
+            <a:r>
+              <a:rPr lang="zh-CN" altLang="en-US" smtClean="0"/>
+              <a:t>。这样该</a:t>
+            </a:r>
+            <a:r>
+              <a:rPr lang="en-US" altLang="zh-CN" smtClean="0"/>
               <a:t>Pod</a:t>
             </a:r>
             <a:r>
-              <a:rPr lang="zh-CN" altLang="en-US" dirty="0" smtClean="0"/>
-              <a:t>都提供了独立的</a:t>
-            </a:r>
-            <a:r>
-              <a:rPr lang="en-US" altLang="zh-CN" dirty="0" smtClean="0"/>
-              <a:t>Endpoint(Pod IP + Container Port)</a:t>
-            </a:r>
-            <a:r>
-              <a:rPr lang="zh-CN" altLang="en-US" dirty="0" smtClean="0"/>
-              <a:t>以被客户端访问。但是</a:t>
-            </a:r>
-            <a:r>
-              <a:rPr lang="en-US" altLang="zh-CN" dirty="0" smtClean="0"/>
+              <a:rPr lang="zh-CN" altLang="en-US" smtClean="0"/>
+              <a:t>就会被调度到拥有</a:t>
+            </a:r>
+            <a:r>
+              <a:rPr lang="en-US" altLang="zh-CN" smtClean="0"/>
+              <a:t>zone=North</a:t>
+            </a:r>
+            <a:r>
+              <a:rPr lang="zh-CN" altLang="en-US" smtClean="0"/>
+              <a:t>标签的</a:t>
+            </a:r>
+            <a:r>
+              <a:rPr lang="en-US" altLang="zh-CN" smtClean="0"/>
+              <a:t>Node</a:t>
+            </a:r>
+            <a:r>
+              <a:rPr lang="zh-CN" altLang="en-US" smtClean="0"/>
+              <a:t>上。</a:t>
+            </a:r>
+            <a:endParaRPr lang="en-US" altLang="zh-CN" smtClean="0"/>
+          </a:p>
+          <a:p>
+            <a:r>
+              <a:rPr lang="en-US" altLang="zh-CN" err="1" smtClean="0"/>
+              <a:t>NodeAffinity</a:t>
+            </a:r>
+            <a:r>
+              <a:rPr lang="zh-CN" altLang="en-US" smtClean="0"/>
+              <a:t>是将来替换</a:t>
+            </a:r>
+            <a:r>
+              <a:rPr lang="en-US" altLang="zh-CN" err="1" smtClean="0"/>
+              <a:t>NodeSelector</a:t>
+            </a:r>
+            <a:r>
+              <a:rPr lang="zh-CN" altLang="en-US" smtClean="0"/>
+              <a:t>的调度策略。增加了</a:t>
+            </a:r>
+            <a:r>
+              <a:rPr lang="en-US" altLang="zh-CN" smtClean="0"/>
+              <a:t>In</a:t>
+            </a:r>
+            <a:r>
+              <a:rPr lang="zh-CN" altLang="en-US" smtClean="0"/>
+              <a:t>、</a:t>
+            </a:r>
+            <a:r>
+              <a:rPr lang="en-US" altLang="zh-CN" err="1" smtClean="0"/>
+              <a:t>NotIn</a:t>
+            </a:r>
+            <a:r>
+              <a:rPr lang="zh-CN" altLang="en-US" smtClean="0"/>
+              <a:t>、</a:t>
+            </a:r>
+            <a:r>
+              <a:rPr lang="en-US" altLang="zh-CN" smtClean="0"/>
+              <a:t>Exists</a:t>
+            </a:r>
+            <a:r>
+              <a:rPr lang="zh-CN" altLang="en-US" smtClean="0"/>
+              <a:t>、</a:t>
+            </a:r>
+            <a:r>
+              <a:rPr lang="en-US" altLang="zh-CN" err="1" smtClean="0"/>
+              <a:t>DoesNotExist</a:t>
+            </a:r>
+            <a:r>
+              <a:rPr lang="zh-CN" altLang="en-US" smtClean="0"/>
+              <a:t>、</a:t>
+            </a:r>
+            <a:r>
+              <a:rPr lang="en-US" altLang="zh-CN" smtClean="0"/>
+              <a:t>Gt</a:t>
+            </a:r>
+            <a:r>
+              <a:rPr lang="zh-CN" altLang="en-US" smtClean="0"/>
+              <a:t>、</a:t>
+            </a:r>
+            <a:r>
+              <a:rPr lang="en-US" altLang="zh-CN" smtClean="0"/>
+              <a:t>Lt</a:t>
+            </a:r>
+            <a:r>
+              <a:rPr lang="zh-CN" altLang="en-US" smtClean="0"/>
+              <a:t>等操作，对于</a:t>
+            </a:r>
+            <a:r>
+              <a:rPr lang="en-US" altLang="zh-CN" smtClean="0"/>
+              <a:t>Node</a:t>
+            </a:r>
+            <a:r>
+              <a:rPr lang="zh-CN" altLang="en-US" smtClean="0"/>
+              <a:t>的选择更加灵活。同时还增加了亲和性调度策略：</a:t>
+            </a:r>
+            <a:endParaRPr lang="en-US" altLang="zh-CN" smtClean="0"/>
+          </a:p>
+          <a:p>
+            <a:r>
+              <a:rPr lang="en-US" altLang="zh-CN" err="1" smtClean="0"/>
+              <a:t>RequiredDuringschedulingRequiredDuringExcution</a:t>
+            </a:r>
+            <a:r>
+              <a:rPr lang="zh-CN" altLang="en-US" smtClean="0"/>
+              <a:t>：在</a:t>
+            </a:r>
+            <a:r>
+              <a:rPr lang="en-US" altLang="zh-CN" smtClean="0"/>
+              <a:t>Node</a:t>
+            </a:r>
+            <a:r>
+              <a:rPr lang="zh-CN" altLang="en-US" smtClean="0"/>
+              <a:t>不满足条件时，系统将把之前调度到这个</a:t>
+            </a:r>
+            <a:r>
+              <a:rPr lang="en-US" altLang="zh-CN" smtClean="0"/>
+              <a:t>Node</a:t>
+            </a:r>
+            <a:r>
+              <a:rPr lang="zh-CN" altLang="en-US" smtClean="0"/>
+              <a:t>上的</a:t>
+            </a:r>
+            <a:r>
+              <a:rPr lang="en-US" altLang="zh-CN" smtClean="0"/>
               <a:t>Pod</a:t>
             </a:r>
             <a:r>
-              <a:rPr lang="zh-CN" altLang="en-US" dirty="0" smtClean="0"/>
-              <a:t>是会被销毁和重新创建的，新建的</a:t>
-            </a:r>
-            <a:r>
-              <a:rPr lang="en-US" altLang="zh-CN" dirty="0" smtClean="0"/>
+              <a:rPr lang="zh-CN" altLang="en-US" smtClean="0"/>
+              <a:t>移除。</a:t>
+            </a:r>
+            <a:endParaRPr lang="en-US" altLang="zh-CN" smtClean="0"/>
+          </a:p>
+          <a:p>
+            <a:r>
+              <a:rPr lang="en-US" altLang="zh-CN" err="1" smtClean="0"/>
+              <a:t>RequiredDuringSchedulingIngoredDuringExecution</a:t>
+            </a:r>
+            <a:r>
+              <a:rPr lang="zh-CN" altLang="en-US" smtClean="0"/>
+              <a:t>：在</a:t>
+            </a:r>
+            <a:r>
+              <a:rPr lang="en-US" altLang="zh-CN" smtClean="0"/>
+              <a:t>Node</a:t>
+            </a:r>
+            <a:r>
+              <a:rPr lang="zh-CN" altLang="en-US" smtClean="0"/>
+              <a:t>不满足条件时，系统不一定把之前调度的</a:t>
+            </a:r>
+            <a:r>
+              <a:rPr lang="en-US" altLang="zh-CN" smtClean="0"/>
               <a:t>Pod</a:t>
             </a:r>
             <a:r>
-              <a:rPr lang="zh-CN" altLang="en-US" dirty="0" smtClean="0"/>
-              <a:t>拥有的</a:t>
-            </a:r>
-            <a:r>
-              <a:rPr lang="en-US" altLang="zh-CN" dirty="0" smtClean="0"/>
-              <a:t>IP</a:t>
-            </a:r>
-            <a:r>
-              <a:rPr lang="zh-CN" altLang="en-US" dirty="0" smtClean="0"/>
-              <a:t>地址与旧</a:t>
-            </a:r>
-            <a:r>
-              <a:rPr lang="en-US" altLang="zh-CN" dirty="0" smtClean="0"/>
+              <a:rPr lang="zh-CN" altLang="en-US" smtClean="0"/>
+              <a:t>移除。</a:t>
+            </a:r>
+            <a:endParaRPr lang="en-US" altLang="zh-CN" smtClean="0"/>
+          </a:p>
+          <a:p>
+            <a:r>
+              <a:rPr lang="en-US" altLang="zh-CN" err="1" smtClean="0"/>
+              <a:t>PreferredDuringSchedulingIgnoredDuringExecution</a:t>
+            </a:r>
+            <a:r>
+              <a:rPr lang="zh-CN" altLang="en-US" smtClean="0"/>
+              <a:t>：指定在满足条件的</a:t>
+            </a:r>
+            <a:r>
+              <a:rPr lang="en-US" altLang="zh-CN" smtClean="0"/>
+              <a:t>Node</a:t>
+            </a:r>
+            <a:r>
+              <a:rPr lang="zh-CN" altLang="en-US" smtClean="0"/>
+              <a:t>，哪些</a:t>
+            </a:r>
+            <a:r>
+              <a:rPr lang="en-US" altLang="zh-CN" smtClean="0"/>
+              <a:t>Node</a:t>
+            </a:r>
+            <a:r>
+              <a:rPr lang="zh-CN" altLang="en-US" smtClean="0"/>
+              <a:t>优先调度。在</a:t>
+            </a:r>
+            <a:r>
+              <a:rPr lang="en-US" altLang="zh-CN" smtClean="0"/>
+              <a:t>Node</a:t>
+            </a:r>
+            <a:r>
+              <a:rPr lang="zh-CN" altLang="en-US" smtClean="0"/>
+              <a:t>不满足条件时，系统不一定把之前调度的</a:t>
+            </a:r>
+            <a:r>
+              <a:rPr lang="en-US" altLang="zh-CN" smtClean="0"/>
               <a:t>Pod</a:t>
             </a:r>
             <a:r>
-              <a:rPr lang="zh-CN" altLang="en-US" dirty="0" smtClean="0"/>
-              <a:t>的</a:t>
-            </a:r>
-            <a:r>
-              <a:rPr lang="en-US" altLang="zh-CN" dirty="0" smtClean="0"/>
-              <a:t>IP</a:t>
-            </a:r>
-            <a:r>
-              <a:rPr lang="zh-CN" altLang="en-US" dirty="0" smtClean="0"/>
-              <a:t>可能不同。这样的设定对于前端应用来访问</a:t>
-            </a:r>
-            <a:r>
-              <a:rPr lang="en-US" altLang="zh-CN" dirty="0" smtClean="0"/>
-              <a:t>Pod</a:t>
-            </a:r>
-            <a:r>
-              <a:rPr lang="zh-CN" altLang="en-US" dirty="0" smtClean="0"/>
-              <a:t>里面的容器是非常不友好的。</a:t>
-            </a:r>
-            <a:endParaRPr lang="en-US" altLang="zh-CN" dirty="0" smtClean="0"/>
-          </a:p>
-          <a:p>
-            <a:endParaRPr lang="en-US" altLang="zh-CN" dirty="0"/>
-          </a:p>
-          <a:p>
-            <a:r>
-              <a:rPr lang="en-US" altLang="zh-CN" dirty="0" smtClean="0"/>
-              <a:t>k8s</a:t>
-            </a:r>
-            <a:r>
-              <a:rPr lang="zh-CN" altLang="en-US" dirty="0" smtClean="0"/>
-              <a:t>为每个</a:t>
-            </a:r>
-            <a:r>
-              <a:rPr lang="en-US" altLang="zh-CN" dirty="0" smtClean="0"/>
-              <a:t>Service</a:t>
-            </a:r>
-            <a:r>
-              <a:rPr lang="zh-CN" altLang="en-US" dirty="0" smtClean="0"/>
-              <a:t>分配了全局唯一的虚拟</a:t>
-            </a:r>
-            <a:r>
-              <a:rPr lang="en-US" altLang="zh-CN" dirty="0" smtClean="0"/>
-              <a:t>IP(Cluster IP)</a:t>
-            </a:r>
-            <a:r>
-              <a:rPr lang="zh-CN" altLang="en-US" dirty="0" smtClean="0"/>
-              <a:t>。</a:t>
-            </a:r>
-            <a:r>
-              <a:rPr lang="en-US" altLang="zh-CN" dirty="0" smtClean="0"/>
-              <a:t>Service</a:t>
-            </a:r>
-            <a:r>
-              <a:rPr lang="zh-CN" altLang="en-US" dirty="0" smtClean="0"/>
-              <a:t>整个生命周期之内</a:t>
-            </a:r>
-            <a:r>
-              <a:rPr lang="en-US" altLang="zh-CN" dirty="0" smtClean="0"/>
-              <a:t>Cluster IP</a:t>
-            </a:r>
-            <a:r>
-              <a:rPr lang="zh-CN" altLang="en-US" dirty="0" smtClean="0"/>
-              <a:t>不会变。</a:t>
-            </a:r>
-            <a:r>
-              <a:rPr lang="en-US" altLang="zh-CN" dirty="0" smtClean="0"/>
-              <a:t>k8s</a:t>
-            </a:r>
-            <a:r>
-              <a:rPr lang="zh-CN" altLang="en-US" dirty="0" smtClean="0"/>
-              <a:t>通过</a:t>
-            </a:r>
-            <a:r>
-              <a:rPr lang="en-US" altLang="zh-CN" dirty="0" smtClean="0"/>
-              <a:t>Service</a:t>
-            </a:r>
-            <a:r>
-              <a:rPr lang="zh-CN" altLang="en-US" dirty="0" smtClean="0"/>
-              <a:t>把</a:t>
-            </a:r>
-            <a:r>
-              <a:rPr lang="en-US" altLang="zh-CN" dirty="0" smtClean="0"/>
-              <a:t>Node</a:t>
-            </a:r>
-            <a:r>
-              <a:rPr lang="zh-CN" altLang="en-US" dirty="0" smtClean="0"/>
-              <a:t>、</a:t>
-            </a:r>
-            <a:r>
-              <a:rPr lang="en-US" altLang="zh-CN" dirty="0" smtClean="0"/>
-              <a:t>Pod</a:t>
-            </a:r>
-            <a:r>
-              <a:rPr lang="zh-CN" altLang="en-US" dirty="0" smtClean="0"/>
-              <a:t>、</a:t>
-            </a:r>
-            <a:r>
-              <a:rPr lang="en-US" altLang="zh-CN" dirty="0" smtClean="0"/>
-              <a:t>Container</a:t>
-            </a:r>
-            <a:r>
-              <a:rPr lang="zh-CN" altLang="en-US" dirty="0" smtClean="0"/>
-              <a:t>在网络层面的变化给屏蔽了。</a:t>
-            </a:r>
-            <a:endParaRPr lang="en-US" altLang="zh-CN" dirty="0" smtClean="0"/>
-          </a:p>
-          <a:p>
-            <a:endParaRPr lang="en-US" altLang="zh-CN" dirty="0"/>
-          </a:p>
-          <a:p>
-            <a:r>
-              <a:rPr lang="zh-CN" altLang="en-US" dirty="0" smtClean="0"/>
-              <a:t>比如</a:t>
-            </a:r>
-            <a:r>
-              <a:rPr lang="en-US" altLang="zh-CN" dirty="0" smtClean="0"/>
-              <a:t>k8s</a:t>
-            </a:r>
-            <a:r>
-              <a:rPr lang="zh-CN" altLang="en-US" dirty="0" smtClean="0"/>
-              <a:t>的集群里有若干个</a:t>
-            </a:r>
-            <a:r>
-              <a:rPr lang="en-US" altLang="zh-CN" dirty="0" smtClean="0"/>
-              <a:t>Pod</a:t>
-            </a:r>
-            <a:r>
-              <a:rPr lang="zh-CN" altLang="en-US" dirty="0" smtClean="0"/>
-              <a:t>都部署了</a:t>
-            </a:r>
-            <a:r>
-              <a:rPr lang="en-US" altLang="zh-CN" dirty="0" smtClean="0"/>
-              <a:t>HTTP</a:t>
-            </a:r>
-            <a:r>
-              <a:rPr lang="zh-CN" altLang="en-US" dirty="0" smtClean="0"/>
-              <a:t>代理服务器，这时候就可以创建一个</a:t>
-            </a:r>
-            <a:r>
-              <a:rPr lang="en-US" altLang="zh-CN" dirty="0" smtClean="0"/>
-              <a:t>Service</a:t>
-            </a:r>
-            <a:r>
-              <a:rPr lang="zh-CN" altLang="en-US" dirty="0" smtClean="0"/>
-              <a:t>，通过</a:t>
-            </a:r>
-            <a:r>
-              <a:rPr lang="en-US" altLang="zh-CN" dirty="0" err="1" smtClean="0"/>
-              <a:t>Label:”HTTP</a:t>
-            </a:r>
-            <a:r>
-              <a:rPr lang="en-US" altLang="zh-CN" dirty="0" smtClean="0"/>
-              <a:t> Proxy”</a:t>
-            </a:r>
-            <a:r>
-              <a:rPr lang="zh-CN" altLang="en-US" dirty="0" smtClean="0"/>
-              <a:t>与所有部署了</a:t>
-            </a:r>
-            <a:r>
-              <a:rPr lang="en-US" altLang="zh-CN" dirty="0" smtClean="0"/>
-              <a:t>HTTP</a:t>
-            </a:r>
-            <a:r>
-              <a:rPr lang="zh-CN" altLang="en-US" dirty="0" smtClean="0"/>
-              <a:t>代理服务器的</a:t>
-            </a:r>
-            <a:r>
-              <a:rPr lang="en-US" altLang="zh-CN" dirty="0" smtClean="0"/>
-              <a:t>Pod</a:t>
-            </a:r>
-            <a:r>
-              <a:rPr lang="zh-CN" altLang="en-US" dirty="0" smtClean="0"/>
-              <a:t>关联起来。然后定义</a:t>
-            </a:r>
-            <a:r>
-              <a:rPr lang="en-US" altLang="zh-CN" dirty="0" smtClean="0"/>
-              <a:t>Service</a:t>
-            </a:r>
-            <a:r>
-              <a:rPr lang="zh-CN" altLang="en-US" dirty="0" smtClean="0"/>
-              <a:t>服务端口为</a:t>
-            </a:r>
-            <a:r>
-              <a:rPr lang="en-US" altLang="zh-CN" dirty="0" smtClean="0"/>
-              <a:t>80</a:t>
-            </a:r>
-            <a:r>
-              <a:rPr lang="zh-CN" altLang="en-US" dirty="0" smtClean="0"/>
-              <a:t>。这样</a:t>
-            </a:r>
-            <a:r>
-              <a:rPr lang="en-US" altLang="zh-CN" dirty="0" smtClean="0"/>
-              <a:t>k8s</a:t>
-            </a:r>
-            <a:r>
-              <a:rPr lang="zh-CN" altLang="en-US" dirty="0" smtClean="0"/>
-              <a:t>集群内部其他</a:t>
-            </a:r>
-            <a:r>
-              <a:rPr lang="en-US" altLang="zh-CN" dirty="0" smtClean="0"/>
-              <a:t>Pod</a:t>
-            </a:r>
-            <a:r>
-              <a:rPr lang="zh-CN" altLang="en-US" dirty="0" smtClean="0"/>
-              <a:t>通过</a:t>
-            </a:r>
-            <a:r>
-              <a:rPr lang="en-US" altLang="zh-CN" dirty="0" smtClean="0"/>
-              <a:t>Service</a:t>
-            </a:r>
-            <a:r>
-              <a:rPr lang="zh-CN" altLang="en-US" dirty="0" smtClean="0"/>
-              <a:t>的</a:t>
-            </a:r>
-            <a:r>
-              <a:rPr lang="en-US" altLang="zh-CN" dirty="0" smtClean="0"/>
-              <a:t>Cluster IP+80</a:t>
-            </a:r>
-            <a:r>
-              <a:rPr lang="zh-CN" altLang="en-US" dirty="0" smtClean="0"/>
-              <a:t>端口就可以访问</a:t>
-            </a:r>
-            <a:r>
-              <a:rPr lang="en-US" altLang="zh-CN" dirty="0" smtClean="0"/>
-              <a:t>k8s</a:t>
-            </a:r>
-            <a:r>
-              <a:rPr lang="zh-CN" altLang="en-US" dirty="0" smtClean="0"/>
-              <a:t>内的所有</a:t>
-            </a:r>
-            <a:r>
-              <a:rPr lang="en-US" altLang="zh-CN" dirty="0" smtClean="0"/>
-              <a:t>HTTP</a:t>
-            </a:r>
-            <a:r>
-              <a:rPr lang="zh-CN" altLang="en-US" dirty="0" smtClean="0"/>
-              <a:t>代理服务器，而不需要关心部署这些</a:t>
-            </a:r>
-            <a:r>
-              <a:rPr lang="en-US" altLang="zh-CN" dirty="0" smtClean="0"/>
-              <a:t>HTTP</a:t>
-            </a:r>
-            <a:r>
-              <a:rPr lang="zh-CN" altLang="en-US" dirty="0" smtClean="0"/>
-              <a:t>代理服务器的</a:t>
-            </a:r>
-            <a:r>
-              <a:rPr lang="en-US" altLang="zh-CN" dirty="0" smtClean="0"/>
-              <a:t>Pod</a:t>
-            </a:r>
-            <a:r>
-              <a:rPr lang="zh-CN" altLang="en-US" dirty="0" smtClean="0"/>
-              <a:t>是否发生了</a:t>
-            </a:r>
-            <a:r>
-              <a:rPr lang="en-US" altLang="zh-CN" dirty="0" smtClean="0"/>
-              <a:t>IP</a:t>
-            </a:r>
-            <a:r>
-              <a:rPr lang="zh-CN" altLang="en-US" dirty="0" smtClean="0"/>
-              <a:t>变化。</a:t>
-            </a:r>
-            <a:endParaRPr lang="en-US" altLang="zh-CN" dirty="0" smtClean="0"/>
-          </a:p>
-          <a:p>
-            <a:endParaRPr lang="en-US" altLang="zh-CN" dirty="0"/>
-          </a:p>
-          <a:p>
-            <a:r>
-              <a:rPr lang="zh-CN" altLang="en-US" dirty="0" smtClean="0"/>
-              <a:t>如果某个</a:t>
-            </a:r>
-            <a:r>
-              <a:rPr lang="en-US" altLang="zh-CN" dirty="0" smtClean="0"/>
-              <a:t>Service</a:t>
-            </a:r>
-            <a:r>
-              <a:rPr lang="zh-CN" altLang="en-US" dirty="0" smtClean="0"/>
-              <a:t>需要用到多端口，只需要给不同端口设定</a:t>
-            </a:r>
-            <a:r>
-              <a:rPr lang="en-US" altLang="zh-CN" dirty="0" smtClean="0"/>
-              <a:t>”name”</a:t>
-            </a:r>
-            <a:r>
-              <a:rPr lang="zh-CN" altLang="en-US" dirty="0" smtClean="0"/>
-              <a:t>属性即可。</a:t>
-            </a:r>
-            <a:endParaRPr lang="en-US" altLang="zh-CN" dirty="0" smtClean="0"/>
+              <a:rPr lang="zh-CN" altLang="en-US" smtClean="0"/>
+              <a:t>移除。</a:t>
+            </a:r>
+            <a:endParaRPr lang="en-US" altLang="zh-CN" smtClean="0"/>
           </a:p>
         </p:txBody>
       </p:sp>
     </p:spTree>
+    <p:extLst>
+      <p:ext uri="{BB962C8B-B14F-4D97-AF65-F5344CB8AC3E}">
+        <p14:creationId xmlns:p14="http://schemas.microsoft.com/office/powerpoint/2010/main" val="1830307216"/>
+      </p:ext>
+    </p:extLst>
   </p:cSld>
   <p:clrMapOvr>
     <a:masterClrMapping/>
@@ -8345,7 +10751,7 @@
           <p:nvPr/>
         </p:nvPicPr>
         <p:blipFill>
-          <a:blip r:embed="rId1" cstate="print">
+          <a:blip r:embed="rId2" cstate="print">
             <a:extLst>
               <a:ext uri="{28A0092B-C50C-407E-A947-70E740481C1C}">
                 <a14:useLocalDpi xmlns:a14="http://schemas.microsoft.com/office/drawing/2010/main" val="0"/>
@@ -8466,7 +10872,7 @@
               <a:buNone/>
             </a:pPr>
             <a:r>
-              <a:rPr lang="en-US" altLang="zh-CN" sz="2800" b="1" dirty="0" smtClean="0">
+              <a:rPr lang="en-US" altLang="zh-CN" sz="2800" b="1" smtClean="0">
                 <a:solidFill>
                   <a:schemeClr val="tx1">
                     <a:lumMod val="85000"/>
@@ -8476,35 +10882,9 @@
                 <a:latin typeface="微软雅黑" panose="020B0503020204020204" pitchFamily="34" charset="-122"/>
                 <a:ea typeface="微软雅黑" panose="020B0503020204020204" pitchFamily="34" charset="-122"/>
               </a:rPr>
-              <a:t>k8s-</a:t>
-            </a:r>
-            <a:r>
-              <a:rPr lang="zh-CN" altLang="en-US" sz="2800" b="1" dirty="0" smtClean="0">
-                <a:solidFill>
-                  <a:schemeClr val="tx1">
-                    <a:lumMod val="85000"/>
-                    <a:lumOff val="15000"/>
-                  </a:schemeClr>
-                </a:solidFill>
-                <a:latin typeface="微软雅黑" panose="020B0503020204020204" pitchFamily="34" charset="-122"/>
-                <a:ea typeface="微软雅黑" panose="020B0503020204020204" pitchFamily="34" charset="-122"/>
-              </a:rPr>
-              <a:t>外部访问</a:t>
-            </a:r>
-            <a:r>
-              <a:rPr lang="en-US" altLang="zh-CN" sz="2800" b="1" dirty="0" smtClean="0">
-                <a:solidFill>
-                  <a:schemeClr val="tx1">
-                    <a:lumMod val="85000"/>
-                    <a:lumOff val="15000"/>
-                  </a:schemeClr>
-                </a:solidFill>
-                <a:latin typeface="微软雅黑" panose="020B0503020204020204" pitchFamily="34" charset="-122"/>
-                <a:ea typeface="微软雅黑" panose="020B0503020204020204" pitchFamily="34" charset="-122"/>
-              </a:rPr>
-              <a:t>Service</a:t>
-            </a:r>
-            <a:endParaRPr lang="zh-CN" altLang="en-US" sz="2800" b="1" kern="1200" dirty="0">
+              <a:t>k8s-Pod</a:t>
+            </a:r>
+            <a:endParaRPr lang="zh-CN" altLang="en-US" sz="2800" b="1" kern="1200">
               <a:solidFill>
                 <a:schemeClr val="tx1">
                   <a:lumMod val="85000"/>
@@ -8622,7 +11002,7 @@
         <p:spPr>
           <a:xfrm>
             <a:off x="488874" y="773881"/>
-            <a:ext cx="11528314" cy="3415030"/>
+            <a:ext cx="11528314" cy="2308324"/>
           </a:xfrm>
           <a:prstGeom prst="rect">
             <a:avLst/>
@@ -8636,340 +11016,134 @@
           <a:lstStyle/>
           <a:p>
             <a:r>
-              <a:rPr lang="en-US" altLang="zh-CN" dirty="0" smtClean="0"/>
-              <a:t>k8s</a:t>
-            </a:r>
-            <a:r>
-              <a:rPr lang="zh-CN" altLang="en-US" dirty="0" smtClean="0"/>
-              <a:t>的三种</a:t>
-            </a:r>
-            <a:r>
-              <a:rPr lang="en-US" altLang="zh-CN" dirty="0" smtClean="0"/>
-              <a:t>IP</a:t>
-            </a:r>
-            <a:r>
-              <a:rPr lang="zh-CN" altLang="en-US" dirty="0" smtClean="0"/>
-              <a:t>：</a:t>
-            </a:r>
-            <a:endParaRPr lang="zh-CN" altLang="en-US" dirty="0" smtClean="0"/>
-          </a:p>
-          <a:p>
-            <a:r>
-              <a:rPr lang="en-US" altLang="zh-CN" dirty="0" smtClean="0"/>
-              <a:t>1</a:t>
-            </a:r>
-            <a:r>
-              <a:rPr lang="zh-CN" altLang="en-US" dirty="0" smtClean="0"/>
+              <a:rPr lang="en-US" altLang="zh-CN" smtClean="0"/>
+              <a:t>Pod</a:t>
+            </a:r>
+            <a:r>
+              <a:rPr lang="zh-CN" altLang="en-US" smtClean="0"/>
+              <a:t>调度</a:t>
+            </a:r>
+            <a:endParaRPr lang="en-US" altLang="zh-CN" smtClean="0"/>
+          </a:p>
+          <a:p>
+            <a:r>
+              <a:rPr lang="en-US" altLang="zh-CN" smtClean="0"/>
+              <a:t>DaemonSet</a:t>
+            </a:r>
+            <a:r>
+              <a:rPr lang="zh-CN" altLang="en-US" smtClean="0"/>
+              <a:t>特定场景调度：用于管理在集群中每个</a:t>
+            </a:r>
+            <a:r>
+              <a:rPr lang="en-US" altLang="zh-CN" smtClean="0"/>
+              <a:t>Node</a:t>
+            </a:r>
+            <a:r>
+              <a:rPr lang="zh-CN" altLang="en-US" smtClean="0"/>
+              <a:t>上仅运行一份</a:t>
+            </a:r>
+            <a:r>
+              <a:rPr lang="en-US" altLang="zh-CN" smtClean="0"/>
+              <a:t>Pod</a:t>
+            </a:r>
+            <a:r>
+              <a:rPr lang="zh-CN" altLang="en-US" smtClean="0"/>
+              <a:t>的副本实例。</a:t>
+            </a:r>
+            <a:r>
+              <a:rPr lang="en-US" altLang="zh-CN" smtClean="0"/>
+              <a:t>DaemonSet</a:t>
+            </a:r>
+            <a:r>
+              <a:rPr lang="zh-CN" altLang="en-US" smtClean="0"/>
+              <a:t>在调度算法上和</a:t>
+            </a:r>
+            <a:r>
+              <a:rPr lang="en-US" altLang="zh-CN" smtClean="0"/>
+              <a:t>RC</a:t>
+            </a:r>
+            <a:r>
+              <a:rPr lang="zh-CN" altLang="en-US" smtClean="0"/>
+              <a:t>一样，也支持自动调度、</a:t>
+            </a:r>
+            <a:r>
+              <a:rPr lang="en-US" altLang="zh-CN" smtClean="0"/>
+              <a:t>NodeSelector</a:t>
+            </a:r>
+            <a:r>
+              <a:rPr lang="zh-CN" altLang="en-US" smtClean="0"/>
               <a:t>、</a:t>
             </a:r>
             <a:r>
-              <a:rPr lang="en-US" altLang="zh-CN" dirty="0" smtClean="0"/>
-              <a:t>Node IP</a:t>
-            </a:r>
-            <a:r>
-              <a:rPr lang="zh-CN" altLang="en-US" dirty="0" smtClean="0"/>
-              <a:t>：每个节点物理网卡的</a:t>
-            </a:r>
-            <a:r>
-              <a:rPr lang="en-US" altLang="zh-CN" dirty="0" smtClean="0"/>
-              <a:t>IP</a:t>
-            </a:r>
-            <a:r>
-              <a:rPr lang="zh-CN" altLang="en-US" dirty="0" smtClean="0"/>
+              <a:rPr lang="en-US" altLang="zh-CN" smtClean="0"/>
+              <a:t>NodeAffinity</a:t>
+            </a:r>
+            <a:r>
+              <a:rPr lang="zh-CN" altLang="en-US" smtClean="0"/>
               <a:t>。</a:t>
             </a:r>
-            <a:endParaRPr lang="en-US" altLang="zh-CN" dirty="0" smtClean="0"/>
-          </a:p>
-          <a:p>
-            <a:r>
-              <a:rPr lang="en-US" altLang="zh-CN" dirty="0" smtClean="0"/>
-              <a:t>2</a:t>
-            </a:r>
-            <a:r>
-              <a:rPr lang="zh-CN" altLang="en-US" dirty="0" smtClean="0"/>
-              <a:t>、</a:t>
-            </a:r>
-            <a:r>
-              <a:rPr lang="en-US" altLang="zh-CN" dirty="0" smtClean="0"/>
-              <a:t>Pod IP</a:t>
-            </a:r>
-            <a:r>
-              <a:rPr lang="zh-CN" altLang="en-US" dirty="0" smtClean="0"/>
-              <a:t>：</a:t>
-            </a:r>
-            <a:r>
-              <a:rPr lang="en-US" altLang="zh-CN" dirty="0" smtClean="0"/>
-              <a:t>docker engine</a:t>
-            </a:r>
-            <a:r>
-              <a:rPr lang="zh-CN" altLang="en-US" dirty="0" smtClean="0"/>
-              <a:t>根据</a:t>
-            </a:r>
-            <a:r>
-              <a:rPr lang="en-US" altLang="zh-CN" dirty="0" smtClean="0"/>
-              <a:t>docker0</a:t>
-            </a:r>
-            <a:r>
-              <a:rPr lang="zh-CN" altLang="en-US" dirty="0" smtClean="0"/>
-              <a:t>网桥</a:t>
-            </a:r>
-            <a:r>
-              <a:rPr lang="en-US" altLang="zh-CN" dirty="0" smtClean="0"/>
-              <a:t>IP</a:t>
-            </a:r>
-            <a:r>
-              <a:rPr lang="zh-CN" altLang="en-US" dirty="0" smtClean="0"/>
-              <a:t>段分配的</a:t>
-            </a:r>
-            <a:r>
-              <a:rPr lang="en-US" altLang="zh-CN" dirty="0" smtClean="0"/>
-              <a:t>IP</a:t>
-            </a:r>
-            <a:r>
-              <a:rPr lang="zh-CN" altLang="en-US" dirty="0" smtClean="0"/>
-              <a:t>，是一个虚拟的二层网络。</a:t>
-            </a:r>
-            <a:r>
-              <a:rPr lang="en-US" altLang="zh-CN" dirty="0" smtClean="0"/>
-              <a:t>k8s</a:t>
-            </a:r>
-            <a:r>
-              <a:rPr lang="zh-CN" altLang="en-US" dirty="0" smtClean="0"/>
-              <a:t>中</a:t>
-            </a:r>
-            <a:r>
-              <a:rPr lang="en-US" altLang="zh-CN" dirty="0" smtClean="0"/>
+            <a:endParaRPr lang="en-US" altLang="zh-CN" smtClean="0"/>
+          </a:p>
+          <a:p>
+            <a:r>
+              <a:rPr lang="en-US" altLang="zh-CN" smtClean="0"/>
+              <a:t>Job</a:t>
+            </a:r>
+            <a:r>
+              <a:rPr lang="zh-CN" altLang="en-US" smtClean="0"/>
+              <a:t>批处理调度：</a:t>
+            </a:r>
+            <a:endParaRPr lang="en-US" altLang="zh-CN" smtClean="0"/>
+          </a:p>
+          <a:p>
+            <a:endParaRPr lang="en-US" altLang="zh-CN"/>
+          </a:p>
+          <a:p>
+            <a:r>
+              <a:rPr lang="en-US" altLang="zh-CN" smtClean="0"/>
               <a:t>Pod</a:t>
             </a:r>
             <a:r>
-              <a:rPr lang="zh-CN" altLang="en-US" dirty="0" smtClean="0"/>
-              <a:t>里的容器访问另一个</a:t>
-            </a:r>
-            <a:r>
-              <a:rPr lang="en-US" altLang="zh-CN" dirty="0" smtClean="0"/>
+              <a:rPr lang="zh-CN" altLang="en-US" smtClean="0"/>
+              <a:t>扩容和缩容</a:t>
+            </a:r>
+            <a:endParaRPr lang="en-US" altLang="zh-CN" smtClean="0"/>
+          </a:p>
+          <a:p>
+            <a:r>
+              <a:rPr lang="en-US" altLang="zh-CN" smtClean="0"/>
+              <a:t>kubectl scale rc [Pod Name] –replicas=N</a:t>
+            </a:r>
+            <a:r>
+              <a:rPr lang="zh-CN" altLang="en-US" smtClean="0"/>
+              <a:t>，通过这个命令可以设定一个</a:t>
+            </a:r>
+            <a:r>
+              <a:rPr lang="en-US" altLang="zh-CN" smtClean="0"/>
               <a:t>Pod</a:t>
             </a:r>
             <a:r>
-              <a:rPr lang="zh-CN" altLang="en-US" dirty="0" smtClean="0"/>
-              <a:t>里的容器，就是通过</a:t>
-            </a:r>
-            <a:r>
-              <a:rPr lang="en-US" altLang="zh-CN" dirty="0" smtClean="0"/>
-              <a:t>Pod IP</a:t>
-            </a:r>
-            <a:r>
-              <a:rPr lang="zh-CN" altLang="en-US" dirty="0" smtClean="0"/>
-              <a:t>访问的。实际的网络数据是通过</a:t>
-            </a:r>
-            <a:r>
-              <a:rPr lang="en-US" altLang="zh-CN" dirty="0" smtClean="0"/>
-              <a:t>Node IP</a:t>
-            </a:r>
-            <a:r>
-              <a:rPr lang="zh-CN" altLang="en-US" dirty="0" smtClean="0"/>
-              <a:t>所在网卡发送的。</a:t>
-            </a:r>
-            <a:endParaRPr lang="zh-CN" altLang="en-US" dirty="0" smtClean="0"/>
-          </a:p>
-          <a:p>
-            <a:r>
-              <a:rPr lang="en-US" altLang="zh-CN" dirty="0" smtClean="0"/>
-              <a:t>3</a:t>
-            </a:r>
-            <a:r>
-              <a:rPr lang="zh-CN" altLang="en-US" dirty="0" smtClean="0"/>
-              <a:t>、</a:t>
-            </a:r>
-            <a:r>
-              <a:rPr lang="en-US" altLang="zh-CN" dirty="0" smtClean="0"/>
-              <a:t>Cluster IP</a:t>
-            </a:r>
-            <a:r>
-              <a:rPr lang="zh-CN" altLang="en-US" dirty="0" smtClean="0"/>
-              <a:t>：一个虚拟的</a:t>
-            </a:r>
-            <a:r>
-              <a:rPr lang="en-US" altLang="zh-CN" dirty="0" smtClean="0"/>
-              <a:t>IP</a:t>
-            </a:r>
-            <a:r>
-              <a:rPr lang="zh-CN" altLang="en-US" dirty="0" smtClean="0"/>
-              <a:t>，仅仅用来标识</a:t>
-            </a:r>
-            <a:r>
-              <a:rPr lang="en-US" altLang="zh-CN" dirty="0" smtClean="0"/>
-              <a:t>Service</a:t>
-            </a:r>
-            <a:r>
-              <a:rPr lang="zh-CN" altLang="en-US" dirty="0" smtClean="0"/>
-              <a:t>，由</a:t>
-            </a:r>
-            <a:r>
-              <a:rPr lang="en-US" altLang="zh-CN" dirty="0" smtClean="0"/>
-              <a:t>k8s</a:t>
-            </a:r>
-            <a:r>
-              <a:rPr lang="zh-CN" altLang="en-US" dirty="0" smtClean="0"/>
-              <a:t>进行分配和管理。</a:t>
-            </a:r>
-            <a:r>
-              <a:rPr lang="en-US" altLang="zh-CN" dirty="0" smtClean="0"/>
-              <a:t>Cluster IP</a:t>
-            </a:r>
-            <a:r>
-              <a:rPr lang="zh-CN" altLang="en-US" dirty="0" smtClean="0"/>
-              <a:t>本身没有什么网络意义，比如这个</a:t>
-            </a:r>
-            <a:r>
-              <a:rPr lang="en-US" altLang="zh-CN" dirty="0" smtClean="0"/>
-              <a:t>IP</a:t>
-            </a:r>
-            <a:r>
-              <a:rPr lang="zh-CN" altLang="en-US" dirty="0" smtClean="0"/>
-              <a:t>是无法被</a:t>
-            </a:r>
-            <a:r>
-              <a:rPr lang="en-US" altLang="zh-CN" dirty="0" smtClean="0"/>
-              <a:t>ping</a:t>
-            </a:r>
-            <a:r>
-              <a:rPr lang="zh-CN" altLang="en-US" dirty="0" smtClean="0"/>
-              <a:t>的。必须结合</a:t>
-            </a:r>
-            <a:r>
-              <a:rPr lang="en-US" altLang="zh-CN" dirty="0" smtClean="0"/>
-              <a:t>Service port</a:t>
-            </a:r>
-            <a:r>
-              <a:rPr lang="zh-CN" altLang="en-US" dirty="0" smtClean="0"/>
-              <a:t>组成一个通信端口，而且一般只服务于</a:t>
-            </a:r>
-            <a:r>
-              <a:rPr lang="en-US" altLang="zh-CN" dirty="0" smtClean="0"/>
-              <a:t>k8s</a:t>
-            </a:r>
-            <a:r>
-              <a:rPr lang="zh-CN" altLang="en-US" dirty="0" smtClean="0"/>
-              <a:t>内部，对于</a:t>
-            </a:r>
-            <a:r>
-              <a:rPr lang="en-US" altLang="zh-CN" dirty="0" smtClean="0"/>
-              <a:t>k8s</a:t>
-            </a:r>
-            <a:r>
-              <a:rPr lang="zh-CN" altLang="en-US" dirty="0" smtClean="0"/>
-              <a:t>集群之外的设备需要访问这个端口，需要做特殊配置。</a:t>
-            </a:r>
-            <a:endParaRPr lang="zh-CN" altLang="en-US" dirty="0" smtClean="0"/>
-          </a:p>
-          <a:p>
-            <a:endParaRPr lang="zh-CN" altLang="en-US" dirty="0" smtClean="0"/>
-          </a:p>
-          <a:p>
-            <a:r>
-              <a:rPr lang="zh-CN" altLang="en-US" dirty="0" smtClean="0"/>
-              <a:t>如果外部应用需要访问</a:t>
-            </a:r>
-            <a:r>
-              <a:rPr lang="en-US" altLang="zh-CN" dirty="0" smtClean="0"/>
-              <a:t>Service</a:t>
-            </a:r>
-            <a:r>
-              <a:rPr lang="zh-CN" altLang="en-US" dirty="0" smtClean="0"/>
-              <a:t>，可以在</a:t>
-            </a:r>
-            <a:r>
-              <a:rPr lang="en-US" altLang="zh-CN" dirty="0" smtClean="0"/>
-              <a:t>Service</a:t>
-            </a:r>
-            <a:r>
-              <a:rPr lang="zh-CN" altLang="en-US" dirty="0" smtClean="0"/>
-              <a:t>的</a:t>
-            </a:r>
-            <a:r>
-              <a:rPr lang="en-US" altLang="zh-CN" dirty="0" smtClean="0"/>
-              <a:t>Label</a:t>
-            </a:r>
-            <a:r>
-              <a:rPr lang="zh-CN" altLang="en-US" dirty="0" smtClean="0"/>
-              <a:t>里设置</a:t>
-            </a:r>
-            <a:r>
-              <a:rPr lang="en-US" altLang="zh-CN" dirty="0" smtClean="0"/>
-              <a:t>type:NodePort</a:t>
-            </a:r>
-            <a:r>
-              <a:rPr lang="zh-CN" altLang="en-US" dirty="0" smtClean="0"/>
-              <a:t>。用户可以指定对外服务的</a:t>
-            </a:r>
-            <a:r>
-              <a:rPr lang="en-US" altLang="zh-CN" dirty="0" smtClean="0"/>
-              <a:t>nodePort</a:t>
-            </a:r>
-            <a:r>
-              <a:rPr lang="zh-CN" altLang="en-US" dirty="0" smtClean="0"/>
-              <a:t>端口，也可以由</a:t>
-            </a:r>
-            <a:r>
-              <a:rPr lang="en-US" altLang="zh-CN" dirty="0" smtClean="0"/>
-              <a:t>k8s</a:t>
-            </a:r>
-            <a:r>
-              <a:rPr lang="zh-CN" altLang="en-US" dirty="0" smtClean="0"/>
-              <a:t>自动分配。</a:t>
-            </a:r>
-            <a:endParaRPr lang="zh-CN" altLang="en-US" dirty="0" smtClean="0"/>
-          </a:p>
-          <a:p>
-            <a:r>
-              <a:rPr lang="zh-CN" altLang="en-US" dirty="0" smtClean="0"/>
-              <a:t>这个设置的基本原理就是</a:t>
-            </a:r>
-            <a:r>
-              <a:rPr lang="en-US" altLang="zh-CN" dirty="0" smtClean="0"/>
-              <a:t>k8s</a:t>
-            </a:r>
-            <a:r>
-              <a:rPr lang="zh-CN" altLang="en-US" dirty="0" smtClean="0"/>
-              <a:t>在</a:t>
-            </a:r>
-            <a:r>
-              <a:rPr lang="en-US" altLang="zh-CN" dirty="0" smtClean="0"/>
-              <a:t>Service</a:t>
-            </a:r>
-            <a:r>
-              <a:rPr lang="zh-CN" altLang="en-US" dirty="0" smtClean="0"/>
-              <a:t>所对应的</a:t>
-            </a:r>
-            <a:r>
-              <a:rPr lang="en-US" altLang="zh-CN" dirty="0" smtClean="0"/>
-              <a:t>Node</a:t>
-            </a:r>
-            <a:r>
-              <a:rPr lang="zh-CN" altLang="en-US" dirty="0" smtClean="0"/>
-              <a:t>节点上开启一个监听端口。外部应用通过</a:t>
-            </a:r>
-            <a:r>
-              <a:rPr lang="en-US" altLang="zh-CN" dirty="0" smtClean="0"/>
-              <a:t>Node IP+nodePort</a:t>
-            </a:r>
-            <a:r>
-              <a:rPr lang="zh-CN" altLang="en-US" dirty="0" smtClean="0"/>
-              <a:t>就可以访问</a:t>
-            </a:r>
-            <a:r>
-              <a:rPr lang="en-US" altLang="zh-CN" dirty="0" smtClean="0"/>
-              <a:t>Service</a:t>
-            </a:r>
-            <a:r>
-              <a:rPr lang="zh-CN" altLang="en-US" dirty="0" smtClean="0"/>
-              <a:t>。</a:t>
-            </a:r>
-            <a:endParaRPr lang="zh-CN" altLang="en-US" dirty="0" smtClean="0"/>
+              <a:rPr lang="zh-CN" altLang="en-US" smtClean="0"/>
+              <a:t>的副本数量，然后</a:t>
+            </a:r>
+            <a:r>
+              <a:rPr lang="en-US" altLang="zh-CN" smtClean="0"/>
+              <a:t>RC</a:t>
+            </a:r>
+            <a:r>
+              <a:rPr lang="zh-CN" altLang="en-US" smtClean="0"/>
+              <a:t>根据副本数量来判定是要扩容还是缩容。</a:t>
+            </a:r>
+            <a:endParaRPr lang="en-US" altLang="zh-CN" smtClean="0"/>
           </a:p>
         </p:txBody>
       </p:sp>
     </p:spTree>
+    <p:extLst>
+      <p:ext uri="{BB962C8B-B14F-4D97-AF65-F5344CB8AC3E}">
+        <p14:creationId xmlns:p14="http://schemas.microsoft.com/office/powerpoint/2010/main" val="518509770"/>
+      </p:ext>
+    </p:extLst>
   </p:cSld>
   <p:clrMapOvr>
     <a:masterClrMapping/>
@@ -9003,7 +11177,7 @@
           <p:nvPr/>
         </p:nvPicPr>
         <p:blipFill>
-          <a:blip r:embed="rId1" cstate="print">
+          <a:blip r:embed="rId2" cstate="print">
             <a:extLst>
               <a:ext uri="{28A0092B-C50C-407E-A947-70E740481C1C}">
                 <a14:useLocalDpi xmlns:a14="http://schemas.microsoft.com/office/drawing/2010/main" val="0"/>
@@ -9032,8 +11206,8 @@
         </p:nvSpPr>
         <p:spPr>
           <a:xfrm>
-            <a:off x="488950" y="158115"/>
-            <a:ext cx="6327775" cy="615315"/>
+            <a:off x="488875" y="158339"/>
+            <a:ext cx="4221670" cy="615542"/>
           </a:xfrm>
           <a:prstGeom prst="rect">
             <a:avLst/>
@@ -9124,7 +11298,7 @@
               <a:buNone/>
             </a:pPr>
             <a:r>
-              <a:rPr lang="en-US" altLang="zh-CN" sz="2800" b="1" dirty="0" smtClean="0">
+              <a:rPr lang="en-US" altLang="zh-CN" sz="2800" b="1" smtClean="0">
                 <a:solidFill>
                   <a:schemeClr val="tx1">
                     <a:lumMod val="85000"/>
@@ -9134,22 +11308,9 @@
                 <a:latin typeface="微软雅黑" panose="020B0503020204020204" pitchFamily="34" charset="-122"/>
                 <a:ea typeface="微软雅黑" panose="020B0503020204020204" pitchFamily="34" charset="-122"/>
               </a:rPr>
-              <a:t>k8s-</a:t>
-            </a:r>
-            <a:r>
-              <a:rPr lang="en-US" sz="2800" b="1" dirty="0" smtClean="0">
-                <a:solidFill>
-                  <a:schemeClr val="tx1">
-                    <a:lumMod val="85000"/>
-                    <a:lumOff val="15000"/>
-                  </a:schemeClr>
-                </a:solidFill>
-                <a:latin typeface="微软雅黑" panose="020B0503020204020204" pitchFamily="34" charset="-122"/>
-                <a:ea typeface="微软雅黑" panose="020B0503020204020204" pitchFamily="34" charset="-122"/>
-              </a:rPr>
-              <a:t>Volume&amp;Persistent Volume</a:t>
-            </a:r>
-            <a:endParaRPr lang="en-US" sz="2800" b="1" kern="1200" dirty="0">
+              <a:t>k8s-Label</a:t>
+            </a:r>
+            <a:endParaRPr lang="zh-CN" altLang="en-US" sz="2800" b="1" kern="1200">
               <a:solidFill>
                 <a:schemeClr val="tx1">
                   <a:lumMod val="85000"/>
@@ -9267,7 +11428,7 @@
         <p:spPr>
           <a:xfrm>
             <a:off x="488874" y="773881"/>
-            <a:ext cx="11528314" cy="2030095"/>
+            <a:ext cx="11528314" cy="3139321"/>
           </a:xfrm>
           <a:prstGeom prst="rect">
             <a:avLst/>
@@ -9281,188 +11442,239 @@
           <a:lstStyle/>
           <a:p>
             <a:r>
-              <a:rPr lang="en-US" altLang="zh-CN" dirty="0" smtClean="0"/>
+              <a:rPr lang="en-US" altLang="zh-CN" smtClean="0"/>
+              <a:t>Label</a:t>
+            </a:r>
+            <a:r>
+              <a:rPr lang="zh-CN" altLang="en-US" smtClean="0"/>
+              <a:t>是一个</a:t>
+            </a:r>
+            <a:r>
+              <a:rPr lang="en-US" altLang="zh-CN" smtClean="0"/>
+              <a:t>key</a:t>
+            </a:r>
+            <a:r>
+              <a:rPr lang="zh-CN" altLang="en-US" smtClean="0"/>
+              <a:t>、</a:t>
+            </a:r>
+            <a:r>
+              <a:rPr lang="en-US" altLang="zh-CN" smtClean="0"/>
+              <a:t>value</a:t>
+            </a:r>
+            <a:r>
+              <a:rPr lang="zh-CN" altLang="en-US" smtClean="0"/>
+              <a:t>键值对。用来来描述集群内的各种资源。</a:t>
+            </a:r>
+            <a:endParaRPr lang="en-US" altLang="zh-CN" smtClean="0"/>
+          </a:p>
+          <a:p>
+            <a:r>
+              <a:rPr lang="zh-CN" altLang="en-US"/>
+              <a:t>一</a:t>
+            </a:r>
+            <a:r>
+              <a:rPr lang="zh-CN" altLang="en-US" smtClean="0"/>
+              <a:t>个资源可以定义任意数量的</a:t>
+            </a:r>
+            <a:r>
+              <a:rPr lang="en-US" altLang="zh-CN" smtClean="0"/>
+              <a:t>Label</a:t>
+            </a:r>
+            <a:r>
+              <a:rPr lang="zh-CN" altLang="en-US" smtClean="0"/>
+              <a:t>，通过</a:t>
+            </a:r>
+            <a:r>
+              <a:rPr lang="en-US" altLang="zh-CN" smtClean="0"/>
+              <a:t>Label</a:t>
+            </a:r>
+            <a:r>
+              <a:rPr lang="zh-CN" altLang="en-US" smtClean="0"/>
+              <a:t>对资源的分配、调度、配置等进行管理。资源的</a:t>
+            </a:r>
+            <a:r>
+              <a:rPr lang="en-US" altLang="zh-CN" smtClean="0"/>
+              <a:t>Label</a:t>
+            </a:r>
+            <a:r>
+              <a:rPr lang="zh-CN" altLang="en-US" smtClean="0"/>
+              <a:t>可以在资源定义的时候就指定，可以在资源创建后动态的增删。</a:t>
+            </a:r>
+            <a:endParaRPr lang="en-US" altLang="zh-CN" smtClean="0"/>
+          </a:p>
+          <a:p>
+            <a:endParaRPr lang="en-US" altLang="zh-CN"/>
+          </a:p>
+          <a:p>
+            <a:r>
+              <a:rPr lang="zh-CN" altLang="en-US" smtClean="0"/>
+              <a:t>用</a:t>
+            </a:r>
+            <a:r>
+              <a:rPr lang="en-US" altLang="zh-CN" smtClean="0"/>
+              <a:t>Label</a:t>
+            </a:r>
+            <a:r>
+              <a:rPr lang="zh-CN" altLang="en-US" smtClean="0"/>
+              <a:t>的好处就是可以通过</a:t>
+            </a:r>
+            <a:r>
+              <a:rPr lang="en-US" altLang="zh-CN" smtClean="0"/>
+              <a:t>Label Selector</a:t>
+            </a:r>
+            <a:r>
+              <a:rPr lang="zh-CN" altLang="en-US" smtClean="0"/>
+              <a:t>以</a:t>
+            </a:r>
+            <a:r>
+              <a:rPr lang="en-US" altLang="zh-CN" smtClean="0"/>
+              <a:t>Label</a:t>
+            </a:r>
+            <a:r>
+              <a:rPr lang="zh-CN" altLang="en-US" smtClean="0"/>
+              <a:t>为条件搜索对象。搜索语句类似于</a:t>
+            </a:r>
+            <a:r>
+              <a:rPr lang="en-US" altLang="zh-CN" smtClean="0"/>
+              <a:t>SQL</a:t>
+            </a:r>
+            <a:r>
+              <a:rPr lang="zh-CN" altLang="en-US" smtClean="0"/>
+              <a:t>语句。</a:t>
+            </a:r>
+            <a:endParaRPr lang="en-US" altLang="zh-CN" smtClean="0"/>
+          </a:p>
+          <a:p>
+            <a:r>
+              <a:rPr lang="en-US" altLang="zh-CN" smtClean="0"/>
+              <a:t>select * from pod where pod’s name = ‘</a:t>
+            </a:r>
+            <a:r>
+              <a:rPr lang="en-US" altLang="zh-CN" err="1" smtClean="0"/>
+              <a:t>redis</a:t>
+            </a:r>
+            <a:r>
+              <a:rPr lang="en-US" altLang="zh-CN" smtClean="0"/>
+              <a:t>’</a:t>
+            </a:r>
+          </a:p>
+          <a:p>
+            <a:r>
+              <a:rPr lang="zh-CN" altLang="en-US" smtClean="0"/>
+              <a:t>或者采用集合的写法</a:t>
+            </a:r>
+            <a:endParaRPr lang="en-US" altLang="zh-CN" smtClean="0"/>
+          </a:p>
+          <a:p>
+            <a:r>
+              <a:rPr lang="en-US" altLang="zh-CN" smtClean="0"/>
+              <a:t>select * from pod where pod’s name in (</a:t>
+            </a:r>
+            <a:r>
+              <a:rPr lang="en-US" altLang="zh-CN" err="1" smtClean="0"/>
+              <a:t>redis</a:t>
+            </a:r>
+            <a:r>
+              <a:rPr lang="en-US" altLang="zh-CN" smtClean="0"/>
+              <a:t>, </a:t>
+            </a:r>
+            <a:r>
+              <a:rPr lang="en-US" altLang="zh-CN" err="1" smtClean="0"/>
+              <a:t>mongodb</a:t>
+            </a:r>
+            <a:r>
+              <a:rPr lang="en-US" altLang="zh-CN" smtClean="0"/>
+              <a:t>, </a:t>
+            </a:r>
+            <a:r>
+              <a:rPr lang="en-US" altLang="zh-CN" err="1" smtClean="0"/>
+              <a:t>sqlite</a:t>
+            </a:r>
+            <a:r>
+              <a:rPr lang="en-US" altLang="zh-CN" smtClean="0"/>
+              <a:t>)</a:t>
+            </a:r>
+          </a:p>
+          <a:p>
+            <a:endParaRPr lang="en-US" altLang="zh-CN"/>
+          </a:p>
+          <a:p>
+            <a:r>
+              <a:rPr lang="en-US" altLang="zh-CN" smtClean="0"/>
+              <a:t>Master</a:t>
+            </a:r>
+            <a:r>
+              <a:rPr lang="zh-CN" altLang="en-US" smtClean="0"/>
+              <a:t>的</a:t>
+            </a:r>
+            <a:r>
+              <a:rPr lang="en-US" altLang="zh-CN" err="1" smtClean="0"/>
+              <a:t>kube</a:t>
+            </a:r>
+            <a:r>
+              <a:rPr lang="en-US" altLang="zh-CN" smtClean="0"/>
+              <a:t>-controller</a:t>
+            </a:r>
+            <a:r>
+              <a:rPr lang="zh-CN" altLang="en-US" smtClean="0"/>
+              <a:t>和</a:t>
+            </a:r>
+            <a:r>
+              <a:rPr lang="en-US" altLang="zh-CN" smtClean="0"/>
+              <a:t>Node</a:t>
+            </a:r>
+            <a:r>
+              <a:rPr lang="zh-CN" altLang="en-US" smtClean="0"/>
+              <a:t>的</a:t>
+            </a:r>
+            <a:r>
+              <a:rPr lang="en-US" altLang="zh-CN" err="1" smtClean="0"/>
+              <a:t>kube</a:t>
+            </a:r>
+            <a:r>
+              <a:rPr lang="en-US" altLang="zh-CN" smtClean="0"/>
+              <a:t>-proxy</a:t>
+            </a:r>
+            <a:r>
+              <a:rPr lang="zh-CN" altLang="en-US" smtClean="0"/>
+              <a:t>都会使用</a:t>
+            </a:r>
+            <a:r>
+              <a:rPr lang="en-US" altLang="zh-CN" smtClean="0"/>
+              <a:t>Label Selector</a:t>
+            </a:r>
+            <a:r>
+              <a:rPr lang="zh-CN" altLang="en-US" smtClean="0"/>
+              <a:t>来查找所需要的</a:t>
+            </a:r>
+            <a:r>
+              <a:rPr lang="en-US" altLang="zh-CN" smtClean="0"/>
+              <a:t>Pod</a:t>
+            </a:r>
+            <a:r>
+              <a:rPr lang="zh-CN" altLang="en-US" smtClean="0"/>
+              <a:t>。</a:t>
+            </a:r>
+            <a:endParaRPr lang="en-US" altLang="zh-CN" smtClean="0"/>
+          </a:p>
+          <a:p>
+            <a:r>
+              <a:rPr lang="en-US" altLang="zh-CN" smtClean="0"/>
+              <a:t>Label</a:t>
+            </a:r>
+            <a:r>
+              <a:rPr lang="zh-CN" altLang="en-US" smtClean="0"/>
+              <a:t>是</a:t>
+            </a:r>
+            <a:r>
+              <a:rPr lang="en-US" altLang="zh-CN" smtClean="0"/>
               <a:t>k8s</a:t>
             </a:r>
             <a:r>
-              <a:rPr lang="zh-CN" altLang="en-US" dirty="0" smtClean="0"/>
-              <a:t>的</a:t>
-            </a:r>
-            <a:r>
-              <a:rPr lang="en-US" altLang="zh-CN" dirty="0" smtClean="0"/>
-              <a:t>Volume</a:t>
-            </a:r>
-            <a:r>
-              <a:rPr lang="zh-CN" altLang="en-US" dirty="0" smtClean="0"/>
-              <a:t>是</a:t>
-            </a:r>
-            <a:r>
-              <a:rPr lang="en-US" altLang="zh-CN" dirty="0" smtClean="0"/>
-              <a:t>Pod</a:t>
-            </a:r>
-            <a:r>
-              <a:rPr lang="zh-CN" altLang="en-US" dirty="0" smtClean="0"/>
-              <a:t>的存储空间，可以被</a:t>
-            </a:r>
-            <a:r>
-              <a:rPr lang="en-US" altLang="zh-CN" dirty="0" smtClean="0"/>
-              <a:t>Pod</a:t>
-            </a:r>
-            <a:r>
-              <a:rPr lang="zh-CN" altLang="en-US" dirty="0" smtClean="0"/>
-              <a:t>中的容器共享</a:t>
-            </a:r>
-            <a:r>
-              <a:rPr lang="zh-CN" altLang="en-US" dirty="0" smtClean="0"/>
-              <a:t>。</a:t>
-            </a:r>
-            <a:endParaRPr lang="zh-CN" altLang="en-US" dirty="0" smtClean="0"/>
-          </a:p>
-          <a:p>
-            <a:r>
-              <a:rPr lang="en-US" altLang="zh-CN" dirty="0" smtClean="0"/>
-              <a:t>Volume</a:t>
-            </a:r>
-            <a:r>
-              <a:rPr lang="zh-CN" altLang="en-US" dirty="0" smtClean="0"/>
-              <a:t>的生命周期和</a:t>
-            </a:r>
-            <a:r>
-              <a:rPr lang="en-US" altLang="zh-CN" dirty="0" smtClean="0"/>
-              <a:t>Pod</a:t>
-            </a:r>
-            <a:r>
-              <a:rPr lang="zh-CN" altLang="en-US" dirty="0" smtClean="0"/>
-              <a:t>相同，不受</a:t>
-            </a:r>
-            <a:r>
-              <a:rPr lang="en-US" altLang="zh-CN" dirty="0" smtClean="0"/>
-              <a:t>Pod</a:t>
-            </a:r>
-            <a:r>
-              <a:rPr lang="zh-CN" altLang="en-US" dirty="0" smtClean="0"/>
-              <a:t>中容器启动、停止、删除的影响。</a:t>
-            </a:r>
-            <a:endParaRPr lang="zh-CN" altLang="en-US" dirty="0" smtClean="0"/>
-          </a:p>
-          <a:p>
-            <a:endParaRPr lang="zh-CN" altLang="en-US" dirty="0" smtClean="0"/>
-          </a:p>
-          <a:p>
-            <a:r>
-              <a:rPr lang="en-US" altLang="zh-CN" dirty="0" smtClean="0"/>
-              <a:t>PV</a:t>
-            </a:r>
-            <a:r>
-              <a:rPr lang="zh-CN" altLang="en-US" dirty="0" smtClean="0"/>
-              <a:t>和普通</a:t>
-            </a:r>
-            <a:r>
-              <a:rPr lang="en-US" altLang="zh-CN" dirty="0" smtClean="0"/>
-              <a:t>Volume</a:t>
-            </a:r>
-            <a:r>
-              <a:rPr lang="zh-CN" altLang="en-US" dirty="0" smtClean="0"/>
-              <a:t>的区别在于：</a:t>
-            </a:r>
-            <a:endParaRPr lang="zh-CN" altLang="en-US" dirty="0" smtClean="0"/>
-          </a:p>
-          <a:p>
-            <a:r>
-              <a:rPr lang="en-US" altLang="zh-CN" dirty="0" smtClean="0"/>
-              <a:t>1</a:t>
-            </a:r>
-            <a:r>
-              <a:rPr lang="zh-CN" altLang="en-US" dirty="0" smtClean="0"/>
-              <a:t>、</a:t>
-            </a:r>
-            <a:r>
-              <a:rPr lang="en-US" altLang="zh-CN" dirty="0" smtClean="0"/>
-              <a:t>PV</a:t>
-            </a:r>
-            <a:r>
-              <a:rPr lang="zh-CN" altLang="en-US" dirty="0" smtClean="0"/>
-              <a:t>不属于任何</a:t>
-            </a:r>
-            <a:r>
-              <a:rPr lang="en-US" altLang="zh-CN" dirty="0" smtClean="0"/>
-              <a:t>Node</a:t>
-            </a:r>
-            <a:r>
-              <a:rPr lang="zh-CN" altLang="en-US" dirty="0" smtClean="0"/>
-              <a:t>，但是可以在每个</a:t>
-            </a:r>
-            <a:r>
-              <a:rPr lang="en-US" altLang="zh-CN" dirty="0" smtClean="0"/>
-              <a:t>Node</a:t>
-            </a:r>
-            <a:r>
-              <a:rPr lang="zh-CN" altLang="en-US" dirty="0" smtClean="0"/>
-              <a:t>上访问。</a:t>
-            </a:r>
-            <a:endParaRPr lang="zh-CN" altLang="en-US" dirty="0" smtClean="0"/>
-          </a:p>
-          <a:p>
-            <a:r>
-              <a:rPr lang="en-US" altLang="zh-CN" dirty="0" smtClean="0"/>
-              <a:t>2</a:t>
-            </a:r>
-            <a:r>
-              <a:rPr lang="zh-CN" altLang="en-US" dirty="0" smtClean="0"/>
-              <a:t>、</a:t>
-            </a:r>
-            <a:r>
-              <a:rPr lang="en-US" altLang="zh-CN" dirty="0" smtClean="0"/>
-              <a:t>PV</a:t>
-            </a:r>
-            <a:r>
-              <a:rPr lang="zh-CN" altLang="en-US" dirty="0" smtClean="0"/>
-              <a:t>不是定义在</a:t>
-            </a:r>
-            <a:r>
-              <a:rPr lang="en-US" altLang="zh-CN" dirty="0" smtClean="0"/>
-              <a:t>Pod</a:t>
-            </a:r>
-            <a:r>
-              <a:rPr lang="zh-CN" altLang="en-US" dirty="0" smtClean="0"/>
-              <a:t>上，而是独立于</a:t>
-            </a:r>
-            <a:r>
-              <a:rPr lang="en-US" altLang="zh-CN" dirty="0" smtClean="0"/>
-              <a:t>Pod</a:t>
-            </a:r>
-            <a:r>
-              <a:rPr lang="zh-CN" altLang="en-US" dirty="0" smtClean="0"/>
-              <a:t>的存在。</a:t>
-            </a:r>
-            <a:endParaRPr lang="zh-CN" altLang="en-US" dirty="0" smtClean="0"/>
-          </a:p>
-          <a:p>
-            <a:r>
-              <a:rPr lang="en-US" altLang="zh-CN" dirty="0" smtClean="0"/>
-              <a:t>3</a:t>
-            </a:r>
-            <a:r>
-              <a:rPr lang="zh-CN" altLang="en-US" dirty="0" smtClean="0"/>
-              <a:t>、</a:t>
-            </a:r>
-            <a:r>
-              <a:rPr lang="en-US" altLang="zh-CN" dirty="0" smtClean="0"/>
-              <a:t>PV</a:t>
-            </a:r>
-            <a:r>
-              <a:rPr lang="zh-CN" altLang="en-US" dirty="0" smtClean="0"/>
-              <a:t>支持的存储类型没有</a:t>
-            </a:r>
-            <a:r>
-              <a:rPr lang="en-US" altLang="zh-CN" dirty="0" smtClean="0"/>
-              <a:t>Volume</a:t>
-            </a:r>
-            <a:r>
-              <a:rPr lang="zh-CN" altLang="en-US" dirty="0" smtClean="0"/>
-              <a:t>多。</a:t>
-            </a:r>
-            <a:endParaRPr lang="zh-CN" altLang="en-US" dirty="0" smtClean="0"/>
+              <a:rPr lang="zh-CN" altLang="en-US" smtClean="0"/>
+              <a:t>集群能够实现精细化管理的基础。</a:t>
+            </a:r>
+            <a:endParaRPr lang="en-US" altLang="zh-CN" smtClean="0"/>
           </a:p>
         </p:txBody>
       </p:sp>
@@ -9500,7 +11712,7 @@
           <p:nvPr/>
         </p:nvPicPr>
         <p:blipFill>
-          <a:blip r:embed="rId1" cstate="print">
+          <a:blip r:embed="rId2" cstate="print">
             <a:extLst>
               <a:ext uri="{28A0092B-C50C-407E-A947-70E740481C1C}">
                 <a14:useLocalDpi xmlns:a14="http://schemas.microsoft.com/office/drawing/2010/main" val="0"/>
@@ -9530,7 +11742,7 @@
         <p:spPr>
           <a:xfrm>
             <a:off x="488875" y="158339"/>
-            <a:ext cx="3695197" cy="615542"/>
+            <a:ext cx="4221670" cy="615542"/>
           </a:xfrm>
           <a:prstGeom prst="rect">
             <a:avLst/>
@@ -9621,7 +11833,7 @@
               <a:buNone/>
             </a:pPr>
             <a:r>
-              <a:rPr lang="en-US" altLang="zh-CN" sz="2800" b="1" dirty="0" smtClean="0">
+              <a:rPr lang="en-US" altLang="zh-CN" sz="2800" b="1" smtClean="0">
                 <a:solidFill>
                   <a:schemeClr val="tx1">
                     <a:lumMod val="85000"/>
@@ -9631,9 +11843,9 @@
                 <a:latin typeface="微软雅黑" panose="020B0503020204020204" pitchFamily="34" charset="-122"/>
                 <a:ea typeface="微软雅黑" panose="020B0503020204020204" pitchFamily="34" charset="-122"/>
               </a:rPr>
-              <a:t>API Server</a:t>
-            </a:r>
-            <a:endParaRPr lang="zh-CN" altLang="en-US" sz="2800" b="1" kern="1200" dirty="0">
+              <a:t>k8s-Service</a:t>
+            </a:r>
+            <a:endParaRPr lang="zh-CN" altLang="en-US" sz="2800" b="1" kern="1200">
               <a:solidFill>
                 <a:schemeClr val="tx1">
                   <a:lumMod val="85000"/>
@@ -9744,14 +11956,14 @@
       </p:sp>
       <p:sp>
         <p:nvSpPr>
-          <p:cNvPr id="7" name="文本框 6"/>
+          <p:cNvPr id="3" name="文本框 2"/>
           <p:cNvSpPr txBox="1"/>
           <p:nvPr/>
         </p:nvSpPr>
         <p:spPr>
           <a:xfrm>
-            <a:off x="637309" y="928255"/>
-            <a:ext cx="11208327" cy="3970318"/>
+            <a:off x="488874" y="773881"/>
+            <a:ext cx="11528314" cy="3692525"/>
           </a:xfrm>
           <a:prstGeom prst="rect">
             <a:avLst/>
@@ -9765,301 +11977,368 @@
           <a:lstStyle/>
           <a:p>
             <a:r>
-              <a:rPr lang="en-US" altLang="zh-CN" dirty="0" smtClean="0"/>
-              <a:t>1</a:t>
-            </a:r>
-            <a:r>
-              <a:rPr lang="zh-CN" altLang="en-US" dirty="0" smtClean="0"/>
-              <a:t>、提供了用户管理集群的</a:t>
-            </a:r>
-            <a:r>
-              <a:rPr lang="en-US" altLang="zh-CN" dirty="0" smtClean="0"/>
-              <a:t>API</a:t>
-            </a:r>
-            <a:r>
-              <a:rPr lang="zh-CN" altLang="en-US" dirty="0" smtClean="0"/>
-              <a:t>接口，包括认证、校验、状态变更等。</a:t>
-            </a:r>
-            <a:endParaRPr lang="en-US" altLang="zh-CN" dirty="0" smtClean="0"/>
-          </a:p>
-          <a:p>
-            <a:r>
-              <a:rPr lang="en-US" altLang="zh-CN" dirty="0" smtClean="0"/>
-              <a:t>2</a:t>
-            </a:r>
-            <a:r>
-              <a:rPr lang="zh-CN" altLang="en-US" dirty="0" smtClean="0"/>
-              <a:t>、提供了模块间数据交互的接口。只有</a:t>
-            </a:r>
-            <a:r>
-              <a:rPr lang="en-US" altLang="zh-CN" dirty="0" smtClean="0"/>
-              <a:t>API server</a:t>
-            </a:r>
-            <a:r>
-              <a:rPr lang="zh-CN" altLang="en-US" dirty="0" smtClean="0"/>
-              <a:t>才能直接操作</a:t>
-            </a:r>
-            <a:r>
-              <a:rPr lang="en-US" altLang="zh-CN" dirty="0" err="1" smtClean="0"/>
-              <a:t>etcd</a:t>
-            </a:r>
-            <a:r>
-              <a:rPr lang="zh-CN" altLang="en-US" dirty="0" smtClean="0"/>
+              <a:rPr lang="zh-CN" altLang="en-US" smtClean="0"/>
+              <a:t>在</a:t>
+            </a:r>
+            <a:r>
+              <a:rPr lang="en-US" altLang="zh-CN" smtClean="0"/>
+              <a:t>k8s</a:t>
+            </a:r>
+            <a:r>
+              <a:rPr lang="zh-CN" altLang="en-US" smtClean="0"/>
+              <a:t>的集群里，每个</a:t>
+            </a:r>
+            <a:r>
+              <a:rPr lang="en-US" altLang="zh-CN" smtClean="0"/>
+              <a:t>Pod</a:t>
+            </a:r>
+            <a:r>
+              <a:rPr lang="zh-CN" altLang="en-US" smtClean="0"/>
+              <a:t>会被分配一个单独的</a:t>
+            </a:r>
+            <a:r>
+              <a:rPr lang="en-US" altLang="zh-CN" smtClean="0"/>
+              <a:t>IP</a:t>
+            </a:r>
+            <a:r>
+              <a:rPr lang="zh-CN" altLang="en-US" smtClean="0"/>
+              <a:t>地址，且每个</a:t>
+            </a:r>
+            <a:r>
+              <a:rPr lang="en-US" altLang="zh-CN" smtClean="0"/>
+              <a:t>Pod</a:t>
+            </a:r>
+            <a:r>
+              <a:rPr lang="zh-CN" altLang="en-US" smtClean="0"/>
+              <a:t>都提供了独立的</a:t>
+            </a:r>
+            <a:r>
+              <a:rPr lang="en-US" altLang="zh-CN" smtClean="0"/>
+              <a:t>Endpoint(Pod IP + Container Port)</a:t>
+            </a:r>
+            <a:r>
+              <a:rPr lang="zh-CN" altLang="en-US" smtClean="0"/>
+              <a:t>以被客户端访问。但是</a:t>
+            </a:r>
+            <a:r>
+              <a:rPr lang="en-US" altLang="zh-CN" smtClean="0"/>
+              <a:t>Pod</a:t>
+            </a:r>
+            <a:r>
+              <a:rPr lang="zh-CN" altLang="en-US" smtClean="0"/>
+              <a:t>是会被销毁和重新创建的，新建的</a:t>
+            </a:r>
+            <a:r>
+              <a:rPr lang="en-US" altLang="zh-CN" smtClean="0"/>
+              <a:t>Pod</a:t>
+            </a:r>
+            <a:r>
+              <a:rPr lang="zh-CN" altLang="en-US" smtClean="0"/>
+              <a:t>拥有的</a:t>
+            </a:r>
+            <a:r>
+              <a:rPr lang="en-US" altLang="zh-CN" smtClean="0"/>
+              <a:t>IP</a:t>
+            </a:r>
+            <a:r>
+              <a:rPr lang="zh-CN" altLang="en-US" smtClean="0"/>
+              <a:t>地址与旧</a:t>
+            </a:r>
+            <a:r>
+              <a:rPr lang="en-US" altLang="zh-CN" smtClean="0"/>
+              <a:t>Pod</a:t>
+            </a:r>
+            <a:r>
+              <a:rPr lang="zh-CN" altLang="en-US" smtClean="0"/>
+              <a:t>的</a:t>
+            </a:r>
+            <a:r>
+              <a:rPr lang="en-US" altLang="zh-CN" smtClean="0"/>
+              <a:t>IP</a:t>
+            </a:r>
+            <a:r>
+              <a:rPr lang="zh-CN" altLang="en-US" smtClean="0"/>
+              <a:t>可能不同。这样的设定对于前端应用来访问</a:t>
+            </a:r>
+            <a:r>
+              <a:rPr lang="en-US" altLang="zh-CN" smtClean="0"/>
+              <a:t>Pod</a:t>
+            </a:r>
+            <a:r>
+              <a:rPr lang="zh-CN" altLang="en-US" smtClean="0"/>
+              <a:t>里面的容器是非常不友好的。</a:t>
+            </a:r>
+            <a:endParaRPr lang="en-US" altLang="zh-CN" smtClean="0"/>
+          </a:p>
+          <a:p>
+            <a:endParaRPr lang="en-US" altLang="zh-CN"/>
+          </a:p>
+          <a:p>
+            <a:r>
+              <a:rPr lang="en-US" altLang="zh-CN" smtClean="0"/>
+              <a:t>k8s</a:t>
+            </a:r>
+            <a:r>
+              <a:rPr lang="zh-CN" altLang="en-US" smtClean="0"/>
+              <a:t>为每个</a:t>
+            </a:r>
+            <a:r>
+              <a:rPr lang="en-US" altLang="zh-CN" smtClean="0"/>
+              <a:t>Service</a:t>
+            </a:r>
+            <a:r>
+              <a:rPr lang="zh-CN" altLang="en-US" smtClean="0"/>
+              <a:t>分配了全局唯一的虚拟</a:t>
+            </a:r>
+            <a:r>
+              <a:rPr lang="en-US" altLang="zh-CN" smtClean="0"/>
+              <a:t>IP(Cluster IP)</a:t>
+            </a:r>
+            <a:r>
+              <a:rPr lang="zh-CN" altLang="en-US" smtClean="0"/>
               <a:t>。</a:t>
             </a:r>
-            <a:endParaRPr lang="en-US" altLang="zh-CN" dirty="0" smtClean="0"/>
-          </a:p>
-          <a:p>
-            <a:endParaRPr lang="en-US" altLang="zh-CN" dirty="0"/>
-          </a:p>
-          <a:p>
-            <a:r>
-              <a:rPr lang="en-US" altLang="zh-CN" dirty="0" smtClean="0"/>
+            <a:r>
+              <a:rPr lang="en-US" altLang="zh-CN" smtClean="0"/>
+              <a:t>Service</a:t>
+            </a:r>
+            <a:r>
+              <a:rPr lang="zh-CN" altLang="en-US" smtClean="0"/>
+              <a:t>整个生命周期之内</a:t>
+            </a:r>
+            <a:r>
+              <a:rPr lang="en-US" altLang="zh-CN" smtClean="0"/>
+              <a:t>Cluster IP</a:t>
+            </a:r>
+            <a:r>
+              <a:rPr lang="zh-CN" altLang="en-US" smtClean="0"/>
+              <a:t>不会变。</a:t>
+            </a:r>
+            <a:r>
+              <a:rPr lang="en-US" altLang="zh-CN" smtClean="0"/>
               <a:t>k8s</a:t>
             </a:r>
             <a:r>
-              <a:rPr lang="zh-CN" altLang="en-US" dirty="0" smtClean="0"/>
+              <a:rPr lang="zh-CN" altLang="en-US" smtClean="0"/>
               <a:t>通过</a:t>
             </a:r>
             <a:r>
-              <a:rPr lang="en-US" altLang="zh-CN" dirty="0" err="1" smtClean="0"/>
-              <a:t>kube-apiserver</a:t>
-            </a:r>
-            <a:r>
-              <a:rPr lang="zh-CN" altLang="en-US" dirty="0" smtClean="0"/>
-              <a:t>这个进程提供</a:t>
-            </a:r>
-            <a:r>
-              <a:rPr lang="en-US" altLang="zh-CN" dirty="0" smtClean="0"/>
-              <a:t>API</a:t>
-            </a:r>
-            <a:r>
-              <a:rPr lang="zh-CN" altLang="en-US" dirty="0" smtClean="0"/>
-              <a:t>服务，有两个服务端口。</a:t>
-            </a:r>
-            <a:endParaRPr lang="en-US" altLang="zh-CN" dirty="0" smtClean="0"/>
-          </a:p>
-          <a:p>
-            <a:r>
-              <a:rPr lang="zh-CN" altLang="en-US" dirty="0" smtClean="0"/>
-              <a:t>本地端口</a:t>
-            </a:r>
-            <a:endParaRPr lang="en-US" altLang="zh-CN" dirty="0" smtClean="0"/>
-          </a:p>
-          <a:p>
-            <a:r>
-              <a:rPr lang="en-US" altLang="zh-CN" dirty="0" smtClean="0"/>
-              <a:t>-</a:t>
-            </a:r>
-            <a:r>
-              <a:rPr lang="zh-CN" altLang="en-US" dirty="0" smtClean="0"/>
-              <a:t>默认</a:t>
-            </a:r>
-            <a:r>
-              <a:rPr lang="en-US" altLang="zh-CN" dirty="0" smtClean="0"/>
-              <a:t>8080</a:t>
-            </a:r>
-            <a:r>
-              <a:rPr lang="zh-CN" altLang="en-US" dirty="0" smtClean="0"/>
-              <a:t>，通过启动参数</a:t>
-            </a:r>
-            <a:r>
-              <a:rPr lang="en-US" altLang="zh-CN" dirty="0" smtClean="0"/>
-              <a:t>—insecure-port</a:t>
-            </a:r>
-            <a:r>
-              <a:rPr lang="zh-CN" altLang="en-US" dirty="0" smtClean="0"/>
-              <a:t>来修改默认端口。</a:t>
-            </a:r>
-            <a:endParaRPr lang="en-US" altLang="zh-CN" dirty="0" smtClean="0"/>
-          </a:p>
-          <a:p>
-            <a:r>
-              <a:rPr lang="en-US" altLang="zh-CN" dirty="0" smtClean="0"/>
-              <a:t>-</a:t>
-            </a:r>
-            <a:r>
-              <a:rPr lang="zh-CN" altLang="en-US" dirty="0" smtClean="0"/>
-              <a:t>默认</a:t>
-            </a:r>
-            <a:r>
-              <a:rPr lang="en-US" altLang="zh-CN" dirty="0" smtClean="0"/>
+              <a:rPr lang="en-US" altLang="zh-CN" smtClean="0"/>
+              <a:t>Service</a:t>
+            </a:r>
+            <a:r>
+              <a:rPr lang="zh-CN" altLang="en-US" smtClean="0"/>
+              <a:t>把</a:t>
+            </a:r>
+            <a:r>
+              <a:rPr lang="en-US" altLang="zh-CN" smtClean="0"/>
+              <a:t>Node</a:t>
+            </a:r>
+            <a:r>
+              <a:rPr lang="zh-CN" altLang="en-US" smtClean="0"/>
+              <a:t>、</a:t>
+            </a:r>
+            <a:r>
+              <a:rPr lang="en-US" altLang="zh-CN" smtClean="0"/>
+              <a:t>Pod</a:t>
+            </a:r>
+            <a:r>
+              <a:rPr lang="zh-CN" altLang="en-US" smtClean="0"/>
+              <a:t>、</a:t>
+            </a:r>
+            <a:r>
+              <a:rPr lang="en-US" altLang="zh-CN" smtClean="0"/>
+              <a:t>Container</a:t>
+            </a:r>
+            <a:r>
+              <a:rPr lang="zh-CN" altLang="en-US" smtClean="0"/>
+              <a:t>在网络层面的变化给屏蔽了。</a:t>
+            </a:r>
+            <a:endParaRPr lang="en-US" altLang="zh-CN" smtClean="0"/>
+          </a:p>
+          <a:p>
+            <a:endParaRPr lang="en-US" altLang="zh-CN"/>
+          </a:p>
+          <a:p>
+            <a:r>
+              <a:rPr lang="zh-CN" altLang="en-US" smtClean="0"/>
+              <a:t>比如</a:t>
+            </a:r>
+            <a:r>
+              <a:rPr lang="en-US" altLang="zh-CN" smtClean="0"/>
+              <a:t>k8s</a:t>
+            </a:r>
+            <a:r>
+              <a:rPr lang="zh-CN" altLang="en-US" smtClean="0"/>
+              <a:t>的集群里有若干个</a:t>
+            </a:r>
+            <a:r>
+              <a:rPr lang="en-US" altLang="zh-CN" smtClean="0"/>
+              <a:t>Pod</a:t>
+            </a:r>
+            <a:r>
+              <a:rPr lang="zh-CN" altLang="en-US" smtClean="0"/>
+              <a:t>都部署了</a:t>
+            </a:r>
+            <a:r>
+              <a:rPr lang="en-US" altLang="zh-CN" smtClean="0"/>
+              <a:t>HTTP</a:t>
+            </a:r>
+            <a:r>
+              <a:rPr lang="zh-CN" altLang="en-US" smtClean="0"/>
+              <a:t>代理服务器，这时候就可以创建一个</a:t>
+            </a:r>
+            <a:r>
+              <a:rPr lang="en-US" altLang="zh-CN" smtClean="0"/>
+              <a:t>Service</a:t>
+            </a:r>
+            <a:r>
+              <a:rPr lang="zh-CN" altLang="en-US" smtClean="0"/>
+              <a:t>，通过</a:t>
+            </a:r>
+            <a:r>
+              <a:rPr lang="en-US" altLang="zh-CN" err="1" smtClean="0"/>
+              <a:t>Label:”HTTP</a:t>
+            </a:r>
+            <a:r>
+              <a:rPr lang="en-US" altLang="zh-CN" smtClean="0"/>
+              <a:t> Proxy”</a:t>
+            </a:r>
+            <a:r>
+              <a:rPr lang="zh-CN" altLang="en-US" smtClean="0"/>
+              <a:t>与所有部署了</a:t>
+            </a:r>
+            <a:r>
+              <a:rPr lang="en-US" altLang="zh-CN" smtClean="0"/>
+              <a:t>HTTP</a:t>
+            </a:r>
+            <a:r>
+              <a:rPr lang="zh-CN" altLang="en-US" smtClean="0"/>
+              <a:t>代理服务器的</a:t>
+            </a:r>
+            <a:r>
+              <a:rPr lang="en-US" altLang="zh-CN" smtClean="0"/>
+              <a:t>Pod</a:t>
+            </a:r>
+            <a:r>
+              <a:rPr lang="zh-CN" altLang="en-US" smtClean="0"/>
+              <a:t>关联起来。然后定义</a:t>
+            </a:r>
+            <a:r>
+              <a:rPr lang="en-US" altLang="zh-CN" smtClean="0"/>
+              <a:t>Service</a:t>
+            </a:r>
+            <a:r>
+              <a:rPr lang="zh-CN" altLang="en-US" smtClean="0"/>
+              <a:t>服务端口为</a:t>
+            </a:r>
+            <a:r>
+              <a:rPr lang="en-US" altLang="zh-CN" smtClean="0"/>
+              <a:t>80</a:t>
+            </a:r>
+            <a:r>
+              <a:rPr lang="zh-CN" altLang="en-US" smtClean="0"/>
+              <a:t>。这样</a:t>
+            </a:r>
+            <a:r>
+              <a:rPr lang="en-US" altLang="zh-CN" smtClean="0"/>
+              <a:t>k8s</a:t>
+            </a:r>
+            <a:r>
+              <a:rPr lang="zh-CN" altLang="en-US" smtClean="0"/>
+              <a:t>集群内部其他</a:t>
+            </a:r>
+            <a:r>
+              <a:rPr lang="en-US" altLang="zh-CN" smtClean="0"/>
+              <a:t>Pod</a:t>
+            </a:r>
+            <a:r>
+              <a:rPr lang="zh-CN" altLang="en-US" smtClean="0"/>
+              <a:t>通过</a:t>
+            </a:r>
+            <a:r>
+              <a:rPr lang="en-US" altLang="zh-CN" smtClean="0"/>
+              <a:t>Service</a:t>
+            </a:r>
+            <a:r>
+              <a:rPr lang="zh-CN" altLang="en-US" smtClean="0"/>
+              <a:t>的</a:t>
+            </a:r>
+            <a:r>
+              <a:rPr lang="en-US" altLang="zh-CN" smtClean="0"/>
+              <a:t>Cluster IP+80</a:t>
+            </a:r>
+            <a:r>
+              <a:rPr lang="zh-CN" altLang="en-US" smtClean="0"/>
+              <a:t>端口就可以访问</a:t>
+            </a:r>
+            <a:r>
+              <a:rPr lang="en-US" altLang="zh-CN" smtClean="0"/>
+              <a:t>k8s</a:t>
+            </a:r>
+            <a:r>
+              <a:rPr lang="zh-CN" altLang="en-US" smtClean="0"/>
+              <a:t>内的所有</a:t>
+            </a:r>
+            <a:r>
+              <a:rPr lang="en-US" altLang="zh-CN" smtClean="0"/>
+              <a:t>HTTP</a:t>
+            </a:r>
+            <a:r>
+              <a:rPr lang="zh-CN" altLang="en-US" smtClean="0"/>
+              <a:t>代理服务器，而不需要关心部署这些</a:t>
+            </a:r>
+            <a:r>
+              <a:rPr lang="en-US" altLang="zh-CN" smtClean="0"/>
+              <a:t>HTTP</a:t>
+            </a:r>
+            <a:r>
+              <a:rPr lang="zh-CN" altLang="en-US" smtClean="0"/>
+              <a:t>代理服务器的</a:t>
+            </a:r>
+            <a:r>
+              <a:rPr lang="en-US" altLang="zh-CN" smtClean="0"/>
+              <a:t>Pod</a:t>
+            </a:r>
+            <a:r>
+              <a:rPr lang="zh-CN" altLang="en-US" smtClean="0"/>
+              <a:t>是否发生了</a:t>
+            </a:r>
+            <a:r>
+              <a:rPr lang="en-US" altLang="zh-CN" smtClean="0"/>
               <a:t>IP</a:t>
             </a:r>
             <a:r>
-              <a:rPr lang="zh-CN" altLang="en-US" dirty="0" smtClean="0"/>
-              <a:t>地址为</a:t>
-            </a:r>
-            <a:r>
-              <a:rPr lang="en-US" altLang="zh-CN" dirty="0" smtClean="0"/>
-              <a:t>localhost</a:t>
-            </a:r>
-            <a:r>
-              <a:rPr lang="zh-CN" altLang="en-US" dirty="0" smtClean="0"/>
-              <a:t>，通过启动参数</a:t>
-            </a:r>
-            <a:r>
-              <a:rPr lang="en-US" altLang="zh-CN" dirty="0" smtClean="0"/>
-              <a:t>—insecure-bind-address</a:t>
-            </a:r>
-            <a:r>
-              <a:rPr lang="zh-CN" altLang="en-US" dirty="0" smtClean="0"/>
-              <a:t>来修改</a:t>
-            </a:r>
-            <a:r>
-              <a:rPr lang="en-US" altLang="zh-CN" dirty="0" smtClean="0"/>
-              <a:t>IP</a:t>
-            </a:r>
-            <a:r>
-              <a:rPr lang="zh-CN" altLang="en-US" dirty="0" smtClean="0"/>
-              <a:t>地址。</a:t>
-            </a:r>
-            <a:endParaRPr lang="en-US" altLang="zh-CN" dirty="0" smtClean="0"/>
-          </a:p>
-          <a:p>
-            <a:r>
-              <a:rPr lang="en-US" altLang="zh-CN" dirty="0" smtClean="0"/>
-              <a:t>-</a:t>
-            </a:r>
-            <a:r>
-              <a:rPr lang="zh-CN" altLang="en-US" dirty="0" smtClean="0"/>
-              <a:t>用于接收</a:t>
-            </a:r>
-            <a:r>
-              <a:rPr lang="en-US" altLang="zh-CN" dirty="0" smtClean="0"/>
-              <a:t>HTTP</a:t>
-            </a:r>
-            <a:r>
-              <a:rPr lang="zh-CN" altLang="en-US" dirty="0" smtClean="0"/>
-              <a:t>请求，不需要认证或授权通过该端口访问</a:t>
-            </a:r>
-            <a:r>
-              <a:rPr lang="en-US" altLang="zh-CN" dirty="0" smtClean="0"/>
-              <a:t>API server</a:t>
-            </a:r>
-            <a:r>
-              <a:rPr lang="zh-CN" altLang="en-US" dirty="0" smtClean="0"/>
-              <a:t>。</a:t>
-            </a:r>
-            <a:endParaRPr lang="en-US" altLang="zh-CN" dirty="0" smtClean="0"/>
-          </a:p>
-          <a:p>
-            <a:endParaRPr lang="en-US" altLang="zh-CN" dirty="0"/>
-          </a:p>
-          <a:p>
-            <a:r>
-              <a:rPr lang="zh-CN" altLang="en-US" dirty="0" smtClean="0"/>
-              <a:t>安全端口</a:t>
-            </a:r>
-            <a:endParaRPr lang="en-US" altLang="zh-CN" dirty="0" smtClean="0"/>
-          </a:p>
-          <a:p>
-            <a:r>
-              <a:rPr lang="en-US" altLang="zh-CN" dirty="0" smtClean="0"/>
-              <a:t>-</a:t>
-            </a:r>
-            <a:r>
-              <a:rPr lang="zh-CN" altLang="en-US" dirty="0" smtClean="0"/>
-              <a:t>默认</a:t>
-            </a:r>
-            <a:r>
-              <a:rPr lang="en-US" altLang="zh-CN" dirty="0" smtClean="0"/>
-              <a:t>6443</a:t>
-            </a:r>
-            <a:r>
-              <a:rPr lang="zh-CN" altLang="en-US" dirty="0" smtClean="0"/>
-              <a:t>，通过启动参数</a:t>
-            </a:r>
-            <a:r>
-              <a:rPr lang="en-US" altLang="zh-CN" dirty="0" smtClean="0"/>
-              <a:t>—secure-port</a:t>
-            </a:r>
-            <a:r>
-              <a:rPr lang="zh-CN" altLang="en-US" dirty="0" smtClean="0"/>
-              <a:t>来修改默认端口。</a:t>
-            </a:r>
-            <a:endParaRPr lang="en-US" altLang="zh-CN" dirty="0" smtClean="0"/>
-          </a:p>
-          <a:p>
-            <a:r>
-              <a:rPr lang="en-US" altLang="zh-CN" dirty="0" smtClean="0"/>
-              <a:t>-</a:t>
-            </a:r>
-            <a:r>
-              <a:rPr lang="zh-CN" altLang="en-US" dirty="0" smtClean="0"/>
-              <a:t>默认</a:t>
-            </a:r>
-            <a:r>
-              <a:rPr lang="en-US" altLang="zh-CN" dirty="0" smtClean="0"/>
-              <a:t>IP</a:t>
-            </a:r>
-            <a:r>
-              <a:rPr lang="zh-CN" altLang="en-US" dirty="0" smtClean="0"/>
-              <a:t>地址为？？，通过启动参数</a:t>
-            </a:r>
-            <a:r>
-              <a:rPr lang="en-US" altLang="zh-CN" dirty="0" smtClean="0"/>
-              <a:t>—bind-address</a:t>
-            </a:r>
-            <a:r>
-              <a:rPr lang="zh-CN" altLang="en-US" dirty="0" smtClean="0"/>
-              <a:t>来修改</a:t>
-            </a:r>
-            <a:r>
-              <a:rPr lang="en-US" altLang="zh-CN" dirty="0" smtClean="0"/>
-              <a:t>IP</a:t>
-            </a:r>
-            <a:r>
-              <a:rPr lang="zh-CN" altLang="en-US" dirty="0" smtClean="0"/>
-              <a:t>地址。</a:t>
-            </a:r>
-            <a:endParaRPr lang="en-US" altLang="zh-CN" dirty="0" smtClean="0"/>
-          </a:p>
-          <a:p>
-            <a:r>
-              <a:rPr lang="en-US" altLang="zh-CN" dirty="0" smtClean="0"/>
-              <a:t>-</a:t>
-            </a:r>
-            <a:r>
-              <a:rPr lang="zh-CN" altLang="en-US" dirty="0" smtClean="0"/>
-              <a:t>用于接收</a:t>
-            </a:r>
-            <a:r>
-              <a:rPr lang="en-US" altLang="zh-CN" dirty="0" smtClean="0"/>
-              <a:t>HTTPS</a:t>
-            </a:r>
-            <a:r>
-              <a:rPr lang="zh-CN" altLang="en-US" dirty="0" smtClean="0"/>
-              <a:t>请求，基于</a:t>
-            </a:r>
-            <a:r>
-              <a:rPr lang="en-US" altLang="zh-CN" dirty="0" err="1" smtClean="0"/>
-              <a:t>tocken</a:t>
-            </a:r>
-            <a:r>
-              <a:rPr lang="zh-CN" altLang="en-US" dirty="0" smtClean="0"/>
-              <a:t>文件或者证书及</a:t>
-            </a:r>
-            <a:r>
-              <a:rPr lang="en-US" altLang="zh-CN" dirty="0" smtClean="0"/>
-              <a:t>HTTP Base</a:t>
-            </a:r>
-            <a:r>
-              <a:rPr lang="zh-CN" altLang="en-US" dirty="0" smtClean="0"/>
-              <a:t>的认证。</a:t>
-            </a:r>
-            <a:endParaRPr lang="en-US" altLang="zh-CN" dirty="0" smtClean="0"/>
-          </a:p>
-          <a:p>
-            <a:r>
-              <a:rPr lang="en-US" altLang="zh-CN" dirty="0" smtClean="0"/>
-              <a:t>-</a:t>
-            </a:r>
-            <a:r>
-              <a:rPr lang="zh-CN" altLang="en-US" dirty="0" smtClean="0"/>
-              <a:t>默认不启动访问控制策略。</a:t>
-            </a:r>
-            <a:endParaRPr lang="zh-CN" altLang="en-US" dirty="0"/>
+              <a:rPr lang="zh-CN" altLang="en-US" smtClean="0"/>
+              <a:t>变化。</a:t>
+            </a:r>
+            <a:endParaRPr lang="en-US" altLang="zh-CN" smtClean="0"/>
+          </a:p>
+          <a:p>
+            <a:endParaRPr lang="en-US" altLang="zh-CN"/>
+          </a:p>
+          <a:p>
+            <a:r>
+              <a:rPr lang="zh-CN" altLang="en-US" smtClean="0"/>
+              <a:t>如果某个</a:t>
+            </a:r>
+            <a:r>
+              <a:rPr lang="en-US" altLang="zh-CN" smtClean="0"/>
+              <a:t>Service</a:t>
+            </a:r>
+            <a:r>
+              <a:rPr lang="zh-CN" altLang="en-US" smtClean="0"/>
+              <a:t>需要用到多端口，只需要给不同端口设定</a:t>
+            </a:r>
+            <a:r>
+              <a:rPr lang="en-US" altLang="zh-CN" smtClean="0"/>
+              <a:t>”name”</a:t>
+            </a:r>
+            <a:r>
+              <a:rPr lang="zh-CN" altLang="en-US" smtClean="0"/>
+              <a:t>属性即可。</a:t>
+            </a:r>
+            <a:endParaRPr lang="en-US" altLang="zh-CN" smtClean="0"/>
           </a:p>
         </p:txBody>
       </p:sp>
@@ -10322,6 +12601,8 @@
       </a:bgFillStyleLst>
     </a:fmtScheme>
   </a:themeElements>
+  <a:objectDefaults/>
+  <a:extraClrSchemeLst/>
   <a:extLst>
     <a:ext uri="{05A4C25C-085E-4340-85A3-A5531E510DB2}">
       <thm15:themeFamily xmlns:thm15="http://schemas.microsoft.com/office/thememl/2012/main" name="Office Theme" id="{62F939B6-93AF-4DB8-9C6B-D6C7DFDC589F}" vid="{4A3C46E8-61CC-4603-A589-7422A47A8E4A}"/>
